--- a/Introduction to Ext JS.pptx
+++ b/Introduction to Ext JS.pptx
@@ -5,7 +5,7 @@
     <p:sldMasterId id="2147483648" r:id="rId1"/>
   </p:sldMasterIdLst>
   <p:notesMasterIdLst>
-    <p:notesMasterId r:id="rId11"/>
+    <p:notesMasterId r:id="rId17"/>
   </p:notesMasterIdLst>
   <p:sldIdLst>
     <p:sldId id="256" r:id="rId2"/>
@@ -15,8 +15,14 @@
     <p:sldId id="259" r:id="rId6"/>
     <p:sldId id="262" r:id="rId7"/>
     <p:sldId id="261" r:id="rId8"/>
-    <p:sldId id="263" r:id="rId9"/>
-    <p:sldId id="264" r:id="rId10"/>
+    <p:sldId id="277" r:id="rId9"/>
+    <p:sldId id="278" r:id="rId10"/>
+    <p:sldId id="279" r:id="rId11"/>
+    <p:sldId id="280" r:id="rId12"/>
+    <p:sldId id="263" r:id="rId13"/>
+    <p:sldId id="265" r:id="rId14"/>
+    <p:sldId id="269" r:id="rId15"/>
+    <p:sldId id="273" r:id="rId16"/>
   </p:sldIdLst>
   <p:sldSz cx="12192000" cy="6858000"/>
   <p:notesSz cx="6858000" cy="9144000"/>
@@ -370,7 +376,7 @@
     </p:spTree>
     <p:extLst>
       <p:ext uri="{BB962C8B-B14F-4D97-AF65-F5344CB8AC3E}">
-        <p14:creationId xmlns:p14="http://schemas.microsoft.com/office/powerpoint/2010/main" xmlns="" val="4231792222"/>
+        <p14:creationId xmlns="" xmlns:p14="http://schemas.microsoft.com/office/powerpoint/2010/main" val="4231792222"/>
       </p:ext>
     </p:extLst>
   </p:cSld>
@@ -545,7 +551,1503 @@
     </p:spTree>
     <p:extLst>
       <p:ext uri="{BB962C8B-B14F-4D97-AF65-F5344CB8AC3E}">
-        <p14:creationId xmlns:p14="http://schemas.microsoft.com/office/powerpoint/2010/main" xmlns="" val="290208725"/>
+        <p14:creationId xmlns="" xmlns:p14="http://schemas.microsoft.com/office/powerpoint/2010/main" val="290208725"/>
+      </p:ext>
+    </p:extLst>
+  </p:cSld>
+  <p:clrMapOvr>
+    <a:masterClrMapping/>
+  </p:clrMapOvr>
+</p:notes>
+</file>
+
+<file path=ppt/notesSlides/notesSlide10.xml><?xml version="1.0" encoding="utf-8"?>
+<p:notes xmlns:a="http://schemas.openxmlformats.org/drawingml/2006/main" xmlns:r="http://schemas.openxmlformats.org/officeDocument/2006/relationships" xmlns:p="http://schemas.openxmlformats.org/presentationml/2006/main">
+  <p:cSld>
+    <p:spTree>
+      <p:nvGrpSpPr>
+        <p:cNvPr id="1" name=""/>
+        <p:cNvGrpSpPr/>
+        <p:nvPr/>
+      </p:nvGrpSpPr>
+      <p:grpSpPr>
+        <a:xfrm>
+          <a:off x="0" y="0"/>
+          <a:ext cx="0" cy="0"/>
+          <a:chOff x="0" y="0"/>
+          <a:chExt cx="0" cy="0"/>
+        </a:xfrm>
+      </p:grpSpPr>
+      <p:sp>
+        <p:nvSpPr>
+          <p:cNvPr id="2" name="Slide Image Placeholder 1"/>
+          <p:cNvSpPr>
+            <a:spLocks noGrp="1" noRot="1" noChangeAspect="1"/>
+          </p:cNvSpPr>
+          <p:nvPr>
+            <p:ph type="sldImg"/>
+          </p:nvPr>
+        </p:nvSpPr>
+        <p:spPr/>
+      </p:sp>
+      <p:sp>
+        <p:nvSpPr>
+          <p:cNvPr id="3" name="Notes Placeholder 2"/>
+          <p:cNvSpPr>
+            <a:spLocks noGrp="1"/>
+          </p:cNvSpPr>
+          <p:nvPr>
+            <p:ph type="body" idx="1"/>
+          </p:nvPr>
+        </p:nvSpPr>
+        <p:spPr/>
+        <p:txBody>
+          <a:bodyPr>
+            <a:normAutofit/>
+          </a:bodyPr>
+          <a:lstStyle/>
+          <a:p>
+            <a:r>
+              <a:rPr lang="en-US" sz="1200" dirty="0" smtClean="0"/>
+              <a:t>http://dev.sencha.com/ext/5.1.0/examples/themes/index.html</a:t>
+            </a:r>
+            <a:endParaRPr lang="en-US" sz="1200" dirty="0"/>
+          </a:p>
+        </p:txBody>
+      </p:sp>
+      <p:sp>
+        <p:nvSpPr>
+          <p:cNvPr id="4" name="Slide Number Placeholder 3"/>
+          <p:cNvSpPr>
+            <a:spLocks noGrp="1"/>
+          </p:cNvSpPr>
+          <p:nvPr>
+            <p:ph type="sldNum" sz="quarter" idx="10"/>
+          </p:nvPr>
+        </p:nvSpPr>
+        <p:spPr/>
+        <p:txBody>
+          <a:bodyPr/>
+          <a:lstStyle/>
+          <a:p>
+            <a:fld id="{EBF164A3-7165-4E0F-AA0F-DDB0EC7CBD94}" type="slidenum">
+              <a:rPr lang="en-US" smtClean="0"/>
+              <a:pPr/>
+              <a:t>11</a:t>
+            </a:fld>
+            <a:endParaRPr lang="en-US"/>
+          </a:p>
+        </p:txBody>
+      </p:sp>
+    </p:spTree>
+  </p:cSld>
+  <p:clrMapOvr>
+    <a:masterClrMapping/>
+  </p:clrMapOvr>
+</p:notes>
+</file>
+
+<file path=ppt/notesSlides/notesSlide11.xml><?xml version="1.0" encoding="utf-8"?>
+<p:notes xmlns:a="http://schemas.openxmlformats.org/drawingml/2006/main" xmlns:r="http://schemas.openxmlformats.org/officeDocument/2006/relationships" xmlns:p="http://schemas.openxmlformats.org/presentationml/2006/main">
+  <p:cSld>
+    <p:spTree>
+      <p:nvGrpSpPr>
+        <p:cNvPr id="1" name=""/>
+        <p:cNvGrpSpPr/>
+        <p:nvPr/>
+      </p:nvGrpSpPr>
+      <p:grpSpPr>
+        <a:xfrm>
+          <a:off x="0" y="0"/>
+          <a:ext cx="0" cy="0"/>
+          <a:chOff x="0" y="0"/>
+          <a:chExt cx="0" cy="0"/>
+        </a:xfrm>
+      </p:grpSpPr>
+      <p:sp>
+        <p:nvSpPr>
+          <p:cNvPr id="2" name="Slide Image Placeholder 1"/>
+          <p:cNvSpPr>
+            <a:spLocks noGrp="1" noRot="1" noChangeAspect="1"/>
+          </p:cNvSpPr>
+          <p:nvPr>
+            <p:ph type="sldImg"/>
+          </p:nvPr>
+        </p:nvSpPr>
+        <p:spPr/>
+      </p:sp>
+      <p:sp>
+        <p:nvSpPr>
+          <p:cNvPr id="3" name="Notes Placeholder 2"/>
+          <p:cNvSpPr>
+            <a:spLocks noGrp="1"/>
+          </p:cNvSpPr>
+          <p:nvPr>
+            <p:ph type="body" idx="1"/>
+          </p:nvPr>
+        </p:nvSpPr>
+        <p:spPr/>
+        <p:txBody>
+          <a:bodyPr/>
+          <a:lstStyle/>
+          <a:p>
+            <a:pPr marL="0" marR="0" indent="0" algn="l" defTabSz="914400" rtl="0" eaLnBrk="1" fontAlgn="auto" latinLnBrk="0" hangingPunct="1">
+              <a:lnSpc>
+                <a:spcPct val="100000"/>
+              </a:lnSpc>
+              <a:spcBef>
+                <a:spcPts val="0"/>
+              </a:spcBef>
+              <a:spcAft>
+                <a:spcPts val="0"/>
+              </a:spcAft>
+              <a:buClrTx/>
+              <a:buSzTx/>
+              <a:buFontTx/>
+              <a:buNone/>
+              <a:tabLst/>
+              <a:defRPr/>
+            </a:pPr>
+            <a:r>
+              <a:rPr lang="en-US" b="0" dirty="0" smtClean="0"/>
+              <a:t>License(s):	</a:t>
+            </a:r>
+          </a:p>
+          <a:p>
+            <a:pPr marL="0" marR="0" indent="0" algn="l" defTabSz="914400" rtl="0" eaLnBrk="1" fontAlgn="auto" latinLnBrk="0" hangingPunct="1">
+              <a:lnSpc>
+                <a:spcPct val="100000"/>
+              </a:lnSpc>
+              <a:spcBef>
+                <a:spcPts val="0"/>
+              </a:spcBef>
+              <a:spcAft>
+                <a:spcPts val="0"/>
+              </a:spcAft>
+              <a:buClrTx/>
+              <a:buSzTx/>
+              <a:buFontTx/>
+              <a:buNone/>
+              <a:tabLst/>
+              <a:defRPr/>
+            </a:pPr>
+            <a:r>
+              <a:rPr lang="en-US" b="0" dirty="0" smtClean="0"/>
+              <a:t>GNU General Public License v3.0 </a:t>
+            </a:r>
+          </a:p>
+          <a:p>
+            <a:pPr marL="0" marR="0" indent="0" algn="l" defTabSz="914400" rtl="0" eaLnBrk="1" fontAlgn="auto" latinLnBrk="0" hangingPunct="1">
+              <a:lnSpc>
+                <a:spcPct val="100000"/>
+              </a:lnSpc>
+              <a:spcBef>
+                <a:spcPts val="0"/>
+              </a:spcBef>
+              <a:spcAft>
+                <a:spcPts val="0"/>
+              </a:spcAft>
+              <a:buClrTx/>
+              <a:buSzTx/>
+              <a:buFontTx/>
+              <a:buNone/>
+              <a:tabLst/>
+              <a:defRPr/>
+            </a:pPr>
+            <a:endParaRPr lang="en-US" b="0" dirty="0" smtClean="0"/>
+          </a:p>
+          <a:p>
+            <a:pPr marL="0" marR="0" indent="0" algn="l" defTabSz="914400" rtl="0" eaLnBrk="1" fontAlgn="auto" latinLnBrk="0" hangingPunct="1">
+              <a:lnSpc>
+                <a:spcPct val="100000"/>
+              </a:lnSpc>
+              <a:spcBef>
+                <a:spcPts val="0"/>
+              </a:spcBef>
+              <a:spcAft>
+                <a:spcPts val="0"/>
+              </a:spcAft>
+              <a:buClrTx/>
+              <a:buSzTx/>
+              <a:buFontTx/>
+              <a:buNone/>
+              <a:tabLst/>
+              <a:defRPr/>
+            </a:pPr>
+            <a:r>
+              <a:rPr lang="en-US" sz="1200" b="0" i="0" kern="1200" dirty="0" smtClean="0">
+                <a:solidFill>
+                  <a:schemeClr val="tx1"/>
+                </a:solidFill>
+                <a:effectLst/>
+                <a:latin typeface="+mn-lt"/>
+                <a:ea typeface="+mn-ea"/>
+                <a:cs typeface="+mn-cs"/>
+              </a:rPr>
+              <a:t>GNU General Public License v3.0 is the standard license for the GNU General Public License v3.0 base license</a:t>
+            </a:r>
+          </a:p>
+          <a:p>
+            <a:pPr marL="0" marR="0" indent="0" algn="l" defTabSz="914400" rtl="0" eaLnBrk="1" fontAlgn="auto" latinLnBrk="0" hangingPunct="1">
+              <a:lnSpc>
+                <a:spcPct val="100000"/>
+              </a:lnSpc>
+              <a:spcBef>
+                <a:spcPts val="0"/>
+              </a:spcBef>
+              <a:spcAft>
+                <a:spcPts val="0"/>
+              </a:spcAft>
+              <a:buClrTx/>
+              <a:buSzTx/>
+              <a:buFontTx/>
+              <a:buNone/>
+              <a:tabLst/>
+              <a:defRPr/>
+            </a:pPr>
+            <a:r>
+              <a:rPr lang="en-US" b="0" dirty="0" smtClean="0"/>
+              <a:t>http://www.sencha.com/legal/</a:t>
+            </a:r>
+          </a:p>
+          <a:p>
+            <a:pPr marL="0" marR="0" indent="0" algn="l" defTabSz="914400" rtl="0" eaLnBrk="1" fontAlgn="auto" latinLnBrk="0" hangingPunct="1">
+              <a:lnSpc>
+                <a:spcPct val="100000"/>
+              </a:lnSpc>
+              <a:spcBef>
+                <a:spcPts val="0"/>
+              </a:spcBef>
+              <a:spcAft>
+                <a:spcPts val="0"/>
+              </a:spcAft>
+              <a:buClrTx/>
+              <a:buSzTx/>
+              <a:buFontTx/>
+              <a:buNone/>
+              <a:tabLst/>
+              <a:defRPr/>
+            </a:pPr>
+            <a:endParaRPr lang="en-US" b="0" dirty="0" smtClean="0"/>
+          </a:p>
+          <a:p>
+            <a:pPr marL="0" marR="0" indent="0" algn="l" defTabSz="914400" rtl="0" eaLnBrk="1" fontAlgn="auto" latinLnBrk="0" hangingPunct="1">
+              <a:lnSpc>
+                <a:spcPct val="100000"/>
+              </a:lnSpc>
+              <a:spcBef>
+                <a:spcPts val="0"/>
+              </a:spcBef>
+              <a:spcAft>
+                <a:spcPts val="0"/>
+              </a:spcAft>
+              <a:buClrTx/>
+              <a:buSzTx/>
+              <a:buFontTx/>
+              <a:buNone/>
+              <a:tabLst/>
+              <a:defRPr/>
+            </a:pPr>
+            <a:r>
+              <a:rPr lang="en-US" b="0" dirty="0" smtClean="0"/>
+              <a:t>E:\Software Center\Framework\ext-5.1.0</a:t>
+            </a:r>
+          </a:p>
+          <a:p>
+            <a:pPr marL="0" marR="0" indent="0" algn="l" defTabSz="914400" rtl="0" eaLnBrk="1" fontAlgn="auto" latinLnBrk="0" hangingPunct="1">
+              <a:lnSpc>
+                <a:spcPct val="100000"/>
+              </a:lnSpc>
+              <a:spcBef>
+                <a:spcPts val="0"/>
+              </a:spcBef>
+              <a:spcAft>
+                <a:spcPts val="0"/>
+              </a:spcAft>
+              <a:buClrTx/>
+              <a:buSzTx/>
+              <a:buFontTx/>
+              <a:buNone/>
+              <a:tabLst/>
+              <a:defRPr/>
+            </a:pPr>
+            <a:endParaRPr lang="en-US" b="0" dirty="0" smtClean="0"/>
+          </a:p>
+          <a:p>
+            <a:r>
+              <a:rPr lang="en-US" sz="1200" b="1" i="0" kern="1200" dirty="0" smtClean="0">
+                <a:solidFill>
+                  <a:schemeClr val="tx1"/>
+                </a:solidFill>
+                <a:effectLst/>
+                <a:latin typeface="+mn-lt"/>
+                <a:ea typeface="+mn-ea"/>
+                <a:cs typeface="+mn-cs"/>
+              </a:rPr>
+              <a:t>Installing </a:t>
+            </a:r>
+            <a:r>
+              <a:rPr lang="en-US" sz="1200" b="1" i="0" kern="1200" dirty="0" err="1" smtClean="0">
+                <a:solidFill>
+                  <a:schemeClr val="tx1"/>
+                </a:solidFill>
+                <a:effectLst/>
+                <a:latin typeface="+mn-lt"/>
+                <a:ea typeface="+mn-ea"/>
+                <a:cs typeface="+mn-cs"/>
+              </a:rPr>
+              <a:t>Sencha</a:t>
+            </a:r>
+            <a:r>
+              <a:rPr lang="en-US" sz="1200" b="1" i="0" kern="1200" dirty="0" smtClean="0">
+                <a:solidFill>
+                  <a:schemeClr val="tx1"/>
+                </a:solidFill>
+                <a:effectLst/>
+                <a:latin typeface="+mn-lt"/>
+                <a:ea typeface="+mn-ea"/>
+                <a:cs typeface="+mn-cs"/>
+              </a:rPr>
+              <a:t> Ext JS</a:t>
+            </a:r>
+          </a:p>
+          <a:p>
+            <a:r>
+              <a:rPr lang="en-US" sz="1200" b="0" i="0" kern="1200" dirty="0" err="1" smtClean="0">
+                <a:solidFill>
+                  <a:schemeClr val="tx1"/>
+                </a:solidFill>
+                <a:effectLst/>
+                <a:latin typeface="+mn-lt"/>
+                <a:ea typeface="+mn-ea"/>
+                <a:cs typeface="+mn-cs"/>
+              </a:rPr>
+              <a:t>Sencha</a:t>
+            </a:r>
+            <a:r>
+              <a:rPr lang="en-US" sz="1200" b="0" i="0" kern="1200" dirty="0" smtClean="0">
+                <a:solidFill>
+                  <a:schemeClr val="tx1"/>
+                </a:solidFill>
+                <a:effectLst/>
+                <a:latin typeface="+mn-lt"/>
+                <a:ea typeface="+mn-ea"/>
+                <a:cs typeface="+mn-cs"/>
+              </a:rPr>
+              <a:t> Ext JS is a desktop application development platform with cross-browser compatibility, MVC architecture, charting, and UI widgets.</a:t>
+            </a:r>
+          </a:p>
+          <a:p>
+            <a:endParaRPr lang="en-US" sz="1200" b="0" i="0" kern="1200" dirty="0" smtClean="0">
+              <a:solidFill>
+                <a:schemeClr val="tx1"/>
+              </a:solidFill>
+              <a:effectLst/>
+              <a:latin typeface="+mn-lt"/>
+              <a:ea typeface="+mn-ea"/>
+              <a:cs typeface="+mn-cs"/>
+            </a:endParaRPr>
+          </a:p>
+          <a:p>
+            <a:r>
+              <a:rPr lang="en-US" sz="1200" b="1" i="0" kern="1200" dirty="0" smtClean="0">
+                <a:solidFill>
+                  <a:schemeClr val="tx1"/>
+                </a:solidFill>
+                <a:effectLst/>
+                <a:latin typeface="+mn-lt"/>
+                <a:ea typeface="+mn-ea"/>
+                <a:cs typeface="+mn-cs"/>
+              </a:rPr>
+              <a:t>Installing </a:t>
+            </a:r>
+            <a:r>
+              <a:rPr lang="en-US" sz="1200" b="1" i="0" kern="1200" dirty="0" err="1" smtClean="0">
+                <a:solidFill>
+                  <a:schemeClr val="tx1"/>
+                </a:solidFill>
+                <a:effectLst/>
+                <a:latin typeface="+mn-lt"/>
+                <a:ea typeface="+mn-ea"/>
+                <a:cs typeface="+mn-cs"/>
+              </a:rPr>
+              <a:t>Sencha</a:t>
+            </a:r>
+            <a:r>
+              <a:rPr lang="en-US" sz="1200" b="1" i="0" kern="1200" dirty="0" smtClean="0">
+                <a:solidFill>
+                  <a:schemeClr val="tx1"/>
+                </a:solidFill>
+                <a:effectLst/>
+                <a:latin typeface="+mn-lt"/>
+                <a:ea typeface="+mn-ea"/>
+                <a:cs typeface="+mn-cs"/>
+              </a:rPr>
+              <a:t> Touch</a:t>
+            </a:r>
+          </a:p>
+          <a:p>
+            <a:r>
+              <a:rPr lang="en-US" sz="1200" b="0" i="0" kern="1200" dirty="0" err="1" smtClean="0">
+                <a:solidFill>
+                  <a:schemeClr val="tx1"/>
+                </a:solidFill>
+                <a:effectLst/>
+                <a:latin typeface="+mn-lt"/>
+                <a:ea typeface="+mn-ea"/>
+                <a:cs typeface="+mn-cs"/>
+              </a:rPr>
+              <a:t>Sencha</a:t>
+            </a:r>
+            <a:r>
+              <a:rPr lang="en-US" sz="1200" b="0" i="0" kern="1200" dirty="0" smtClean="0">
+                <a:solidFill>
+                  <a:schemeClr val="tx1"/>
+                </a:solidFill>
+                <a:effectLst/>
+                <a:latin typeface="+mn-lt"/>
+                <a:ea typeface="+mn-ea"/>
+                <a:cs typeface="+mn-cs"/>
+              </a:rPr>
+              <a:t> Touch is a mobile application development platform with over 50 built-in components, themes for every popular mobile platform, and a built-in MVC system. </a:t>
+            </a:r>
+            <a:r>
+              <a:rPr lang="en-US" sz="1200" b="0" i="0" kern="1200" dirty="0" err="1" smtClean="0">
+                <a:solidFill>
+                  <a:schemeClr val="tx1"/>
+                </a:solidFill>
+                <a:effectLst/>
+                <a:latin typeface="+mn-lt"/>
+                <a:ea typeface="+mn-ea"/>
+                <a:cs typeface="+mn-cs"/>
+              </a:rPr>
+              <a:t>Sencha</a:t>
+            </a:r>
+            <a:r>
+              <a:rPr lang="en-US" sz="1200" b="0" i="0" kern="1200" dirty="0" smtClean="0">
+                <a:solidFill>
+                  <a:schemeClr val="tx1"/>
+                </a:solidFill>
+                <a:effectLst/>
+                <a:latin typeface="+mn-lt"/>
+                <a:ea typeface="+mn-ea"/>
+                <a:cs typeface="+mn-cs"/>
+              </a:rPr>
+              <a:t> Touch in the Complete package provides access to </a:t>
+            </a:r>
+            <a:r>
+              <a:rPr lang="en-US" sz="1200" b="0" i="0" kern="1200" dirty="0" err="1" smtClean="0">
+                <a:solidFill>
+                  <a:schemeClr val="tx1"/>
+                </a:solidFill>
+                <a:effectLst/>
+                <a:latin typeface="+mn-lt"/>
+                <a:ea typeface="+mn-ea"/>
+                <a:cs typeface="+mn-cs"/>
+              </a:rPr>
+              <a:t>TouchGrid</a:t>
+            </a:r>
+            <a:r>
+              <a:rPr lang="en-US" sz="1200" b="0" i="0" kern="1200" dirty="0" smtClean="0">
+                <a:solidFill>
+                  <a:schemeClr val="tx1"/>
+                </a:solidFill>
+                <a:effectLst/>
+                <a:latin typeface="+mn-lt"/>
+                <a:ea typeface="+mn-ea"/>
+                <a:cs typeface="+mn-cs"/>
+              </a:rPr>
+              <a:t> and Action Message Format (AMF).</a:t>
+            </a:r>
+          </a:p>
+          <a:p>
+            <a:r>
+              <a:rPr lang="en-US" sz="1200" b="0" i="0" kern="1200" dirty="0" smtClean="0">
+                <a:solidFill>
+                  <a:schemeClr val="tx1"/>
+                </a:solidFill>
+                <a:effectLst/>
+                <a:latin typeface="+mn-lt"/>
+                <a:ea typeface="+mn-ea"/>
+                <a:cs typeface="+mn-cs"/>
+              </a:rPr>
+              <a:t>	a. Create the starting file structure by changing directory: </a:t>
+            </a:r>
+            <a:r>
+              <a:rPr lang="en-US" dirty="0" err="1" smtClean="0"/>
+              <a:t>sencha</a:t>
+            </a:r>
+            <a:r>
+              <a:rPr lang="en-US" dirty="0" smtClean="0"/>
+              <a:t> generate app </a:t>
+            </a:r>
+            <a:r>
+              <a:rPr lang="en-US" dirty="0" err="1" smtClean="0"/>
+              <a:t>MyApp</a:t>
+            </a:r>
+            <a:r>
+              <a:rPr lang="en-US" dirty="0" smtClean="0"/>
+              <a:t> ../</a:t>
+            </a:r>
+            <a:r>
+              <a:rPr lang="en-US" dirty="0" err="1" smtClean="0"/>
+              <a:t>MyApp</a:t>
+            </a:r>
+            <a:endParaRPr lang="en-US" sz="1200" b="0" i="0" kern="1200" dirty="0" smtClean="0">
+              <a:solidFill>
+                <a:schemeClr val="tx1"/>
+              </a:solidFill>
+              <a:effectLst/>
+              <a:latin typeface="+mn-lt"/>
+              <a:ea typeface="+mn-ea"/>
+              <a:cs typeface="+mn-cs"/>
+            </a:endParaRPr>
+          </a:p>
+          <a:p>
+            <a:pPr marL="0" marR="0" indent="0" algn="l" defTabSz="914400" rtl="0" eaLnBrk="1" fontAlgn="auto" latinLnBrk="0" hangingPunct="1">
+              <a:lnSpc>
+                <a:spcPct val="100000"/>
+              </a:lnSpc>
+              <a:spcBef>
+                <a:spcPts val="0"/>
+              </a:spcBef>
+              <a:spcAft>
+                <a:spcPts val="0"/>
+              </a:spcAft>
+              <a:buClrTx/>
+              <a:buSzTx/>
+              <a:buFontTx/>
+              <a:buNone/>
+              <a:tabLst/>
+              <a:defRPr/>
+            </a:pPr>
+            <a:endParaRPr lang="en-US" b="0" dirty="0" smtClean="0"/>
+          </a:p>
+          <a:p>
+            <a:pPr marL="0" marR="0" indent="0" algn="l" defTabSz="914400" rtl="0" eaLnBrk="1" fontAlgn="auto" latinLnBrk="0" hangingPunct="1">
+              <a:lnSpc>
+                <a:spcPct val="100000"/>
+              </a:lnSpc>
+              <a:spcBef>
+                <a:spcPts val="0"/>
+              </a:spcBef>
+              <a:spcAft>
+                <a:spcPts val="0"/>
+              </a:spcAft>
+              <a:buClrTx/>
+              <a:buSzTx/>
+              <a:buFontTx/>
+              <a:buNone/>
+              <a:tabLst/>
+              <a:defRPr/>
+            </a:pPr>
+            <a:endParaRPr lang="en-US" b="0" dirty="0" smtClean="0"/>
+          </a:p>
+          <a:p>
+            <a:pPr marL="0" marR="0" indent="0" algn="l" defTabSz="914400" rtl="0" eaLnBrk="1" fontAlgn="auto" latinLnBrk="0" hangingPunct="1">
+              <a:lnSpc>
+                <a:spcPct val="100000"/>
+              </a:lnSpc>
+              <a:spcBef>
+                <a:spcPts val="0"/>
+              </a:spcBef>
+              <a:spcAft>
+                <a:spcPts val="0"/>
+              </a:spcAft>
+              <a:buClrTx/>
+              <a:buSzTx/>
+              <a:buFontTx/>
+              <a:buNone/>
+              <a:tabLst/>
+              <a:defRPr/>
+            </a:pPr>
+            <a:r>
+              <a:rPr lang="en-US" sz="1200" b="1" i="0" kern="1200" dirty="0" smtClean="0">
+                <a:solidFill>
+                  <a:schemeClr val="tx1"/>
+                </a:solidFill>
+                <a:effectLst/>
+                <a:latin typeface="+mn-lt"/>
+                <a:ea typeface="+mn-ea"/>
+                <a:cs typeface="+mn-cs"/>
+              </a:rPr>
+              <a:t>You cannot include </a:t>
+            </a:r>
+            <a:r>
+              <a:rPr lang="en-US" sz="1200" b="1" i="0" kern="1200" dirty="0" err="1" smtClean="0">
+                <a:solidFill>
+                  <a:schemeClr val="tx1"/>
+                </a:solidFill>
+                <a:effectLst/>
+                <a:latin typeface="+mn-lt"/>
+                <a:ea typeface="+mn-ea"/>
+                <a:cs typeface="+mn-cs"/>
+              </a:rPr>
+              <a:t>Sencha</a:t>
+            </a:r>
+            <a:r>
+              <a:rPr lang="en-US" sz="1200" b="1" i="0" kern="1200" dirty="0" smtClean="0">
+                <a:solidFill>
+                  <a:schemeClr val="tx1"/>
+                </a:solidFill>
+                <a:effectLst/>
+                <a:latin typeface="+mn-lt"/>
+                <a:ea typeface="+mn-ea"/>
+                <a:cs typeface="+mn-cs"/>
+              </a:rPr>
+              <a:t> Ext JS or </a:t>
+            </a:r>
+            <a:r>
+              <a:rPr lang="en-US" sz="1200" b="1" i="0" kern="1200" dirty="0" err="1" smtClean="0">
+                <a:solidFill>
+                  <a:schemeClr val="tx1"/>
+                </a:solidFill>
+                <a:effectLst/>
+                <a:latin typeface="+mn-lt"/>
+                <a:ea typeface="+mn-ea"/>
+                <a:cs typeface="+mn-cs"/>
+              </a:rPr>
+              <a:t>Sencha</a:t>
+            </a:r>
+            <a:r>
+              <a:rPr lang="en-US" sz="1200" b="1" i="0" kern="1200" dirty="0" smtClean="0">
+                <a:solidFill>
+                  <a:schemeClr val="tx1"/>
+                </a:solidFill>
+                <a:effectLst/>
+                <a:latin typeface="+mn-lt"/>
+                <a:ea typeface="+mn-ea"/>
+                <a:cs typeface="+mn-cs"/>
+              </a:rPr>
+              <a:t> GXT in a closed source distribution under this license.</a:t>
+            </a:r>
+            <a:endParaRPr lang="en-US" b="0" dirty="0" smtClean="0"/>
+          </a:p>
+        </p:txBody>
+      </p:sp>
+      <p:sp>
+        <p:nvSpPr>
+          <p:cNvPr id="4" name="Slide Number Placeholder 3"/>
+          <p:cNvSpPr>
+            <a:spLocks noGrp="1"/>
+          </p:cNvSpPr>
+          <p:nvPr>
+            <p:ph type="sldNum" sz="quarter" idx="10"/>
+          </p:nvPr>
+        </p:nvSpPr>
+        <p:spPr/>
+        <p:txBody>
+          <a:bodyPr/>
+          <a:lstStyle/>
+          <a:p>
+            <a:fld id="{EBF164A3-7165-4E0F-AA0F-DDB0EC7CBD94}" type="slidenum">
+              <a:rPr lang="en-US" smtClean="0"/>
+              <a:pPr/>
+              <a:t>12</a:t>
+            </a:fld>
+            <a:endParaRPr lang="en-US"/>
+          </a:p>
+        </p:txBody>
+      </p:sp>
+    </p:spTree>
+    <p:extLst>
+      <p:ext uri="{BB962C8B-B14F-4D97-AF65-F5344CB8AC3E}">
+        <p14:creationId xmlns="" xmlns:p14="http://schemas.microsoft.com/office/powerpoint/2010/main" val="1847537067"/>
+      </p:ext>
+    </p:extLst>
+  </p:cSld>
+  <p:clrMapOvr>
+    <a:masterClrMapping/>
+  </p:clrMapOvr>
+</p:notes>
+</file>
+
+<file path=ppt/notesSlides/notesSlide12.xml><?xml version="1.0" encoding="utf-8"?>
+<p:notes xmlns:a="http://schemas.openxmlformats.org/drawingml/2006/main" xmlns:r="http://schemas.openxmlformats.org/officeDocument/2006/relationships" xmlns:p="http://schemas.openxmlformats.org/presentationml/2006/main">
+  <p:cSld>
+    <p:spTree>
+      <p:nvGrpSpPr>
+        <p:cNvPr id="1" name=""/>
+        <p:cNvGrpSpPr/>
+        <p:nvPr/>
+      </p:nvGrpSpPr>
+      <p:grpSpPr>
+        <a:xfrm>
+          <a:off x="0" y="0"/>
+          <a:ext cx="0" cy="0"/>
+          <a:chOff x="0" y="0"/>
+          <a:chExt cx="0" cy="0"/>
+        </a:xfrm>
+      </p:grpSpPr>
+      <p:sp>
+        <p:nvSpPr>
+          <p:cNvPr id="2" name="Slide Image Placeholder 1"/>
+          <p:cNvSpPr>
+            <a:spLocks noGrp="1" noRot="1" noChangeAspect="1"/>
+          </p:cNvSpPr>
+          <p:nvPr>
+            <p:ph type="sldImg"/>
+          </p:nvPr>
+        </p:nvSpPr>
+        <p:spPr/>
+      </p:sp>
+      <p:sp>
+        <p:nvSpPr>
+          <p:cNvPr id="3" name="Notes Placeholder 2"/>
+          <p:cNvSpPr>
+            <a:spLocks noGrp="1"/>
+          </p:cNvSpPr>
+          <p:nvPr>
+            <p:ph type="body" idx="1"/>
+          </p:nvPr>
+        </p:nvSpPr>
+        <p:spPr/>
+        <p:txBody>
+          <a:bodyPr/>
+          <a:lstStyle/>
+          <a:p>
+            <a:pPr marL="0" marR="0" indent="0" algn="l" defTabSz="914400" rtl="0" eaLnBrk="1" fontAlgn="auto" latinLnBrk="0" hangingPunct="1">
+              <a:lnSpc>
+                <a:spcPct val="100000"/>
+              </a:lnSpc>
+              <a:spcBef>
+                <a:spcPts val="0"/>
+              </a:spcBef>
+              <a:spcAft>
+                <a:spcPts val="0"/>
+              </a:spcAft>
+              <a:buClrTx/>
+              <a:buSzTx/>
+              <a:buFontTx/>
+              <a:buNone/>
+              <a:tabLst/>
+              <a:defRPr/>
+            </a:pPr>
+            <a:r>
+              <a:rPr lang="en-US" b="0" dirty="0" smtClean="0"/>
+              <a:t>License(s):	</a:t>
+            </a:r>
+          </a:p>
+          <a:p>
+            <a:pPr marL="0" marR="0" indent="0" algn="l" defTabSz="914400" rtl="0" eaLnBrk="1" fontAlgn="auto" latinLnBrk="0" hangingPunct="1">
+              <a:lnSpc>
+                <a:spcPct val="100000"/>
+              </a:lnSpc>
+              <a:spcBef>
+                <a:spcPts val="0"/>
+              </a:spcBef>
+              <a:spcAft>
+                <a:spcPts val="0"/>
+              </a:spcAft>
+              <a:buClrTx/>
+              <a:buSzTx/>
+              <a:buFontTx/>
+              <a:buNone/>
+              <a:tabLst/>
+              <a:defRPr/>
+            </a:pPr>
+            <a:r>
+              <a:rPr lang="en-US" b="0" dirty="0" smtClean="0"/>
+              <a:t>GNU General Public License v3.0 </a:t>
+            </a:r>
+          </a:p>
+          <a:p>
+            <a:pPr marL="0" marR="0" indent="0" algn="l" defTabSz="914400" rtl="0" eaLnBrk="1" fontAlgn="auto" latinLnBrk="0" hangingPunct="1">
+              <a:lnSpc>
+                <a:spcPct val="100000"/>
+              </a:lnSpc>
+              <a:spcBef>
+                <a:spcPts val="0"/>
+              </a:spcBef>
+              <a:spcAft>
+                <a:spcPts val="0"/>
+              </a:spcAft>
+              <a:buClrTx/>
+              <a:buSzTx/>
+              <a:buFontTx/>
+              <a:buNone/>
+              <a:tabLst/>
+              <a:defRPr/>
+            </a:pPr>
+            <a:endParaRPr lang="en-US" b="0" dirty="0" smtClean="0"/>
+          </a:p>
+          <a:p>
+            <a:pPr marL="0" marR="0" indent="0" algn="l" defTabSz="914400" rtl="0" eaLnBrk="1" fontAlgn="auto" latinLnBrk="0" hangingPunct="1">
+              <a:lnSpc>
+                <a:spcPct val="100000"/>
+              </a:lnSpc>
+              <a:spcBef>
+                <a:spcPts val="0"/>
+              </a:spcBef>
+              <a:spcAft>
+                <a:spcPts val="0"/>
+              </a:spcAft>
+              <a:buClrTx/>
+              <a:buSzTx/>
+              <a:buFontTx/>
+              <a:buNone/>
+              <a:tabLst/>
+              <a:defRPr/>
+            </a:pPr>
+            <a:r>
+              <a:rPr lang="en-US" sz="1200" b="0" i="0" kern="1200" dirty="0" smtClean="0">
+                <a:solidFill>
+                  <a:schemeClr val="tx1"/>
+                </a:solidFill>
+                <a:effectLst/>
+                <a:latin typeface="+mn-lt"/>
+                <a:ea typeface="+mn-ea"/>
+                <a:cs typeface="+mn-cs"/>
+              </a:rPr>
+              <a:t>GNU General Public License v3.0 is the standard license for the GNU General Public License v3.0 base license</a:t>
+            </a:r>
+          </a:p>
+          <a:p>
+            <a:pPr marL="0" marR="0" indent="0" algn="l" defTabSz="914400" rtl="0" eaLnBrk="1" fontAlgn="auto" latinLnBrk="0" hangingPunct="1">
+              <a:lnSpc>
+                <a:spcPct val="100000"/>
+              </a:lnSpc>
+              <a:spcBef>
+                <a:spcPts val="0"/>
+              </a:spcBef>
+              <a:spcAft>
+                <a:spcPts val="0"/>
+              </a:spcAft>
+              <a:buClrTx/>
+              <a:buSzTx/>
+              <a:buFontTx/>
+              <a:buNone/>
+              <a:tabLst/>
+              <a:defRPr/>
+            </a:pPr>
+            <a:r>
+              <a:rPr lang="en-US" b="0" dirty="0" smtClean="0"/>
+              <a:t>http://www.sencha.com/legal/</a:t>
+            </a:r>
+          </a:p>
+          <a:p>
+            <a:pPr marL="0" marR="0" indent="0" algn="l" defTabSz="914400" rtl="0" eaLnBrk="1" fontAlgn="auto" latinLnBrk="0" hangingPunct="1">
+              <a:lnSpc>
+                <a:spcPct val="100000"/>
+              </a:lnSpc>
+              <a:spcBef>
+                <a:spcPts val="0"/>
+              </a:spcBef>
+              <a:spcAft>
+                <a:spcPts val="0"/>
+              </a:spcAft>
+              <a:buClrTx/>
+              <a:buSzTx/>
+              <a:buFontTx/>
+              <a:buNone/>
+              <a:tabLst/>
+              <a:defRPr/>
+            </a:pPr>
+            <a:endParaRPr lang="en-US" b="0" dirty="0" smtClean="0"/>
+          </a:p>
+          <a:p>
+            <a:pPr marL="0" marR="0" indent="0" algn="l" defTabSz="914400" rtl="0" eaLnBrk="1" fontAlgn="auto" latinLnBrk="0" hangingPunct="1">
+              <a:lnSpc>
+                <a:spcPct val="100000"/>
+              </a:lnSpc>
+              <a:spcBef>
+                <a:spcPts val="0"/>
+              </a:spcBef>
+              <a:spcAft>
+                <a:spcPts val="0"/>
+              </a:spcAft>
+              <a:buClrTx/>
+              <a:buSzTx/>
+              <a:buFontTx/>
+              <a:buNone/>
+              <a:tabLst/>
+              <a:defRPr/>
+            </a:pPr>
+            <a:r>
+              <a:rPr lang="en-US" b="0" dirty="0" smtClean="0"/>
+              <a:t>E:\Software Center\Framework\ext-5.1.0</a:t>
+            </a:r>
+          </a:p>
+          <a:p>
+            <a:pPr marL="0" marR="0" indent="0" algn="l" defTabSz="914400" rtl="0" eaLnBrk="1" fontAlgn="auto" latinLnBrk="0" hangingPunct="1">
+              <a:lnSpc>
+                <a:spcPct val="100000"/>
+              </a:lnSpc>
+              <a:spcBef>
+                <a:spcPts val="0"/>
+              </a:spcBef>
+              <a:spcAft>
+                <a:spcPts val="0"/>
+              </a:spcAft>
+              <a:buClrTx/>
+              <a:buSzTx/>
+              <a:buFontTx/>
+              <a:buNone/>
+              <a:tabLst/>
+              <a:defRPr/>
+            </a:pPr>
+            <a:endParaRPr lang="en-US" b="0" dirty="0" smtClean="0"/>
+          </a:p>
+          <a:p>
+            <a:r>
+              <a:rPr lang="en-US" sz="1200" b="1" i="0" kern="1200" dirty="0" smtClean="0">
+                <a:solidFill>
+                  <a:schemeClr val="tx1"/>
+                </a:solidFill>
+                <a:effectLst/>
+                <a:latin typeface="+mn-lt"/>
+                <a:ea typeface="+mn-ea"/>
+                <a:cs typeface="+mn-cs"/>
+              </a:rPr>
+              <a:t>Installing </a:t>
+            </a:r>
+            <a:r>
+              <a:rPr lang="en-US" sz="1200" b="1" i="0" kern="1200" dirty="0" err="1" smtClean="0">
+                <a:solidFill>
+                  <a:schemeClr val="tx1"/>
+                </a:solidFill>
+                <a:effectLst/>
+                <a:latin typeface="+mn-lt"/>
+                <a:ea typeface="+mn-ea"/>
+                <a:cs typeface="+mn-cs"/>
+              </a:rPr>
+              <a:t>Sencha</a:t>
+            </a:r>
+            <a:r>
+              <a:rPr lang="en-US" sz="1200" b="1" i="0" kern="1200" dirty="0" smtClean="0">
+                <a:solidFill>
+                  <a:schemeClr val="tx1"/>
+                </a:solidFill>
+                <a:effectLst/>
+                <a:latin typeface="+mn-lt"/>
+                <a:ea typeface="+mn-ea"/>
+                <a:cs typeface="+mn-cs"/>
+              </a:rPr>
+              <a:t> Ext JS</a:t>
+            </a:r>
+          </a:p>
+          <a:p>
+            <a:r>
+              <a:rPr lang="en-US" sz="1200" b="0" i="0" kern="1200" dirty="0" err="1" smtClean="0">
+                <a:solidFill>
+                  <a:schemeClr val="tx1"/>
+                </a:solidFill>
+                <a:effectLst/>
+                <a:latin typeface="+mn-lt"/>
+                <a:ea typeface="+mn-ea"/>
+                <a:cs typeface="+mn-cs"/>
+              </a:rPr>
+              <a:t>Sencha</a:t>
+            </a:r>
+            <a:r>
+              <a:rPr lang="en-US" sz="1200" b="0" i="0" kern="1200" dirty="0" smtClean="0">
+                <a:solidFill>
+                  <a:schemeClr val="tx1"/>
+                </a:solidFill>
+                <a:effectLst/>
+                <a:latin typeface="+mn-lt"/>
+                <a:ea typeface="+mn-ea"/>
+                <a:cs typeface="+mn-cs"/>
+              </a:rPr>
+              <a:t> Ext JS is a desktop application development platform with cross-browser compatibility, MVC architecture, charting, and UI widgets.</a:t>
+            </a:r>
+          </a:p>
+          <a:p>
+            <a:endParaRPr lang="en-US" sz="1200" b="0" i="0" kern="1200" dirty="0" smtClean="0">
+              <a:solidFill>
+                <a:schemeClr val="tx1"/>
+              </a:solidFill>
+              <a:effectLst/>
+              <a:latin typeface="+mn-lt"/>
+              <a:ea typeface="+mn-ea"/>
+              <a:cs typeface="+mn-cs"/>
+            </a:endParaRPr>
+          </a:p>
+          <a:p>
+            <a:r>
+              <a:rPr lang="en-US" sz="1200" b="1" i="0" kern="1200" dirty="0" smtClean="0">
+                <a:solidFill>
+                  <a:schemeClr val="tx1"/>
+                </a:solidFill>
+                <a:effectLst/>
+                <a:latin typeface="+mn-lt"/>
+                <a:ea typeface="+mn-ea"/>
+                <a:cs typeface="+mn-cs"/>
+              </a:rPr>
+              <a:t>Installing </a:t>
+            </a:r>
+            <a:r>
+              <a:rPr lang="en-US" sz="1200" b="1" i="0" kern="1200" dirty="0" err="1" smtClean="0">
+                <a:solidFill>
+                  <a:schemeClr val="tx1"/>
+                </a:solidFill>
+                <a:effectLst/>
+                <a:latin typeface="+mn-lt"/>
+                <a:ea typeface="+mn-ea"/>
+                <a:cs typeface="+mn-cs"/>
+              </a:rPr>
+              <a:t>Sencha</a:t>
+            </a:r>
+            <a:r>
+              <a:rPr lang="en-US" sz="1200" b="1" i="0" kern="1200" dirty="0" smtClean="0">
+                <a:solidFill>
+                  <a:schemeClr val="tx1"/>
+                </a:solidFill>
+                <a:effectLst/>
+                <a:latin typeface="+mn-lt"/>
+                <a:ea typeface="+mn-ea"/>
+                <a:cs typeface="+mn-cs"/>
+              </a:rPr>
+              <a:t> Touch</a:t>
+            </a:r>
+          </a:p>
+          <a:p>
+            <a:r>
+              <a:rPr lang="en-US" sz="1200" b="0" i="0" kern="1200" dirty="0" err="1" smtClean="0">
+                <a:solidFill>
+                  <a:schemeClr val="tx1"/>
+                </a:solidFill>
+                <a:effectLst/>
+                <a:latin typeface="+mn-lt"/>
+                <a:ea typeface="+mn-ea"/>
+                <a:cs typeface="+mn-cs"/>
+              </a:rPr>
+              <a:t>Sencha</a:t>
+            </a:r>
+            <a:r>
+              <a:rPr lang="en-US" sz="1200" b="0" i="0" kern="1200" dirty="0" smtClean="0">
+                <a:solidFill>
+                  <a:schemeClr val="tx1"/>
+                </a:solidFill>
+                <a:effectLst/>
+                <a:latin typeface="+mn-lt"/>
+                <a:ea typeface="+mn-ea"/>
+                <a:cs typeface="+mn-cs"/>
+              </a:rPr>
+              <a:t> Touch is a mobile application development platform with over 50 built-in components, themes for every popular mobile platform, and a built-in MVC system. </a:t>
+            </a:r>
+            <a:r>
+              <a:rPr lang="en-US" sz="1200" b="0" i="0" kern="1200" dirty="0" err="1" smtClean="0">
+                <a:solidFill>
+                  <a:schemeClr val="tx1"/>
+                </a:solidFill>
+                <a:effectLst/>
+                <a:latin typeface="+mn-lt"/>
+                <a:ea typeface="+mn-ea"/>
+                <a:cs typeface="+mn-cs"/>
+              </a:rPr>
+              <a:t>Sencha</a:t>
+            </a:r>
+            <a:r>
+              <a:rPr lang="en-US" sz="1200" b="0" i="0" kern="1200" dirty="0" smtClean="0">
+                <a:solidFill>
+                  <a:schemeClr val="tx1"/>
+                </a:solidFill>
+                <a:effectLst/>
+                <a:latin typeface="+mn-lt"/>
+                <a:ea typeface="+mn-ea"/>
+                <a:cs typeface="+mn-cs"/>
+              </a:rPr>
+              <a:t> Touch in the Complete package provides access to </a:t>
+            </a:r>
+            <a:r>
+              <a:rPr lang="en-US" sz="1200" b="0" i="0" kern="1200" dirty="0" err="1" smtClean="0">
+                <a:solidFill>
+                  <a:schemeClr val="tx1"/>
+                </a:solidFill>
+                <a:effectLst/>
+                <a:latin typeface="+mn-lt"/>
+                <a:ea typeface="+mn-ea"/>
+                <a:cs typeface="+mn-cs"/>
+              </a:rPr>
+              <a:t>TouchGrid</a:t>
+            </a:r>
+            <a:r>
+              <a:rPr lang="en-US" sz="1200" b="0" i="0" kern="1200" dirty="0" smtClean="0">
+                <a:solidFill>
+                  <a:schemeClr val="tx1"/>
+                </a:solidFill>
+                <a:effectLst/>
+                <a:latin typeface="+mn-lt"/>
+                <a:ea typeface="+mn-ea"/>
+                <a:cs typeface="+mn-cs"/>
+              </a:rPr>
+              <a:t> and Action Message Format (AMF).</a:t>
+            </a:r>
+          </a:p>
+          <a:p>
+            <a:r>
+              <a:rPr lang="en-US" sz="1200" b="0" i="0" kern="1200" dirty="0" smtClean="0">
+                <a:solidFill>
+                  <a:schemeClr val="tx1"/>
+                </a:solidFill>
+                <a:effectLst/>
+                <a:latin typeface="+mn-lt"/>
+                <a:ea typeface="+mn-ea"/>
+                <a:cs typeface="+mn-cs"/>
+              </a:rPr>
+              <a:t>	a. Create the starting file structure by changing directory: </a:t>
+            </a:r>
+            <a:r>
+              <a:rPr lang="en-US" dirty="0" err="1" smtClean="0"/>
+              <a:t>sencha</a:t>
+            </a:r>
+            <a:r>
+              <a:rPr lang="en-US" dirty="0" smtClean="0"/>
+              <a:t> generate app </a:t>
+            </a:r>
+            <a:r>
+              <a:rPr lang="en-US" dirty="0" err="1" smtClean="0"/>
+              <a:t>MyApp</a:t>
+            </a:r>
+            <a:r>
+              <a:rPr lang="en-US" dirty="0" smtClean="0"/>
+              <a:t> ../</a:t>
+            </a:r>
+            <a:r>
+              <a:rPr lang="en-US" dirty="0" err="1" smtClean="0"/>
+              <a:t>MyApp</a:t>
+            </a:r>
+            <a:endParaRPr lang="en-US" sz="1200" b="0" i="0" kern="1200" dirty="0" smtClean="0">
+              <a:solidFill>
+                <a:schemeClr val="tx1"/>
+              </a:solidFill>
+              <a:effectLst/>
+              <a:latin typeface="+mn-lt"/>
+              <a:ea typeface="+mn-ea"/>
+              <a:cs typeface="+mn-cs"/>
+            </a:endParaRPr>
+          </a:p>
+          <a:p>
+            <a:pPr marL="0" marR="0" indent="0" algn="l" defTabSz="914400" rtl="0" eaLnBrk="1" fontAlgn="auto" latinLnBrk="0" hangingPunct="1">
+              <a:lnSpc>
+                <a:spcPct val="100000"/>
+              </a:lnSpc>
+              <a:spcBef>
+                <a:spcPts val="0"/>
+              </a:spcBef>
+              <a:spcAft>
+                <a:spcPts val="0"/>
+              </a:spcAft>
+              <a:buClrTx/>
+              <a:buSzTx/>
+              <a:buFontTx/>
+              <a:buNone/>
+              <a:tabLst/>
+              <a:defRPr/>
+            </a:pPr>
+            <a:endParaRPr lang="en-US" b="0" dirty="0" smtClean="0"/>
+          </a:p>
+          <a:p>
+            <a:pPr marL="0" marR="0" indent="0" algn="l" defTabSz="914400" rtl="0" eaLnBrk="1" fontAlgn="auto" latinLnBrk="0" hangingPunct="1">
+              <a:lnSpc>
+                <a:spcPct val="100000"/>
+              </a:lnSpc>
+              <a:spcBef>
+                <a:spcPts val="0"/>
+              </a:spcBef>
+              <a:spcAft>
+                <a:spcPts val="0"/>
+              </a:spcAft>
+              <a:buClrTx/>
+              <a:buSzTx/>
+              <a:buFontTx/>
+              <a:buNone/>
+              <a:tabLst/>
+              <a:defRPr/>
+            </a:pPr>
+            <a:endParaRPr lang="en-US" b="0" dirty="0" smtClean="0"/>
+          </a:p>
+          <a:p>
+            <a:pPr marL="0" marR="0" indent="0" algn="l" defTabSz="914400" rtl="0" eaLnBrk="1" fontAlgn="auto" latinLnBrk="0" hangingPunct="1">
+              <a:lnSpc>
+                <a:spcPct val="100000"/>
+              </a:lnSpc>
+              <a:spcBef>
+                <a:spcPts val="0"/>
+              </a:spcBef>
+              <a:spcAft>
+                <a:spcPts val="0"/>
+              </a:spcAft>
+              <a:buClrTx/>
+              <a:buSzTx/>
+              <a:buFontTx/>
+              <a:buNone/>
+              <a:tabLst/>
+              <a:defRPr/>
+            </a:pPr>
+            <a:r>
+              <a:rPr lang="en-US" sz="1200" b="1" i="0" kern="1200" dirty="0" smtClean="0">
+                <a:solidFill>
+                  <a:schemeClr val="tx1"/>
+                </a:solidFill>
+                <a:effectLst/>
+                <a:latin typeface="+mn-lt"/>
+                <a:ea typeface="+mn-ea"/>
+                <a:cs typeface="+mn-cs"/>
+              </a:rPr>
+              <a:t>You cannot include </a:t>
+            </a:r>
+            <a:r>
+              <a:rPr lang="en-US" sz="1200" b="1" i="0" kern="1200" dirty="0" err="1" smtClean="0">
+                <a:solidFill>
+                  <a:schemeClr val="tx1"/>
+                </a:solidFill>
+                <a:effectLst/>
+                <a:latin typeface="+mn-lt"/>
+                <a:ea typeface="+mn-ea"/>
+                <a:cs typeface="+mn-cs"/>
+              </a:rPr>
+              <a:t>Sencha</a:t>
+            </a:r>
+            <a:r>
+              <a:rPr lang="en-US" sz="1200" b="1" i="0" kern="1200" dirty="0" smtClean="0">
+                <a:solidFill>
+                  <a:schemeClr val="tx1"/>
+                </a:solidFill>
+                <a:effectLst/>
+                <a:latin typeface="+mn-lt"/>
+                <a:ea typeface="+mn-ea"/>
+                <a:cs typeface="+mn-cs"/>
+              </a:rPr>
+              <a:t> Ext JS or </a:t>
+            </a:r>
+            <a:r>
+              <a:rPr lang="en-US" sz="1200" b="1" i="0" kern="1200" dirty="0" err="1" smtClean="0">
+                <a:solidFill>
+                  <a:schemeClr val="tx1"/>
+                </a:solidFill>
+                <a:effectLst/>
+                <a:latin typeface="+mn-lt"/>
+                <a:ea typeface="+mn-ea"/>
+                <a:cs typeface="+mn-cs"/>
+              </a:rPr>
+              <a:t>Sencha</a:t>
+            </a:r>
+            <a:r>
+              <a:rPr lang="en-US" sz="1200" b="1" i="0" kern="1200" dirty="0" smtClean="0">
+                <a:solidFill>
+                  <a:schemeClr val="tx1"/>
+                </a:solidFill>
+                <a:effectLst/>
+                <a:latin typeface="+mn-lt"/>
+                <a:ea typeface="+mn-ea"/>
+                <a:cs typeface="+mn-cs"/>
+              </a:rPr>
+              <a:t> GXT in a closed source distribution under this license.</a:t>
+            </a:r>
+            <a:endParaRPr lang="en-US" b="0" dirty="0" smtClean="0"/>
+          </a:p>
+        </p:txBody>
+      </p:sp>
+      <p:sp>
+        <p:nvSpPr>
+          <p:cNvPr id="4" name="Slide Number Placeholder 3"/>
+          <p:cNvSpPr>
+            <a:spLocks noGrp="1"/>
+          </p:cNvSpPr>
+          <p:nvPr>
+            <p:ph type="sldNum" sz="quarter" idx="10"/>
+          </p:nvPr>
+        </p:nvSpPr>
+        <p:spPr/>
+        <p:txBody>
+          <a:bodyPr/>
+          <a:lstStyle/>
+          <a:p>
+            <a:fld id="{EBF164A3-7165-4E0F-AA0F-DDB0EC7CBD94}" type="slidenum">
+              <a:rPr lang="en-US" smtClean="0"/>
+              <a:pPr/>
+              <a:t>13</a:t>
+            </a:fld>
+            <a:endParaRPr lang="en-US"/>
+          </a:p>
+        </p:txBody>
+      </p:sp>
+    </p:spTree>
+    <p:extLst>
+      <p:ext uri="{BB962C8B-B14F-4D97-AF65-F5344CB8AC3E}">
+        <p14:creationId xmlns="" xmlns:p14="http://schemas.microsoft.com/office/powerpoint/2010/main" val="1847537067"/>
+      </p:ext>
+    </p:extLst>
+  </p:cSld>
+  <p:clrMapOvr>
+    <a:masterClrMapping/>
+  </p:clrMapOvr>
+</p:notes>
+</file>
+
+<file path=ppt/notesSlides/notesSlide13.xml><?xml version="1.0" encoding="utf-8"?>
+<p:notes xmlns:a="http://schemas.openxmlformats.org/drawingml/2006/main" xmlns:r="http://schemas.openxmlformats.org/officeDocument/2006/relationships" xmlns:p="http://schemas.openxmlformats.org/presentationml/2006/main">
+  <p:cSld>
+    <p:spTree>
+      <p:nvGrpSpPr>
+        <p:cNvPr id="1" name=""/>
+        <p:cNvGrpSpPr/>
+        <p:nvPr/>
+      </p:nvGrpSpPr>
+      <p:grpSpPr>
+        <a:xfrm>
+          <a:off x="0" y="0"/>
+          <a:ext cx="0" cy="0"/>
+          <a:chOff x="0" y="0"/>
+          <a:chExt cx="0" cy="0"/>
+        </a:xfrm>
+      </p:grpSpPr>
+      <p:sp>
+        <p:nvSpPr>
+          <p:cNvPr id="2" name="Slide Image Placeholder 1"/>
+          <p:cNvSpPr>
+            <a:spLocks noGrp="1" noRot="1" noChangeAspect="1"/>
+          </p:cNvSpPr>
+          <p:nvPr>
+            <p:ph type="sldImg"/>
+          </p:nvPr>
+        </p:nvSpPr>
+        <p:spPr/>
+      </p:sp>
+      <p:sp>
+        <p:nvSpPr>
+          <p:cNvPr id="3" name="Notes Placeholder 2"/>
+          <p:cNvSpPr>
+            <a:spLocks noGrp="1"/>
+          </p:cNvSpPr>
+          <p:nvPr>
+            <p:ph type="body" idx="1"/>
+          </p:nvPr>
+        </p:nvSpPr>
+        <p:spPr/>
+        <p:txBody>
+          <a:bodyPr/>
+          <a:lstStyle/>
+          <a:p>
+            <a:r>
+              <a:rPr lang="en-US" dirty="0" smtClean="0"/>
+              <a:t>https://fiddle.sencha.com/#fiddle/3l1</a:t>
+            </a:r>
+          </a:p>
+          <a:p>
+            <a:r>
+              <a:rPr lang="en-US" smtClean="0"/>
+              <a:t>http://www.extjs-tutorial.com/extjs/inheritance-in-extjs</a:t>
+            </a:r>
+            <a:endParaRPr lang="en-US" dirty="0"/>
+          </a:p>
+        </p:txBody>
+      </p:sp>
+      <p:sp>
+        <p:nvSpPr>
+          <p:cNvPr id="4" name="Slide Number Placeholder 3"/>
+          <p:cNvSpPr>
+            <a:spLocks noGrp="1"/>
+          </p:cNvSpPr>
+          <p:nvPr>
+            <p:ph type="sldNum" sz="quarter" idx="10"/>
+          </p:nvPr>
+        </p:nvSpPr>
+        <p:spPr/>
+        <p:txBody>
+          <a:bodyPr/>
+          <a:lstStyle/>
+          <a:p>
+            <a:fld id="{EBF164A3-7165-4E0F-AA0F-DDB0EC7CBD94}" type="slidenum">
+              <a:rPr lang="en-US" smtClean="0"/>
+              <a:pPr/>
+              <a:t>14</a:t>
+            </a:fld>
+            <a:endParaRPr lang="en-US"/>
+          </a:p>
+        </p:txBody>
+      </p:sp>
+    </p:spTree>
+    <p:extLst>
+      <p:ext uri="{BB962C8B-B14F-4D97-AF65-F5344CB8AC3E}">
+        <p14:creationId xmlns="" xmlns:p14="http://schemas.microsoft.com/office/powerpoint/2010/main" val="1847537067"/>
+      </p:ext>
+    </p:extLst>
+  </p:cSld>
+  <p:clrMapOvr>
+    <a:masterClrMapping/>
+  </p:clrMapOvr>
+</p:notes>
+</file>
+
+<file path=ppt/notesSlides/notesSlide14.xml><?xml version="1.0" encoding="utf-8"?>
+<p:notes xmlns:a="http://schemas.openxmlformats.org/drawingml/2006/main" xmlns:r="http://schemas.openxmlformats.org/officeDocument/2006/relationships" xmlns:p="http://schemas.openxmlformats.org/presentationml/2006/main">
+  <p:cSld>
+    <p:spTree>
+      <p:nvGrpSpPr>
+        <p:cNvPr id="1" name=""/>
+        <p:cNvGrpSpPr/>
+        <p:nvPr/>
+      </p:nvGrpSpPr>
+      <p:grpSpPr>
+        <a:xfrm>
+          <a:off x="0" y="0"/>
+          <a:ext cx="0" cy="0"/>
+          <a:chOff x="0" y="0"/>
+          <a:chExt cx="0" cy="0"/>
+        </a:xfrm>
+      </p:grpSpPr>
+      <p:sp>
+        <p:nvSpPr>
+          <p:cNvPr id="2" name="Slide Image Placeholder 1"/>
+          <p:cNvSpPr>
+            <a:spLocks noGrp="1" noRot="1" noChangeAspect="1"/>
+          </p:cNvSpPr>
+          <p:nvPr>
+            <p:ph type="sldImg"/>
+          </p:nvPr>
+        </p:nvSpPr>
+        <p:spPr/>
+      </p:sp>
+      <p:sp>
+        <p:nvSpPr>
+          <p:cNvPr id="3" name="Notes Placeholder 2"/>
+          <p:cNvSpPr>
+            <a:spLocks noGrp="1"/>
+          </p:cNvSpPr>
+          <p:nvPr>
+            <p:ph type="body" idx="1"/>
+          </p:nvPr>
+        </p:nvSpPr>
+        <p:spPr/>
+        <p:txBody>
+          <a:bodyPr/>
+          <a:lstStyle/>
+          <a:p>
+            <a:endParaRPr lang="en-US" dirty="0"/>
+          </a:p>
+        </p:txBody>
+      </p:sp>
+      <p:sp>
+        <p:nvSpPr>
+          <p:cNvPr id="4" name="Slide Number Placeholder 3"/>
+          <p:cNvSpPr>
+            <a:spLocks noGrp="1"/>
+          </p:cNvSpPr>
+          <p:nvPr>
+            <p:ph type="sldNum" sz="quarter" idx="10"/>
+          </p:nvPr>
+        </p:nvSpPr>
+        <p:spPr/>
+        <p:txBody>
+          <a:bodyPr/>
+          <a:lstStyle/>
+          <a:p>
+            <a:fld id="{EBF164A3-7165-4E0F-AA0F-DDB0EC7CBD94}" type="slidenum">
+              <a:rPr lang="en-US" smtClean="0"/>
+              <a:pPr/>
+              <a:t>15</a:t>
+            </a:fld>
+            <a:endParaRPr lang="en-US"/>
+          </a:p>
+        </p:txBody>
+      </p:sp>
+    </p:spTree>
+    <p:extLst>
+      <p:ext uri="{BB962C8B-B14F-4D97-AF65-F5344CB8AC3E}">
+        <p14:creationId xmlns="" xmlns:p14="http://schemas.microsoft.com/office/powerpoint/2010/main" val="1847537067"/>
       </p:ext>
     </p:extLst>
   </p:cSld>
@@ -630,7 +2132,7 @@
     </p:spTree>
     <p:extLst>
       <p:ext uri="{BB962C8B-B14F-4D97-AF65-F5344CB8AC3E}">
-        <p14:creationId xmlns:p14="http://schemas.microsoft.com/office/powerpoint/2010/main" xmlns="" val="1904584423"/>
+        <p14:creationId xmlns="" xmlns:p14="http://schemas.microsoft.com/office/powerpoint/2010/main" val="1904584423"/>
       </p:ext>
     </p:extLst>
   </p:cSld>
@@ -1070,7 +2572,7 @@
     </p:spTree>
     <p:extLst>
       <p:ext uri="{BB962C8B-B14F-4D97-AF65-F5344CB8AC3E}">
-        <p14:creationId xmlns:p14="http://schemas.microsoft.com/office/powerpoint/2010/main" xmlns="" val="886732826"/>
+        <p14:creationId xmlns="" xmlns:p14="http://schemas.microsoft.com/office/powerpoint/2010/main" val="886732826"/>
       </p:ext>
     </p:extLst>
   </p:cSld>
@@ -1121,654 +2623,190 @@
         </p:nvSpPr>
         <p:spPr/>
         <p:txBody>
-          <a:bodyPr/>
-          <a:lstStyle/>
-          <a:p>
-            <a:r>
-              <a:rPr lang="en-US" dirty="0" err="1" smtClean="0"/>
-              <a:t>Sencha</a:t>
-            </a:r>
-            <a:r>
-              <a:rPr lang="en-US" dirty="0" smtClean="0"/>
-              <a:t> Platform for Web Application Lifecycle Management</a:t>
-            </a:r>
-          </a:p>
-          <a:p>
-            <a:r>
-              <a:rPr lang="en-US" sz="1200" b="1" i="0" kern="1200" dirty="0" err="1" smtClean="0">
+          <a:bodyPr>
+            <a:normAutofit/>
+          </a:bodyPr>
+          <a:lstStyle/>
+          <a:p>
+            <a:pPr marL="0" marR="0" lvl="1" indent="0" algn="l" defTabSz="914400" rtl="0" eaLnBrk="1" fontAlgn="auto" latinLnBrk="0" hangingPunct="1">
+              <a:lnSpc>
+                <a:spcPct val="100000"/>
+              </a:lnSpc>
+              <a:spcBef>
+                <a:spcPts val="0"/>
+              </a:spcBef>
+              <a:spcAft>
+                <a:spcPts val="0"/>
+              </a:spcAft>
+              <a:buClrTx/>
+              <a:buSzTx/>
+              <a:buFontTx/>
+              <a:buNone/>
+              <a:tabLst/>
+              <a:defRPr/>
+            </a:pPr>
+            <a:r>
+              <a:rPr lang="en-US" sz="2700" b="1" dirty="0" err="1" smtClean="0">
+                <a:solidFill>
+                  <a:srgbClr val="000000"/>
+                </a:solidFill>
+                <a:latin typeface="Arial" pitchFamily="34" charset="0"/>
+              </a:rPr>
+              <a:t>ExtJS</a:t>
+            </a:r>
+            <a:r>
+              <a:rPr lang="en-US" sz="2700" b="1" dirty="0" smtClean="0">
+                <a:solidFill>
+                  <a:srgbClr val="000000"/>
+                </a:solidFill>
+                <a:latin typeface="Arial" pitchFamily="34" charset="0"/>
+              </a:rPr>
+              <a:t> 4.0 </a:t>
+            </a:r>
+            <a:r>
+              <a:rPr lang="en-US" sz="2700" dirty="0" smtClean="0">
+                <a:solidFill>
+                  <a:srgbClr val="000000"/>
+                </a:solidFill>
+                <a:latin typeface="Arial" pitchFamily="34" charset="0"/>
+              </a:rPr>
+              <a:t>was released around April 2011</a:t>
+            </a:r>
+          </a:p>
+          <a:p>
+            <a:pPr marL="0" marR="0" lvl="1" indent="0" algn="l" defTabSz="914400" rtl="0" eaLnBrk="1" fontAlgn="auto" latinLnBrk="0" hangingPunct="1">
+              <a:lnSpc>
+                <a:spcPct val="100000"/>
+              </a:lnSpc>
+              <a:spcBef>
+                <a:spcPts val="0"/>
+              </a:spcBef>
+              <a:spcAft>
+                <a:spcPts val="0"/>
+              </a:spcAft>
+              <a:buClrTx/>
+              <a:buSzTx/>
+              <a:buFontTx/>
+              <a:buNone/>
+              <a:tabLst/>
+              <a:defRPr/>
+            </a:pPr>
+            <a:r>
+              <a:rPr lang="en-US" sz="1200" b="1" i="0" kern="1200" dirty="0" smtClean="0">
                 <a:solidFill>
                   <a:schemeClr val="tx1"/>
                 </a:solidFill>
-                <a:effectLst/>
                 <a:latin typeface="+mn-lt"/>
                 <a:ea typeface="+mn-ea"/>
                 <a:cs typeface="+mn-cs"/>
               </a:rPr>
-              <a:t>Sencha</a:t>
-            </a:r>
-            <a:r>
-              <a:rPr lang="en-US" sz="1200" b="1" i="0" kern="1200" dirty="0" smtClean="0">
+              <a:t>Ext JS 5.0 </a:t>
+            </a:r>
+            <a:r>
+              <a:rPr lang="en-US" sz="1200" b="0" i="0" kern="1200" dirty="0" smtClean="0">
                 <a:solidFill>
                   <a:schemeClr val="tx1"/>
                 </a:solidFill>
-                <a:effectLst/>
                 <a:latin typeface="+mn-lt"/>
                 <a:ea typeface="+mn-ea"/>
                 <a:cs typeface="+mn-cs"/>
               </a:rPr>
-              <a:t> Ext JS</a:t>
-            </a:r>
-          </a:p>
-          <a:p>
+              <a:t>was released on June 2, 2014 : using a single code base, a Model View </a:t>
+            </a:r>
             <a:r>
               <a:rPr lang="en-US" sz="1200" b="0" i="0" kern="1200" dirty="0" err="1" smtClean="0">
                 <a:solidFill>
                   <a:schemeClr val="tx1"/>
                 </a:solidFill>
-                <a:effectLst/>
                 <a:latin typeface="+mn-lt"/>
                 <a:ea typeface="+mn-ea"/>
                 <a:cs typeface="+mn-cs"/>
               </a:rPr>
-              <a:t>Sencha</a:t>
+              <a:t>ViewModel</a:t>
             </a:r>
             <a:r>
               <a:rPr lang="en-US" sz="1200" b="0" i="0" kern="1200" dirty="0" smtClean="0">
                 <a:solidFill>
                   <a:schemeClr val="tx1"/>
                 </a:solidFill>
-                <a:effectLst/>
                 <a:latin typeface="+mn-lt"/>
                 <a:ea typeface="+mn-ea"/>
                 <a:cs typeface="+mn-cs"/>
               </a:rPr>
-              <a:t> Ext JS is a desktop application development platform with cross-browser compatibility, MVC architecture, charting, and UI widgets.</a:t>
-            </a:r>
-          </a:p>
-          <a:p>
-            <a:r>
-              <a:rPr lang="en-US" sz="1200" b="1" i="0" kern="1200" dirty="0" err="1" smtClean="0">
+              <a:t> (</a:t>
+            </a:r>
+            <a:r>
+              <a:rPr lang="en-US" sz="1200" b="0" i="0" u="none" strike="noStrike" kern="1200" dirty="0" smtClean="0">
                 <a:solidFill>
                   <a:schemeClr val="tx1"/>
                 </a:solidFill>
-                <a:effectLst/>
                 <a:latin typeface="+mn-lt"/>
                 <a:ea typeface="+mn-ea"/>
                 <a:cs typeface="+mn-cs"/>
-              </a:rPr>
-              <a:t>Sencha</a:t>
-            </a:r>
-            <a:r>
-              <a:rPr lang="en-US" sz="1200" b="1" i="0" kern="1200" dirty="0" smtClean="0">
+                <a:hlinkClick r:id="rId3" tooltip="Model View ViewModel"/>
+              </a:rPr>
+              <a:t>MVVM</a:t>
+            </a:r>
+            <a:r>
+              <a:rPr lang="en-US" sz="1200" b="0" i="0" kern="1200" dirty="0" smtClean="0">
                 <a:solidFill>
                   <a:schemeClr val="tx1"/>
                 </a:solidFill>
-                <a:effectLst/>
                 <a:latin typeface="+mn-lt"/>
                 <a:ea typeface="+mn-ea"/>
                 <a:cs typeface="+mn-cs"/>
               </a:rPr>
-              <a:t> Touch </a:t>
-            </a:r>
-            <a:r>
-              <a:rPr lang="en-US" sz="1200" b="0" i="0" kern="1200" dirty="0" smtClean="0">
+              <a:t>) architecture, two-way data binding, responsive layouts, and other component upgrades with support for adding widgets inside a grid cell for data visualization and big data analytics</a:t>
+            </a:r>
+            <a:endParaRPr lang="en-US" sz="2700" dirty="0" smtClean="0">
+              <a:solidFill>
+                <a:srgbClr val="000000"/>
+              </a:solidFill>
+              <a:latin typeface="Arial" pitchFamily="34" charset="0"/>
+            </a:endParaRPr>
+          </a:p>
+          <a:p>
+            <a:r>
+              <a:rPr lang="en-US" sz="1200" b="1" dirty="0" err="1" smtClean="0">
+                <a:solidFill>
+                  <a:srgbClr val="000000"/>
+                </a:solidFill>
+                <a:latin typeface="Arial" pitchFamily="34" charset="0"/>
+              </a:rPr>
+              <a:t>ExtJS</a:t>
+            </a:r>
+            <a:r>
+              <a:rPr lang="en-US" sz="1200" b="1" dirty="0" smtClean="0">
+                <a:solidFill>
+                  <a:srgbClr val="000000"/>
+                </a:solidFill>
+                <a:latin typeface="Arial" pitchFamily="34" charset="0"/>
+              </a:rPr>
+              <a:t> </a:t>
+            </a:r>
+            <a:r>
+              <a:rPr lang="en-US" sz="1200" b="1" i="0" kern="1200" dirty="0" smtClean="0">
                 <a:solidFill>
                   <a:schemeClr val="tx1"/>
                 </a:solidFill>
-                <a:effectLst/>
                 <a:latin typeface="+mn-lt"/>
                 <a:ea typeface="+mn-ea"/>
                 <a:cs typeface="+mn-cs"/>
               </a:rPr>
-              <a:t>is a mobile application development platform with over 50 built-in components, themes for every popular mobile platform, and a built-in MVC system. </a:t>
-            </a:r>
-            <a:r>
-              <a:rPr lang="en-US" sz="1200" b="0" i="0" kern="1200" dirty="0" err="1" smtClean="0">
+              <a:t>5.1.0</a:t>
+            </a:r>
+            <a:r>
+              <a:rPr lang="en-US" sz="1200" b="0" i="0" kern="1200" dirty="0" smtClean="0">
                 <a:solidFill>
                   <a:schemeClr val="tx1"/>
                 </a:solidFill>
-                <a:effectLst/>
                 <a:latin typeface="+mn-lt"/>
                 <a:ea typeface="+mn-ea"/>
                 <a:cs typeface="+mn-cs"/>
               </a:rPr>
-              <a:t>Sencha</a:t>
-            </a:r>
-            <a:r>
-              <a:rPr lang="en-US" sz="1200" b="0" i="0" kern="1200" dirty="0" smtClean="0">
-                <a:solidFill>
-                  <a:schemeClr val="tx1"/>
-                </a:solidFill>
-                <a:effectLst/>
-                <a:latin typeface="+mn-lt"/>
-                <a:ea typeface="+mn-ea"/>
-                <a:cs typeface="+mn-cs"/>
-              </a:rPr>
-              <a:t> Touch in the Complete package provides access to </a:t>
-            </a:r>
-            <a:r>
-              <a:rPr lang="en-US" sz="1200" b="0" i="0" kern="1200" dirty="0" err="1" smtClean="0">
-                <a:solidFill>
-                  <a:schemeClr val="tx1"/>
-                </a:solidFill>
-                <a:effectLst/>
-                <a:latin typeface="+mn-lt"/>
-                <a:ea typeface="+mn-ea"/>
-                <a:cs typeface="+mn-cs"/>
-              </a:rPr>
-              <a:t>TouchGrid</a:t>
-            </a:r>
-            <a:r>
-              <a:rPr lang="en-US" sz="1200" b="0" i="0" kern="1200" dirty="0" smtClean="0">
-                <a:solidFill>
-                  <a:schemeClr val="tx1"/>
-                </a:solidFill>
-                <a:effectLst/>
-                <a:latin typeface="+mn-lt"/>
-                <a:ea typeface="+mn-ea"/>
-                <a:cs typeface="+mn-cs"/>
-              </a:rPr>
-              <a:t> and Action Message Format (AMF).</a:t>
-            </a:r>
-            <a:endParaRPr lang="en-US" dirty="0" smtClean="0"/>
-          </a:p>
-          <a:p>
-            <a:endParaRPr lang="en-US" dirty="0" smtClean="0"/>
-          </a:p>
-          <a:p>
-            <a:r>
-              <a:rPr lang="en-US" sz="1200" b="1" i="0" kern="1200" dirty="0" smtClean="0">
-                <a:solidFill>
-                  <a:schemeClr val="tx1"/>
-                </a:solidFill>
-                <a:effectLst/>
-                <a:latin typeface="+mn-lt"/>
-                <a:ea typeface="+mn-ea"/>
-                <a:cs typeface="+mn-cs"/>
-              </a:rPr>
-              <a:t>Design</a:t>
-            </a:r>
-          </a:p>
-          <a:p>
-            <a:r>
-              <a:rPr lang="en-US" sz="1200" b="0" i="0" kern="1200" dirty="0" smtClean="0">
-                <a:solidFill>
-                  <a:schemeClr val="tx1"/>
-                </a:solidFill>
-                <a:effectLst/>
-                <a:latin typeface="+mn-lt"/>
-                <a:ea typeface="+mn-ea"/>
-                <a:cs typeface="+mn-cs"/>
-              </a:rPr>
-              <a:t>The </a:t>
-            </a:r>
-            <a:r>
-              <a:rPr lang="en-US" sz="1200" b="0" i="0" kern="1200" dirty="0" err="1" smtClean="0">
-                <a:solidFill>
-                  <a:schemeClr val="tx1"/>
-                </a:solidFill>
-                <a:effectLst/>
-                <a:latin typeface="+mn-lt"/>
-                <a:ea typeface="+mn-ea"/>
-                <a:cs typeface="+mn-cs"/>
-              </a:rPr>
-              <a:t>Sencha</a:t>
-            </a:r>
-            <a:r>
-              <a:rPr lang="en-US" sz="1200" b="0" i="0" kern="1200" dirty="0" smtClean="0">
-                <a:solidFill>
-                  <a:schemeClr val="tx1"/>
-                </a:solidFill>
-                <a:effectLst/>
-                <a:latin typeface="+mn-lt"/>
-                <a:ea typeface="+mn-ea"/>
-                <a:cs typeface="+mn-cs"/>
-              </a:rPr>
-              <a:t> platform helps you accelerate your web application development efforts with out-of-the box theming capabilities across all applications. We can help teams:</a:t>
-            </a:r>
-          </a:p>
-          <a:p>
-            <a:r>
-              <a:rPr lang="en-US" sz="1200" b="0" i="0" kern="1200" dirty="0" smtClean="0">
-                <a:solidFill>
-                  <a:schemeClr val="tx1"/>
-                </a:solidFill>
-                <a:effectLst/>
-                <a:latin typeface="+mn-lt"/>
-                <a:ea typeface="+mn-ea"/>
-                <a:cs typeface="+mn-cs"/>
-              </a:rPr>
-              <a:t>Design visually compelling web applications using pre-built and pre-tested components.</a:t>
-            </a:r>
-          </a:p>
-          <a:p>
-            <a:r>
-              <a:rPr lang="en-US" sz="1200" b="0" i="0" kern="1200" dirty="0" smtClean="0">
-                <a:solidFill>
-                  <a:schemeClr val="tx1"/>
-                </a:solidFill>
-                <a:effectLst/>
-                <a:latin typeface="+mn-lt"/>
-                <a:ea typeface="+mn-ea"/>
-                <a:cs typeface="+mn-cs"/>
-              </a:rPr>
-              <a:t>Improve agility and the overall design process with tools that make it faster and easier to mock up, style, prototype, and evaluate interface designs.</a:t>
-            </a:r>
-          </a:p>
-          <a:p>
-            <a:r>
-              <a:rPr lang="en-US" sz="1200" b="0" i="0" kern="1200" dirty="0" smtClean="0">
-                <a:solidFill>
-                  <a:schemeClr val="tx1"/>
-                </a:solidFill>
-                <a:effectLst/>
-                <a:latin typeface="+mn-lt"/>
-                <a:ea typeface="+mn-ea"/>
-                <a:cs typeface="+mn-cs"/>
-              </a:rPr>
-              <a:t>Enhance collaboration between line-of-business and IT teams to move apps quickly to the development phase.</a:t>
-            </a:r>
-          </a:p>
-          <a:p>
-            <a:endParaRPr lang="en-US" sz="1200" b="0" i="0" kern="1200" dirty="0" smtClean="0">
-              <a:solidFill>
-                <a:schemeClr val="tx1"/>
-              </a:solidFill>
-              <a:effectLst/>
-              <a:latin typeface="+mn-lt"/>
-              <a:ea typeface="+mn-ea"/>
-              <a:cs typeface="+mn-cs"/>
-            </a:endParaRPr>
-          </a:p>
-          <a:p>
-            <a:r>
-              <a:rPr lang="en-US" sz="1200" b="1" i="0" kern="1200" dirty="0" smtClean="0">
-                <a:solidFill>
-                  <a:schemeClr val="tx1"/>
-                </a:solidFill>
-                <a:effectLst/>
-                <a:latin typeface="+mn-lt"/>
-                <a:ea typeface="+mn-ea"/>
-                <a:cs typeface="+mn-cs"/>
-              </a:rPr>
-              <a:t>Develop</a:t>
-            </a:r>
-          </a:p>
-          <a:p>
-            <a:r>
-              <a:rPr lang="en-US" sz="1200" b="0" i="0" kern="1200" dirty="0" smtClean="0">
-                <a:solidFill>
-                  <a:schemeClr val="tx1"/>
-                </a:solidFill>
-                <a:effectLst/>
-                <a:latin typeface="+mn-lt"/>
-                <a:ea typeface="+mn-ea"/>
-                <a:cs typeface="+mn-cs"/>
-              </a:rPr>
-              <a:t>The </a:t>
-            </a:r>
-            <a:r>
-              <a:rPr lang="en-US" sz="1200" b="0" i="0" kern="1200" dirty="0" err="1" smtClean="0">
-                <a:solidFill>
-                  <a:schemeClr val="tx1"/>
-                </a:solidFill>
-                <a:effectLst/>
-                <a:latin typeface="+mn-lt"/>
-                <a:ea typeface="+mn-ea"/>
-                <a:cs typeface="+mn-cs"/>
-              </a:rPr>
-              <a:t>Sencha</a:t>
-            </a:r>
-            <a:r>
-              <a:rPr lang="en-US" sz="1200" b="0" i="0" kern="1200" dirty="0" smtClean="0">
-                <a:solidFill>
-                  <a:schemeClr val="tx1"/>
-                </a:solidFill>
-                <a:effectLst/>
-                <a:latin typeface="+mn-lt"/>
-                <a:ea typeface="+mn-ea"/>
-                <a:cs typeface="+mn-cs"/>
-              </a:rPr>
-              <a:t> platform offers powerful JavaScript and Java frameworks to help developers do their best work. We can help teams:</a:t>
-            </a:r>
-          </a:p>
-          <a:p>
-            <a:r>
-              <a:rPr lang="en-US" sz="1200" b="0" i="0" kern="1200" dirty="0" smtClean="0">
-                <a:solidFill>
-                  <a:schemeClr val="tx1"/>
-                </a:solidFill>
-                <a:effectLst/>
-                <a:latin typeface="+mn-lt"/>
-                <a:ea typeface="+mn-ea"/>
-                <a:cs typeface="+mn-cs"/>
-              </a:rPr>
-              <a:t>Build better applications faster with an enterprise-ready framework.</a:t>
-            </a:r>
-          </a:p>
-          <a:p>
-            <a:r>
-              <a:rPr lang="en-US" sz="1200" b="0" i="0" kern="1200" dirty="0" smtClean="0">
-                <a:solidFill>
-                  <a:schemeClr val="tx1"/>
-                </a:solidFill>
-                <a:effectLst/>
-                <a:latin typeface="+mn-lt"/>
-                <a:ea typeface="+mn-ea"/>
-                <a:cs typeface="+mn-cs"/>
-              </a:rPr>
-              <a:t>Improve development efficiency by automatically handling critical issues such as rendering and cross-browser testing.</a:t>
-            </a:r>
-          </a:p>
-          <a:p>
-            <a:r>
-              <a:rPr lang="en-US" sz="1200" b="0" i="0" kern="1200" dirty="0" smtClean="0">
-                <a:solidFill>
-                  <a:schemeClr val="tx1"/>
-                </a:solidFill>
-                <a:effectLst/>
-                <a:latin typeface="+mn-lt"/>
-                <a:ea typeface="+mn-ea"/>
-                <a:cs typeface="+mn-cs"/>
-              </a:rPr>
-              <a:t>Build higher quality applications with tightly integrated and well-tested libraries and components.</a:t>
-            </a:r>
-          </a:p>
-          <a:p>
-            <a:r>
-              <a:rPr lang="en-US" sz="1200" b="0" i="0" kern="1200" dirty="0" smtClean="0">
-                <a:solidFill>
-                  <a:schemeClr val="tx1"/>
-                </a:solidFill>
-                <a:effectLst/>
-                <a:latin typeface="+mn-lt"/>
-                <a:ea typeface="+mn-ea"/>
-                <a:cs typeface="+mn-cs"/>
-              </a:rPr>
-              <a:t>Develop once for multiple platforms and devices.</a:t>
-            </a:r>
-          </a:p>
-          <a:p>
-            <a:r>
-              <a:rPr lang="en-US" sz="1200" b="0" i="0" kern="1200" dirty="0" smtClean="0">
-                <a:solidFill>
-                  <a:schemeClr val="tx1"/>
-                </a:solidFill>
-                <a:effectLst/>
-                <a:latin typeface="+mn-lt"/>
-                <a:ea typeface="+mn-ea"/>
-                <a:cs typeface="+mn-cs"/>
-              </a:rPr>
-              <a:t>Code, troubleshoot, and test web applications just once for multiple device types — desktops, tablets, and smartphones.</a:t>
-            </a:r>
-          </a:p>
-          <a:p>
-            <a:endParaRPr lang="en-US" sz="1200" b="0" i="0" kern="1200" dirty="0" smtClean="0">
-              <a:solidFill>
-                <a:schemeClr val="tx1"/>
-              </a:solidFill>
-              <a:effectLst/>
-              <a:latin typeface="+mn-lt"/>
-              <a:ea typeface="+mn-ea"/>
-              <a:cs typeface="+mn-cs"/>
-            </a:endParaRPr>
-          </a:p>
-          <a:p>
-            <a:r>
-              <a:rPr lang="en-US" sz="1200" b="1" i="0" kern="1200" dirty="0" smtClean="0">
-                <a:solidFill>
-                  <a:schemeClr val="tx1"/>
-                </a:solidFill>
-                <a:effectLst/>
-                <a:latin typeface="+mn-lt"/>
-                <a:ea typeface="+mn-ea"/>
-                <a:cs typeface="+mn-cs"/>
-              </a:rPr>
-              <a:t>Manage</a:t>
-            </a:r>
-          </a:p>
-          <a:p>
-            <a:r>
-              <a:rPr lang="en-US" sz="1200" b="0" i="0" kern="1200" dirty="0" err="1" smtClean="0">
-                <a:solidFill>
-                  <a:schemeClr val="tx1"/>
-                </a:solidFill>
-                <a:effectLst/>
-                <a:latin typeface="+mn-lt"/>
-                <a:ea typeface="+mn-ea"/>
-                <a:cs typeface="+mn-cs"/>
-              </a:rPr>
-              <a:t>Sencha</a:t>
-            </a:r>
-            <a:r>
-              <a:rPr lang="en-US" sz="1200" b="0" i="0" kern="1200" dirty="0" smtClean="0">
-                <a:solidFill>
-                  <a:schemeClr val="tx1"/>
-                </a:solidFill>
-                <a:effectLst/>
-                <a:latin typeface="+mn-lt"/>
-                <a:ea typeface="+mn-ea"/>
-                <a:cs typeface="+mn-cs"/>
-              </a:rPr>
-              <a:t> offers the ideal platform for deploying, managing, securing, and analyzing your web applications. We can help IT Ops teams:</a:t>
-            </a:r>
-          </a:p>
-          <a:p>
-            <a:r>
-              <a:rPr lang="en-US" sz="1200" b="0" i="0" kern="1200" dirty="0" smtClean="0">
-                <a:solidFill>
-                  <a:schemeClr val="tx1"/>
-                </a:solidFill>
-                <a:effectLst/>
-                <a:latin typeface="+mn-lt"/>
-                <a:ea typeface="+mn-ea"/>
-                <a:cs typeface="+mn-cs"/>
-              </a:rPr>
-              <a:t>Seamlessly deploy web applications to mobile devices, tablets, and desktops.</a:t>
-            </a:r>
-          </a:p>
-          <a:p>
-            <a:r>
-              <a:rPr lang="en-US" sz="1200" b="0" i="0" kern="1200" dirty="0" smtClean="0">
-                <a:solidFill>
-                  <a:schemeClr val="tx1"/>
-                </a:solidFill>
-                <a:effectLst/>
-                <a:latin typeface="+mn-lt"/>
-                <a:ea typeface="+mn-ea"/>
-                <a:cs typeface="+mn-cs"/>
-              </a:rPr>
-              <a:t>Safeguard sensitive data by deploying apps securely.</a:t>
-            </a:r>
-          </a:p>
-          <a:p>
-            <a:r>
-              <a:rPr lang="en-US" sz="1200" b="0" i="0" kern="1200" dirty="0" smtClean="0">
-                <a:solidFill>
-                  <a:schemeClr val="tx1"/>
-                </a:solidFill>
-                <a:effectLst/>
-                <a:latin typeface="+mn-lt"/>
-                <a:ea typeface="+mn-ea"/>
-                <a:cs typeface="+mn-cs"/>
-              </a:rPr>
-              <a:t>Maintain user flexibility and increase IT/business collaboration.</a:t>
-            </a:r>
-          </a:p>
-          <a:p>
-            <a:r>
-              <a:rPr lang="en-US" sz="1200" b="0" i="0" kern="1200" dirty="0" smtClean="0">
-                <a:solidFill>
-                  <a:schemeClr val="tx1"/>
-                </a:solidFill>
-                <a:effectLst/>
-                <a:latin typeface="+mn-lt"/>
-                <a:ea typeface="+mn-ea"/>
-                <a:cs typeface="+mn-cs"/>
-              </a:rPr>
-              <a:t>Control your apps, users, and data with a centralized administration console.</a:t>
-            </a:r>
-          </a:p>
-          <a:p>
-            <a:r>
-              <a:rPr lang="en-US" sz="1200" b="0" i="0" kern="1200" dirty="0" smtClean="0">
-                <a:solidFill>
-                  <a:schemeClr val="tx1"/>
-                </a:solidFill>
-                <a:effectLst/>
-                <a:latin typeface="+mn-lt"/>
-                <a:ea typeface="+mn-ea"/>
-                <a:cs typeface="+mn-cs"/>
-              </a:rPr>
-              <a:t>Gain valuable insight by analyzing your apps across usage, timing, support, update, and performance parameters.</a:t>
-            </a:r>
-          </a:p>
-          <a:p>
-            <a:endParaRPr lang="en-US" sz="1200" b="0" i="0" kern="1200" dirty="0" smtClean="0">
-              <a:solidFill>
-                <a:schemeClr val="tx1"/>
-              </a:solidFill>
-              <a:effectLst/>
-              <a:latin typeface="+mn-lt"/>
-              <a:ea typeface="+mn-ea"/>
-              <a:cs typeface="+mn-cs"/>
-            </a:endParaRPr>
-          </a:p>
-          <a:p>
-            <a:r>
-              <a:rPr lang="en-US" sz="1200" b="1" i="0" kern="1200" dirty="0" smtClean="0">
-                <a:solidFill>
-                  <a:schemeClr val="tx1"/>
-                </a:solidFill>
-                <a:effectLst/>
-                <a:latin typeface="+mn-lt"/>
-                <a:ea typeface="+mn-ea"/>
-                <a:cs typeface="+mn-cs"/>
-              </a:rPr>
-              <a:t>Plugins and Services</a:t>
-            </a:r>
-          </a:p>
-          <a:p>
-            <a:r>
-              <a:rPr lang="en-US" sz="1200" b="0" i="0" kern="1200" dirty="0" smtClean="0">
-                <a:solidFill>
-                  <a:schemeClr val="tx1"/>
-                </a:solidFill>
-                <a:effectLst/>
-                <a:latin typeface="+mn-lt"/>
-                <a:ea typeface="+mn-ea"/>
-                <a:cs typeface="+mn-cs"/>
-              </a:rPr>
-              <a:t>We provide an open platform that integrates into your current IT environment with plugins for popular IDEs, integration with backend systems such as SAP and integration with Single Sign on, LDAP and more. The </a:t>
-            </a:r>
-            <a:r>
-              <a:rPr lang="en-US" sz="1200" b="0" i="0" kern="1200" dirty="0" err="1" smtClean="0">
-                <a:solidFill>
-                  <a:schemeClr val="tx1"/>
-                </a:solidFill>
-                <a:effectLst/>
-                <a:latin typeface="+mn-lt"/>
-                <a:ea typeface="+mn-ea"/>
-                <a:cs typeface="+mn-cs"/>
-              </a:rPr>
-              <a:t>Sencha</a:t>
-            </a:r>
-            <a:r>
-              <a:rPr lang="en-US" sz="1200" b="0" i="0" kern="1200" dirty="0" smtClean="0">
-                <a:solidFill>
-                  <a:schemeClr val="tx1"/>
-                </a:solidFill>
-                <a:effectLst/>
-                <a:latin typeface="+mn-lt"/>
-                <a:ea typeface="+mn-ea"/>
-                <a:cs typeface="+mn-cs"/>
-              </a:rPr>
-              <a:t> Platform is backed by expert support and services that round out the solution. Our dedicated team of engineers and consultants  provides deep technical training, customized implementation, technical support, and professional services that include:</a:t>
-            </a:r>
-          </a:p>
-          <a:p>
-            <a:r>
-              <a:rPr lang="en-US" sz="1200" b="0" i="0" kern="1200" dirty="0" smtClean="0">
-                <a:solidFill>
-                  <a:schemeClr val="tx1"/>
-                </a:solidFill>
-                <a:effectLst/>
-                <a:latin typeface="+mn-lt"/>
-                <a:ea typeface="+mn-ea"/>
-                <a:cs typeface="+mn-cs"/>
-              </a:rPr>
-              <a:t>Enterprise Mentoring and Architectural Planning</a:t>
-            </a:r>
-          </a:p>
-          <a:p>
-            <a:r>
-              <a:rPr lang="en-US" sz="1200" b="0" i="0" kern="1200" dirty="0" smtClean="0">
-                <a:solidFill>
-                  <a:schemeClr val="tx1"/>
-                </a:solidFill>
-                <a:effectLst/>
-                <a:latin typeface="+mn-lt"/>
-                <a:ea typeface="+mn-ea"/>
-                <a:cs typeface="+mn-cs"/>
-              </a:rPr>
-              <a:t>Dedicated Development Experts</a:t>
-            </a:r>
-          </a:p>
-          <a:p>
-            <a:r>
-              <a:rPr lang="en-US" sz="1200" b="0" i="0" kern="1200" dirty="0" smtClean="0">
-                <a:solidFill>
-                  <a:schemeClr val="tx1"/>
-                </a:solidFill>
-                <a:effectLst/>
-                <a:latin typeface="+mn-lt"/>
-                <a:ea typeface="+mn-ea"/>
-                <a:cs typeface="+mn-cs"/>
-              </a:rPr>
-              <a:t>Code Review and Best Practices Knowledge Transfer</a:t>
-            </a:r>
-          </a:p>
-          <a:p>
-            <a:r>
-              <a:rPr lang="en-US" sz="1200" b="0" i="0" kern="1200" dirty="0" smtClean="0">
-                <a:solidFill>
-                  <a:schemeClr val="tx1"/>
-                </a:solidFill>
-                <a:effectLst/>
-                <a:latin typeface="+mn-lt"/>
-                <a:ea typeface="+mn-ea"/>
-                <a:cs typeface="+mn-cs"/>
-              </a:rPr>
-              <a:t>Custom Component Development</a:t>
-            </a:r>
-          </a:p>
-          <a:p>
-            <a:r>
-              <a:rPr lang="en-US" sz="1200" b="0" i="0" kern="1200" dirty="0" smtClean="0">
-                <a:solidFill>
-                  <a:schemeClr val="tx1"/>
-                </a:solidFill>
-                <a:effectLst/>
-                <a:latin typeface="+mn-lt"/>
-                <a:ea typeface="+mn-ea"/>
-                <a:cs typeface="+mn-cs"/>
-              </a:rPr>
-              <a:t>UI/UX Design Assistance</a:t>
-            </a:r>
-          </a:p>
-          <a:p>
-            <a:endParaRPr lang="en-US" sz="1200" b="0" i="0" kern="1200" dirty="0" smtClean="0">
-              <a:solidFill>
-                <a:schemeClr val="tx1"/>
-              </a:solidFill>
-              <a:effectLst/>
-              <a:latin typeface="+mn-lt"/>
-              <a:ea typeface="+mn-ea"/>
-              <a:cs typeface="+mn-cs"/>
-            </a:endParaRPr>
-          </a:p>
-          <a:p>
-            <a:endParaRPr lang="en-US" b="1" dirty="0"/>
+              <a:t> / November 2014</a:t>
+            </a:r>
+            <a:endParaRPr lang="en-US" dirty="0"/>
           </a:p>
         </p:txBody>
       </p:sp>
@@ -1790,18 +2828,13 @@
             <a:fld id="{EBF164A3-7165-4E0F-AA0F-DDB0EC7CBD94}" type="slidenum">
               <a:rPr lang="en-US" smtClean="0"/>
               <a:pPr/>
-              <a:t>6</a:t>
+              <a:t>4</a:t>
             </a:fld>
             <a:endParaRPr lang="en-US"/>
           </a:p>
         </p:txBody>
       </p:sp>
     </p:spTree>
-    <p:extLst>
-      <p:ext uri="{BB962C8B-B14F-4D97-AF65-F5344CB8AC3E}">
-        <p14:creationId xmlns:p14="http://schemas.microsoft.com/office/powerpoint/2010/main" xmlns="" val="2185725958"/>
-      </p:ext>
-    </p:extLst>
   </p:cSld>
   <p:clrMapOvr>
     <a:masterClrMapping/>
@@ -1854,64 +2887,17 @@
           <a:lstStyle/>
           <a:p>
             <a:r>
-              <a:rPr lang="en-US" b="1" dirty="0" smtClean="0"/>
-              <a:t>IE</a:t>
+              <a:rPr lang="en-US" dirty="0" err="1" smtClean="0"/>
+              <a:t>Sencha</a:t>
             </a:r>
             <a:r>
               <a:rPr lang="en-US" dirty="0" smtClean="0"/>
-              <a:t>:</a:t>
-            </a:r>
-            <a:r>
-              <a:rPr lang="en-US" baseline="0" dirty="0" smtClean="0"/>
-              <a:t> 11</a:t>
-            </a:r>
-          </a:p>
-          <a:p>
-            <a:r>
-              <a:rPr lang="en-US" b="1" baseline="0" dirty="0" smtClean="0"/>
-              <a:t>Mozilla Firefox</a:t>
-            </a:r>
-            <a:r>
-              <a:rPr lang="en-US" baseline="0" dirty="0" smtClean="0"/>
-              <a:t>: 3.8</a:t>
-            </a:r>
-          </a:p>
-          <a:p>
-            <a:r>
-              <a:rPr lang="en-US" b="1" baseline="0" dirty="0" smtClean="0"/>
-              <a:t>Safari</a:t>
-            </a:r>
-            <a:r>
-              <a:rPr lang="en-US" baseline="0" dirty="0" smtClean="0"/>
-              <a:t>: 8</a:t>
-            </a:r>
-          </a:p>
-          <a:p>
-            <a:r>
-              <a:rPr lang="en-US" b="1" baseline="0" dirty="0" smtClean="0"/>
-              <a:t>Google Chrome</a:t>
-            </a:r>
-            <a:r>
-              <a:rPr lang="en-US" baseline="0" dirty="0" smtClean="0"/>
-              <a:t>: 43</a:t>
-            </a:r>
-          </a:p>
-          <a:p>
-            <a:r>
-              <a:rPr lang="en-US" b="1" baseline="0" dirty="0" smtClean="0"/>
-              <a:t>Opera</a:t>
-            </a:r>
-            <a:r>
-              <a:rPr lang="en-US" baseline="0" dirty="0" smtClean="0"/>
-              <a:t>: 30</a:t>
-            </a:r>
-          </a:p>
-          <a:p>
-            <a:endParaRPr lang="en-US" baseline="0" dirty="0" smtClean="0"/>
-          </a:p>
-          <a:p>
-            <a:r>
-              <a:rPr lang="en-US" sz="1200" b="1" i="0" kern="1200" dirty="0" smtClean="0">
+              <a:t> Platform for Web Application Lifecycle Management</a:t>
+            </a:r>
+          </a:p>
+          <a:p>
+            <a:r>
+              <a:rPr lang="en-US" sz="1200" b="1" i="0" kern="1200" dirty="0" err="1" smtClean="0">
                 <a:solidFill>
                   <a:schemeClr val="tx1"/>
                 </a:solidFill>
@@ -1920,10 +2906,10 @@
                 <a:ea typeface="+mn-ea"/>
                 <a:cs typeface="+mn-cs"/>
               </a:rPr>
-              <a:t>Note:</a:t>
-            </a:r>
-            <a:r>
-              <a:rPr lang="en-US" sz="1200" b="0" i="0" kern="1200" dirty="0" smtClean="0">
+              <a:t>Sencha</a:t>
+            </a:r>
+            <a:r>
+              <a:rPr lang="en-US" sz="1200" b="1" i="0" kern="1200" dirty="0" smtClean="0">
                 <a:solidFill>
                   <a:schemeClr val="tx1"/>
                 </a:solidFill>
@@ -1932,12 +2918,619 @@
                 <a:ea typeface="+mn-ea"/>
                 <a:cs typeface="+mn-cs"/>
               </a:rPr>
-              <a:t> Ext JS 5 does not currently support mobile phones</a:t>
-            </a:r>
-            <a:endParaRPr lang="en-US" baseline="0" dirty="0" smtClean="0"/>
-          </a:p>
-          <a:p>
-            <a:endParaRPr lang="en-US" dirty="0"/>
+              <a:t> Ext JS</a:t>
+            </a:r>
+          </a:p>
+          <a:p>
+            <a:r>
+              <a:rPr lang="en-US" sz="1200" b="0" i="0" kern="1200" dirty="0" err="1" smtClean="0">
+                <a:solidFill>
+                  <a:schemeClr val="tx1"/>
+                </a:solidFill>
+                <a:effectLst/>
+                <a:latin typeface="+mn-lt"/>
+                <a:ea typeface="+mn-ea"/>
+                <a:cs typeface="+mn-cs"/>
+              </a:rPr>
+              <a:t>Sencha</a:t>
+            </a:r>
+            <a:r>
+              <a:rPr lang="en-US" sz="1200" b="0" i="0" kern="1200" dirty="0" smtClean="0">
+                <a:solidFill>
+                  <a:schemeClr val="tx1"/>
+                </a:solidFill>
+                <a:effectLst/>
+                <a:latin typeface="+mn-lt"/>
+                <a:ea typeface="+mn-ea"/>
+                <a:cs typeface="+mn-cs"/>
+              </a:rPr>
+              <a:t> Ext JS is a desktop application development platform with cross-browser compatibility, MVC architecture, charting, and UI widgets.</a:t>
+            </a:r>
+          </a:p>
+          <a:p>
+            <a:r>
+              <a:rPr lang="en-US" sz="1200" b="1" i="0" kern="1200" dirty="0" err="1" smtClean="0">
+                <a:solidFill>
+                  <a:schemeClr val="tx1"/>
+                </a:solidFill>
+                <a:effectLst/>
+                <a:latin typeface="+mn-lt"/>
+                <a:ea typeface="+mn-ea"/>
+                <a:cs typeface="+mn-cs"/>
+              </a:rPr>
+              <a:t>Sencha</a:t>
+            </a:r>
+            <a:r>
+              <a:rPr lang="en-US" sz="1200" b="1" i="0" kern="1200" dirty="0" smtClean="0">
+                <a:solidFill>
+                  <a:schemeClr val="tx1"/>
+                </a:solidFill>
+                <a:effectLst/>
+                <a:latin typeface="+mn-lt"/>
+                <a:ea typeface="+mn-ea"/>
+                <a:cs typeface="+mn-cs"/>
+              </a:rPr>
+              <a:t> Touch </a:t>
+            </a:r>
+            <a:r>
+              <a:rPr lang="en-US" sz="1200" b="0" i="0" kern="1200" dirty="0" smtClean="0">
+                <a:solidFill>
+                  <a:schemeClr val="tx1"/>
+                </a:solidFill>
+                <a:effectLst/>
+                <a:latin typeface="+mn-lt"/>
+                <a:ea typeface="+mn-ea"/>
+                <a:cs typeface="+mn-cs"/>
+              </a:rPr>
+              <a:t>is a mobile application development platform with over 50 built-in components, themes for every popular mobile platform, and a built-in MVC system. </a:t>
+            </a:r>
+            <a:r>
+              <a:rPr lang="en-US" sz="1200" b="0" i="0" kern="1200" dirty="0" err="1" smtClean="0">
+                <a:solidFill>
+                  <a:schemeClr val="tx1"/>
+                </a:solidFill>
+                <a:effectLst/>
+                <a:latin typeface="+mn-lt"/>
+                <a:ea typeface="+mn-ea"/>
+                <a:cs typeface="+mn-cs"/>
+              </a:rPr>
+              <a:t>Sencha</a:t>
+            </a:r>
+            <a:r>
+              <a:rPr lang="en-US" sz="1200" b="0" i="0" kern="1200" dirty="0" smtClean="0">
+                <a:solidFill>
+                  <a:schemeClr val="tx1"/>
+                </a:solidFill>
+                <a:effectLst/>
+                <a:latin typeface="+mn-lt"/>
+                <a:ea typeface="+mn-ea"/>
+                <a:cs typeface="+mn-cs"/>
+              </a:rPr>
+              <a:t> Touch in the Complete package provides access to </a:t>
+            </a:r>
+            <a:r>
+              <a:rPr lang="en-US" sz="1200" b="0" i="0" kern="1200" dirty="0" err="1" smtClean="0">
+                <a:solidFill>
+                  <a:schemeClr val="tx1"/>
+                </a:solidFill>
+                <a:effectLst/>
+                <a:latin typeface="+mn-lt"/>
+                <a:ea typeface="+mn-ea"/>
+                <a:cs typeface="+mn-cs"/>
+              </a:rPr>
+              <a:t>TouchGrid</a:t>
+            </a:r>
+            <a:r>
+              <a:rPr lang="en-US" sz="1200" b="0" i="0" kern="1200" dirty="0" smtClean="0">
+                <a:solidFill>
+                  <a:schemeClr val="tx1"/>
+                </a:solidFill>
+                <a:effectLst/>
+                <a:latin typeface="+mn-lt"/>
+                <a:ea typeface="+mn-ea"/>
+                <a:cs typeface="+mn-cs"/>
+              </a:rPr>
+              <a:t> and Action Message Format (AMF).</a:t>
+            </a:r>
+            <a:endParaRPr lang="en-US" dirty="0" smtClean="0"/>
+          </a:p>
+          <a:p>
+            <a:endParaRPr lang="en-US" dirty="0" smtClean="0"/>
+          </a:p>
+          <a:p>
+            <a:r>
+              <a:rPr lang="en-US" sz="1200" b="1" i="0" kern="1200" dirty="0" smtClean="0">
+                <a:solidFill>
+                  <a:schemeClr val="tx1"/>
+                </a:solidFill>
+                <a:effectLst/>
+                <a:latin typeface="+mn-lt"/>
+                <a:ea typeface="+mn-ea"/>
+                <a:cs typeface="+mn-cs"/>
+              </a:rPr>
+              <a:t>Design</a:t>
+            </a:r>
+          </a:p>
+          <a:p>
+            <a:r>
+              <a:rPr lang="en-US" sz="1200" b="0" i="0" kern="1200" dirty="0" smtClean="0">
+                <a:solidFill>
+                  <a:schemeClr val="tx1"/>
+                </a:solidFill>
+                <a:effectLst/>
+                <a:latin typeface="+mn-lt"/>
+                <a:ea typeface="+mn-ea"/>
+                <a:cs typeface="+mn-cs"/>
+              </a:rPr>
+              <a:t>The </a:t>
+            </a:r>
+            <a:r>
+              <a:rPr lang="en-US" sz="1200" b="0" i="0" kern="1200" dirty="0" err="1" smtClean="0">
+                <a:solidFill>
+                  <a:schemeClr val="tx1"/>
+                </a:solidFill>
+                <a:effectLst/>
+                <a:latin typeface="+mn-lt"/>
+                <a:ea typeface="+mn-ea"/>
+                <a:cs typeface="+mn-cs"/>
+              </a:rPr>
+              <a:t>Sencha</a:t>
+            </a:r>
+            <a:r>
+              <a:rPr lang="en-US" sz="1200" b="0" i="0" kern="1200" dirty="0" smtClean="0">
+                <a:solidFill>
+                  <a:schemeClr val="tx1"/>
+                </a:solidFill>
+                <a:effectLst/>
+                <a:latin typeface="+mn-lt"/>
+                <a:ea typeface="+mn-ea"/>
+                <a:cs typeface="+mn-cs"/>
+              </a:rPr>
+              <a:t> platform helps you accelerate your web application development efforts with out-of-the box theming capabilities across all applications. We can help teams:</a:t>
+            </a:r>
+          </a:p>
+          <a:p>
+            <a:r>
+              <a:rPr lang="en-US" sz="1200" b="0" i="0" kern="1200" dirty="0" smtClean="0">
+                <a:solidFill>
+                  <a:schemeClr val="tx1"/>
+                </a:solidFill>
+                <a:effectLst/>
+                <a:latin typeface="+mn-lt"/>
+                <a:ea typeface="+mn-ea"/>
+                <a:cs typeface="+mn-cs"/>
+              </a:rPr>
+              <a:t>Design visually compelling web applications using pre-built and pre-tested components.</a:t>
+            </a:r>
+          </a:p>
+          <a:p>
+            <a:r>
+              <a:rPr lang="en-US" sz="1200" b="0" i="0" kern="1200" dirty="0" smtClean="0">
+                <a:solidFill>
+                  <a:schemeClr val="tx1"/>
+                </a:solidFill>
+                <a:effectLst/>
+                <a:latin typeface="+mn-lt"/>
+                <a:ea typeface="+mn-ea"/>
+                <a:cs typeface="+mn-cs"/>
+              </a:rPr>
+              <a:t>Improve agility and the overall design process with tools that make it faster and easier to mock up, style, prototype, and evaluate interface designs.</a:t>
+            </a:r>
+          </a:p>
+          <a:p>
+            <a:r>
+              <a:rPr lang="en-US" sz="1200" b="0" i="0" kern="1200" dirty="0" smtClean="0">
+                <a:solidFill>
+                  <a:schemeClr val="tx1"/>
+                </a:solidFill>
+                <a:effectLst/>
+                <a:latin typeface="+mn-lt"/>
+                <a:ea typeface="+mn-ea"/>
+                <a:cs typeface="+mn-cs"/>
+              </a:rPr>
+              <a:t>Enhance collaboration between line-of-business and IT teams to move apps quickly to the development phase.</a:t>
+            </a:r>
+          </a:p>
+          <a:p>
+            <a:endParaRPr lang="en-US" sz="1200" b="0" i="0" kern="1200" dirty="0" smtClean="0">
+              <a:solidFill>
+                <a:schemeClr val="tx1"/>
+              </a:solidFill>
+              <a:effectLst/>
+              <a:latin typeface="+mn-lt"/>
+              <a:ea typeface="+mn-ea"/>
+              <a:cs typeface="+mn-cs"/>
+            </a:endParaRPr>
+          </a:p>
+          <a:p>
+            <a:r>
+              <a:rPr lang="en-US" sz="1200" b="1" i="0" kern="1200" dirty="0" smtClean="0">
+                <a:solidFill>
+                  <a:schemeClr val="tx1"/>
+                </a:solidFill>
+                <a:effectLst/>
+                <a:latin typeface="+mn-lt"/>
+                <a:ea typeface="+mn-ea"/>
+                <a:cs typeface="+mn-cs"/>
+              </a:rPr>
+              <a:t>Develop</a:t>
+            </a:r>
+          </a:p>
+          <a:p>
+            <a:r>
+              <a:rPr lang="en-US" sz="1200" b="0" i="0" kern="1200" dirty="0" smtClean="0">
+                <a:solidFill>
+                  <a:schemeClr val="tx1"/>
+                </a:solidFill>
+                <a:effectLst/>
+                <a:latin typeface="+mn-lt"/>
+                <a:ea typeface="+mn-ea"/>
+                <a:cs typeface="+mn-cs"/>
+              </a:rPr>
+              <a:t>The </a:t>
+            </a:r>
+            <a:r>
+              <a:rPr lang="en-US" sz="1200" b="0" i="0" kern="1200" dirty="0" err="1" smtClean="0">
+                <a:solidFill>
+                  <a:schemeClr val="tx1"/>
+                </a:solidFill>
+                <a:effectLst/>
+                <a:latin typeface="+mn-lt"/>
+                <a:ea typeface="+mn-ea"/>
+                <a:cs typeface="+mn-cs"/>
+              </a:rPr>
+              <a:t>Sencha</a:t>
+            </a:r>
+            <a:r>
+              <a:rPr lang="en-US" sz="1200" b="0" i="0" kern="1200" dirty="0" smtClean="0">
+                <a:solidFill>
+                  <a:schemeClr val="tx1"/>
+                </a:solidFill>
+                <a:effectLst/>
+                <a:latin typeface="+mn-lt"/>
+                <a:ea typeface="+mn-ea"/>
+                <a:cs typeface="+mn-cs"/>
+              </a:rPr>
+              <a:t> platform offers powerful JavaScript and Java frameworks to help developers do their best work. We can help teams:</a:t>
+            </a:r>
+          </a:p>
+          <a:p>
+            <a:r>
+              <a:rPr lang="en-US" sz="1200" b="0" i="0" kern="1200" dirty="0" smtClean="0">
+                <a:solidFill>
+                  <a:schemeClr val="tx1"/>
+                </a:solidFill>
+                <a:effectLst/>
+                <a:latin typeface="+mn-lt"/>
+                <a:ea typeface="+mn-ea"/>
+                <a:cs typeface="+mn-cs"/>
+              </a:rPr>
+              <a:t>Build better applications faster with an enterprise-ready framework.</a:t>
+            </a:r>
+          </a:p>
+          <a:p>
+            <a:r>
+              <a:rPr lang="en-US" sz="1200" b="0" i="0" kern="1200" dirty="0" smtClean="0">
+                <a:solidFill>
+                  <a:schemeClr val="tx1"/>
+                </a:solidFill>
+                <a:effectLst/>
+                <a:latin typeface="+mn-lt"/>
+                <a:ea typeface="+mn-ea"/>
+                <a:cs typeface="+mn-cs"/>
+              </a:rPr>
+              <a:t>Improve development efficiency by automatically handling critical issues such as rendering and cross-browser testing.</a:t>
+            </a:r>
+          </a:p>
+          <a:p>
+            <a:r>
+              <a:rPr lang="en-US" sz="1200" b="0" i="0" kern="1200" dirty="0" smtClean="0">
+                <a:solidFill>
+                  <a:schemeClr val="tx1"/>
+                </a:solidFill>
+                <a:effectLst/>
+                <a:latin typeface="+mn-lt"/>
+                <a:ea typeface="+mn-ea"/>
+                <a:cs typeface="+mn-cs"/>
+              </a:rPr>
+              <a:t>Build higher quality applications with tightly integrated and well-tested libraries and components.</a:t>
+            </a:r>
+          </a:p>
+          <a:p>
+            <a:r>
+              <a:rPr lang="en-US" sz="1200" b="0" i="0" kern="1200" dirty="0" smtClean="0">
+                <a:solidFill>
+                  <a:schemeClr val="tx1"/>
+                </a:solidFill>
+                <a:effectLst/>
+                <a:latin typeface="+mn-lt"/>
+                <a:ea typeface="+mn-ea"/>
+                <a:cs typeface="+mn-cs"/>
+              </a:rPr>
+              <a:t>Develop once for multiple platforms and devices.</a:t>
+            </a:r>
+          </a:p>
+          <a:p>
+            <a:r>
+              <a:rPr lang="en-US" sz="1200" b="0" i="0" kern="1200" dirty="0" smtClean="0">
+                <a:solidFill>
+                  <a:schemeClr val="tx1"/>
+                </a:solidFill>
+                <a:effectLst/>
+                <a:latin typeface="+mn-lt"/>
+                <a:ea typeface="+mn-ea"/>
+                <a:cs typeface="+mn-cs"/>
+              </a:rPr>
+              <a:t>Code, troubleshoot, and test web applications just once for multiple device types — desktops, tablets, and smartphones.</a:t>
+            </a:r>
+          </a:p>
+          <a:p>
+            <a:endParaRPr lang="en-US" sz="1200" b="0" i="0" kern="1200" dirty="0" smtClean="0">
+              <a:solidFill>
+                <a:schemeClr val="tx1"/>
+              </a:solidFill>
+              <a:effectLst/>
+              <a:latin typeface="+mn-lt"/>
+              <a:ea typeface="+mn-ea"/>
+              <a:cs typeface="+mn-cs"/>
+            </a:endParaRPr>
+          </a:p>
+          <a:p>
+            <a:r>
+              <a:rPr lang="en-US" sz="1200" b="1" i="0" kern="1200" dirty="0" smtClean="0">
+                <a:solidFill>
+                  <a:schemeClr val="tx1"/>
+                </a:solidFill>
+                <a:effectLst/>
+                <a:latin typeface="+mn-lt"/>
+                <a:ea typeface="+mn-ea"/>
+                <a:cs typeface="+mn-cs"/>
+              </a:rPr>
+              <a:t>Manage</a:t>
+            </a:r>
+          </a:p>
+          <a:p>
+            <a:r>
+              <a:rPr lang="en-US" sz="1200" b="0" i="0" kern="1200" dirty="0" err="1" smtClean="0">
+                <a:solidFill>
+                  <a:schemeClr val="tx1"/>
+                </a:solidFill>
+                <a:effectLst/>
+                <a:latin typeface="+mn-lt"/>
+                <a:ea typeface="+mn-ea"/>
+                <a:cs typeface="+mn-cs"/>
+              </a:rPr>
+              <a:t>Sencha</a:t>
+            </a:r>
+            <a:r>
+              <a:rPr lang="en-US" sz="1200" b="0" i="0" kern="1200" dirty="0" smtClean="0">
+                <a:solidFill>
+                  <a:schemeClr val="tx1"/>
+                </a:solidFill>
+                <a:effectLst/>
+                <a:latin typeface="+mn-lt"/>
+                <a:ea typeface="+mn-ea"/>
+                <a:cs typeface="+mn-cs"/>
+              </a:rPr>
+              <a:t> offers the ideal platform for deploying, managing, securing, and analyzing your web applications. We can help IT Ops teams:</a:t>
+            </a:r>
+          </a:p>
+          <a:p>
+            <a:r>
+              <a:rPr lang="en-US" sz="1200" b="0" i="0" kern="1200" dirty="0" smtClean="0">
+                <a:solidFill>
+                  <a:schemeClr val="tx1"/>
+                </a:solidFill>
+                <a:effectLst/>
+                <a:latin typeface="+mn-lt"/>
+                <a:ea typeface="+mn-ea"/>
+                <a:cs typeface="+mn-cs"/>
+              </a:rPr>
+              <a:t>Seamlessly deploy web applications to mobile devices, tablets, and desktops.</a:t>
+            </a:r>
+          </a:p>
+          <a:p>
+            <a:r>
+              <a:rPr lang="en-US" sz="1200" b="0" i="0" kern="1200" dirty="0" smtClean="0">
+                <a:solidFill>
+                  <a:schemeClr val="tx1"/>
+                </a:solidFill>
+                <a:effectLst/>
+                <a:latin typeface="+mn-lt"/>
+                <a:ea typeface="+mn-ea"/>
+                <a:cs typeface="+mn-cs"/>
+              </a:rPr>
+              <a:t>Safeguard sensitive data by deploying apps securely.</a:t>
+            </a:r>
+          </a:p>
+          <a:p>
+            <a:r>
+              <a:rPr lang="en-US" sz="1200" b="0" i="0" kern="1200" dirty="0" smtClean="0">
+                <a:solidFill>
+                  <a:schemeClr val="tx1"/>
+                </a:solidFill>
+                <a:effectLst/>
+                <a:latin typeface="+mn-lt"/>
+                <a:ea typeface="+mn-ea"/>
+                <a:cs typeface="+mn-cs"/>
+              </a:rPr>
+              <a:t>Maintain user flexibility and increase IT/business collaboration.</a:t>
+            </a:r>
+          </a:p>
+          <a:p>
+            <a:r>
+              <a:rPr lang="en-US" sz="1200" b="0" i="0" kern="1200" dirty="0" smtClean="0">
+                <a:solidFill>
+                  <a:schemeClr val="tx1"/>
+                </a:solidFill>
+                <a:effectLst/>
+                <a:latin typeface="+mn-lt"/>
+                <a:ea typeface="+mn-ea"/>
+                <a:cs typeface="+mn-cs"/>
+              </a:rPr>
+              <a:t>Control your apps, users, and data with a centralized administration console.</a:t>
+            </a:r>
+          </a:p>
+          <a:p>
+            <a:r>
+              <a:rPr lang="en-US" sz="1200" b="0" i="0" kern="1200" dirty="0" smtClean="0">
+                <a:solidFill>
+                  <a:schemeClr val="tx1"/>
+                </a:solidFill>
+                <a:effectLst/>
+                <a:latin typeface="+mn-lt"/>
+                <a:ea typeface="+mn-ea"/>
+                <a:cs typeface="+mn-cs"/>
+              </a:rPr>
+              <a:t>Gain valuable insight by analyzing your apps across usage, timing, support, update, and performance parameters.</a:t>
+            </a:r>
+          </a:p>
+          <a:p>
+            <a:endParaRPr lang="en-US" sz="1200" b="0" i="0" kern="1200" dirty="0" smtClean="0">
+              <a:solidFill>
+                <a:schemeClr val="tx1"/>
+              </a:solidFill>
+              <a:effectLst/>
+              <a:latin typeface="+mn-lt"/>
+              <a:ea typeface="+mn-ea"/>
+              <a:cs typeface="+mn-cs"/>
+            </a:endParaRPr>
+          </a:p>
+          <a:p>
+            <a:r>
+              <a:rPr lang="en-US" sz="1200" b="1" i="0" kern="1200" dirty="0" smtClean="0">
+                <a:solidFill>
+                  <a:schemeClr val="tx1"/>
+                </a:solidFill>
+                <a:effectLst/>
+                <a:latin typeface="+mn-lt"/>
+                <a:ea typeface="+mn-ea"/>
+                <a:cs typeface="+mn-cs"/>
+              </a:rPr>
+              <a:t>Plugins and Services</a:t>
+            </a:r>
+          </a:p>
+          <a:p>
+            <a:r>
+              <a:rPr lang="en-US" sz="1200" b="0" i="0" kern="1200" dirty="0" smtClean="0">
+                <a:solidFill>
+                  <a:schemeClr val="tx1"/>
+                </a:solidFill>
+                <a:effectLst/>
+                <a:latin typeface="+mn-lt"/>
+                <a:ea typeface="+mn-ea"/>
+                <a:cs typeface="+mn-cs"/>
+              </a:rPr>
+              <a:t>We provide an open platform that integrates into your current IT environment with plugins for popular IDEs, integration with backend systems such as SAP and integration with Single Sign on, LDAP and more. The </a:t>
+            </a:r>
+            <a:r>
+              <a:rPr lang="en-US" sz="1200" b="0" i="0" kern="1200" dirty="0" err="1" smtClean="0">
+                <a:solidFill>
+                  <a:schemeClr val="tx1"/>
+                </a:solidFill>
+                <a:effectLst/>
+                <a:latin typeface="+mn-lt"/>
+                <a:ea typeface="+mn-ea"/>
+                <a:cs typeface="+mn-cs"/>
+              </a:rPr>
+              <a:t>Sencha</a:t>
+            </a:r>
+            <a:r>
+              <a:rPr lang="en-US" sz="1200" b="0" i="0" kern="1200" dirty="0" smtClean="0">
+                <a:solidFill>
+                  <a:schemeClr val="tx1"/>
+                </a:solidFill>
+                <a:effectLst/>
+                <a:latin typeface="+mn-lt"/>
+                <a:ea typeface="+mn-ea"/>
+                <a:cs typeface="+mn-cs"/>
+              </a:rPr>
+              <a:t> Platform is backed by expert support and services that round out the solution. Our dedicated team of engineers and consultants  provides deep technical training, customized implementation, technical support, and professional services that include:</a:t>
+            </a:r>
+          </a:p>
+          <a:p>
+            <a:r>
+              <a:rPr lang="en-US" sz="1200" b="0" i="0" kern="1200" dirty="0" smtClean="0">
+                <a:solidFill>
+                  <a:schemeClr val="tx1"/>
+                </a:solidFill>
+                <a:effectLst/>
+                <a:latin typeface="+mn-lt"/>
+                <a:ea typeface="+mn-ea"/>
+                <a:cs typeface="+mn-cs"/>
+              </a:rPr>
+              <a:t>Enterprise Mentoring and Architectural Planning</a:t>
+            </a:r>
+          </a:p>
+          <a:p>
+            <a:r>
+              <a:rPr lang="en-US" sz="1200" b="0" i="0" kern="1200" dirty="0" smtClean="0">
+                <a:solidFill>
+                  <a:schemeClr val="tx1"/>
+                </a:solidFill>
+                <a:effectLst/>
+                <a:latin typeface="+mn-lt"/>
+                <a:ea typeface="+mn-ea"/>
+                <a:cs typeface="+mn-cs"/>
+              </a:rPr>
+              <a:t>Dedicated Development Experts</a:t>
+            </a:r>
+          </a:p>
+          <a:p>
+            <a:r>
+              <a:rPr lang="en-US" sz="1200" b="0" i="0" kern="1200" dirty="0" smtClean="0">
+                <a:solidFill>
+                  <a:schemeClr val="tx1"/>
+                </a:solidFill>
+                <a:effectLst/>
+                <a:latin typeface="+mn-lt"/>
+                <a:ea typeface="+mn-ea"/>
+                <a:cs typeface="+mn-cs"/>
+              </a:rPr>
+              <a:t>Code Review and Best Practices Knowledge Transfer</a:t>
+            </a:r>
+          </a:p>
+          <a:p>
+            <a:r>
+              <a:rPr lang="en-US" sz="1200" b="0" i="0" kern="1200" dirty="0" smtClean="0">
+                <a:solidFill>
+                  <a:schemeClr val="tx1"/>
+                </a:solidFill>
+                <a:effectLst/>
+                <a:latin typeface="+mn-lt"/>
+                <a:ea typeface="+mn-ea"/>
+                <a:cs typeface="+mn-cs"/>
+              </a:rPr>
+              <a:t>Custom Component Development</a:t>
+            </a:r>
+          </a:p>
+          <a:p>
+            <a:r>
+              <a:rPr lang="en-US" sz="1200" b="0" i="0" kern="1200" dirty="0" smtClean="0">
+                <a:solidFill>
+                  <a:schemeClr val="tx1"/>
+                </a:solidFill>
+                <a:effectLst/>
+                <a:latin typeface="+mn-lt"/>
+                <a:ea typeface="+mn-ea"/>
+                <a:cs typeface="+mn-cs"/>
+              </a:rPr>
+              <a:t>UI/UX Design Assistance</a:t>
+            </a:r>
+          </a:p>
+          <a:p>
+            <a:endParaRPr lang="en-US" sz="1200" b="0" i="0" kern="1200" dirty="0" smtClean="0">
+              <a:solidFill>
+                <a:schemeClr val="tx1"/>
+              </a:solidFill>
+              <a:effectLst/>
+              <a:latin typeface="+mn-lt"/>
+              <a:ea typeface="+mn-ea"/>
+              <a:cs typeface="+mn-cs"/>
+            </a:endParaRPr>
+          </a:p>
+          <a:p>
+            <a:endParaRPr lang="en-US" b="1" dirty="0"/>
           </a:p>
         </p:txBody>
       </p:sp>
@@ -1959,7 +3552,7 @@
             <a:fld id="{EBF164A3-7165-4E0F-AA0F-DDB0EC7CBD94}" type="slidenum">
               <a:rPr lang="en-US" smtClean="0"/>
               <a:pPr/>
-              <a:t>7</a:t>
+              <a:t>6</a:t>
             </a:fld>
             <a:endParaRPr lang="en-US"/>
           </a:p>
@@ -1968,7 +3561,7 @@
     </p:spTree>
     <p:extLst>
       <p:ext uri="{BB962C8B-B14F-4D97-AF65-F5344CB8AC3E}">
-        <p14:creationId xmlns:p14="http://schemas.microsoft.com/office/powerpoint/2010/main" xmlns="" val="3156752949"/>
+        <p14:creationId xmlns="" xmlns:p14="http://schemas.microsoft.com/office/powerpoint/2010/main" val="2185725958"/>
       </p:ext>
     </p:extLst>
   </p:cSld>
@@ -2022,91 +3615,65 @@
           <a:bodyPr/>
           <a:lstStyle/>
           <a:p>
-            <a:pPr marL="0" marR="0" indent="0" algn="l" defTabSz="914400" rtl="0" eaLnBrk="1" fontAlgn="auto" latinLnBrk="0" hangingPunct="1">
-              <a:lnSpc>
-                <a:spcPct val="100000"/>
-              </a:lnSpc>
-              <a:spcBef>
-                <a:spcPts val="0"/>
-              </a:spcBef>
-              <a:spcAft>
-                <a:spcPts val="0"/>
-              </a:spcAft>
-              <a:buClrTx/>
-              <a:buSzTx/>
-              <a:buFontTx/>
-              <a:buNone/>
-              <a:tabLst/>
-              <a:defRPr/>
-            </a:pPr>
-            <a:r>
-              <a:rPr lang="en-US" b="0" dirty="0" smtClean="0"/>
-              <a:t>License(s):	</a:t>
-            </a:r>
-          </a:p>
-          <a:p>
-            <a:pPr marL="0" marR="0" indent="0" algn="l" defTabSz="914400" rtl="0" eaLnBrk="1" fontAlgn="auto" latinLnBrk="0" hangingPunct="1">
-              <a:lnSpc>
-                <a:spcPct val="100000"/>
-              </a:lnSpc>
-              <a:spcBef>
-                <a:spcPts val="0"/>
-              </a:spcBef>
-              <a:spcAft>
-                <a:spcPts val="0"/>
-              </a:spcAft>
-              <a:buClrTx/>
-              <a:buSzTx/>
-              <a:buFontTx/>
-              <a:buNone/>
-              <a:tabLst/>
-              <a:defRPr/>
-            </a:pPr>
-            <a:r>
-              <a:rPr lang="en-US" b="0" dirty="0" smtClean="0"/>
-              <a:t>GNU General Public License v3.0 </a:t>
-            </a:r>
-          </a:p>
-          <a:p>
-            <a:pPr marL="0" marR="0" indent="0" algn="l" defTabSz="914400" rtl="0" eaLnBrk="1" fontAlgn="auto" latinLnBrk="0" hangingPunct="1">
-              <a:lnSpc>
-                <a:spcPct val="100000"/>
-              </a:lnSpc>
-              <a:spcBef>
-                <a:spcPts val="0"/>
-              </a:spcBef>
-              <a:spcAft>
-                <a:spcPts val="0"/>
-              </a:spcAft>
-              <a:buClrTx/>
-              <a:buSzTx/>
-              <a:buFontTx/>
-              <a:buNone/>
-              <a:tabLst/>
-              <a:defRPr/>
-            </a:pPr>
-            <a:endParaRPr lang="en-US" b="0" dirty="0" smtClean="0"/>
-          </a:p>
-          <a:p>
-            <a:pPr marL="0" marR="0" indent="0" algn="l" defTabSz="914400" rtl="0" eaLnBrk="1" fontAlgn="auto" latinLnBrk="0" hangingPunct="1">
-              <a:lnSpc>
-                <a:spcPct val="100000"/>
-              </a:lnSpc>
-              <a:spcBef>
-                <a:spcPts val="0"/>
-              </a:spcBef>
-              <a:spcAft>
-                <a:spcPts val="0"/>
-              </a:spcAft>
-              <a:buClrTx/>
-              <a:buSzTx/>
-              <a:buFontTx/>
-              <a:buNone/>
-              <a:tabLst/>
-              <a:defRPr/>
-            </a:pPr>
-            <a:r>
-              <a:rPr lang="en-US" sz="1200" b="0" i="0" kern="1200" dirty="0" smtClean="0">
+            <a:r>
+              <a:rPr lang="en-US" b="1" dirty="0" smtClean="0"/>
+              <a:t>IE</a:t>
+            </a:r>
+            <a:r>
+              <a:rPr lang="en-US" dirty="0" smtClean="0"/>
+              <a:t>:</a:t>
+            </a:r>
+            <a:r>
+              <a:rPr lang="en-US" baseline="0" dirty="0" smtClean="0"/>
+              <a:t> 11</a:t>
+            </a:r>
+          </a:p>
+          <a:p>
+            <a:r>
+              <a:rPr lang="en-US" b="1" baseline="0" dirty="0" smtClean="0"/>
+              <a:t>Mozilla Firefox</a:t>
+            </a:r>
+            <a:r>
+              <a:rPr lang="en-US" baseline="0" dirty="0" smtClean="0"/>
+              <a:t>: 3.8</a:t>
+            </a:r>
+          </a:p>
+          <a:p>
+            <a:r>
+              <a:rPr lang="en-US" b="1" baseline="0" dirty="0" smtClean="0"/>
+              <a:t>Safari</a:t>
+            </a:r>
+            <a:r>
+              <a:rPr lang="en-US" baseline="0" dirty="0" smtClean="0"/>
+              <a:t>: 8</a:t>
+            </a:r>
+          </a:p>
+          <a:p>
+            <a:r>
+              <a:rPr lang="en-US" b="1" baseline="0" dirty="0" smtClean="0"/>
+              <a:t>Google Chrome</a:t>
+            </a:r>
+            <a:r>
+              <a:rPr lang="en-US" baseline="0" dirty="0" smtClean="0"/>
+              <a:t>: 43</a:t>
+            </a:r>
+          </a:p>
+          <a:p>
+            <a:r>
+              <a:rPr lang="en-US" b="1" baseline="0" dirty="0" smtClean="0"/>
+              <a:t>Opera</a:t>
+            </a:r>
+            <a:r>
+              <a:rPr lang="en-US" baseline="0" dirty="0" smtClean="0"/>
+              <a:t>: 30</a:t>
+            </a:r>
+          </a:p>
+          <a:p>
+            <a:endParaRPr lang="en-US" baseline="0" dirty="0" smtClean="0"/>
+          </a:p>
+          <a:p>
+            <a:r>
+              <a:rPr lang="en-US" sz="1200" b="1" i="0" kern="1200" dirty="0" smtClean="0">
                 <a:solidFill>
                   <a:schemeClr val="tx1"/>
                 </a:solidFill>
@@ -2115,98 +3682,10 @@
                 <a:ea typeface="+mn-ea"/>
                 <a:cs typeface="+mn-cs"/>
               </a:rPr>
-              <a:t>GNU General Public License v3.0 is the standard license for the GNU General Public License v3.0 base license</a:t>
-            </a:r>
-          </a:p>
-          <a:p>
-            <a:pPr marL="0" marR="0" indent="0" algn="l" defTabSz="914400" rtl="0" eaLnBrk="1" fontAlgn="auto" latinLnBrk="0" hangingPunct="1">
-              <a:lnSpc>
-                <a:spcPct val="100000"/>
-              </a:lnSpc>
-              <a:spcBef>
-                <a:spcPts val="0"/>
-              </a:spcBef>
-              <a:spcAft>
-                <a:spcPts val="0"/>
-              </a:spcAft>
-              <a:buClrTx/>
-              <a:buSzTx/>
-              <a:buFontTx/>
-              <a:buNone/>
-              <a:tabLst/>
-              <a:defRPr/>
-            </a:pPr>
-            <a:r>
-              <a:rPr lang="en-US" b="0" dirty="0" smtClean="0"/>
-              <a:t>http://www.sencha.com/legal/</a:t>
-            </a:r>
-          </a:p>
-          <a:p>
-            <a:pPr marL="0" marR="0" indent="0" algn="l" defTabSz="914400" rtl="0" eaLnBrk="1" fontAlgn="auto" latinLnBrk="0" hangingPunct="1">
-              <a:lnSpc>
-                <a:spcPct val="100000"/>
-              </a:lnSpc>
-              <a:spcBef>
-                <a:spcPts val="0"/>
-              </a:spcBef>
-              <a:spcAft>
-                <a:spcPts val="0"/>
-              </a:spcAft>
-              <a:buClrTx/>
-              <a:buSzTx/>
-              <a:buFontTx/>
-              <a:buNone/>
-              <a:tabLst/>
-              <a:defRPr/>
-            </a:pPr>
-            <a:endParaRPr lang="en-US" b="0" dirty="0" smtClean="0"/>
-          </a:p>
-          <a:p>
-            <a:pPr marL="0" marR="0" indent="0" algn="l" defTabSz="914400" rtl="0" eaLnBrk="1" fontAlgn="auto" latinLnBrk="0" hangingPunct="1">
-              <a:lnSpc>
-                <a:spcPct val="100000"/>
-              </a:lnSpc>
-              <a:spcBef>
-                <a:spcPts val="0"/>
-              </a:spcBef>
-              <a:spcAft>
-                <a:spcPts val="0"/>
-              </a:spcAft>
-              <a:buClrTx/>
-              <a:buSzTx/>
-              <a:buFontTx/>
-              <a:buNone/>
-              <a:tabLst/>
-              <a:defRPr/>
-            </a:pPr>
-            <a:r>
-              <a:rPr lang="en-US" b="0" dirty="0" smtClean="0"/>
-              <a:t>E:\Software Center\Framework\ext-5.1.0</a:t>
-            </a:r>
-          </a:p>
-          <a:p>
-            <a:pPr marL="0" marR="0" indent="0" algn="l" defTabSz="914400" rtl="0" eaLnBrk="1" fontAlgn="auto" latinLnBrk="0" hangingPunct="1">
-              <a:lnSpc>
-                <a:spcPct val="100000"/>
-              </a:lnSpc>
-              <a:spcBef>
-                <a:spcPts val="0"/>
-              </a:spcBef>
-              <a:spcAft>
-                <a:spcPts val="0"/>
-              </a:spcAft>
-              <a:buClrTx/>
-              <a:buSzTx/>
-              <a:buFontTx/>
-              <a:buNone/>
-              <a:tabLst/>
-              <a:defRPr/>
-            </a:pPr>
-            <a:endParaRPr lang="en-US" b="0" dirty="0" smtClean="0"/>
-          </a:p>
-          <a:p>
-            <a:r>
-              <a:rPr lang="en-US" sz="1200" b="1" i="0" kern="1200" dirty="0" smtClean="0">
+              <a:t>Note:</a:t>
+            </a:r>
+            <a:r>
+              <a:rPr lang="en-US" sz="1200" b="0" i="0" kern="1200" dirty="0" smtClean="0">
                 <a:solidFill>
                   <a:schemeClr val="tx1"/>
                 </a:solidFill>
@@ -2215,344 +3694,103 @@
                 <a:ea typeface="+mn-ea"/>
                 <a:cs typeface="+mn-cs"/>
               </a:rPr>
-              <a:t>Installing </a:t>
-            </a:r>
-            <a:r>
-              <a:rPr lang="en-US" sz="1200" b="1" i="0" kern="1200" dirty="0" err="1" smtClean="0">
-                <a:solidFill>
-                  <a:schemeClr val="tx1"/>
-                </a:solidFill>
-                <a:effectLst/>
-                <a:latin typeface="+mn-lt"/>
-                <a:ea typeface="+mn-ea"/>
-                <a:cs typeface="+mn-cs"/>
-              </a:rPr>
-              <a:t>Sencha</a:t>
-            </a:r>
-            <a:r>
-              <a:rPr lang="en-US" sz="1200" b="1" i="0" kern="1200" dirty="0" smtClean="0">
-                <a:solidFill>
-                  <a:schemeClr val="tx1"/>
-                </a:solidFill>
-                <a:effectLst/>
-                <a:latin typeface="+mn-lt"/>
-                <a:ea typeface="+mn-ea"/>
-                <a:cs typeface="+mn-cs"/>
-              </a:rPr>
-              <a:t> Ext JS</a:t>
-            </a:r>
-          </a:p>
-          <a:p>
-            <a:r>
-              <a:rPr lang="en-US" sz="1200" b="0" i="0" kern="1200" dirty="0" err="1" smtClean="0">
-                <a:solidFill>
-                  <a:schemeClr val="tx1"/>
-                </a:solidFill>
-                <a:effectLst/>
-                <a:latin typeface="+mn-lt"/>
-                <a:ea typeface="+mn-ea"/>
-                <a:cs typeface="+mn-cs"/>
-              </a:rPr>
-              <a:t>Sencha</a:t>
-            </a:r>
-            <a:r>
-              <a:rPr lang="en-US" sz="1200" b="0" i="0" kern="1200" dirty="0" smtClean="0">
-                <a:solidFill>
-                  <a:schemeClr val="tx1"/>
-                </a:solidFill>
-                <a:effectLst/>
-                <a:latin typeface="+mn-lt"/>
-                <a:ea typeface="+mn-ea"/>
-                <a:cs typeface="+mn-cs"/>
-              </a:rPr>
-              <a:t> Ext JS is a desktop application development platform with cross-browser compatibility, MVC architecture, charting, and UI widgets.</a:t>
-            </a:r>
-          </a:p>
-          <a:p>
-            <a:endParaRPr lang="en-US" sz="1200" b="0" i="0" kern="1200" dirty="0" smtClean="0">
-              <a:solidFill>
-                <a:schemeClr val="tx1"/>
-              </a:solidFill>
-              <a:effectLst/>
-              <a:latin typeface="+mn-lt"/>
-              <a:ea typeface="+mn-ea"/>
-              <a:cs typeface="+mn-cs"/>
-            </a:endParaRPr>
-          </a:p>
-          <a:p>
-            <a:r>
-              <a:rPr lang="en-US" sz="1200" b="1" i="0" kern="1200" dirty="0" smtClean="0">
-                <a:solidFill>
-                  <a:schemeClr val="tx1"/>
-                </a:solidFill>
-                <a:effectLst/>
-                <a:latin typeface="+mn-lt"/>
-                <a:ea typeface="+mn-ea"/>
-                <a:cs typeface="+mn-cs"/>
-              </a:rPr>
-              <a:t>Installing </a:t>
-            </a:r>
-            <a:r>
-              <a:rPr lang="en-US" sz="1200" b="1" i="0" kern="1200" dirty="0" err="1" smtClean="0">
-                <a:solidFill>
-                  <a:schemeClr val="tx1"/>
-                </a:solidFill>
-                <a:effectLst/>
-                <a:latin typeface="+mn-lt"/>
-                <a:ea typeface="+mn-ea"/>
-                <a:cs typeface="+mn-cs"/>
-              </a:rPr>
-              <a:t>Sencha</a:t>
-            </a:r>
-            <a:r>
-              <a:rPr lang="en-US" sz="1200" b="1" i="0" kern="1200" dirty="0" smtClean="0">
-                <a:solidFill>
-                  <a:schemeClr val="tx1"/>
-                </a:solidFill>
-                <a:effectLst/>
-                <a:latin typeface="+mn-lt"/>
-                <a:ea typeface="+mn-ea"/>
-                <a:cs typeface="+mn-cs"/>
-              </a:rPr>
-              <a:t> Touch</a:t>
-            </a:r>
-          </a:p>
-          <a:p>
-            <a:r>
-              <a:rPr lang="en-US" sz="1200" b="0" i="0" kern="1200" dirty="0" err="1" smtClean="0">
-                <a:solidFill>
-                  <a:schemeClr val="tx1"/>
-                </a:solidFill>
-                <a:effectLst/>
-                <a:latin typeface="+mn-lt"/>
-                <a:ea typeface="+mn-ea"/>
-                <a:cs typeface="+mn-cs"/>
-              </a:rPr>
-              <a:t>Sencha</a:t>
-            </a:r>
-            <a:r>
-              <a:rPr lang="en-US" sz="1200" b="0" i="0" kern="1200" dirty="0" smtClean="0">
-                <a:solidFill>
-                  <a:schemeClr val="tx1"/>
-                </a:solidFill>
-                <a:effectLst/>
-                <a:latin typeface="+mn-lt"/>
-                <a:ea typeface="+mn-ea"/>
-                <a:cs typeface="+mn-cs"/>
-              </a:rPr>
-              <a:t> Touch is a mobile application development platform with over 50 built-in components, themes for every popular mobile platform, and a built-in MVC system. </a:t>
-            </a:r>
-            <a:r>
-              <a:rPr lang="en-US" sz="1200" b="0" i="0" kern="1200" dirty="0" err="1" smtClean="0">
-                <a:solidFill>
-                  <a:schemeClr val="tx1"/>
-                </a:solidFill>
-                <a:effectLst/>
-                <a:latin typeface="+mn-lt"/>
-                <a:ea typeface="+mn-ea"/>
-                <a:cs typeface="+mn-cs"/>
-              </a:rPr>
-              <a:t>Sencha</a:t>
-            </a:r>
-            <a:r>
-              <a:rPr lang="en-US" sz="1200" b="0" i="0" kern="1200" dirty="0" smtClean="0">
-                <a:solidFill>
-                  <a:schemeClr val="tx1"/>
-                </a:solidFill>
-                <a:effectLst/>
-                <a:latin typeface="+mn-lt"/>
-                <a:ea typeface="+mn-ea"/>
-                <a:cs typeface="+mn-cs"/>
-              </a:rPr>
-              <a:t> Touch in the Complete package provides access to </a:t>
-            </a:r>
-            <a:r>
-              <a:rPr lang="en-US" sz="1200" b="0" i="0" kern="1200" dirty="0" err="1" smtClean="0">
-                <a:solidFill>
-                  <a:schemeClr val="tx1"/>
-                </a:solidFill>
-                <a:effectLst/>
-                <a:latin typeface="+mn-lt"/>
-                <a:ea typeface="+mn-ea"/>
-                <a:cs typeface="+mn-cs"/>
-              </a:rPr>
-              <a:t>TouchGrid</a:t>
-            </a:r>
-            <a:r>
-              <a:rPr lang="en-US" sz="1200" b="0" i="0" kern="1200" dirty="0" smtClean="0">
-                <a:solidFill>
-                  <a:schemeClr val="tx1"/>
-                </a:solidFill>
-                <a:effectLst/>
-                <a:latin typeface="+mn-lt"/>
-                <a:ea typeface="+mn-ea"/>
-                <a:cs typeface="+mn-cs"/>
-              </a:rPr>
-              <a:t> and Action Message Format (AMF).</a:t>
-            </a:r>
-          </a:p>
-          <a:p>
-            <a:r>
-              <a:rPr lang="en-US" sz="1200" b="0" i="0" kern="1200" dirty="0" smtClean="0">
-                <a:solidFill>
-                  <a:schemeClr val="tx1"/>
-                </a:solidFill>
-                <a:effectLst/>
-                <a:latin typeface="+mn-lt"/>
-                <a:ea typeface="+mn-ea"/>
-                <a:cs typeface="+mn-cs"/>
-              </a:rPr>
-              <a:t>	a. Create the starting file structure by changing directory: </a:t>
-            </a:r>
-            <a:r>
-              <a:rPr lang="en-US" dirty="0" err="1" smtClean="0"/>
-              <a:t>sencha</a:t>
-            </a:r>
-            <a:r>
-              <a:rPr lang="en-US" dirty="0" smtClean="0"/>
-              <a:t> generate app </a:t>
-            </a:r>
-            <a:r>
-              <a:rPr lang="en-US" dirty="0" err="1" smtClean="0"/>
-              <a:t>MyApp</a:t>
-            </a:r>
-            <a:r>
-              <a:rPr lang="en-US" dirty="0" smtClean="0"/>
-              <a:t> ../</a:t>
-            </a:r>
-            <a:r>
-              <a:rPr lang="en-US" dirty="0" err="1" smtClean="0"/>
-              <a:t>MyApp</a:t>
-            </a:r>
-            <a:endParaRPr lang="en-US" sz="1200" b="0" i="0" kern="1200" dirty="0" smtClean="0">
-              <a:solidFill>
-                <a:schemeClr val="tx1"/>
-              </a:solidFill>
-              <a:effectLst/>
-              <a:latin typeface="+mn-lt"/>
-              <a:ea typeface="+mn-ea"/>
-              <a:cs typeface="+mn-cs"/>
-            </a:endParaRPr>
-          </a:p>
-          <a:p>
-            <a:pPr marL="0" marR="0" indent="0" algn="l" defTabSz="914400" rtl="0" eaLnBrk="1" fontAlgn="auto" latinLnBrk="0" hangingPunct="1">
-              <a:lnSpc>
-                <a:spcPct val="100000"/>
-              </a:lnSpc>
-              <a:spcBef>
-                <a:spcPts val="0"/>
-              </a:spcBef>
-              <a:spcAft>
-                <a:spcPts val="0"/>
-              </a:spcAft>
-              <a:buClrTx/>
-              <a:buSzTx/>
-              <a:buFontTx/>
-              <a:buNone/>
-              <a:tabLst/>
-              <a:defRPr/>
-            </a:pPr>
-            <a:endParaRPr lang="en-US" b="0" dirty="0" smtClean="0"/>
-          </a:p>
-          <a:p>
-            <a:pPr marL="0" marR="0" indent="0" algn="l" defTabSz="914400" rtl="0" eaLnBrk="1" fontAlgn="auto" latinLnBrk="0" hangingPunct="1">
-              <a:lnSpc>
-                <a:spcPct val="100000"/>
-              </a:lnSpc>
-              <a:spcBef>
-                <a:spcPts val="0"/>
-              </a:spcBef>
-              <a:spcAft>
-                <a:spcPts val="0"/>
-              </a:spcAft>
-              <a:buClrTx/>
-              <a:buSzTx/>
-              <a:buFontTx/>
-              <a:buNone/>
-              <a:tabLst/>
-              <a:defRPr/>
-            </a:pPr>
-            <a:endParaRPr lang="en-US" b="0" dirty="0" smtClean="0"/>
-          </a:p>
-          <a:p>
-            <a:pPr marL="0" marR="0" indent="0" algn="l" defTabSz="914400" rtl="0" eaLnBrk="1" fontAlgn="auto" latinLnBrk="0" hangingPunct="1">
-              <a:lnSpc>
-                <a:spcPct val="100000"/>
-              </a:lnSpc>
-              <a:spcBef>
-                <a:spcPts val="0"/>
-              </a:spcBef>
-              <a:spcAft>
-                <a:spcPts val="0"/>
-              </a:spcAft>
-              <a:buClrTx/>
-              <a:buSzTx/>
-              <a:buFontTx/>
-              <a:buNone/>
-              <a:tabLst/>
-              <a:defRPr/>
-            </a:pPr>
-            <a:r>
-              <a:rPr lang="en-US" sz="1200" b="1" i="0" kern="1200" dirty="0" smtClean="0">
-                <a:solidFill>
-                  <a:schemeClr val="tx1"/>
-                </a:solidFill>
-                <a:effectLst/>
-                <a:latin typeface="+mn-lt"/>
-                <a:ea typeface="+mn-ea"/>
-                <a:cs typeface="+mn-cs"/>
-              </a:rPr>
-              <a:t>You cannot include </a:t>
-            </a:r>
-            <a:r>
-              <a:rPr lang="en-US" sz="1200" b="1" i="0" kern="1200" dirty="0" err="1" smtClean="0">
-                <a:solidFill>
-                  <a:schemeClr val="tx1"/>
-                </a:solidFill>
-                <a:effectLst/>
-                <a:latin typeface="+mn-lt"/>
-                <a:ea typeface="+mn-ea"/>
-                <a:cs typeface="+mn-cs"/>
-              </a:rPr>
-              <a:t>Sencha</a:t>
-            </a:r>
-            <a:r>
-              <a:rPr lang="en-US" sz="1200" b="1" i="0" kern="1200" dirty="0" smtClean="0">
-                <a:solidFill>
-                  <a:schemeClr val="tx1"/>
-                </a:solidFill>
-                <a:effectLst/>
-                <a:latin typeface="+mn-lt"/>
-                <a:ea typeface="+mn-ea"/>
-                <a:cs typeface="+mn-cs"/>
-              </a:rPr>
-              <a:t> Ext JS or </a:t>
-            </a:r>
-            <a:r>
-              <a:rPr lang="en-US" sz="1200" b="1" i="0" kern="1200" dirty="0" err="1" smtClean="0">
-                <a:solidFill>
-                  <a:schemeClr val="tx1"/>
-                </a:solidFill>
-                <a:effectLst/>
-                <a:latin typeface="+mn-lt"/>
-                <a:ea typeface="+mn-ea"/>
-                <a:cs typeface="+mn-cs"/>
-              </a:rPr>
-              <a:t>Sencha</a:t>
-            </a:r>
-            <a:r>
-              <a:rPr lang="en-US" sz="1200" b="1" i="0" kern="1200" dirty="0" smtClean="0">
-                <a:solidFill>
-                  <a:schemeClr val="tx1"/>
-                </a:solidFill>
-                <a:effectLst/>
-                <a:latin typeface="+mn-lt"/>
-                <a:ea typeface="+mn-ea"/>
-                <a:cs typeface="+mn-cs"/>
-              </a:rPr>
-              <a:t> GXT in a closed source distribution under this license.</a:t>
-            </a:r>
-            <a:endParaRPr lang="en-US" b="0" dirty="0" smtClean="0"/>
+              <a:t> Ext JS 5 does not currently support mobile phones</a:t>
+            </a:r>
+            <a:endParaRPr lang="en-US" baseline="0" dirty="0" smtClean="0"/>
+          </a:p>
+          <a:p>
+            <a:endParaRPr lang="en-US" dirty="0"/>
+          </a:p>
+        </p:txBody>
+      </p:sp>
+      <p:sp>
+        <p:nvSpPr>
+          <p:cNvPr id="4" name="Slide Number Placeholder 3"/>
+          <p:cNvSpPr>
+            <a:spLocks noGrp="1"/>
+          </p:cNvSpPr>
+          <p:nvPr>
+            <p:ph type="sldNum" sz="quarter" idx="10"/>
+          </p:nvPr>
+        </p:nvSpPr>
+        <p:spPr/>
+        <p:txBody>
+          <a:bodyPr/>
+          <a:lstStyle/>
+          <a:p>
+            <a:fld id="{EBF164A3-7165-4E0F-AA0F-DDB0EC7CBD94}" type="slidenum">
+              <a:rPr lang="en-US" smtClean="0"/>
+              <a:pPr/>
+              <a:t>7</a:t>
+            </a:fld>
+            <a:endParaRPr lang="en-US"/>
+          </a:p>
+        </p:txBody>
+      </p:sp>
+    </p:spTree>
+    <p:extLst>
+      <p:ext uri="{BB962C8B-B14F-4D97-AF65-F5344CB8AC3E}">
+        <p14:creationId xmlns="" xmlns:p14="http://schemas.microsoft.com/office/powerpoint/2010/main" val="3156752949"/>
+      </p:ext>
+    </p:extLst>
+  </p:cSld>
+  <p:clrMapOvr>
+    <a:masterClrMapping/>
+  </p:clrMapOvr>
+</p:notes>
+</file>
+
+<file path=ppt/notesSlides/notesSlide7.xml><?xml version="1.0" encoding="utf-8"?>
+<p:notes xmlns:a="http://schemas.openxmlformats.org/drawingml/2006/main" xmlns:r="http://schemas.openxmlformats.org/officeDocument/2006/relationships" xmlns:p="http://schemas.openxmlformats.org/presentationml/2006/main">
+  <p:cSld>
+    <p:spTree>
+      <p:nvGrpSpPr>
+        <p:cNvPr id="1" name=""/>
+        <p:cNvGrpSpPr/>
+        <p:nvPr/>
+      </p:nvGrpSpPr>
+      <p:grpSpPr>
+        <a:xfrm>
+          <a:off x="0" y="0"/>
+          <a:ext cx="0" cy="0"/>
+          <a:chOff x="0" y="0"/>
+          <a:chExt cx="0" cy="0"/>
+        </a:xfrm>
+      </p:grpSpPr>
+      <p:sp>
+        <p:nvSpPr>
+          <p:cNvPr id="2" name="Slide Image Placeholder 1"/>
+          <p:cNvSpPr>
+            <a:spLocks noGrp="1" noRot="1" noChangeAspect="1"/>
+          </p:cNvSpPr>
+          <p:nvPr>
+            <p:ph type="sldImg"/>
+          </p:nvPr>
+        </p:nvSpPr>
+        <p:spPr/>
+      </p:sp>
+      <p:sp>
+        <p:nvSpPr>
+          <p:cNvPr id="3" name="Notes Placeholder 2"/>
+          <p:cNvSpPr>
+            <a:spLocks noGrp="1"/>
+          </p:cNvSpPr>
+          <p:nvPr>
+            <p:ph type="body" idx="1"/>
+          </p:nvPr>
+        </p:nvSpPr>
+        <p:spPr/>
+        <p:txBody>
+          <a:bodyPr>
+            <a:normAutofit/>
+          </a:bodyPr>
+          <a:lstStyle/>
+          <a:p>
+            <a:r>
+              <a:rPr lang="vi-VN" b="1" smtClean="0"/>
+              <a:t>Không phô trương JavaScript</a:t>
+            </a:r>
+            <a:endParaRPr lang="en-US" dirty="0"/>
           </a:p>
         </p:txBody>
       </p:sp>
@@ -2581,11 +3819,178 @@
         </p:txBody>
       </p:sp>
     </p:spTree>
-    <p:extLst>
-      <p:ext uri="{BB962C8B-B14F-4D97-AF65-F5344CB8AC3E}">
-        <p14:creationId xmlns:p14="http://schemas.microsoft.com/office/powerpoint/2010/main" xmlns="" val="1847537067"/>
-      </p:ext>
-    </p:extLst>
+  </p:cSld>
+  <p:clrMapOvr>
+    <a:masterClrMapping/>
+  </p:clrMapOvr>
+</p:notes>
+</file>
+
+<file path=ppt/notesSlides/notesSlide8.xml><?xml version="1.0" encoding="utf-8"?>
+<p:notes xmlns:a="http://schemas.openxmlformats.org/drawingml/2006/main" xmlns:r="http://schemas.openxmlformats.org/officeDocument/2006/relationships" xmlns:p="http://schemas.openxmlformats.org/presentationml/2006/main">
+  <p:cSld>
+    <p:spTree>
+      <p:nvGrpSpPr>
+        <p:cNvPr id="1" name=""/>
+        <p:cNvGrpSpPr/>
+        <p:nvPr/>
+      </p:nvGrpSpPr>
+      <p:grpSpPr>
+        <a:xfrm>
+          <a:off x="0" y="0"/>
+          <a:ext cx="0" cy="0"/>
+          <a:chOff x="0" y="0"/>
+          <a:chExt cx="0" cy="0"/>
+        </a:xfrm>
+      </p:grpSpPr>
+      <p:sp>
+        <p:nvSpPr>
+          <p:cNvPr id="2" name="Slide Image Placeholder 1"/>
+          <p:cNvSpPr>
+            <a:spLocks noGrp="1" noRot="1" noChangeAspect="1"/>
+          </p:cNvSpPr>
+          <p:nvPr>
+            <p:ph type="sldImg"/>
+          </p:nvPr>
+        </p:nvSpPr>
+        <p:spPr/>
+      </p:sp>
+      <p:sp>
+        <p:nvSpPr>
+          <p:cNvPr id="3" name="Notes Placeholder 2"/>
+          <p:cNvSpPr>
+            <a:spLocks noGrp="1"/>
+          </p:cNvSpPr>
+          <p:nvPr>
+            <p:ph type="body" idx="1"/>
+          </p:nvPr>
+        </p:nvSpPr>
+        <p:spPr/>
+        <p:txBody>
+          <a:bodyPr>
+            <a:normAutofit/>
+          </a:bodyPr>
+          <a:lstStyle/>
+          <a:p>
+            <a:r>
+              <a:rPr lang="en-US" sz="1200" dirty="0" smtClean="0"/>
+              <a:t>Windows looks like OS windows – support dragging/resizing/closing</a:t>
+            </a:r>
+            <a:endParaRPr lang="en-US" sz="1200" dirty="0"/>
+          </a:p>
+        </p:txBody>
+      </p:sp>
+      <p:sp>
+        <p:nvSpPr>
+          <p:cNvPr id="4" name="Slide Number Placeholder 3"/>
+          <p:cNvSpPr>
+            <a:spLocks noGrp="1"/>
+          </p:cNvSpPr>
+          <p:nvPr>
+            <p:ph type="sldNum" sz="quarter" idx="10"/>
+          </p:nvPr>
+        </p:nvSpPr>
+        <p:spPr/>
+        <p:txBody>
+          <a:bodyPr/>
+          <a:lstStyle/>
+          <a:p>
+            <a:fld id="{EBF164A3-7165-4E0F-AA0F-DDB0EC7CBD94}" type="slidenum">
+              <a:rPr lang="en-US" smtClean="0"/>
+              <a:pPr/>
+              <a:t>9</a:t>
+            </a:fld>
+            <a:endParaRPr lang="en-US"/>
+          </a:p>
+        </p:txBody>
+      </p:sp>
+    </p:spTree>
+  </p:cSld>
+  <p:clrMapOvr>
+    <a:masterClrMapping/>
+  </p:clrMapOvr>
+</p:notes>
+</file>
+
+<file path=ppt/notesSlides/notesSlide9.xml><?xml version="1.0" encoding="utf-8"?>
+<p:notes xmlns:a="http://schemas.openxmlformats.org/drawingml/2006/main" xmlns:r="http://schemas.openxmlformats.org/officeDocument/2006/relationships" xmlns:p="http://schemas.openxmlformats.org/presentationml/2006/main">
+  <p:cSld>
+    <p:spTree>
+      <p:nvGrpSpPr>
+        <p:cNvPr id="1" name=""/>
+        <p:cNvGrpSpPr/>
+        <p:nvPr/>
+      </p:nvGrpSpPr>
+      <p:grpSpPr>
+        <a:xfrm>
+          <a:off x="0" y="0"/>
+          <a:ext cx="0" cy="0"/>
+          <a:chOff x="0" y="0"/>
+          <a:chExt cx="0" cy="0"/>
+        </a:xfrm>
+      </p:grpSpPr>
+      <p:sp>
+        <p:nvSpPr>
+          <p:cNvPr id="2" name="Slide Image Placeholder 1"/>
+          <p:cNvSpPr>
+            <a:spLocks noGrp="1" noRot="1" noChangeAspect="1"/>
+          </p:cNvSpPr>
+          <p:nvPr>
+            <p:ph type="sldImg"/>
+          </p:nvPr>
+        </p:nvSpPr>
+        <p:spPr/>
+      </p:sp>
+      <p:sp>
+        <p:nvSpPr>
+          <p:cNvPr id="3" name="Notes Placeholder 2"/>
+          <p:cNvSpPr>
+            <a:spLocks noGrp="1"/>
+          </p:cNvSpPr>
+          <p:nvPr>
+            <p:ph type="body" idx="1"/>
+          </p:nvPr>
+        </p:nvSpPr>
+        <p:spPr/>
+        <p:txBody>
+          <a:bodyPr>
+            <a:normAutofit/>
+          </a:bodyPr>
+          <a:lstStyle/>
+          <a:p>
+            <a:r>
+              <a:rPr lang="en-US" sz="1200" dirty="0" smtClean="0"/>
+              <a:t>Windows looks like OS windows – support dragging/resizing/closing</a:t>
+            </a:r>
+            <a:endParaRPr lang="en-US" sz="1200" dirty="0"/>
+          </a:p>
+        </p:txBody>
+      </p:sp>
+      <p:sp>
+        <p:nvSpPr>
+          <p:cNvPr id="4" name="Slide Number Placeholder 3"/>
+          <p:cNvSpPr>
+            <a:spLocks noGrp="1"/>
+          </p:cNvSpPr>
+          <p:nvPr>
+            <p:ph type="sldNum" sz="quarter" idx="10"/>
+          </p:nvPr>
+        </p:nvSpPr>
+        <p:spPr/>
+        <p:txBody>
+          <a:bodyPr/>
+          <a:lstStyle/>
+          <a:p>
+            <a:fld id="{EBF164A3-7165-4E0F-AA0F-DDB0EC7CBD94}" type="slidenum">
+              <a:rPr lang="en-US" smtClean="0"/>
+              <a:pPr/>
+              <a:t>10</a:t>
+            </a:fld>
+            <a:endParaRPr lang="en-US"/>
+          </a:p>
+        </p:txBody>
+      </p:sp>
+    </p:spTree>
   </p:cSld>
   <p:clrMapOvr>
     <a:masterClrMapping/>
@@ -2777,7 +4182,7 @@
     </p:spTree>
     <p:extLst>
       <p:ext uri="{BB962C8B-B14F-4D97-AF65-F5344CB8AC3E}">
-        <p14:creationId xmlns:p14="http://schemas.microsoft.com/office/powerpoint/2010/main" xmlns="" val="809978427"/>
+        <p14:creationId xmlns="" xmlns:p14="http://schemas.microsoft.com/office/powerpoint/2010/main" val="809978427"/>
       </p:ext>
     </p:extLst>
   </p:cSld>
@@ -2949,7 +4354,7 @@
     </p:spTree>
     <p:extLst>
       <p:ext uri="{BB962C8B-B14F-4D97-AF65-F5344CB8AC3E}">
-        <p14:creationId xmlns:p14="http://schemas.microsoft.com/office/powerpoint/2010/main" xmlns="" val="3363564555"/>
+        <p14:creationId xmlns="" xmlns:p14="http://schemas.microsoft.com/office/powerpoint/2010/main" val="3363564555"/>
       </p:ext>
     </p:extLst>
   </p:cSld>
@@ -3131,7 +4536,7 @@
     </p:spTree>
     <p:extLst>
       <p:ext uri="{BB962C8B-B14F-4D97-AF65-F5344CB8AC3E}">
-        <p14:creationId xmlns:p14="http://schemas.microsoft.com/office/powerpoint/2010/main" xmlns="" val="1808252546"/>
+        <p14:creationId xmlns="" xmlns:p14="http://schemas.microsoft.com/office/powerpoint/2010/main" val="1808252546"/>
       </p:ext>
     </p:extLst>
   </p:cSld>
@@ -3303,7 +4708,7 @@
     </p:spTree>
     <p:extLst>
       <p:ext uri="{BB962C8B-B14F-4D97-AF65-F5344CB8AC3E}">
-        <p14:creationId xmlns:p14="http://schemas.microsoft.com/office/powerpoint/2010/main" xmlns="" val="2361588743"/>
+        <p14:creationId xmlns="" xmlns:p14="http://schemas.microsoft.com/office/powerpoint/2010/main" val="2361588743"/>
       </p:ext>
     </p:extLst>
   </p:cSld>
@@ -3551,7 +4956,7 @@
     </p:spTree>
     <p:extLst>
       <p:ext uri="{BB962C8B-B14F-4D97-AF65-F5344CB8AC3E}">
-        <p14:creationId xmlns:p14="http://schemas.microsoft.com/office/powerpoint/2010/main" xmlns="" val="879404138"/>
+        <p14:creationId xmlns="" xmlns:p14="http://schemas.microsoft.com/office/powerpoint/2010/main" val="879404138"/>
       </p:ext>
     </p:extLst>
   </p:cSld>
@@ -3785,7 +5190,7 @@
     </p:spTree>
     <p:extLst>
       <p:ext uri="{BB962C8B-B14F-4D97-AF65-F5344CB8AC3E}">
-        <p14:creationId xmlns:p14="http://schemas.microsoft.com/office/powerpoint/2010/main" xmlns="" val="4233763278"/>
+        <p14:creationId xmlns="" xmlns:p14="http://schemas.microsoft.com/office/powerpoint/2010/main" val="4233763278"/>
       </p:ext>
     </p:extLst>
   </p:cSld>
@@ -4154,7 +5559,7 @@
     </p:spTree>
     <p:extLst>
       <p:ext uri="{BB962C8B-B14F-4D97-AF65-F5344CB8AC3E}">
-        <p14:creationId xmlns:p14="http://schemas.microsoft.com/office/powerpoint/2010/main" xmlns="" val="456335948"/>
+        <p14:creationId xmlns="" xmlns:p14="http://schemas.microsoft.com/office/powerpoint/2010/main" val="456335948"/>
       </p:ext>
     </p:extLst>
   </p:cSld>
@@ -4274,7 +5679,7 @@
     </p:spTree>
     <p:extLst>
       <p:ext uri="{BB962C8B-B14F-4D97-AF65-F5344CB8AC3E}">
-        <p14:creationId xmlns:p14="http://schemas.microsoft.com/office/powerpoint/2010/main" xmlns="" val="1368491959"/>
+        <p14:creationId xmlns="" xmlns:p14="http://schemas.microsoft.com/office/powerpoint/2010/main" val="1368491959"/>
       </p:ext>
     </p:extLst>
   </p:cSld>
@@ -4371,7 +5776,7 @@
     </p:spTree>
     <p:extLst>
       <p:ext uri="{BB962C8B-B14F-4D97-AF65-F5344CB8AC3E}">
-        <p14:creationId xmlns:p14="http://schemas.microsoft.com/office/powerpoint/2010/main" xmlns="" val="724807421"/>
+        <p14:creationId xmlns="" xmlns:p14="http://schemas.microsoft.com/office/powerpoint/2010/main" val="724807421"/>
       </p:ext>
     </p:extLst>
   </p:cSld>
@@ -4650,7 +6055,7 @@
     </p:spTree>
     <p:extLst>
       <p:ext uri="{BB962C8B-B14F-4D97-AF65-F5344CB8AC3E}">
-        <p14:creationId xmlns:p14="http://schemas.microsoft.com/office/powerpoint/2010/main" xmlns="" val="1824388055"/>
+        <p14:creationId xmlns="" xmlns:p14="http://schemas.microsoft.com/office/powerpoint/2010/main" val="1824388055"/>
       </p:ext>
     </p:extLst>
   </p:cSld>
@@ -4905,7 +6310,7 @@
     </p:spTree>
     <p:extLst>
       <p:ext uri="{BB962C8B-B14F-4D97-AF65-F5344CB8AC3E}">
-        <p14:creationId xmlns:p14="http://schemas.microsoft.com/office/powerpoint/2010/main" xmlns="" val="3486849709"/>
+        <p14:creationId xmlns="" xmlns:p14="http://schemas.microsoft.com/office/powerpoint/2010/main" val="3486849709"/>
       </p:ext>
     </p:extLst>
   </p:cSld>
@@ -5156,7 +6561,7 @@
     </p:spTree>
     <p:extLst>
       <p:ext uri="{BB962C8B-B14F-4D97-AF65-F5344CB8AC3E}">
-        <p14:creationId xmlns:p14="http://schemas.microsoft.com/office/powerpoint/2010/main" xmlns="" val="2841453281"/>
+        <p14:creationId xmlns="" xmlns:p14="http://schemas.microsoft.com/office/powerpoint/2010/main" val="2841453281"/>
       </p:ext>
     </p:extLst>
   </p:cSld>
@@ -5486,7 +6891,7 @@
           <a:blip r:embed="rId3">
             <a:extLst>
               <a:ext uri="{28A0092B-C50C-407E-A947-70E740481C1C}">
-                <a14:useLocalDpi xmlns:a14="http://schemas.microsoft.com/office/drawing/2010/main" xmlns="" val="0"/>
+                <a14:useLocalDpi xmlns="" xmlns:a14="http://schemas.microsoft.com/office/drawing/2010/main" val="0"/>
               </a:ext>
             </a:extLst>
           </a:blip>
@@ -5728,7 +7133,1422 @@
     </p:spTree>
     <p:extLst>
       <p:ext uri="{BB962C8B-B14F-4D97-AF65-F5344CB8AC3E}">
-        <p14:creationId xmlns:p14="http://schemas.microsoft.com/office/powerpoint/2010/main" xmlns="" val="1730129641"/>
+        <p14:creationId xmlns="" xmlns:p14="http://schemas.microsoft.com/office/powerpoint/2010/main" val="1730129641"/>
+      </p:ext>
+    </p:extLst>
+  </p:cSld>
+  <p:clrMapOvr>
+    <a:masterClrMapping/>
+  </p:clrMapOvr>
+  <p:timing>
+    <p:tnLst>
+      <p:par>
+        <p:cTn id="1" dur="indefinite" restart="never" nodeType="tmRoot"/>
+      </p:par>
+    </p:tnLst>
+  </p:timing>
+</p:sld>
+</file>
+
+<file path=ppt/slides/slide10.xml><?xml version="1.0" encoding="utf-8"?>
+<p:sld xmlns:a="http://schemas.openxmlformats.org/drawingml/2006/main" xmlns:r="http://schemas.openxmlformats.org/officeDocument/2006/relationships" xmlns:p="http://schemas.openxmlformats.org/presentationml/2006/main">
+  <p:cSld>
+    <p:spTree>
+      <p:nvGrpSpPr>
+        <p:cNvPr id="1" name=""/>
+        <p:cNvGrpSpPr/>
+        <p:nvPr/>
+      </p:nvGrpSpPr>
+      <p:grpSpPr>
+        <a:xfrm>
+          <a:off x="0" y="0"/>
+          <a:ext cx="0" cy="0"/>
+          <a:chOff x="0" y="0"/>
+          <a:chExt cx="0" cy="0"/>
+        </a:xfrm>
+      </p:grpSpPr>
+      <p:sp>
+        <p:nvSpPr>
+          <p:cNvPr id="2" name="Title 1"/>
+          <p:cNvSpPr>
+            <a:spLocks noGrp="1"/>
+          </p:cNvSpPr>
+          <p:nvPr>
+            <p:ph type="title"/>
+          </p:nvPr>
+        </p:nvSpPr>
+        <p:spPr/>
+        <p:txBody>
+          <a:bodyPr/>
+          <a:lstStyle/>
+          <a:p>
+            <a:r>
+              <a:rPr lang="en-US" dirty="0" err="1" smtClean="0"/>
+              <a:t>Extjs</a:t>
+            </a:r>
+            <a:r>
+              <a:rPr lang="en-US" dirty="0" smtClean="0"/>
+              <a:t> </a:t>
+            </a:r>
+            <a:r>
+              <a:rPr lang="en-US" dirty="0" smtClean="0"/>
+              <a:t>Responsive</a:t>
+            </a:r>
+            <a:endParaRPr lang="en-US" dirty="0"/>
+          </a:p>
+        </p:txBody>
+      </p:sp>
+      <p:pic>
+        <p:nvPicPr>
+          <p:cNvPr id="5" name="Content Placeholder 4" descr="screencapture-dev-sencha-com-ext-5-1-0-examples-responsive-app-index-html-1434601205609.png"/>
+          <p:cNvPicPr>
+            <a:picLocks noGrp="1" noChangeAspect="1"/>
+          </p:cNvPicPr>
+          <p:nvPr>
+            <p:ph idx="1"/>
+          </p:nvPr>
+        </p:nvPicPr>
+        <p:blipFill>
+          <a:blip r:embed="rId3"/>
+          <a:stretch>
+            <a:fillRect/>
+          </a:stretch>
+        </p:blipFill>
+        <p:spPr>
+          <a:xfrm>
+            <a:off x="4633950" y="1825625"/>
+            <a:ext cx="2924099" cy="4351338"/>
+          </a:xfrm>
+        </p:spPr>
+      </p:pic>
+    </p:spTree>
+  </p:cSld>
+  <p:clrMapOvr>
+    <a:masterClrMapping/>
+  </p:clrMapOvr>
+</p:sld>
+</file>
+
+<file path=ppt/slides/slide11.xml><?xml version="1.0" encoding="utf-8"?>
+<p:sld xmlns:a="http://schemas.openxmlformats.org/drawingml/2006/main" xmlns:r="http://schemas.openxmlformats.org/officeDocument/2006/relationships" xmlns:p="http://schemas.openxmlformats.org/presentationml/2006/main">
+  <p:cSld>
+    <p:spTree>
+      <p:nvGrpSpPr>
+        <p:cNvPr id="1" name=""/>
+        <p:cNvGrpSpPr/>
+        <p:nvPr/>
+      </p:nvGrpSpPr>
+      <p:grpSpPr>
+        <a:xfrm>
+          <a:off x="0" y="0"/>
+          <a:ext cx="0" cy="0"/>
+          <a:chOff x="0" y="0"/>
+          <a:chExt cx="0" cy="0"/>
+        </a:xfrm>
+      </p:grpSpPr>
+      <p:sp>
+        <p:nvSpPr>
+          <p:cNvPr id="2" name="Title 1"/>
+          <p:cNvSpPr>
+            <a:spLocks noGrp="1"/>
+          </p:cNvSpPr>
+          <p:nvPr>
+            <p:ph type="title"/>
+          </p:nvPr>
+        </p:nvSpPr>
+        <p:spPr/>
+        <p:txBody>
+          <a:bodyPr/>
+          <a:lstStyle/>
+          <a:p>
+            <a:r>
+              <a:rPr lang="en-US" dirty="0" smtClean="0"/>
+              <a:t>Ext JS Themes</a:t>
+            </a:r>
+            <a:endParaRPr lang="en-US" dirty="0"/>
+          </a:p>
+        </p:txBody>
+      </p:sp>
+      <p:pic>
+        <p:nvPicPr>
+          <p:cNvPr id="6" name="Content Placeholder 5" descr="screencapture-dev-sencha-com-ext-5-1-0-examples-themes-index-html-1434601317990.png"/>
+          <p:cNvPicPr>
+            <a:picLocks noGrp="1" noChangeAspect="1"/>
+          </p:cNvPicPr>
+          <p:nvPr>
+            <p:ph idx="1"/>
+          </p:nvPr>
+        </p:nvPicPr>
+        <p:blipFill>
+          <a:blip r:embed="rId3" cstate="print"/>
+          <a:stretch>
+            <a:fillRect/>
+          </a:stretch>
+        </p:blipFill>
+        <p:spPr>
+          <a:xfrm>
+            <a:off x="4326974" y="1825625"/>
+            <a:ext cx="3538052" cy="4351338"/>
+          </a:xfrm>
+        </p:spPr>
+      </p:pic>
+    </p:spTree>
+  </p:cSld>
+  <p:clrMapOvr>
+    <a:masterClrMapping/>
+  </p:clrMapOvr>
+  <p:timing>
+    <p:tnLst>
+      <p:par>
+        <p:cTn id="1" dur="indefinite" restart="never" nodeType="tmRoot"/>
+      </p:par>
+    </p:tnLst>
+  </p:timing>
+</p:sld>
+</file>
+
+<file path=ppt/slides/slide12.xml><?xml version="1.0" encoding="utf-8"?>
+<p:sld xmlns:a="http://schemas.openxmlformats.org/drawingml/2006/main" xmlns:r="http://schemas.openxmlformats.org/officeDocument/2006/relationships" xmlns:p="http://schemas.openxmlformats.org/presentationml/2006/main">
+  <p:cSld>
+    <p:spTree>
+      <p:nvGrpSpPr>
+        <p:cNvPr id="1" name=""/>
+        <p:cNvGrpSpPr/>
+        <p:nvPr/>
+      </p:nvGrpSpPr>
+      <p:grpSpPr>
+        <a:xfrm>
+          <a:off x="0" y="0"/>
+          <a:ext cx="0" cy="0"/>
+          <a:chOff x="0" y="0"/>
+          <a:chExt cx="0" cy="0"/>
+        </a:xfrm>
+      </p:grpSpPr>
+      <p:sp>
+        <p:nvSpPr>
+          <p:cNvPr id="2" name="Title 1"/>
+          <p:cNvSpPr>
+            <a:spLocks noGrp="1"/>
+          </p:cNvSpPr>
+          <p:nvPr>
+            <p:ph type="title"/>
+          </p:nvPr>
+        </p:nvSpPr>
+        <p:spPr/>
+        <p:txBody>
+          <a:bodyPr/>
+          <a:lstStyle/>
+          <a:p>
+            <a:endParaRPr lang="en-US" dirty="0"/>
+          </a:p>
+        </p:txBody>
+      </p:sp>
+      <p:pic>
+        <p:nvPicPr>
+          <p:cNvPr id="4" name="Content Placeholder 3"/>
+          <p:cNvPicPr>
+            <a:picLocks noGrp="1" noChangeAspect="1"/>
+          </p:cNvPicPr>
+          <p:nvPr>
+            <p:ph idx="1"/>
+          </p:nvPr>
+        </p:nvPicPr>
+        <p:blipFill>
+          <a:blip r:embed="rId3">
+            <a:extLst>
+              <a:ext uri="{28A0092B-C50C-407E-A947-70E740481C1C}">
+                <a14:useLocalDpi xmlns="" xmlns:a14="http://schemas.microsoft.com/office/drawing/2010/main" val="0"/>
+              </a:ext>
+            </a:extLst>
+          </a:blip>
+          <a:stretch>
+            <a:fillRect/>
+          </a:stretch>
+        </p:blipFill>
+        <p:spPr>
+          <a:xfrm>
+            <a:off x="-10273" y="0"/>
+            <a:ext cx="12202274" cy="6858000"/>
+          </a:xfrm>
+          <a:noFill/>
+        </p:spPr>
+      </p:pic>
+      <p:sp>
+        <p:nvSpPr>
+          <p:cNvPr id="5" name="TextBox 4"/>
+          <p:cNvSpPr txBox="1"/>
+          <p:nvPr/>
+        </p:nvSpPr>
+        <p:spPr>
+          <a:xfrm>
+            <a:off x="1407560" y="1259801"/>
+            <a:ext cx="4793300" cy="861774"/>
+          </a:xfrm>
+          <a:prstGeom prst="rect">
+            <a:avLst/>
+          </a:prstGeom>
+          <a:noFill/>
+        </p:spPr>
+        <p:txBody>
+          <a:bodyPr wrap="none" rtlCol="0">
+            <a:spAutoFit/>
+          </a:bodyPr>
+          <a:lstStyle/>
+          <a:p>
+            <a:r>
+              <a:rPr lang="en-US" sz="5000" b="1" dirty="0" smtClean="0">
+                <a:solidFill>
+                  <a:schemeClr val="bg1"/>
+                </a:solidFill>
+                <a:latin typeface="Liberation Sans Narrow" panose="020B0606020202030204" pitchFamily="34" charset="0"/>
+              </a:rPr>
+              <a:t>How do we begin?</a:t>
+            </a:r>
+            <a:endParaRPr lang="en-US" sz="5000" b="1" dirty="0">
+              <a:solidFill>
+                <a:schemeClr val="bg1"/>
+              </a:solidFill>
+              <a:latin typeface="Liberation Sans Narrow" panose="020B0606020202030204" pitchFamily="34" charset="0"/>
+            </a:endParaRPr>
+          </a:p>
+        </p:txBody>
+      </p:sp>
+      <p:sp>
+        <p:nvSpPr>
+          <p:cNvPr id="6" name="TextBox 5"/>
+          <p:cNvSpPr txBox="1"/>
+          <p:nvPr/>
+        </p:nvSpPr>
+        <p:spPr>
+          <a:xfrm>
+            <a:off x="1604601" y="2585364"/>
+            <a:ext cx="8419293" cy="3016210"/>
+          </a:xfrm>
+          <a:prstGeom prst="rect">
+            <a:avLst/>
+          </a:prstGeom>
+          <a:noFill/>
+        </p:spPr>
+        <p:txBody>
+          <a:bodyPr wrap="square" rtlCol="0">
+            <a:spAutoFit/>
+          </a:bodyPr>
+          <a:lstStyle/>
+          <a:p>
+            <a:pPr marL="342900" indent="-342900">
+              <a:buClr>
+                <a:schemeClr val="bg1"/>
+              </a:buClr>
+              <a:buFont typeface="Wingdings 3" panose="05040102010807070707" pitchFamily="18" charset="2"/>
+              <a:buChar char=""/>
+            </a:pPr>
+            <a:r>
+              <a:rPr lang="en-US" sz="2500" dirty="0" smtClean="0">
+                <a:solidFill>
+                  <a:schemeClr val="bg1"/>
+                </a:solidFill>
+                <a:latin typeface="Liberation Sans Narrow" panose="020B0606020202030204" pitchFamily="34" charset="0"/>
+                <a:hlinkClick r:id="rId4"/>
+              </a:rPr>
+              <a:t>Download</a:t>
+            </a:r>
+            <a:r>
+              <a:rPr lang="en-US" sz="2500" dirty="0" smtClean="0">
+                <a:solidFill>
+                  <a:schemeClr val="bg1"/>
+                </a:solidFill>
+                <a:latin typeface="Liberation Sans Narrow" panose="020B0606020202030204" pitchFamily="34" charset="0"/>
+              </a:rPr>
+              <a:t> GPL version of </a:t>
+            </a:r>
+            <a:r>
+              <a:rPr lang="en-US" sz="2500" dirty="0" err="1" smtClean="0">
+                <a:solidFill>
+                  <a:schemeClr val="bg1"/>
+                </a:solidFill>
+                <a:latin typeface="Liberation Sans Narrow" panose="020B0606020202030204" pitchFamily="34" charset="0"/>
+              </a:rPr>
+              <a:t>Sencha</a:t>
+            </a:r>
+            <a:r>
+              <a:rPr lang="en-US" sz="2500" dirty="0" smtClean="0">
+                <a:solidFill>
+                  <a:schemeClr val="bg1"/>
+                </a:solidFill>
+                <a:latin typeface="Liberation Sans Narrow" panose="020B0606020202030204" pitchFamily="34" charset="0"/>
+              </a:rPr>
+              <a:t> Ext JS 5.1 library(Download and Install </a:t>
+            </a:r>
+            <a:r>
+              <a:rPr lang="en-US" sz="2500" dirty="0" err="1" smtClean="0">
+                <a:solidFill>
+                  <a:schemeClr val="bg1"/>
+                </a:solidFill>
+                <a:latin typeface="Liberation Sans Narrow" panose="020B0606020202030204" pitchFamily="34" charset="0"/>
+              </a:rPr>
+              <a:t>Sencha</a:t>
+            </a:r>
+            <a:r>
+              <a:rPr lang="en-US" sz="2500" dirty="0" smtClean="0">
+                <a:solidFill>
+                  <a:schemeClr val="bg1"/>
+                </a:solidFill>
+                <a:latin typeface="Liberation Sans Narrow" panose="020B0606020202030204" pitchFamily="34" charset="0"/>
+              </a:rPr>
+              <a:t> </a:t>
+            </a:r>
+            <a:r>
+              <a:rPr lang="en-US" sz="2500" dirty="0" err="1" smtClean="0">
+                <a:solidFill>
+                  <a:schemeClr val="bg1"/>
+                </a:solidFill>
+                <a:latin typeface="Liberation Sans Narrow" panose="020B0606020202030204" pitchFamily="34" charset="0"/>
+              </a:rPr>
+              <a:t>Cmd</a:t>
+            </a:r>
+            <a:r>
+              <a:rPr lang="en-US" sz="2500" dirty="0" smtClean="0">
+                <a:solidFill>
+                  <a:schemeClr val="bg1"/>
+                </a:solidFill>
+                <a:latin typeface="Liberation Sans Narrow" panose="020B0606020202030204" pitchFamily="34" charset="0"/>
+              </a:rPr>
+              <a:t>)</a:t>
+            </a:r>
+          </a:p>
+          <a:p>
+            <a:pPr marL="342900" indent="-342900">
+              <a:buClr>
+                <a:schemeClr val="bg1"/>
+              </a:buClr>
+              <a:buFont typeface="Wingdings 3" panose="05040102010807070707" pitchFamily="18" charset="2"/>
+              <a:buChar char=""/>
+            </a:pPr>
+            <a:r>
+              <a:rPr lang="en-US" sz="2500" dirty="0" smtClean="0">
+                <a:solidFill>
+                  <a:schemeClr val="bg1"/>
+                </a:solidFill>
+                <a:latin typeface="Liberation Sans Narrow" panose="020B0606020202030204" pitchFamily="34" charset="0"/>
+              </a:rPr>
+              <a:t>Unzip using any file compression utility</a:t>
+            </a:r>
+          </a:p>
+          <a:p>
+            <a:pPr marL="342900" indent="-342900">
+              <a:buClr>
+                <a:schemeClr val="bg1"/>
+              </a:buClr>
+              <a:buFont typeface="Wingdings 3" panose="05040102010807070707" pitchFamily="18" charset="2"/>
+              <a:buChar char=""/>
+            </a:pPr>
+            <a:r>
+              <a:rPr lang="en-US" sz="2500" dirty="0" smtClean="0">
+                <a:solidFill>
+                  <a:schemeClr val="bg1"/>
+                </a:solidFill>
+                <a:latin typeface="Liberation Sans Narrow" panose="020B0606020202030204" pitchFamily="34" charset="0"/>
+              </a:rPr>
+              <a:t>from your </a:t>
+            </a:r>
+            <a:r>
+              <a:rPr lang="en-US" sz="2500" dirty="0" err="1" smtClean="0">
+                <a:solidFill>
+                  <a:schemeClr val="bg1"/>
+                </a:solidFill>
+                <a:latin typeface="Liberation Sans Narrow" panose="020B0606020202030204" pitchFamily="34" charset="0"/>
+              </a:rPr>
+              <a:t>webserver</a:t>
+            </a:r>
+            <a:r>
+              <a:rPr lang="en-US" sz="2500" dirty="0" smtClean="0">
+                <a:solidFill>
+                  <a:schemeClr val="bg1"/>
+                </a:solidFill>
+                <a:latin typeface="Liberation Sans Narrow" panose="020B0606020202030204" pitchFamily="34" charset="0"/>
+              </a:rPr>
+              <a:t> root directory: </a:t>
+            </a:r>
+            <a:br>
+              <a:rPr lang="en-US" sz="2500" dirty="0" smtClean="0">
+                <a:solidFill>
+                  <a:schemeClr val="bg1"/>
+                </a:solidFill>
+                <a:latin typeface="Liberation Sans Narrow" panose="020B0606020202030204" pitchFamily="34" charset="0"/>
+              </a:rPr>
+            </a:br>
+            <a:r>
+              <a:rPr lang="en-US" sz="2000" dirty="0" err="1" smtClean="0">
+                <a:latin typeface="Liberation Sans Narrow"/>
+              </a:rPr>
+              <a:t>sencha</a:t>
+            </a:r>
+            <a:r>
+              <a:rPr lang="en-US" sz="2000" dirty="0" smtClean="0">
+                <a:latin typeface="Liberation Sans Narrow"/>
+              </a:rPr>
+              <a:t> -</a:t>
+            </a:r>
+            <a:r>
+              <a:rPr lang="en-US" sz="2000" dirty="0" err="1" smtClean="0">
+                <a:latin typeface="Liberation Sans Narrow"/>
+              </a:rPr>
+              <a:t>sdk</a:t>
+            </a:r>
+            <a:r>
+              <a:rPr lang="en-US" sz="2000" dirty="0" smtClean="0">
+                <a:latin typeface="Liberation Sans Narrow"/>
+              </a:rPr>
+              <a:t> /path/to/framework generate app </a:t>
+            </a:r>
+            <a:r>
+              <a:rPr lang="en-US" sz="2000" dirty="0" err="1" smtClean="0">
+                <a:latin typeface="Liberation Sans Narrow"/>
+              </a:rPr>
+              <a:t>MyApp</a:t>
+            </a:r>
+            <a:r>
+              <a:rPr lang="en-US" sz="2000" dirty="0" smtClean="0">
+                <a:latin typeface="Liberation Sans Narrow"/>
+              </a:rPr>
+              <a:t> my-app </a:t>
+            </a:r>
+            <a:r>
+              <a:rPr lang="en-US" sz="2000" dirty="0" err="1" smtClean="0">
+                <a:latin typeface="Liberation Sans Narrow"/>
+              </a:rPr>
+              <a:t>cd</a:t>
+            </a:r>
+            <a:r>
+              <a:rPr lang="en-US" sz="2000" dirty="0" smtClean="0">
+                <a:latin typeface="Liberation Sans Narrow"/>
+              </a:rPr>
+              <a:t> app </a:t>
+            </a:r>
+            <a:r>
+              <a:rPr lang="en-US" sz="2000" dirty="0" err="1" smtClean="0">
+                <a:latin typeface="Liberation Sans Narrow"/>
+              </a:rPr>
+              <a:t>sencha</a:t>
+            </a:r>
+            <a:r>
+              <a:rPr lang="en-US" sz="2000" dirty="0" smtClean="0">
+                <a:latin typeface="Liberation Sans Narrow"/>
+              </a:rPr>
+              <a:t> app watch</a:t>
+            </a:r>
+          </a:p>
+          <a:p>
+            <a:pPr marL="342900" indent="-342900">
+              <a:buClr>
+                <a:schemeClr val="bg1"/>
+              </a:buClr>
+              <a:buFont typeface="Wingdings 3" panose="05040102010807070707" pitchFamily="18" charset="2"/>
+              <a:buChar char=""/>
+            </a:pPr>
+            <a:r>
+              <a:rPr lang="en-US" sz="2500" dirty="0" smtClean="0">
+                <a:solidFill>
+                  <a:schemeClr val="bg1"/>
+                </a:solidFill>
+                <a:latin typeface="Liberation Sans Narrow" panose="020B0606020202030204" pitchFamily="34" charset="0"/>
+              </a:rPr>
+              <a:t>Now navigate to http://localhost:1841 or your native </a:t>
+            </a:r>
+            <a:r>
+              <a:rPr lang="en-US" sz="2500" dirty="0" err="1" smtClean="0">
+                <a:solidFill>
+                  <a:schemeClr val="bg1"/>
+                </a:solidFill>
+                <a:latin typeface="Liberation Sans Narrow" panose="020B0606020202030204" pitchFamily="34" charset="0"/>
+              </a:rPr>
+              <a:t>localhost</a:t>
+            </a:r>
+            <a:endParaRPr lang="en-US" sz="2500" dirty="0">
+              <a:solidFill>
+                <a:schemeClr val="bg1"/>
+              </a:solidFill>
+              <a:latin typeface="Liberation Sans Narrow" panose="020B0606020202030204" pitchFamily="34" charset="0"/>
+            </a:endParaRPr>
+          </a:p>
+        </p:txBody>
+      </p:sp>
+      <p:sp>
+        <p:nvSpPr>
+          <p:cNvPr id="7" name="TextBox 6"/>
+          <p:cNvSpPr txBox="1"/>
+          <p:nvPr/>
+        </p:nvSpPr>
+        <p:spPr>
+          <a:xfrm>
+            <a:off x="9292314" y="3867064"/>
+            <a:ext cx="1470274" cy="1785104"/>
+          </a:xfrm>
+          <a:prstGeom prst="rect">
+            <a:avLst/>
+          </a:prstGeom>
+          <a:noFill/>
+        </p:spPr>
+        <p:txBody>
+          <a:bodyPr wrap="none" rtlCol="0">
+            <a:spAutoFit/>
+          </a:bodyPr>
+          <a:lstStyle/>
+          <a:p>
+            <a:r>
+              <a:rPr lang="en-US" sz="11000" b="1" dirty="0" smtClean="0">
+                <a:solidFill>
+                  <a:srgbClr val="00B0F0"/>
+                </a:solidFill>
+                <a:latin typeface="Liberation Sans Narrow" panose="020B0606020202030204" pitchFamily="34" charset="0"/>
+                <a:ea typeface="Segoe UI" panose="020B0502040204020203" pitchFamily="34" charset="0"/>
+                <a:cs typeface="Segoe UI" panose="020B0502040204020203" pitchFamily="34" charset="0"/>
+              </a:rPr>
+              <a:t>01</a:t>
+            </a:r>
+            <a:endParaRPr lang="en-US" sz="11000" b="1" dirty="0">
+              <a:solidFill>
+                <a:srgbClr val="00B0F0"/>
+              </a:solidFill>
+              <a:latin typeface="Liberation Sans Narrow" panose="020B0606020202030204" pitchFamily="34" charset="0"/>
+              <a:ea typeface="Segoe UI" panose="020B0502040204020203" pitchFamily="34" charset="0"/>
+              <a:cs typeface="Segoe UI" panose="020B0502040204020203" pitchFamily="34" charset="0"/>
+            </a:endParaRPr>
+          </a:p>
+        </p:txBody>
+      </p:sp>
+    </p:spTree>
+    <p:extLst>
+      <p:ext uri="{BB962C8B-B14F-4D97-AF65-F5344CB8AC3E}">
+        <p14:creationId xmlns="" xmlns:p14="http://schemas.microsoft.com/office/powerpoint/2010/main" val="3383725190"/>
+      </p:ext>
+    </p:extLst>
+  </p:cSld>
+  <p:clrMapOvr>
+    <a:masterClrMapping/>
+  </p:clrMapOvr>
+  <p:timing>
+    <p:tnLst>
+      <p:par>
+        <p:cTn id="1" dur="indefinite" restart="never" nodeType="tmRoot"/>
+      </p:par>
+    </p:tnLst>
+  </p:timing>
+</p:sld>
+</file>
+
+<file path=ppt/slides/slide13.xml><?xml version="1.0" encoding="utf-8"?>
+<p:sld xmlns:a="http://schemas.openxmlformats.org/drawingml/2006/main" xmlns:r="http://schemas.openxmlformats.org/officeDocument/2006/relationships" xmlns:p="http://schemas.openxmlformats.org/presentationml/2006/main">
+  <p:cSld>
+    <p:spTree>
+      <p:nvGrpSpPr>
+        <p:cNvPr id="1" name=""/>
+        <p:cNvGrpSpPr/>
+        <p:nvPr/>
+      </p:nvGrpSpPr>
+      <p:grpSpPr>
+        <a:xfrm>
+          <a:off x="0" y="0"/>
+          <a:ext cx="0" cy="0"/>
+          <a:chOff x="0" y="0"/>
+          <a:chExt cx="0" cy="0"/>
+        </a:xfrm>
+      </p:grpSpPr>
+      <p:sp>
+        <p:nvSpPr>
+          <p:cNvPr id="2" name="Title 1"/>
+          <p:cNvSpPr>
+            <a:spLocks noGrp="1"/>
+          </p:cNvSpPr>
+          <p:nvPr>
+            <p:ph type="title"/>
+          </p:nvPr>
+        </p:nvSpPr>
+        <p:spPr/>
+        <p:txBody>
+          <a:bodyPr/>
+          <a:lstStyle/>
+          <a:p>
+            <a:endParaRPr lang="en-US" dirty="0"/>
+          </a:p>
+        </p:txBody>
+      </p:sp>
+      <p:pic>
+        <p:nvPicPr>
+          <p:cNvPr id="4" name="Content Placeholder 3"/>
+          <p:cNvPicPr>
+            <a:picLocks noGrp="1" noChangeAspect="1"/>
+          </p:cNvPicPr>
+          <p:nvPr>
+            <p:ph idx="1"/>
+          </p:nvPr>
+        </p:nvPicPr>
+        <p:blipFill>
+          <a:blip r:embed="rId3">
+            <a:extLst>
+              <a:ext uri="{28A0092B-C50C-407E-A947-70E740481C1C}">
+                <a14:useLocalDpi xmlns="" xmlns:a14="http://schemas.microsoft.com/office/drawing/2010/main" val="0"/>
+              </a:ext>
+            </a:extLst>
+          </a:blip>
+          <a:stretch>
+            <a:fillRect/>
+          </a:stretch>
+        </p:blipFill>
+        <p:spPr>
+          <a:xfrm>
+            <a:off x="-10273" y="0"/>
+            <a:ext cx="12202274" cy="6858000"/>
+          </a:xfrm>
+          <a:noFill/>
+        </p:spPr>
+      </p:pic>
+      <p:sp>
+        <p:nvSpPr>
+          <p:cNvPr id="5" name="TextBox 4"/>
+          <p:cNvSpPr txBox="1"/>
+          <p:nvPr/>
+        </p:nvSpPr>
+        <p:spPr>
+          <a:xfrm>
+            <a:off x="1407560" y="1259801"/>
+            <a:ext cx="4458272" cy="861774"/>
+          </a:xfrm>
+          <a:prstGeom prst="rect">
+            <a:avLst/>
+          </a:prstGeom>
+          <a:noFill/>
+        </p:spPr>
+        <p:txBody>
+          <a:bodyPr wrap="none" rtlCol="0">
+            <a:spAutoFit/>
+          </a:bodyPr>
+          <a:lstStyle/>
+          <a:p>
+            <a:r>
+              <a:rPr lang="en-US" sz="5000" b="1" dirty="0" smtClean="0">
+                <a:solidFill>
+                  <a:schemeClr val="bg1"/>
+                </a:solidFill>
+                <a:latin typeface="Liberation Sans Narrow" panose="020B0606020202030204" pitchFamily="34" charset="0"/>
+              </a:rPr>
+              <a:t>API Overview </a:t>
+            </a:r>
+            <a:endParaRPr lang="en-US" sz="5000" b="1" dirty="0">
+              <a:solidFill>
+                <a:schemeClr val="bg1"/>
+              </a:solidFill>
+              <a:latin typeface="Liberation Sans Narrow" panose="020B0606020202030204" pitchFamily="34" charset="0"/>
+            </a:endParaRPr>
+          </a:p>
+        </p:txBody>
+      </p:sp>
+      <p:sp>
+        <p:nvSpPr>
+          <p:cNvPr id="6" name="TextBox 5"/>
+          <p:cNvSpPr txBox="1"/>
+          <p:nvPr/>
+        </p:nvSpPr>
+        <p:spPr>
+          <a:xfrm>
+            <a:off x="1604601" y="2585364"/>
+            <a:ext cx="8419293" cy="3170099"/>
+          </a:xfrm>
+          <a:prstGeom prst="rect">
+            <a:avLst/>
+          </a:prstGeom>
+          <a:noFill/>
+        </p:spPr>
+        <p:txBody>
+          <a:bodyPr wrap="square" rtlCol="0">
+            <a:spAutoFit/>
+          </a:bodyPr>
+          <a:lstStyle/>
+          <a:p>
+            <a:pPr marL="342900" indent="-342900">
+              <a:buClr>
+                <a:schemeClr val="bg1"/>
+              </a:buClr>
+              <a:buFont typeface="Wingdings 3" panose="05040102010807070707" pitchFamily="18" charset="2"/>
+              <a:buChar char=""/>
+            </a:pPr>
+            <a:r>
+              <a:rPr lang="en-US" sz="2500" dirty="0" smtClean="0">
+                <a:solidFill>
+                  <a:schemeClr val="bg1"/>
+                </a:solidFill>
+                <a:latin typeface="Liberation Sans Narrow" panose="020B0606020202030204" pitchFamily="34" charset="0"/>
+              </a:rPr>
+              <a:t>Support Libraries</a:t>
+            </a:r>
+          </a:p>
+          <a:p>
+            <a:pPr marL="800100" lvl="1" indent="-342900">
+              <a:buClr>
+                <a:schemeClr val="bg1"/>
+              </a:buClr>
+              <a:buFont typeface="Wingdings 3" panose="05040102010807070707" pitchFamily="18" charset="2"/>
+              <a:buChar char=""/>
+            </a:pPr>
+            <a:r>
+              <a:rPr lang="en-US" sz="2500" dirty="0" smtClean="0">
+                <a:solidFill>
+                  <a:schemeClr val="bg1"/>
+                </a:solidFill>
+                <a:latin typeface="Liberation Sans Narrow" panose="020B0606020202030204" pitchFamily="34" charset="0"/>
+              </a:rPr>
+              <a:t>DOM selection/manipulation</a:t>
+            </a:r>
+          </a:p>
+          <a:p>
+            <a:pPr marL="800100" lvl="1" indent="-342900">
+              <a:buClr>
+                <a:schemeClr val="bg1"/>
+              </a:buClr>
+              <a:buFont typeface="Wingdings 3" panose="05040102010807070707" pitchFamily="18" charset="2"/>
+              <a:buChar char=""/>
+            </a:pPr>
+            <a:r>
+              <a:rPr lang="en-US" sz="2500" dirty="0" smtClean="0">
+                <a:solidFill>
+                  <a:schemeClr val="bg1"/>
+                </a:solidFill>
+                <a:latin typeface="Liberation Sans Narrow" panose="020B0606020202030204" pitchFamily="34" charset="0"/>
+              </a:rPr>
+              <a:t>Events</a:t>
+            </a:r>
+          </a:p>
+          <a:p>
+            <a:pPr marL="800100" lvl="1" indent="-342900">
+              <a:buClr>
+                <a:schemeClr val="bg1"/>
+              </a:buClr>
+              <a:buFont typeface="Wingdings 3" panose="05040102010807070707" pitchFamily="18" charset="2"/>
+              <a:buChar char=""/>
+            </a:pPr>
+            <a:r>
+              <a:rPr lang="en-US" sz="2500" dirty="0" smtClean="0">
+                <a:solidFill>
+                  <a:schemeClr val="bg1"/>
+                </a:solidFill>
+                <a:latin typeface="Liberation Sans Narrow" panose="020B0606020202030204" pitchFamily="34" charset="0"/>
+              </a:rPr>
+              <a:t>Utilities</a:t>
+            </a:r>
+          </a:p>
+          <a:p>
+            <a:pPr marL="800100" lvl="1" indent="-342900">
+              <a:buClr>
+                <a:schemeClr val="bg1"/>
+              </a:buClr>
+              <a:buFont typeface="Wingdings 3" panose="05040102010807070707" pitchFamily="18" charset="2"/>
+              <a:buChar char=""/>
+            </a:pPr>
+            <a:r>
+              <a:rPr lang="en-US" sz="2500" dirty="0" smtClean="0">
+                <a:solidFill>
+                  <a:schemeClr val="bg1"/>
+                </a:solidFill>
+                <a:latin typeface="Liberation Sans Narrow" panose="020B0606020202030204" pitchFamily="34" charset="0"/>
+              </a:rPr>
+              <a:t>AJAX</a:t>
+            </a:r>
+            <a:endParaRPr lang="en-US" sz="2500" dirty="0" smtClean="0">
+              <a:solidFill>
+                <a:schemeClr val="bg1"/>
+              </a:solidFill>
+              <a:latin typeface="Liberation Sans Narrow" panose="020B0606020202030204" pitchFamily="34" charset="0"/>
+            </a:endParaRPr>
+          </a:p>
+          <a:p>
+            <a:pPr marL="342900" indent="-342900">
+              <a:buClr>
+                <a:schemeClr val="bg1"/>
+              </a:buClr>
+              <a:buFont typeface="Wingdings 3" panose="05040102010807070707" pitchFamily="18" charset="2"/>
+              <a:buChar char=""/>
+            </a:pPr>
+            <a:r>
+              <a:rPr lang="en-US" sz="2500" dirty="0" smtClean="0">
+                <a:solidFill>
+                  <a:schemeClr val="bg1"/>
+                </a:solidFill>
+                <a:latin typeface="Liberation Sans Narrow" panose="020B0606020202030204" pitchFamily="34" charset="0"/>
+              </a:rPr>
+              <a:t>Layouts and Containers</a:t>
+            </a:r>
+          </a:p>
+          <a:p>
+            <a:pPr marL="342900" indent="-342900">
+              <a:buClr>
+                <a:schemeClr val="bg1"/>
+              </a:buClr>
+              <a:buFont typeface="Wingdings 3" panose="05040102010807070707" pitchFamily="18" charset="2"/>
+              <a:buChar char=""/>
+            </a:pPr>
+            <a:r>
+              <a:rPr lang="en-US" sz="2500" dirty="0" smtClean="0">
+                <a:solidFill>
+                  <a:schemeClr val="bg1"/>
+                </a:solidFill>
+                <a:latin typeface="Liberation Sans Narrow" panose="020B0606020202030204" pitchFamily="34" charset="0"/>
+              </a:rPr>
+              <a:t>Forms</a:t>
+            </a:r>
+          </a:p>
+          <a:p>
+            <a:pPr marL="342900" indent="-342900">
+              <a:buClr>
+                <a:schemeClr val="bg1"/>
+              </a:buClr>
+              <a:buFont typeface="Wingdings 3" panose="05040102010807070707" pitchFamily="18" charset="2"/>
+              <a:buChar char=""/>
+            </a:pPr>
+            <a:r>
+              <a:rPr lang="en-US" sz="2500" dirty="0" smtClean="0">
+                <a:solidFill>
+                  <a:schemeClr val="bg1"/>
+                </a:solidFill>
+                <a:latin typeface="Liberation Sans Narrow" panose="020B0606020202030204" pitchFamily="34" charset="0"/>
+              </a:rPr>
+              <a:t>Data Stores</a:t>
+            </a:r>
+            <a:endParaRPr lang="en-US" sz="2500" dirty="0">
+              <a:solidFill>
+                <a:schemeClr val="bg1"/>
+              </a:solidFill>
+              <a:latin typeface="Liberation Sans Narrow" panose="020B0606020202030204" pitchFamily="34" charset="0"/>
+            </a:endParaRPr>
+          </a:p>
+        </p:txBody>
+      </p:sp>
+      <p:sp>
+        <p:nvSpPr>
+          <p:cNvPr id="7" name="TextBox 6"/>
+          <p:cNvSpPr txBox="1"/>
+          <p:nvPr/>
+        </p:nvSpPr>
+        <p:spPr>
+          <a:xfrm>
+            <a:off x="9292314" y="3867064"/>
+            <a:ext cx="1470274" cy="1785104"/>
+          </a:xfrm>
+          <a:prstGeom prst="rect">
+            <a:avLst/>
+          </a:prstGeom>
+          <a:noFill/>
+        </p:spPr>
+        <p:txBody>
+          <a:bodyPr wrap="none" rtlCol="0">
+            <a:spAutoFit/>
+          </a:bodyPr>
+          <a:lstStyle/>
+          <a:p>
+            <a:r>
+              <a:rPr lang="en-US" sz="11000" b="1" dirty="0" smtClean="0">
+                <a:solidFill>
+                  <a:srgbClr val="00B0F0"/>
+                </a:solidFill>
+                <a:latin typeface="Liberation Sans Narrow" panose="020B0606020202030204" pitchFamily="34" charset="0"/>
+                <a:ea typeface="Segoe UI" panose="020B0502040204020203" pitchFamily="34" charset="0"/>
+                <a:cs typeface="Segoe UI" panose="020B0502040204020203" pitchFamily="34" charset="0"/>
+              </a:rPr>
+              <a:t>01</a:t>
+            </a:r>
+            <a:endParaRPr lang="en-US" sz="11000" b="1" dirty="0">
+              <a:solidFill>
+                <a:srgbClr val="00B0F0"/>
+              </a:solidFill>
+              <a:latin typeface="Liberation Sans Narrow" panose="020B0606020202030204" pitchFamily="34" charset="0"/>
+              <a:ea typeface="Segoe UI" panose="020B0502040204020203" pitchFamily="34" charset="0"/>
+              <a:cs typeface="Segoe UI" panose="020B0502040204020203" pitchFamily="34" charset="0"/>
+            </a:endParaRPr>
+          </a:p>
+        </p:txBody>
+      </p:sp>
+    </p:spTree>
+    <p:extLst>
+      <p:ext uri="{BB962C8B-B14F-4D97-AF65-F5344CB8AC3E}">
+        <p14:creationId xmlns="" xmlns:p14="http://schemas.microsoft.com/office/powerpoint/2010/main" val="3383725190"/>
+      </p:ext>
+    </p:extLst>
+  </p:cSld>
+  <p:clrMapOvr>
+    <a:masterClrMapping/>
+  </p:clrMapOvr>
+  <p:timing>
+    <p:tnLst>
+      <p:par>
+        <p:cTn id="1" dur="indefinite" restart="never" nodeType="tmRoot"/>
+      </p:par>
+    </p:tnLst>
+  </p:timing>
+</p:sld>
+</file>
+
+<file path=ppt/slides/slide14.xml><?xml version="1.0" encoding="utf-8"?>
+<p:sld xmlns:a="http://schemas.openxmlformats.org/drawingml/2006/main" xmlns:r="http://schemas.openxmlformats.org/officeDocument/2006/relationships" xmlns:p="http://schemas.openxmlformats.org/presentationml/2006/main">
+  <p:cSld>
+    <p:spTree>
+      <p:nvGrpSpPr>
+        <p:cNvPr id="1" name=""/>
+        <p:cNvGrpSpPr/>
+        <p:nvPr/>
+      </p:nvGrpSpPr>
+      <p:grpSpPr>
+        <a:xfrm>
+          <a:off x="0" y="0"/>
+          <a:ext cx="0" cy="0"/>
+          <a:chOff x="0" y="0"/>
+          <a:chExt cx="0" cy="0"/>
+        </a:xfrm>
+      </p:grpSpPr>
+      <p:sp>
+        <p:nvSpPr>
+          <p:cNvPr id="2" name="Title 1"/>
+          <p:cNvSpPr>
+            <a:spLocks noGrp="1"/>
+          </p:cNvSpPr>
+          <p:nvPr>
+            <p:ph type="title"/>
+          </p:nvPr>
+        </p:nvSpPr>
+        <p:spPr/>
+        <p:txBody>
+          <a:bodyPr/>
+          <a:lstStyle/>
+          <a:p>
+            <a:endParaRPr lang="en-US" dirty="0"/>
+          </a:p>
+        </p:txBody>
+      </p:sp>
+      <p:pic>
+        <p:nvPicPr>
+          <p:cNvPr id="4" name="Content Placeholder 3"/>
+          <p:cNvPicPr>
+            <a:picLocks noGrp="1" noChangeAspect="1"/>
+          </p:cNvPicPr>
+          <p:nvPr>
+            <p:ph idx="1"/>
+          </p:nvPr>
+        </p:nvPicPr>
+        <p:blipFill>
+          <a:blip r:embed="rId3">
+            <a:extLst>
+              <a:ext uri="{28A0092B-C50C-407E-A947-70E740481C1C}">
+                <a14:useLocalDpi xmlns="" xmlns:a14="http://schemas.microsoft.com/office/drawing/2010/main" val="0"/>
+              </a:ext>
+            </a:extLst>
+          </a:blip>
+          <a:stretch>
+            <a:fillRect/>
+          </a:stretch>
+        </p:blipFill>
+        <p:spPr>
+          <a:xfrm>
+            <a:off x="-10273" y="0"/>
+            <a:ext cx="12202274" cy="6858000"/>
+          </a:xfrm>
+          <a:noFill/>
+        </p:spPr>
+      </p:pic>
+      <p:sp>
+        <p:nvSpPr>
+          <p:cNvPr id="5" name="TextBox 4"/>
+          <p:cNvSpPr txBox="1"/>
+          <p:nvPr/>
+        </p:nvSpPr>
+        <p:spPr>
+          <a:xfrm>
+            <a:off x="1407560" y="1259801"/>
+            <a:ext cx="8797601" cy="861774"/>
+          </a:xfrm>
+          <a:prstGeom prst="rect">
+            <a:avLst/>
+          </a:prstGeom>
+          <a:noFill/>
+        </p:spPr>
+        <p:txBody>
+          <a:bodyPr wrap="none" rtlCol="0">
+            <a:spAutoFit/>
+          </a:bodyPr>
+          <a:lstStyle/>
+          <a:p>
+            <a:r>
+              <a:rPr lang="en-US" sz="5000" b="1" dirty="0" smtClean="0">
+                <a:solidFill>
+                  <a:schemeClr val="bg1"/>
+                </a:solidFill>
+                <a:latin typeface="Liberation Sans Narrow" panose="020B0606020202030204" pitchFamily="34" charset="0"/>
+              </a:rPr>
+              <a:t>Sample – DOM Manipulation</a:t>
+            </a:r>
+            <a:endParaRPr lang="en-US" sz="5000" b="1" dirty="0">
+              <a:solidFill>
+                <a:schemeClr val="bg1"/>
+              </a:solidFill>
+              <a:latin typeface="Liberation Sans Narrow" panose="020B0606020202030204" pitchFamily="34" charset="0"/>
+            </a:endParaRPr>
+          </a:p>
+        </p:txBody>
+      </p:sp>
+      <p:sp>
+        <p:nvSpPr>
+          <p:cNvPr id="6" name="TextBox 5"/>
+          <p:cNvSpPr txBox="1"/>
+          <p:nvPr/>
+        </p:nvSpPr>
+        <p:spPr>
+          <a:xfrm>
+            <a:off x="1557708" y="2585365"/>
+            <a:ext cx="8419293" cy="3108543"/>
+          </a:xfrm>
+          <a:prstGeom prst="rect">
+            <a:avLst/>
+          </a:prstGeom>
+          <a:noFill/>
+        </p:spPr>
+        <p:txBody>
+          <a:bodyPr wrap="square" rtlCol="0">
+            <a:spAutoFit/>
+          </a:bodyPr>
+          <a:lstStyle/>
+          <a:p>
+            <a:r>
+              <a:rPr lang="en-US" sz="2800" b="1" dirty="0" smtClean="0">
+                <a:solidFill>
+                  <a:schemeClr val="bg1"/>
+                </a:solidFill>
+                <a:latin typeface="Liberation Sans Narrow" panose="020B0606020202030204" pitchFamily="34" charset="0"/>
+              </a:rPr>
+              <a:t>DOM </a:t>
+            </a:r>
+            <a:r>
+              <a:rPr lang="en-US" sz="2800" b="1" dirty="0" smtClean="0">
+                <a:solidFill>
+                  <a:schemeClr val="bg1"/>
+                </a:solidFill>
+                <a:latin typeface="Liberation Sans Narrow" panose="020B0606020202030204" pitchFamily="34" charset="0"/>
+              </a:rPr>
+              <a:t>Manipulation</a:t>
+            </a:r>
+          </a:p>
+          <a:p>
+            <a:r>
+              <a:rPr lang="en-US" sz="2800" b="1" dirty="0" smtClean="0">
+                <a:solidFill>
+                  <a:schemeClr val="bg1"/>
+                </a:solidFill>
+                <a:latin typeface="Liberation Sans Narrow" panose="020B0606020202030204" pitchFamily="34" charset="0"/>
+              </a:rPr>
+              <a:t>Event</a:t>
+            </a:r>
+          </a:p>
+          <a:p>
+            <a:r>
+              <a:rPr lang="en-US" sz="2800" b="1" dirty="0" smtClean="0">
+                <a:solidFill>
+                  <a:schemeClr val="bg1"/>
+                </a:solidFill>
+                <a:latin typeface="Liberation Sans Narrow" panose="020B0606020202030204" pitchFamily="34" charset="0"/>
+              </a:rPr>
+              <a:t>AJAX</a:t>
+            </a:r>
+          </a:p>
+          <a:p>
+            <a:r>
+              <a:rPr lang="en-US" sz="2800" b="1" dirty="0" smtClean="0">
+                <a:solidFill>
+                  <a:schemeClr val="bg1"/>
+                </a:solidFill>
+                <a:latin typeface="Liberation Sans Narrow" panose="020B0606020202030204" pitchFamily="34" charset="0"/>
+              </a:rPr>
+              <a:t>Inheritance</a:t>
+            </a:r>
+          </a:p>
+          <a:p>
+            <a:endParaRPr lang="en-US" sz="2800" b="1" dirty="0" smtClean="0">
+              <a:solidFill>
+                <a:schemeClr val="bg1"/>
+              </a:solidFill>
+              <a:latin typeface="Liberation Sans Narrow" panose="020B0606020202030204" pitchFamily="34" charset="0"/>
+            </a:endParaRPr>
+          </a:p>
+          <a:p>
+            <a:endParaRPr lang="en-US" sz="2800" b="1" dirty="0" smtClean="0">
+              <a:solidFill>
+                <a:schemeClr val="bg1"/>
+              </a:solidFill>
+              <a:latin typeface="Liberation Sans Narrow" panose="020B0606020202030204" pitchFamily="34" charset="0"/>
+            </a:endParaRPr>
+          </a:p>
+          <a:p>
+            <a:endParaRPr lang="en-US" sz="2800" b="1" dirty="0">
+              <a:solidFill>
+                <a:schemeClr val="bg1"/>
+              </a:solidFill>
+              <a:latin typeface="Liberation Sans Narrow" panose="020B0606020202030204" pitchFamily="34" charset="0"/>
+            </a:endParaRPr>
+          </a:p>
+        </p:txBody>
+      </p:sp>
+      <p:sp>
+        <p:nvSpPr>
+          <p:cNvPr id="7" name="TextBox 6"/>
+          <p:cNvSpPr txBox="1"/>
+          <p:nvPr/>
+        </p:nvSpPr>
+        <p:spPr>
+          <a:xfrm>
+            <a:off x="9292314" y="3867064"/>
+            <a:ext cx="1470274" cy="1785104"/>
+          </a:xfrm>
+          <a:prstGeom prst="rect">
+            <a:avLst/>
+          </a:prstGeom>
+          <a:noFill/>
+        </p:spPr>
+        <p:txBody>
+          <a:bodyPr wrap="none" rtlCol="0">
+            <a:spAutoFit/>
+          </a:bodyPr>
+          <a:lstStyle/>
+          <a:p>
+            <a:r>
+              <a:rPr lang="en-US" sz="11000" b="1" dirty="0" smtClean="0">
+                <a:solidFill>
+                  <a:srgbClr val="00B0F0"/>
+                </a:solidFill>
+                <a:latin typeface="Liberation Sans Narrow" panose="020B0606020202030204" pitchFamily="34" charset="0"/>
+                <a:ea typeface="Segoe UI" panose="020B0502040204020203" pitchFamily="34" charset="0"/>
+                <a:cs typeface="Segoe UI" panose="020B0502040204020203" pitchFamily="34" charset="0"/>
+              </a:rPr>
+              <a:t>01</a:t>
+            </a:r>
+            <a:endParaRPr lang="en-US" sz="11000" b="1" dirty="0">
+              <a:solidFill>
+                <a:srgbClr val="00B0F0"/>
+              </a:solidFill>
+              <a:latin typeface="Liberation Sans Narrow" panose="020B0606020202030204" pitchFamily="34" charset="0"/>
+              <a:ea typeface="Segoe UI" panose="020B0502040204020203" pitchFamily="34" charset="0"/>
+              <a:cs typeface="Segoe UI" panose="020B0502040204020203" pitchFamily="34" charset="0"/>
+            </a:endParaRPr>
+          </a:p>
+        </p:txBody>
+      </p:sp>
+    </p:spTree>
+    <p:extLst>
+      <p:ext uri="{BB962C8B-B14F-4D97-AF65-F5344CB8AC3E}">
+        <p14:creationId xmlns="" xmlns:p14="http://schemas.microsoft.com/office/powerpoint/2010/main" val="3383725190"/>
+      </p:ext>
+    </p:extLst>
+  </p:cSld>
+  <p:clrMapOvr>
+    <a:masterClrMapping/>
+  </p:clrMapOvr>
+  <p:timing>
+    <p:tnLst>
+      <p:par>
+        <p:cTn id="1" dur="indefinite" restart="never" nodeType="tmRoot"/>
+      </p:par>
+    </p:tnLst>
+  </p:timing>
+</p:sld>
+</file>
+
+<file path=ppt/slides/slide15.xml><?xml version="1.0" encoding="utf-8"?>
+<p:sld xmlns:a="http://schemas.openxmlformats.org/drawingml/2006/main" xmlns:r="http://schemas.openxmlformats.org/officeDocument/2006/relationships" xmlns:p="http://schemas.openxmlformats.org/presentationml/2006/main">
+  <p:cSld>
+    <p:spTree>
+      <p:nvGrpSpPr>
+        <p:cNvPr id="1" name=""/>
+        <p:cNvGrpSpPr/>
+        <p:nvPr/>
+      </p:nvGrpSpPr>
+      <p:grpSpPr>
+        <a:xfrm>
+          <a:off x="0" y="0"/>
+          <a:ext cx="0" cy="0"/>
+          <a:chOff x="0" y="0"/>
+          <a:chExt cx="0" cy="0"/>
+        </a:xfrm>
+      </p:grpSpPr>
+      <p:sp>
+        <p:nvSpPr>
+          <p:cNvPr id="2" name="Title 1"/>
+          <p:cNvSpPr>
+            <a:spLocks noGrp="1"/>
+          </p:cNvSpPr>
+          <p:nvPr>
+            <p:ph type="title"/>
+          </p:nvPr>
+        </p:nvSpPr>
+        <p:spPr/>
+        <p:txBody>
+          <a:bodyPr/>
+          <a:lstStyle/>
+          <a:p>
+            <a:endParaRPr lang="en-US" dirty="0"/>
+          </a:p>
+        </p:txBody>
+      </p:sp>
+      <p:pic>
+        <p:nvPicPr>
+          <p:cNvPr id="4" name="Content Placeholder 3"/>
+          <p:cNvPicPr>
+            <a:picLocks noGrp="1" noChangeAspect="1"/>
+          </p:cNvPicPr>
+          <p:nvPr>
+            <p:ph idx="1"/>
+          </p:nvPr>
+        </p:nvPicPr>
+        <p:blipFill>
+          <a:blip r:embed="rId3">
+            <a:extLst>
+              <a:ext uri="{28A0092B-C50C-407E-A947-70E740481C1C}">
+                <a14:useLocalDpi xmlns="" xmlns:a14="http://schemas.microsoft.com/office/drawing/2010/main" val="0"/>
+              </a:ext>
+            </a:extLst>
+          </a:blip>
+          <a:stretch>
+            <a:fillRect/>
+          </a:stretch>
+        </p:blipFill>
+        <p:spPr>
+          <a:xfrm>
+            <a:off x="-10273" y="0"/>
+            <a:ext cx="12202274" cy="6858000"/>
+          </a:xfrm>
+          <a:noFill/>
+        </p:spPr>
+      </p:pic>
+      <p:sp>
+        <p:nvSpPr>
+          <p:cNvPr id="5" name="TextBox 4"/>
+          <p:cNvSpPr txBox="1"/>
+          <p:nvPr/>
+        </p:nvSpPr>
+        <p:spPr>
+          <a:xfrm>
+            <a:off x="1407560" y="1259801"/>
+            <a:ext cx="3983398" cy="861774"/>
+          </a:xfrm>
+          <a:prstGeom prst="rect">
+            <a:avLst/>
+          </a:prstGeom>
+          <a:noFill/>
+        </p:spPr>
+        <p:txBody>
+          <a:bodyPr wrap="none" rtlCol="0">
+            <a:spAutoFit/>
+          </a:bodyPr>
+          <a:lstStyle/>
+          <a:p>
+            <a:r>
+              <a:rPr lang="en-US" sz="5000" b="1" dirty="0" err="1" smtClean="0">
+                <a:solidFill>
+                  <a:schemeClr val="bg1"/>
+                </a:solidFill>
+                <a:latin typeface="Liberation Sans Narrow" panose="020B0606020202030204" pitchFamily="34" charset="0"/>
+              </a:rPr>
+              <a:t>ExtJS</a:t>
+            </a:r>
+            <a:r>
+              <a:rPr lang="en-US" sz="5000" b="1" dirty="0" smtClean="0">
+                <a:solidFill>
+                  <a:schemeClr val="bg1"/>
+                </a:solidFill>
+                <a:latin typeface="Liberation Sans Narrow" panose="020B0606020202030204" pitchFamily="34" charset="0"/>
+              </a:rPr>
+              <a:t> - View</a:t>
+            </a:r>
+            <a:endParaRPr lang="en-US" sz="5000" b="1" dirty="0">
+              <a:solidFill>
+                <a:schemeClr val="bg1"/>
+              </a:solidFill>
+              <a:latin typeface="Liberation Sans Narrow" panose="020B0606020202030204" pitchFamily="34" charset="0"/>
+            </a:endParaRPr>
+          </a:p>
+        </p:txBody>
+      </p:sp>
+      <p:sp>
+        <p:nvSpPr>
+          <p:cNvPr id="6" name="TextBox 5"/>
+          <p:cNvSpPr txBox="1"/>
+          <p:nvPr/>
+        </p:nvSpPr>
+        <p:spPr>
+          <a:xfrm>
+            <a:off x="1557708" y="2585365"/>
+            <a:ext cx="8419293" cy="954107"/>
+          </a:xfrm>
+          <a:prstGeom prst="rect">
+            <a:avLst/>
+          </a:prstGeom>
+          <a:noFill/>
+        </p:spPr>
+        <p:txBody>
+          <a:bodyPr wrap="square" rtlCol="0">
+            <a:spAutoFit/>
+          </a:bodyPr>
+          <a:lstStyle/>
+          <a:p>
+            <a:r>
+              <a:rPr lang="en-US" sz="2800" dirty="0" smtClean="0"/>
+              <a:t>https://docs.sencha.com/extjs/5.1/5.1.1-apidocs/#!/api/Ext.data.Store</a:t>
+            </a:r>
+            <a:endParaRPr lang="en-US" sz="2800" dirty="0"/>
+          </a:p>
+        </p:txBody>
+      </p:sp>
+      <p:sp>
+        <p:nvSpPr>
+          <p:cNvPr id="7" name="TextBox 6"/>
+          <p:cNvSpPr txBox="1"/>
+          <p:nvPr/>
+        </p:nvSpPr>
+        <p:spPr>
+          <a:xfrm>
+            <a:off x="9292314" y="3867064"/>
+            <a:ext cx="1470274" cy="1785104"/>
+          </a:xfrm>
+          <a:prstGeom prst="rect">
+            <a:avLst/>
+          </a:prstGeom>
+          <a:noFill/>
+        </p:spPr>
+        <p:txBody>
+          <a:bodyPr wrap="none" rtlCol="0">
+            <a:spAutoFit/>
+          </a:bodyPr>
+          <a:lstStyle/>
+          <a:p>
+            <a:r>
+              <a:rPr lang="en-US" sz="11000" b="1" dirty="0" smtClean="0">
+                <a:solidFill>
+                  <a:srgbClr val="00B0F0"/>
+                </a:solidFill>
+                <a:latin typeface="Liberation Sans Narrow" panose="020B0606020202030204" pitchFamily="34" charset="0"/>
+                <a:ea typeface="Segoe UI" panose="020B0502040204020203" pitchFamily="34" charset="0"/>
+                <a:cs typeface="Segoe UI" panose="020B0502040204020203" pitchFamily="34" charset="0"/>
+              </a:rPr>
+              <a:t>01</a:t>
+            </a:r>
+            <a:endParaRPr lang="en-US" sz="11000" b="1" dirty="0">
+              <a:solidFill>
+                <a:srgbClr val="00B0F0"/>
+              </a:solidFill>
+              <a:latin typeface="Liberation Sans Narrow" panose="020B0606020202030204" pitchFamily="34" charset="0"/>
+              <a:ea typeface="Segoe UI" panose="020B0502040204020203" pitchFamily="34" charset="0"/>
+              <a:cs typeface="Segoe UI" panose="020B0502040204020203" pitchFamily="34" charset="0"/>
+            </a:endParaRPr>
+          </a:p>
+        </p:txBody>
+      </p:sp>
+    </p:spTree>
+    <p:extLst>
+      <p:ext uri="{BB962C8B-B14F-4D97-AF65-F5344CB8AC3E}">
+        <p14:creationId xmlns="" xmlns:p14="http://schemas.microsoft.com/office/powerpoint/2010/main" val="3383725190"/>
       </p:ext>
     </p:extLst>
   </p:cSld>
@@ -5795,7 +8615,7 @@
           <a:blip r:embed="rId3">
             <a:extLst>
               <a:ext uri="{28A0092B-C50C-407E-A947-70E740481C1C}">
-                <a14:useLocalDpi xmlns:a14="http://schemas.microsoft.com/office/drawing/2010/main" xmlns="" val="0"/>
+                <a14:useLocalDpi xmlns="" xmlns:a14="http://schemas.microsoft.com/office/drawing/2010/main" val="0"/>
               </a:ext>
             </a:extLst>
           </a:blip>
@@ -5822,7 +8642,7 @@
           <a:blip r:embed="rId4">
             <a:extLst>
               <a:ext uri="{28A0092B-C50C-407E-A947-70E740481C1C}">
-                <a14:useLocalDpi xmlns:a14="http://schemas.microsoft.com/office/drawing/2010/main" xmlns="" val="0"/>
+                <a14:useLocalDpi xmlns="" xmlns:a14="http://schemas.microsoft.com/office/drawing/2010/main" val="0"/>
               </a:ext>
             </a:extLst>
           </a:blip>
@@ -5926,7 +8746,7 @@
     </p:spTree>
     <p:extLst>
       <p:ext uri="{BB962C8B-B14F-4D97-AF65-F5344CB8AC3E}">
-        <p14:creationId xmlns:p14="http://schemas.microsoft.com/office/powerpoint/2010/main" xmlns="" val="754140818"/>
+        <p14:creationId xmlns="" xmlns:p14="http://schemas.microsoft.com/office/powerpoint/2010/main" val="754140818"/>
       </p:ext>
     </p:extLst>
   </p:cSld>
@@ -5993,7 +8813,7 @@
           <a:blip r:embed="rId3">
             <a:extLst>
               <a:ext uri="{28A0092B-C50C-407E-A947-70E740481C1C}">
-                <a14:useLocalDpi xmlns:a14="http://schemas.microsoft.com/office/drawing/2010/main" xmlns="" val="0"/>
+                <a14:useLocalDpi xmlns="" xmlns:a14="http://schemas.microsoft.com/office/drawing/2010/main" val="0"/>
               </a:ext>
             </a:extLst>
           </a:blip>
@@ -6263,7 +9083,7 @@
     </p:spTree>
     <p:extLst>
       <p:ext uri="{BB962C8B-B14F-4D97-AF65-F5344CB8AC3E}">
-        <p14:creationId xmlns:p14="http://schemas.microsoft.com/office/powerpoint/2010/main" xmlns="" val="1767963522"/>
+        <p14:creationId xmlns="" xmlns:p14="http://schemas.microsoft.com/office/powerpoint/2010/main" val="1767963522"/>
       </p:ext>
     </p:extLst>
   </p:cSld>
@@ -6327,10 +9147,10 @@
           </p:nvPr>
         </p:nvPicPr>
         <p:blipFill>
-          <a:blip r:embed="rId2">
+          <a:blip r:embed="rId3">
             <a:extLst>
               <a:ext uri="{28A0092B-C50C-407E-A947-70E740481C1C}">
-                <a14:useLocalDpi xmlns:a14="http://schemas.microsoft.com/office/drawing/2010/main" xmlns="" val="0"/>
+                <a14:useLocalDpi xmlns="" xmlns:a14="http://schemas.microsoft.com/office/drawing/2010/main" val="0"/>
               </a:ext>
             </a:extLst>
           </a:blip>
@@ -6656,7 +9476,7 @@
     </p:spTree>
     <p:extLst>
       <p:ext uri="{BB962C8B-B14F-4D97-AF65-F5344CB8AC3E}">
-        <p14:creationId xmlns:p14="http://schemas.microsoft.com/office/powerpoint/2010/main" xmlns="" val="3173657290"/>
+        <p14:creationId xmlns="" xmlns:p14="http://schemas.microsoft.com/office/powerpoint/2010/main" val="3173657290"/>
       </p:ext>
     </p:extLst>
   </p:cSld>
@@ -6723,7 +9543,7 @@
           <a:blip r:embed="rId2">
             <a:extLst>
               <a:ext uri="{28A0092B-C50C-407E-A947-70E740481C1C}">
-                <a14:useLocalDpi xmlns:a14="http://schemas.microsoft.com/office/drawing/2010/main" xmlns="" val="0"/>
+                <a14:useLocalDpi xmlns="" xmlns:a14="http://schemas.microsoft.com/office/drawing/2010/main" val="0"/>
               </a:ext>
             </a:extLst>
           </a:blip>
@@ -7229,7 +10049,7 @@
     </p:spTree>
     <p:extLst>
       <p:ext uri="{BB962C8B-B14F-4D97-AF65-F5344CB8AC3E}">
-        <p14:creationId xmlns:p14="http://schemas.microsoft.com/office/powerpoint/2010/main" xmlns="" val="2041513877"/>
+        <p14:creationId xmlns="" xmlns:p14="http://schemas.microsoft.com/office/powerpoint/2010/main" val="2041513877"/>
       </p:ext>
     </p:extLst>
   </p:cSld>
@@ -7784,7 +10604,7 @@
           <a:blip r:embed="rId3">
             <a:extLst>
               <a:ext uri="{28A0092B-C50C-407E-A947-70E740481C1C}">
-                <a14:useLocalDpi xmlns:a14="http://schemas.microsoft.com/office/drawing/2010/main" xmlns="" val="0"/>
+                <a14:useLocalDpi xmlns="" xmlns:a14="http://schemas.microsoft.com/office/drawing/2010/main" val="0"/>
               </a:ext>
             </a:extLst>
           </a:blip>
@@ -8501,7 +11321,7 @@
     </p:spTree>
     <p:extLst>
       <p:ext uri="{BB962C8B-B14F-4D97-AF65-F5344CB8AC3E}">
-        <p14:creationId xmlns:p14="http://schemas.microsoft.com/office/powerpoint/2010/main" xmlns="" val="1937000914"/>
+        <p14:creationId xmlns="" xmlns:p14="http://schemas.microsoft.com/office/powerpoint/2010/main" val="1937000914"/>
       </p:ext>
     </p:extLst>
   </p:cSld>
@@ -8568,7 +11388,7 @@
           <a:blip r:embed="rId3">
             <a:extLst>
               <a:ext uri="{28A0092B-C50C-407E-A947-70E740481C1C}">
-                <a14:useLocalDpi xmlns:a14="http://schemas.microsoft.com/office/drawing/2010/main" xmlns="" val="0"/>
+                <a14:useLocalDpi xmlns="" xmlns:a14="http://schemas.microsoft.com/office/drawing/2010/main" val="0"/>
               </a:ext>
             </a:extLst>
           </a:blip>
@@ -8635,7 +11455,7 @@
           <a:blip r:embed="rId4">
             <a:extLst>
               <a:ext uri="{28A0092B-C50C-407E-A947-70E740481C1C}">
-                <a14:useLocalDpi xmlns:a14="http://schemas.microsoft.com/office/drawing/2010/main" xmlns="" val="0"/>
+                <a14:useLocalDpi xmlns="" xmlns:a14="http://schemas.microsoft.com/office/drawing/2010/main" val="0"/>
               </a:ext>
             </a:extLst>
           </a:blip>
@@ -8665,7 +11485,7 @@
           <a:blip r:embed="rId5">
             <a:extLst>
               <a:ext uri="{28A0092B-C50C-407E-A947-70E740481C1C}">
-                <a14:useLocalDpi xmlns:a14="http://schemas.microsoft.com/office/drawing/2010/main" xmlns="" val="0"/>
+                <a14:useLocalDpi xmlns="" xmlns:a14="http://schemas.microsoft.com/office/drawing/2010/main" val="0"/>
               </a:ext>
             </a:extLst>
           </a:blip>
@@ -8695,7 +11515,7 @@
           <a:blip r:embed="rId6">
             <a:extLst>
               <a:ext uri="{28A0092B-C50C-407E-A947-70E740481C1C}">
-                <a14:useLocalDpi xmlns:a14="http://schemas.microsoft.com/office/drawing/2010/main" xmlns="" val="0"/>
+                <a14:useLocalDpi xmlns="" xmlns:a14="http://schemas.microsoft.com/office/drawing/2010/main" val="0"/>
               </a:ext>
             </a:extLst>
           </a:blip>
@@ -8725,7 +11545,7 @@
           <a:blip r:embed="rId7">
             <a:extLst>
               <a:ext uri="{28A0092B-C50C-407E-A947-70E740481C1C}">
-                <a14:useLocalDpi xmlns:a14="http://schemas.microsoft.com/office/drawing/2010/main" xmlns="" val="0"/>
+                <a14:useLocalDpi xmlns="" xmlns:a14="http://schemas.microsoft.com/office/drawing/2010/main" val="0"/>
               </a:ext>
             </a:extLst>
           </a:blip>
@@ -8755,7 +11575,7 @@
           <a:blip r:embed="rId8">
             <a:extLst>
               <a:ext uri="{28A0092B-C50C-407E-A947-70E740481C1C}">
-                <a14:useLocalDpi xmlns:a14="http://schemas.microsoft.com/office/drawing/2010/main" xmlns="" val="0"/>
+                <a14:useLocalDpi xmlns="" xmlns:a14="http://schemas.microsoft.com/office/drawing/2010/main" val="0"/>
               </a:ext>
             </a:extLst>
           </a:blip>
@@ -9003,7 +11823,7 @@
     </p:spTree>
     <p:extLst>
       <p:ext uri="{BB962C8B-B14F-4D97-AF65-F5344CB8AC3E}">
-        <p14:creationId xmlns:p14="http://schemas.microsoft.com/office/powerpoint/2010/main" xmlns="" val="917766007"/>
+        <p14:creationId xmlns="" xmlns:p14="http://schemas.microsoft.com/office/powerpoint/2010/main" val="917766007"/>
       </p:ext>
     </p:extLst>
   </p:cSld>
@@ -9052,13 +11872,17 @@
           <a:bodyPr/>
           <a:lstStyle/>
           <a:p>
+            <a:r>
+              <a:rPr lang="en-US" dirty="0" smtClean="0"/>
+              <a:t>Containers</a:t>
+            </a:r>
             <a:endParaRPr lang="en-US" dirty="0"/>
           </a:p>
         </p:txBody>
       </p:sp>
       <p:pic>
         <p:nvPicPr>
-          <p:cNvPr id="4" name="Content Placeholder 3"/>
+          <p:cNvPr id="4" name="Content Placeholder 3" descr="themes.jpeg"/>
           <p:cNvPicPr>
             <a:picLocks noGrp="1" noChangeAspect="1"/>
           </p:cNvPicPr>
@@ -9067,412 +11891,23 @@
           </p:nvPr>
         </p:nvPicPr>
         <p:blipFill>
-          <a:blip r:embed="rId3">
-            <a:extLst>
-              <a:ext uri="{28A0092B-C50C-407E-A947-70E740481C1C}">
-                <a14:useLocalDpi xmlns:a14="http://schemas.microsoft.com/office/drawing/2010/main" xmlns="" val="0"/>
-              </a:ext>
-            </a:extLst>
-          </a:blip>
+          <a:blip r:embed="rId3"/>
           <a:stretch>
             <a:fillRect/>
           </a:stretch>
         </p:blipFill>
         <p:spPr>
           <a:xfrm>
-            <a:off x="-10273" y="0"/>
-            <a:ext cx="12202274" cy="6858000"/>
+            <a:off x="2865131" y="1825625"/>
+            <a:ext cx="6461737" cy="4351338"/>
           </a:xfrm>
-          <a:noFill/>
         </p:spPr>
       </p:pic>
-      <p:sp>
-        <p:nvSpPr>
-          <p:cNvPr id="5" name="TextBox 4"/>
-          <p:cNvSpPr txBox="1"/>
-          <p:nvPr/>
-        </p:nvSpPr>
-        <p:spPr>
-          <a:xfrm>
-            <a:off x="1407560" y="1259801"/>
-            <a:ext cx="4793300" cy="861774"/>
-          </a:xfrm>
-          <a:prstGeom prst="rect">
-            <a:avLst/>
-          </a:prstGeom>
-          <a:noFill/>
-        </p:spPr>
-        <p:txBody>
-          <a:bodyPr wrap="none" rtlCol="0">
-            <a:spAutoFit/>
-          </a:bodyPr>
-          <a:lstStyle/>
-          <a:p>
-            <a:r>
-              <a:rPr lang="en-US" sz="5000" b="1" dirty="0" smtClean="0">
-                <a:solidFill>
-                  <a:schemeClr val="bg1"/>
-                </a:solidFill>
-                <a:latin typeface="Liberation Sans Narrow" panose="020B0606020202030204" pitchFamily="34" charset="0"/>
-              </a:rPr>
-              <a:t>How do we begin?</a:t>
-            </a:r>
-            <a:endParaRPr lang="en-US" sz="5000" b="1" dirty="0">
-              <a:solidFill>
-                <a:schemeClr val="bg1"/>
-              </a:solidFill>
-              <a:latin typeface="Liberation Sans Narrow" panose="020B0606020202030204" pitchFamily="34" charset="0"/>
-            </a:endParaRPr>
-          </a:p>
-        </p:txBody>
-      </p:sp>
-      <p:sp>
-        <p:nvSpPr>
-          <p:cNvPr id="6" name="TextBox 5"/>
-          <p:cNvSpPr txBox="1"/>
-          <p:nvPr/>
-        </p:nvSpPr>
-        <p:spPr>
-          <a:xfrm>
-            <a:off x="1604601" y="2585364"/>
-            <a:ext cx="8419293" cy="3262432"/>
-          </a:xfrm>
-          <a:prstGeom prst="rect">
-            <a:avLst/>
-          </a:prstGeom>
-          <a:noFill/>
-        </p:spPr>
-        <p:txBody>
-          <a:bodyPr wrap="square" rtlCol="0">
-            <a:spAutoFit/>
-          </a:bodyPr>
-          <a:lstStyle/>
-          <a:p>
-            <a:pPr marL="342900" indent="-342900">
-              <a:buClr>
-                <a:schemeClr val="bg1"/>
-              </a:buClr>
-              <a:buFont typeface="Wingdings 3" panose="05040102010807070707" pitchFamily="18" charset="2"/>
-              <a:buChar char=""/>
-            </a:pPr>
-            <a:r>
-              <a:rPr lang="en-US" sz="2500" dirty="0" smtClean="0">
-                <a:solidFill>
-                  <a:schemeClr val="bg1"/>
-                </a:solidFill>
-                <a:latin typeface="Liberation Sans Narrow" panose="020B0606020202030204" pitchFamily="34" charset="0"/>
-                <a:hlinkClick r:id="rId4"/>
-              </a:rPr>
-              <a:t>Download</a:t>
-            </a:r>
-            <a:r>
-              <a:rPr lang="en-US" sz="2500" dirty="0" smtClean="0">
-                <a:solidFill>
-                  <a:schemeClr val="bg1"/>
-                </a:solidFill>
-                <a:latin typeface="Liberation Sans Narrow" panose="020B0606020202030204" pitchFamily="34" charset="0"/>
-              </a:rPr>
-              <a:t> GPL version of </a:t>
-            </a:r>
-            <a:r>
-              <a:rPr lang="en-US" sz="2500" dirty="0" err="1" smtClean="0">
-                <a:solidFill>
-                  <a:schemeClr val="bg1"/>
-                </a:solidFill>
-                <a:latin typeface="Liberation Sans Narrow" panose="020B0606020202030204" pitchFamily="34" charset="0"/>
-              </a:rPr>
-              <a:t>Sencha</a:t>
-            </a:r>
-            <a:r>
-              <a:rPr lang="en-US" sz="2500" dirty="0" smtClean="0">
-                <a:solidFill>
-                  <a:schemeClr val="bg1"/>
-                </a:solidFill>
-                <a:latin typeface="Liberation Sans Narrow" panose="020B0606020202030204" pitchFamily="34" charset="0"/>
-              </a:rPr>
-              <a:t> Ext JS 5.1 </a:t>
-            </a:r>
-            <a:r>
-              <a:rPr lang="en-US" sz="2500" dirty="0" smtClean="0">
-                <a:solidFill>
-                  <a:schemeClr val="bg1"/>
-                </a:solidFill>
-                <a:latin typeface="Liberation Sans Narrow" panose="020B0606020202030204" pitchFamily="34" charset="0"/>
-              </a:rPr>
-              <a:t>library(Download and Install </a:t>
-            </a:r>
-            <a:r>
-              <a:rPr lang="en-US" sz="2500" dirty="0" err="1" smtClean="0">
-                <a:solidFill>
-                  <a:schemeClr val="bg1"/>
-                </a:solidFill>
-                <a:latin typeface="Liberation Sans Narrow" panose="020B0606020202030204" pitchFamily="34" charset="0"/>
-              </a:rPr>
-              <a:t>Sencha</a:t>
-            </a:r>
-            <a:r>
-              <a:rPr lang="en-US" sz="2500" dirty="0" smtClean="0">
-                <a:solidFill>
-                  <a:schemeClr val="bg1"/>
-                </a:solidFill>
-                <a:latin typeface="Liberation Sans Narrow" panose="020B0606020202030204" pitchFamily="34" charset="0"/>
-              </a:rPr>
-              <a:t> </a:t>
-            </a:r>
-            <a:r>
-              <a:rPr lang="en-US" sz="2500" dirty="0" err="1" smtClean="0">
-                <a:solidFill>
-                  <a:schemeClr val="bg1"/>
-                </a:solidFill>
-                <a:latin typeface="Liberation Sans Narrow" panose="020B0606020202030204" pitchFamily="34" charset="0"/>
-              </a:rPr>
-              <a:t>Cmd</a:t>
-            </a:r>
-            <a:r>
-              <a:rPr lang="en-US" sz="2500" dirty="0" smtClean="0">
-                <a:solidFill>
-                  <a:schemeClr val="bg1"/>
-                </a:solidFill>
-                <a:latin typeface="Liberation Sans Narrow" panose="020B0606020202030204" pitchFamily="34" charset="0"/>
-              </a:rPr>
-              <a:t>)</a:t>
-            </a:r>
-            <a:endParaRPr lang="en-US" sz="2500" dirty="0" smtClean="0">
-              <a:solidFill>
-                <a:schemeClr val="bg1"/>
-              </a:solidFill>
-              <a:latin typeface="Liberation Sans Narrow" panose="020B0606020202030204" pitchFamily="34" charset="0"/>
-            </a:endParaRPr>
-          </a:p>
-          <a:p>
-            <a:pPr marL="342900" indent="-342900">
-              <a:buClr>
-                <a:schemeClr val="bg1"/>
-              </a:buClr>
-              <a:buFont typeface="Wingdings 3" panose="05040102010807070707" pitchFamily="18" charset="2"/>
-              <a:buChar char=""/>
-            </a:pPr>
-            <a:r>
-              <a:rPr lang="en-US" sz="2500" dirty="0" smtClean="0">
-                <a:solidFill>
-                  <a:schemeClr val="bg1"/>
-                </a:solidFill>
-                <a:latin typeface="Liberation Sans Narrow" panose="020B0606020202030204" pitchFamily="34" charset="0"/>
-              </a:rPr>
-              <a:t>Unzip </a:t>
-            </a:r>
-            <a:r>
-              <a:rPr lang="en-US" sz="2500" dirty="0" smtClean="0">
-                <a:solidFill>
-                  <a:schemeClr val="bg1"/>
-                </a:solidFill>
-                <a:latin typeface="Liberation Sans Narrow" panose="020B0606020202030204" pitchFamily="34" charset="0"/>
-              </a:rPr>
-              <a:t>using any file compression </a:t>
-            </a:r>
-            <a:r>
-              <a:rPr lang="en-US" sz="2500" dirty="0" smtClean="0">
-                <a:solidFill>
-                  <a:schemeClr val="bg1"/>
-                </a:solidFill>
-                <a:latin typeface="Liberation Sans Narrow" panose="020B0606020202030204" pitchFamily="34" charset="0"/>
-              </a:rPr>
-              <a:t>utility</a:t>
-            </a:r>
-          </a:p>
-          <a:p>
-            <a:pPr marL="342900" indent="-342900">
-              <a:buClr>
-                <a:schemeClr val="bg1"/>
-              </a:buClr>
-              <a:buFont typeface="Wingdings 3" panose="05040102010807070707" pitchFamily="18" charset="2"/>
-              <a:buChar char=""/>
-            </a:pPr>
-            <a:r>
-              <a:rPr lang="en-US" sz="2500" dirty="0" smtClean="0">
-                <a:solidFill>
-                  <a:schemeClr val="bg1"/>
-                </a:solidFill>
-                <a:latin typeface="Liberation Sans Narrow" panose="020B0606020202030204" pitchFamily="34" charset="0"/>
-              </a:rPr>
-              <a:t>from your </a:t>
-            </a:r>
-            <a:r>
-              <a:rPr lang="en-US" sz="2500" dirty="0" err="1" smtClean="0">
-                <a:solidFill>
-                  <a:schemeClr val="bg1"/>
-                </a:solidFill>
-                <a:latin typeface="Liberation Sans Narrow" panose="020B0606020202030204" pitchFamily="34" charset="0"/>
-              </a:rPr>
-              <a:t>webserver</a:t>
-            </a:r>
-            <a:r>
-              <a:rPr lang="en-US" sz="2500" dirty="0" smtClean="0">
-                <a:solidFill>
-                  <a:schemeClr val="bg1"/>
-                </a:solidFill>
-                <a:latin typeface="Liberation Sans Narrow" panose="020B0606020202030204" pitchFamily="34" charset="0"/>
-              </a:rPr>
-              <a:t> root directory</a:t>
-            </a:r>
-            <a:r>
-              <a:rPr lang="en-US" sz="2500" dirty="0" smtClean="0">
-                <a:solidFill>
-                  <a:schemeClr val="bg1"/>
-                </a:solidFill>
-                <a:latin typeface="Liberation Sans Narrow" panose="020B0606020202030204" pitchFamily="34" charset="0"/>
-              </a:rPr>
-              <a:t>: </a:t>
-            </a:r>
-            <a:br>
-              <a:rPr lang="en-US" sz="2500" dirty="0" smtClean="0">
-                <a:solidFill>
-                  <a:schemeClr val="bg1"/>
-                </a:solidFill>
-                <a:latin typeface="Liberation Sans Narrow" panose="020B0606020202030204" pitchFamily="34" charset="0"/>
-              </a:rPr>
-            </a:br>
-            <a:r>
-              <a:rPr lang="en-US" sz="2800" dirty="0" err="1" smtClean="0"/>
-              <a:t>sencha</a:t>
-            </a:r>
-            <a:r>
-              <a:rPr lang="en-US" sz="2800" dirty="0" smtClean="0"/>
-              <a:t> -</a:t>
-            </a:r>
-            <a:r>
-              <a:rPr lang="en-US" sz="2800" dirty="0" err="1" smtClean="0"/>
-              <a:t>sdk</a:t>
-            </a:r>
-            <a:r>
-              <a:rPr lang="en-US" sz="2800" dirty="0" smtClean="0"/>
-              <a:t> /path/to/framework generate app </a:t>
-            </a:r>
-            <a:r>
-              <a:rPr lang="en-US" sz="2800" dirty="0" err="1" smtClean="0"/>
-              <a:t>MyApp</a:t>
-            </a:r>
-            <a:r>
-              <a:rPr lang="en-US" sz="2800" dirty="0" smtClean="0"/>
-              <a:t> my-app </a:t>
-            </a:r>
-            <a:r>
-              <a:rPr lang="en-US" sz="2800" dirty="0" err="1" smtClean="0"/>
-              <a:t>cd</a:t>
-            </a:r>
-            <a:r>
-              <a:rPr lang="en-US" sz="2800" dirty="0" smtClean="0"/>
-              <a:t> app </a:t>
-            </a:r>
-            <a:r>
-              <a:rPr lang="en-US" sz="2800" dirty="0" err="1" smtClean="0"/>
-              <a:t>sencha</a:t>
-            </a:r>
-            <a:r>
-              <a:rPr lang="en-US" sz="2800" dirty="0" smtClean="0"/>
-              <a:t> app </a:t>
-            </a:r>
-            <a:r>
-              <a:rPr lang="en-US" sz="2800" dirty="0" smtClean="0"/>
-              <a:t>watch</a:t>
-            </a:r>
-          </a:p>
-          <a:p>
-            <a:pPr marL="342900" indent="-342900">
-              <a:buClr>
-                <a:schemeClr val="bg1"/>
-              </a:buClr>
-              <a:buFont typeface="Wingdings 3" panose="05040102010807070707" pitchFamily="18" charset="2"/>
-              <a:buChar char=""/>
-            </a:pPr>
-            <a:r>
-              <a:rPr lang="en-US" sz="2500" dirty="0" smtClean="0">
-                <a:solidFill>
-                  <a:schemeClr val="bg1"/>
-                </a:solidFill>
-                <a:latin typeface="Liberation Sans Narrow" panose="020B0606020202030204" pitchFamily="34" charset="0"/>
-              </a:rPr>
-              <a:t>Now navigate to http://localhost:1841 or your native </a:t>
-            </a:r>
-            <a:r>
-              <a:rPr lang="en-US" sz="2500" dirty="0" err="1" smtClean="0">
-                <a:solidFill>
-                  <a:schemeClr val="bg1"/>
-                </a:solidFill>
-                <a:latin typeface="Liberation Sans Narrow" panose="020B0606020202030204" pitchFamily="34" charset="0"/>
-              </a:rPr>
-              <a:t>localhost</a:t>
-            </a:r>
-            <a:endParaRPr lang="en-US" sz="2500" dirty="0">
-              <a:solidFill>
-                <a:schemeClr val="bg1"/>
-              </a:solidFill>
-              <a:latin typeface="Liberation Sans Narrow" panose="020B0606020202030204" pitchFamily="34" charset="0"/>
-            </a:endParaRPr>
-          </a:p>
-        </p:txBody>
-      </p:sp>
-      <p:sp>
-        <p:nvSpPr>
-          <p:cNvPr id="7" name="TextBox 6"/>
-          <p:cNvSpPr txBox="1"/>
-          <p:nvPr/>
-        </p:nvSpPr>
-        <p:spPr>
-          <a:xfrm>
-            <a:off x="9292314" y="3867064"/>
-            <a:ext cx="1470274" cy="1785104"/>
-          </a:xfrm>
-          <a:prstGeom prst="rect">
-            <a:avLst/>
-          </a:prstGeom>
-          <a:noFill/>
-        </p:spPr>
-        <p:txBody>
-          <a:bodyPr wrap="none" rtlCol="0">
-            <a:spAutoFit/>
-          </a:bodyPr>
-          <a:lstStyle/>
-          <a:p>
-            <a:r>
-              <a:rPr lang="en-US" sz="11000" b="1" dirty="0" smtClean="0">
-                <a:solidFill>
-                  <a:srgbClr val="00B0F0"/>
-                </a:solidFill>
-                <a:latin typeface="Liberation Sans Narrow" panose="020B0606020202030204" pitchFamily="34" charset="0"/>
-                <a:ea typeface="Segoe UI" panose="020B0502040204020203" pitchFamily="34" charset="0"/>
-                <a:cs typeface="Segoe UI" panose="020B0502040204020203" pitchFamily="34" charset="0"/>
-              </a:rPr>
-              <a:t>01</a:t>
-            </a:r>
-            <a:endParaRPr lang="en-US" sz="11000" b="1" dirty="0">
-              <a:solidFill>
-                <a:srgbClr val="00B0F0"/>
-              </a:solidFill>
-              <a:latin typeface="Liberation Sans Narrow" panose="020B0606020202030204" pitchFamily="34" charset="0"/>
-              <a:ea typeface="Segoe UI" panose="020B0502040204020203" pitchFamily="34" charset="0"/>
-              <a:cs typeface="Segoe UI" panose="020B0502040204020203" pitchFamily="34" charset="0"/>
-            </a:endParaRPr>
-          </a:p>
-        </p:txBody>
-      </p:sp>
     </p:spTree>
-    <p:extLst>
-      <p:ext uri="{BB962C8B-B14F-4D97-AF65-F5344CB8AC3E}">
-        <p14:creationId xmlns:p14="http://schemas.microsoft.com/office/powerpoint/2010/main" xmlns="" val="3383725190"/>
-      </p:ext>
-    </p:extLst>
   </p:cSld>
   <p:clrMapOvr>
     <a:masterClrMapping/>
   </p:clrMapOvr>
-  <p:timing>
-    <p:tnLst>
-      <p:par>
-        <p:cTn id="1" dur="indefinite" restart="never" nodeType="tmRoot"/>
-      </p:par>
-    </p:tnLst>
-  </p:timing>
 </p:sld>
 </file>
 
@@ -9508,29 +11943,45 @@
           <a:bodyPr/>
           <a:lstStyle/>
           <a:p>
-            <a:endParaRPr lang="en-US"/>
-          </a:p>
-        </p:txBody>
-      </p:sp>
-      <p:sp>
-        <p:nvSpPr>
-          <p:cNvPr id="3" name="Content Placeholder 2"/>
-          <p:cNvSpPr>
-            <a:spLocks noGrp="1"/>
-          </p:cNvSpPr>
+            <a:r>
+              <a:rPr lang="en-US" dirty="0" err="1" smtClean="0"/>
+              <a:t>Extjs</a:t>
+            </a:r>
+            <a:r>
+              <a:rPr lang="en-US" dirty="0" smtClean="0"/>
+              <a:t> </a:t>
+            </a:r>
+            <a:r>
+              <a:rPr lang="en-US" dirty="0" smtClean="0"/>
+              <a:t>Web Desktop</a:t>
+            </a:r>
+            <a:endParaRPr lang="en-US" dirty="0"/>
+          </a:p>
+        </p:txBody>
+      </p:sp>
+      <p:pic>
+        <p:nvPicPr>
+          <p:cNvPr id="6" name="Content Placeholder 5" descr="screencapture-dev-sencha-com-ext-5-1-0-examples-desktop-index-html-1434601068664.png"/>
+          <p:cNvPicPr>
+            <a:picLocks noGrp="1" noChangeAspect="1"/>
+          </p:cNvPicPr>
           <p:nvPr>
             <p:ph idx="1"/>
           </p:nvPr>
-        </p:nvSpPr>
-        <p:spPr/>
-        <p:txBody>
-          <a:bodyPr/>
-          <a:lstStyle/>
-          <a:p>
-            <a:endParaRPr lang="en-US"/>
-          </a:p>
-        </p:txBody>
-      </p:sp>
+        </p:nvPicPr>
+        <p:blipFill>
+          <a:blip r:embed="rId3"/>
+          <a:stretch>
+            <a:fillRect/>
+          </a:stretch>
+        </p:blipFill>
+        <p:spPr>
+          <a:xfrm>
+            <a:off x="1544753" y="1825625"/>
+            <a:ext cx="9102493" cy="4351338"/>
+          </a:xfrm>
+        </p:spPr>
+      </p:pic>
     </p:spTree>
   </p:cSld>
   <p:clrMapOvr>
@@ -9794,7 +12245,7 @@
   <a:extraClrSchemeLst/>
   <a:extLst>
     <a:ext uri="{05A4C25C-085E-4340-85A3-A5531E510DB2}">
-      <thm15:themeFamily xmlns:thm15="http://schemas.microsoft.com/office/thememl/2012/main" xmlns="" name="Office Theme" id="{62F939B6-93AF-4DB8-9C6B-D6C7DFDC589F}" vid="{4A3C46E8-61CC-4603-A589-7422A47A8E4A}"/>
+      <thm15:themeFamily xmlns="" xmlns:thm15="http://schemas.microsoft.com/office/thememl/2012/main" name="Office Theme" id="{62F939B6-93AF-4DB8-9C6B-D6C7DFDC589F}" vid="{4A3C46E8-61CC-4603-A589-7422A47A8E4A}"/>
     </a:ext>
   </a:extLst>
 </a:theme>
@@ -10055,7 +12506,7 @@
   <a:extraClrSchemeLst/>
   <a:extLst>
     <a:ext uri="{05A4C25C-085E-4340-85A3-A5531E510DB2}">
-      <thm15:themeFamily xmlns:thm15="http://schemas.microsoft.com/office/thememl/2012/main" xmlns="" name="Office Theme" id="{62F939B6-93AF-4DB8-9C6B-D6C7DFDC589F}" vid="{4A3C46E8-61CC-4603-A589-7422A47A8E4A}"/>
+      <thm15:themeFamily xmlns="" xmlns:thm15="http://schemas.microsoft.com/office/thememl/2012/main" name="Office Theme" id="{62F939B6-93AF-4DB8-9C6B-D6C7DFDC589F}" vid="{4A3C46E8-61CC-4603-A589-7422A47A8E4A}"/>
     </a:ext>
   </a:extLst>
 </a:theme>

--- a/Introduction to Ext JS.pptx
+++ b/Introduction to Ext JS.pptx
@@ -5,24 +5,28 @@
     <p:sldMasterId id="2147483648" r:id="rId1"/>
   </p:sldMasterIdLst>
   <p:notesMasterIdLst>
-    <p:notesMasterId r:id="rId17"/>
+    <p:notesMasterId r:id="rId21"/>
   </p:notesMasterIdLst>
   <p:sldIdLst>
-    <p:sldId id="256" r:id="rId2"/>
-    <p:sldId id="260" r:id="rId3"/>
-    <p:sldId id="257" r:id="rId4"/>
-    <p:sldId id="258" r:id="rId5"/>
-    <p:sldId id="259" r:id="rId6"/>
-    <p:sldId id="262" r:id="rId7"/>
-    <p:sldId id="261" r:id="rId8"/>
-    <p:sldId id="277" r:id="rId9"/>
-    <p:sldId id="278" r:id="rId10"/>
-    <p:sldId id="279" r:id="rId11"/>
-    <p:sldId id="280" r:id="rId12"/>
-    <p:sldId id="263" r:id="rId13"/>
-    <p:sldId id="265" r:id="rId14"/>
-    <p:sldId id="269" r:id="rId15"/>
-    <p:sldId id="273" r:id="rId16"/>
+    <p:sldId id="281" r:id="rId2"/>
+    <p:sldId id="283" r:id="rId3"/>
+    <p:sldId id="282" r:id="rId4"/>
+    <p:sldId id="284" r:id="rId5"/>
+    <p:sldId id="256" r:id="rId6"/>
+    <p:sldId id="260" r:id="rId7"/>
+    <p:sldId id="257" r:id="rId8"/>
+    <p:sldId id="258" r:id="rId9"/>
+    <p:sldId id="259" r:id="rId10"/>
+    <p:sldId id="262" r:id="rId11"/>
+    <p:sldId id="261" r:id="rId12"/>
+    <p:sldId id="277" r:id="rId13"/>
+    <p:sldId id="278" r:id="rId14"/>
+    <p:sldId id="279" r:id="rId15"/>
+    <p:sldId id="280" r:id="rId16"/>
+    <p:sldId id="263" r:id="rId17"/>
+    <p:sldId id="265" r:id="rId18"/>
+    <p:sldId id="269" r:id="rId19"/>
+    <p:sldId id="273" r:id="rId20"/>
   </p:sldIdLst>
   <p:sldSz cx="12192000" cy="6858000"/>
   <p:notesSz cx="6858000" cy="9144000"/>
@@ -207,7 +211,7 @@
             <a:fld id="{6686EC2A-1FF1-4DB1-BB69-57B0EDA305E7}" type="datetimeFigureOut">
               <a:rPr lang="en-US" smtClean="0"/>
               <a:pPr/>
-              <a:t>6/17/2015</a:t>
+              <a:t>6/20/2015</a:t>
             </a:fld>
             <a:endParaRPr lang="en-US"/>
           </a:p>
@@ -376,7 +380,7 @@
     </p:spTree>
     <p:extLst>
       <p:ext uri="{BB962C8B-B14F-4D97-AF65-F5344CB8AC3E}">
-        <p14:creationId xmlns="" xmlns:p14="http://schemas.microsoft.com/office/powerpoint/2010/main" val="4231792222"/>
+        <p14:creationId xmlns:p14="http://schemas.microsoft.com/office/powerpoint/2010/main" xmlns="" val="4231792222"/>
       </p:ext>
     </p:extLst>
   </p:cSld>
@@ -542,7 +546,7 @@
             <a:fld id="{EBF164A3-7165-4E0F-AA0F-DDB0EC7CBD94}" type="slidenum">
               <a:rPr lang="en-US" smtClean="0"/>
               <a:pPr/>
-              <a:t>1</a:t>
+              <a:t>5</a:t>
             </a:fld>
             <a:endParaRPr lang="en-US"/>
           </a:p>
@@ -551,7 +555,7 @@
     </p:spTree>
     <p:extLst>
       <p:ext uri="{BB962C8B-B14F-4D97-AF65-F5344CB8AC3E}">
-        <p14:creationId xmlns="" xmlns:p14="http://schemas.microsoft.com/office/powerpoint/2010/main" val="290208725"/>
+        <p14:creationId xmlns:p14="http://schemas.microsoft.com/office/powerpoint/2010/main" xmlns="" val="290208725"/>
       </p:ext>
     </p:extLst>
   </p:cSld>
@@ -633,7 +637,7 @@
             <a:fld id="{EBF164A3-7165-4E0F-AA0F-DDB0EC7CBD94}" type="slidenum">
               <a:rPr lang="en-US" smtClean="0"/>
               <a:pPr/>
-              <a:t>11</a:t>
+              <a:t>15</a:t>
             </a:fld>
             <a:endParaRPr lang="en-US"/>
           </a:p>
@@ -1243,7 +1247,7 @@
             <a:fld id="{EBF164A3-7165-4E0F-AA0F-DDB0EC7CBD94}" type="slidenum">
               <a:rPr lang="en-US" smtClean="0"/>
               <a:pPr/>
-              <a:t>12</a:t>
+              <a:t>16</a:t>
             </a:fld>
             <a:endParaRPr lang="en-US"/>
           </a:p>
@@ -1252,7 +1256,7 @@
     </p:spTree>
     <p:extLst>
       <p:ext uri="{BB962C8B-B14F-4D97-AF65-F5344CB8AC3E}">
-        <p14:creationId xmlns="" xmlns:p14="http://schemas.microsoft.com/office/powerpoint/2010/main" val="1847537067"/>
+        <p14:creationId xmlns:p14="http://schemas.microsoft.com/office/powerpoint/2010/main" xmlns="" val="1847537067"/>
       </p:ext>
     </p:extLst>
   </p:cSld>
@@ -1858,7 +1862,7 @@
             <a:fld id="{EBF164A3-7165-4E0F-AA0F-DDB0EC7CBD94}" type="slidenum">
               <a:rPr lang="en-US" smtClean="0"/>
               <a:pPr/>
-              <a:t>13</a:t>
+              <a:t>17</a:t>
             </a:fld>
             <a:endParaRPr lang="en-US"/>
           </a:p>
@@ -1867,7 +1871,7 @@
     </p:spTree>
     <p:extLst>
       <p:ext uri="{BB962C8B-B14F-4D97-AF65-F5344CB8AC3E}">
-        <p14:creationId xmlns="" xmlns:p14="http://schemas.microsoft.com/office/powerpoint/2010/main" val="1847537067"/>
+        <p14:creationId xmlns:p14="http://schemas.microsoft.com/office/powerpoint/2010/main" xmlns="" val="1847537067"/>
       </p:ext>
     </p:extLst>
   </p:cSld>
@@ -1953,7 +1957,7 @@
             <a:fld id="{EBF164A3-7165-4E0F-AA0F-DDB0EC7CBD94}" type="slidenum">
               <a:rPr lang="en-US" smtClean="0"/>
               <a:pPr/>
-              <a:t>14</a:t>
+              <a:t>18</a:t>
             </a:fld>
             <a:endParaRPr lang="en-US"/>
           </a:p>
@@ -1962,7 +1966,7 @@
     </p:spTree>
     <p:extLst>
       <p:ext uri="{BB962C8B-B14F-4D97-AF65-F5344CB8AC3E}">
-        <p14:creationId xmlns="" xmlns:p14="http://schemas.microsoft.com/office/powerpoint/2010/main" val="1847537067"/>
+        <p14:creationId xmlns:p14="http://schemas.microsoft.com/office/powerpoint/2010/main" xmlns="" val="1847537067"/>
       </p:ext>
     </p:extLst>
   </p:cSld>
@@ -2038,7 +2042,7 @@
             <a:fld id="{EBF164A3-7165-4E0F-AA0F-DDB0EC7CBD94}" type="slidenum">
               <a:rPr lang="en-US" smtClean="0"/>
               <a:pPr/>
-              <a:t>15</a:t>
+              <a:t>19</a:t>
             </a:fld>
             <a:endParaRPr lang="en-US"/>
           </a:p>
@@ -2047,7 +2051,7 @@
     </p:spTree>
     <p:extLst>
       <p:ext uri="{BB962C8B-B14F-4D97-AF65-F5344CB8AC3E}">
-        <p14:creationId xmlns="" xmlns:p14="http://schemas.microsoft.com/office/powerpoint/2010/main" val="1847537067"/>
+        <p14:creationId xmlns:p14="http://schemas.microsoft.com/office/powerpoint/2010/main" xmlns="" val="1847537067"/>
       </p:ext>
     </p:extLst>
   </p:cSld>
@@ -2123,7 +2127,7 @@
             <a:fld id="{EBF164A3-7165-4E0F-AA0F-DDB0EC7CBD94}" type="slidenum">
               <a:rPr lang="en-US" smtClean="0"/>
               <a:pPr/>
-              <a:t>2</a:t>
+              <a:t>6</a:t>
             </a:fld>
             <a:endParaRPr lang="en-US"/>
           </a:p>
@@ -2132,7 +2136,7 @@
     </p:spTree>
     <p:extLst>
       <p:ext uri="{BB962C8B-B14F-4D97-AF65-F5344CB8AC3E}">
-        <p14:creationId xmlns="" xmlns:p14="http://schemas.microsoft.com/office/powerpoint/2010/main" val="1904584423"/>
+        <p14:creationId xmlns:p14="http://schemas.microsoft.com/office/powerpoint/2010/main" xmlns="" val="1904584423"/>
       </p:ext>
     </p:extLst>
   </p:cSld>
@@ -2563,7 +2567,7 @@
             <a:fld id="{EBF164A3-7165-4E0F-AA0F-DDB0EC7CBD94}" type="slidenum">
               <a:rPr lang="en-US" smtClean="0"/>
               <a:pPr/>
-              <a:t>3</a:t>
+              <a:t>7</a:t>
             </a:fld>
             <a:endParaRPr lang="en-US"/>
           </a:p>
@@ -2572,7 +2576,7 @@
     </p:spTree>
     <p:extLst>
       <p:ext uri="{BB962C8B-B14F-4D97-AF65-F5344CB8AC3E}">
-        <p14:creationId xmlns="" xmlns:p14="http://schemas.microsoft.com/office/powerpoint/2010/main" val="886732826"/>
+        <p14:creationId xmlns:p14="http://schemas.microsoft.com/office/powerpoint/2010/main" xmlns="" val="886732826"/>
       </p:ext>
     </p:extLst>
   </p:cSld>
@@ -2828,7 +2832,7 @@
             <a:fld id="{EBF164A3-7165-4E0F-AA0F-DDB0EC7CBD94}" type="slidenum">
               <a:rPr lang="en-US" smtClean="0"/>
               <a:pPr/>
-              <a:t>4</a:t>
+              <a:t>8</a:t>
             </a:fld>
             <a:endParaRPr lang="en-US"/>
           </a:p>
@@ -3552,7 +3556,7 @@
             <a:fld id="{EBF164A3-7165-4E0F-AA0F-DDB0EC7CBD94}" type="slidenum">
               <a:rPr lang="en-US" smtClean="0"/>
               <a:pPr/>
-              <a:t>6</a:t>
+              <a:t>10</a:t>
             </a:fld>
             <a:endParaRPr lang="en-US"/>
           </a:p>
@@ -3561,7 +3565,7 @@
     </p:spTree>
     <p:extLst>
       <p:ext uri="{BB962C8B-B14F-4D97-AF65-F5344CB8AC3E}">
-        <p14:creationId xmlns="" xmlns:p14="http://schemas.microsoft.com/office/powerpoint/2010/main" val="2185725958"/>
+        <p14:creationId xmlns:p14="http://schemas.microsoft.com/office/powerpoint/2010/main" xmlns="" val="2185725958"/>
       </p:ext>
     </p:extLst>
   </p:cSld>
@@ -3721,7 +3725,7 @@
             <a:fld id="{EBF164A3-7165-4E0F-AA0F-DDB0EC7CBD94}" type="slidenum">
               <a:rPr lang="en-US" smtClean="0"/>
               <a:pPr/>
-              <a:t>7</a:t>
+              <a:t>11</a:t>
             </a:fld>
             <a:endParaRPr lang="en-US"/>
           </a:p>
@@ -3730,7 +3734,7 @@
     </p:spTree>
     <p:extLst>
       <p:ext uri="{BB962C8B-B14F-4D97-AF65-F5344CB8AC3E}">
-        <p14:creationId xmlns="" xmlns:p14="http://schemas.microsoft.com/office/powerpoint/2010/main" val="3156752949"/>
+        <p14:creationId xmlns:p14="http://schemas.microsoft.com/office/powerpoint/2010/main" xmlns="" val="3156752949"/>
       </p:ext>
     </p:extLst>
   </p:cSld>
@@ -3812,7 +3816,7 @@
             <a:fld id="{EBF164A3-7165-4E0F-AA0F-DDB0EC7CBD94}" type="slidenum">
               <a:rPr lang="en-US" smtClean="0"/>
               <a:pPr/>
-              <a:t>8</a:t>
+              <a:t>12</a:t>
             </a:fld>
             <a:endParaRPr lang="en-US"/>
           </a:p>
@@ -3898,7 +3902,7 @@
             <a:fld id="{EBF164A3-7165-4E0F-AA0F-DDB0EC7CBD94}" type="slidenum">
               <a:rPr lang="en-US" smtClean="0"/>
               <a:pPr/>
-              <a:t>9</a:t>
+              <a:t>13</a:t>
             </a:fld>
             <a:endParaRPr lang="en-US"/>
           </a:p>
@@ -3984,7 +3988,7 @@
             <a:fld id="{EBF164A3-7165-4E0F-AA0F-DDB0EC7CBD94}" type="slidenum">
               <a:rPr lang="en-US" smtClean="0"/>
               <a:pPr/>
-              <a:t>10</a:t>
+              <a:t>14</a:t>
             </a:fld>
             <a:endParaRPr lang="en-US"/>
           </a:p>
@@ -4130,7 +4134,7 @@
             <a:fld id="{7132733F-F42C-440C-8E93-EE590978909A}" type="datetimeFigureOut">
               <a:rPr lang="en-US" smtClean="0"/>
               <a:pPr/>
-              <a:t>6/17/2015</a:t>
+              <a:t>6/20/2015</a:t>
             </a:fld>
             <a:endParaRPr lang="en-US"/>
           </a:p>
@@ -4182,7 +4186,7 @@
     </p:spTree>
     <p:extLst>
       <p:ext uri="{BB962C8B-B14F-4D97-AF65-F5344CB8AC3E}">
-        <p14:creationId xmlns="" xmlns:p14="http://schemas.microsoft.com/office/powerpoint/2010/main" val="809978427"/>
+        <p14:creationId xmlns:p14="http://schemas.microsoft.com/office/powerpoint/2010/main" xmlns="" val="809978427"/>
       </p:ext>
     </p:extLst>
   </p:cSld>
@@ -4302,7 +4306,7 @@
             <a:fld id="{7132733F-F42C-440C-8E93-EE590978909A}" type="datetimeFigureOut">
               <a:rPr lang="en-US" smtClean="0"/>
               <a:pPr/>
-              <a:t>6/17/2015</a:t>
+              <a:t>6/20/2015</a:t>
             </a:fld>
             <a:endParaRPr lang="en-US"/>
           </a:p>
@@ -4354,7 +4358,7 @@
     </p:spTree>
     <p:extLst>
       <p:ext uri="{BB962C8B-B14F-4D97-AF65-F5344CB8AC3E}">
-        <p14:creationId xmlns="" xmlns:p14="http://schemas.microsoft.com/office/powerpoint/2010/main" val="3363564555"/>
+        <p14:creationId xmlns:p14="http://schemas.microsoft.com/office/powerpoint/2010/main" xmlns="" val="3363564555"/>
       </p:ext>
     </p:extLst>
   </p:cSld>
@@ -4484,7 +4488,7 @@
             <a:fld id="{7132733F-F42C-440C-8E93-EE590978909A}" type="datetimeFigureOut">
               <a:rPr lang="en-US" smtClean="0"/>
               <a:pPr/>
-              <a:t>6/17/2015</a:t>
+              <a:t>6/20/2015</a:t>
             </a:fld>
             <a:endParaRPr lang="en-US"/>
           </a:p>
@@ -4536,7 +4540,7 @@
     </p:spTree>
     <p:extLst>
       <p:ext uri="{BB962C8B-B14F-4D97-AF65-F5344CB8AC3E}">
-        <p14:creationId xmlns="" xmlns:p14="http://schemas.microsoft.com/office/powerpoint/2010/main" val="1808252546"/>
+        <p14:creationId xmlns:p14="http://schemas.microsoft.com/office/powerpoint/2010/main" xmlns="" val="1808252546"/>
       </p:ext>
     </p:extLst>
   </p:cSld>
@@ -4656,7 +4660,7 @@
             <a:fld id="{7132733F-F42C-440C-8E93-EE590978909A}" type="datetimeFigureOut">
               <a:rPr lang="en-US" smtClean="0"/>
               <a:pPr/>
-              <a:t>6/17/2015</a:t>
+              <a:t>6/20/2015</a:t>
             </a:fld>
             <a:endParaRPr lang="en-US"/>
           </a:p>
@@ -4708,7 +4712,7 @@
     </p:spTree>
     <p:extLst>
       <p:ext uri="{BB962C8B-B14F-4D97-AF65-F5344CB8AC3E}">
-        <p14:creationId xmlns="" xmlns:p14="http://schemas.microsoft.com/office/powerpoint/2010/main" val="2361588743"/>
+        <p14:creationId xmlns:p14="http://schemas.microsoft.com/office/powerpoint/2010/main" xmlns="" val="2361588743"/>
       </p:ext>
     </p:extLst>
   </p:cSld>
@@ -4904,7 +4908,7 @@
             <a:fld id="{7132733F-F42C-440C-8E93-EE590978909A}" type="datetimeFigureOut">
               <a:rPr lang="en-US" smtClean="0"/>
               <a:pPr/>
-              <a:t>6/17/2015</a:t>
+              <a:t>6/20/2015</a:t>
             </a:fld>
             <a:endParaRPr lang="en-US"/>
           </a:p>
@@ -4956,7 +4960,7 @@
     </p:spTree>
     <p:extLst>
       <p:ext uri="{BB962C8B-B14F-4D97-AF65-F5344CB8AC3E}">
-        <p14:creationId xmlns="" xmlns:p14="http://schemas.microsoft.com/office/powerpoint/2010/main" val="879404138"/>
+        <p14:creationId xmlns:p14="http://schemas.microsoft.com/office/powerpoint/2010/main" xmlns="" val="879404138"/>
       </p:ext>
     </p:extLst>
   </p:cSld>
@@ -5138,7 +5142,7 @@
             <a:fld id="{7132733F-F42C-440C-8E93-EE590978909A}" type="datetimeFigureOut">
               <a:rPr lang="en-US" smtClean="0"/>
               <a:pPr/>
-              <a:t>6/17/2015</a:t>
+              <a:t>6/20/2015</a:t>
             </a:fld>
             <a:endParaRPr lang="en-US"/>
           </a:p>
@@ -5190,7 +5194,7 @@
     </p:spTree>
     <p:extLst>
       <p:ext uri="{BB962C8B-B14F-4D97-AF65-F5344CB8AC3E}">
-        <p14:creationId xmlns="" xmlns:p14="http://schemas.microsoft.com/office/powerpoint/2010/main" val="4233763278"/>
+        <p14:creationId xmlns:p14="http://schemas.microsoft.com/office/powerpoint/2010/main" xmlns="" val="4233763278"/>
       </p:ext>
     </p:extLst>
   </p:cSld>
@@ -5507,7 +5511,7 @@
             <a:fld id="{7132733F-F42C-440C-8E93-EE590978909A}" type="datetimeFigureOut">
               <a:rPr lang="en-US" smtClean="0"/>
               <a:pPr/>
-              <a:t>6/17/2015</a:t>
+              <a:t>6/20/2015</a:t>
             </a:fld>
             <a:endParaRPr lang="en-US"/>
           </a:p>
@@ -5559,7 +5563,7 @@
     </p:spTree>
     <p:extLst>
       <p:ext uri="{BB962C8B-B14F-4D97-AF65-F5344CB8AC3E}">
-        <p14:creationId xmlns="" xmlns:p14="http://schemas.microsoft.com/office/powerpoint/2010/main" val="456335948"/>
+        <p14:creationId xmlns:p14="http://schemas.microsoft.com/office/powerpoint/2010/main" xmlns="" val="456335948"/>
       </p:ext>
     </p:extLst>
   </p:cSld>
@@ -5627,7 +5631,7 @@
             <a:fld id="{7132733F-F42C-440C-8E93-EE590978909A}" type="datetimeFigureOut">
               <a:rPr lang="en-US" smtClean="0"/>
               <a:pPr/>
-              <a:t>6/17/2015</a:t>
+              <a:t>6/20/2015</a:t>
             </a:fld>
             <a:endParaRPr lang="en-US"/>
           </a:p>
@@ -5679,7 +5683,7 @@
     </p:spTree>
     <p:extLst>
       <p:ext uri="{BB962C8B-B14F-4D97-AF65-F5344CB8AC3E}">
-        <p14:creationId xmlns="" xmlns:p14="http://schemas.microsoft.com/office/powerpoint/2010/main" val="1368491959"/>
+        <p14:creationId xmlns:p14="http://schemas.microsoft.com/office/powerpoint/2010/main" xmlns="" val="1368491959"/>
       </p:ext>
     </p:extLst>
   </p:cSld>
@@ -5724,7 +5728,7 @@
             <a:fld id="{7132733F-F42C-440C-8E93-EE590978909A}" type="datetimeFigureOut">
               <a:rPr lang="en-US" smtClean="0"/>
               <a:pPr/>
-              <a:t>6/17/2015</a:t>
+              <a:t>6/20/2015</a:t>
             </a:fld>
             <a:endParaRPr lang="en-US"/>
           </a:p>
@@ -5776,7 +5780,7 @@
     </p:spTree>
     <p:extLst>
       <p:ext uri="{BB962C8B-B14F-4D97-AF65-F5344CB8AC3E}">
-        <p14:creationId xmlns="" xmlns:p14="http://schemas.microsoft.com/office/powerpoint/2010/main" val="724807421"/>
+        <p14:creationId xmlns:p14="http://schemas.microsoft.com/office/powerpoint/2010/main" xmlns="" val="724807421"/>
       </p:ext>
     </p:extLst>
   </p:cSld>
@@ -6003,7 +6007,7 @@
             <a:fld id="{7132733F-F42C-440C-8E93-EE590978909A}" type="datetimeFigureOut">
               <a:rPr lang="en-US" smtClean="0"/>
               <a:pPr/>
-              <a:t>6/17/2015</a:t>
+              <a:t>6/20/2015</a:t>
             </a:fld>
             <a:endParaRPr lang="en-US"/>
           </a:p>
@@ -6055,7 +6059,7 @@
     </p:spTree>
     <p:extLst>
       <p:ext uri="{BB962C8B-B14F-4D97-AF65-F5344CB8AC3E}">
-        <p14:creationId xmlns="" xmlns:p14="http://schemas.microsoft.com/office/powerpoint/2010/main" val="1824388055"/>
+        <p14:creationId xmlns:p14="http://schemas.microsoft.com/office/powerpoint/2010/main" xmlns="" val="1824388055"/>
       </p:ext>
     </p:extLst>
   </p:cSld>
@@ -6258,7 +6262,7 @@
             <a:fld id="{7132733F-F42C-440C-8E93-EE590978909A}" type="datetimeFigureOut">
               <a:rPr lang="en-US" smtClean="0"/>
               <a:pPr/>
-              <a:t>6/17/2015</a:t>
+              <a:t>6/20/2015</a:t>
             </a:fld>
             <a:endParaRPr lang="en-US"/>
           </a:p>
@@ -6310,7 +6314,7 @@
     </p:spTree>
     <p:extLst>
       <p:ext uri="{BB962C8B-B14F-4D97-AF65-F5344CB8AC3E}">
-        <p14:creationId xmlns="" xmlns:p14="http://schemas.microsoft.com/office/powerpoint/2010/main" val="3486849709"/>
+        <p14:creationId xmlns:p14="http://schemas.microsoft.com/office/powerpoint/2010/main" xmlns="" val="3486849709"/>
       </p:ext>
     </p:extLst>
   </p:cSld>
@@ -6473,7 +6477,7 @@
             <a:fld id="{7132733F-F42C-440C-8E93-EE590978909A}" type="datetimeFigureOut">
               <a:rPr lang="en-US" smtClean="0"/>
               <a:pPr/>
-              <a:t>6/17/2015</a:t>
+              <a:t>6/20/2015</a:t>
             </a:fld>
             <a:endParaRPr lang="en-US"/>
           </a:p>
@@ -6561,7 +6565,7 @@
     </p:spTree>
     <p:extLst>
       <p:ext uri="{BB962C8B-B14F-4D97-AF65-F5344CB8AC3E}">
-        <p14:creationId xmlns="" xmlns:p14="http://schemas.microsoft.com/office/powerpoint/2010/main" val="2841453281"/>
+        <p14:creationId xmlns:p14="http://schemas.microsoft.com/office/powerpoint/2010/main" xmlns="" val="2841453281"/>
       </p:ext>
     </p:extLst>
   </p:cSld>
@@ -6865,6 +6869,16 @@
 <file path=ppt/slides/slide1.xml><?xml version="1.0" encoding="utf-8"?>
 <p:sld xmlns:a="http://schemas.openxmlformats.org/drawingml/2006/main" xmlns:r="http://schemas.openxmlformats.org/officeDocument/2006/relationships" xmlns:p="http://schemas.openxmlformats.org/presentationml/2006/main">
   <p:cSld>
+    <p:bg>
+      <p:bgPr>
+        <a:solidFill>
+          <a:schemeClr val="accent5">
+            <a:lumMod val="50000"/>
+          </a:schemeClr>
+        </a:solidFill>
+        <a:effectLst/>
+      </p:bgPr>
+    </p:bg>
     <p:spTree>
       <p:nvGrpSpPr>
         <p:cNvPr id="1" name=""/>
@@ -6879,91 +6893,82 @@
           <a:chExt cx="0" cy="0"/>
         </a:xfrm>
       </p:grpSpPr>
+      <p:sp>
+        <p:nvSpPr>
+          <p:cNvPr id="2" name="Title 1"/>
+          <p:cNvSpPr>
+            <a:spLocks noGrp="1"/>
+          </p:cNvSpPr>
+          <p:nvPr>
+            <p:ph type="title"/>
+          </p:nvPr>
+        </p:nvSpPr>
+        <p:spPr/>
+        <p:txBody>
+          <a:bodyPr/>
+          <a:lstStyle/>
+          <a:p>
+            <a:endParaRPr lang="en-US"/>
+          </a:p>
+        </p:txBody>
+      </p:sp>
       <p:pic>
         <p:nvPicPr>
-          <p:cNvPr id="5" name="Picture 4"/>
+          <p:cNvPr id="7" name="Picture 6" descr="3.png"/>
           <p:cNvPicPr>
             <a:picLocks noChangeAspect="1"/>
           </p:cNvPicPr>
           <p:nvPr/>
         </p:nvPicPr>
         <p:blipFill>
-          <a:blip r:embed="rId3">
-            <a:extLst>
-              <a:ext uri="{28A0092B-C50C-407E-A947-70E740481C1C}">
-                <a14:useLocalDpi xmlns="" xmlns:a14="http://schemas.microsoft.com/office/drawing/2010/main" val="0"/>
-              </a:ext>
-            </a:extLst>
-          </a:blip>
+          <a:blip r:embed="rId2"/>
           <a:stretch>
             <a:fillRect/>
           </a:stretch>
         </p:blipFill>
         <p:spPr>
           <a:xfrm>
-            <a:off x="-38141" y="-71919"/>
-            <a:ext cx="12230141" cy="6858000"/>
+            <a:off x="0" y="0"/>
+            <a:ext cx="12192000" cy="6857999"/>
           </a:xfrm>
           <a:prstGeom prst="rect">
             <a:avLst/>
           </a:prstGeom>
         </p:spPr>
       </p:pic>
-      <p:sp>
-        <p:nvSpPr>
-          <p:cNvPr id="6" name="Title 5"/>
-          <p:cNvSpPr>
-            <a:spLocks noGrp="1"/>
-          </p:cNvSpPr>
-          <p:nvPr>
-            <p:ph type="ctrTitle"/>
-          </p:nvPr>
-        </p:nvSpPr>
+      <p:pic>
+        <p:nvPicPr>
+          <p:cNvPr id="6" name="Content Placeholder 5" descr="2.png"/>
+          <p:cNvPicPr>
+            <a:picLocks noGrp="1" noChangeAspect="1"/>
+          </p:cNvPicPr>
+          <p:nvPr>
+            <p:ph idx="1"/>
+          </p:nvPr>
+        </p:nvPicPr>
+        <p:blipFill>
+          <a:blip r:embed="rId3"/>
+          <a:stretch>
+            <a:fillRect/>
+          </a:stretch>
+        </p:blipFill>
         <p:spPr>
           <a:xfrm>
-            <a:off x="2128923" y="1682885"/>
-            <a:ext cx="7026613" cy="826851"/>
+            <a:off x="0" y="4836695"/>
+            <a:ext cx="12192000" cy="2021305"/>
           </a:xfrm>
         </p:spPr>
-        <p:txBody>
-          <a:bodyPr>
-            <a:normAutofit/>
-          </a:bodyPr>
-          <a:lstStyle/>
-          <a:p>
-            <a:pPr algn="l"/>
-            <a:r>
-              <a:rPr lang="en-US" sz="4400" b="1" dirty="0" smtClean="0">
-                <a:solidFill>
-                  <a:schemeClr val="bg1"/>
-                </a:solidFill>
-                <a:latin typeface="Liberation Sans Narrow" panose="020B0606020202030204" pitchFamily="34" charset="0"/>
-                <a:ea typeface="Segoe UI" panose="020B0502040204020203" pitchFamily="34" charset="0"/>
-                <a:cs typeface="Segoe UI" panose="020B0502040204020203" pitchFamily="34" charset="0"/>
-              </a:rPr>
-              <a:t>Introduction to Ext JS</a:t>
-            </a:r>
-            <a:endParaRPr lang="en-US" sz="4400" b="1" dirty="0">
-              <a:solidFill>
-                <a:schemeClr val="bg1"/>
-              </a:solidFill>
-              <a:latin typeface="Liberation Sans Narrow" panose="020B0606020202030204" pitchFamily="34" charset="0"/>
-              <a:ea typeface="Segoe UI" panose="020B0502040204020203" pitchFamily="34" charset="0"/>
-              <a:cs typeface="Segoe UI" panose="020B0502040204020203" pitchFamily="34" charset="0"/>
-            </a:endParaRPr>
-          </a:p>
-        </p:txBody>
-      </p:sp>
-      <p:sp>
-        <p:nvSpPr>
-          <p:cNvPr id="7" name="TextBox 6"/>
+      </p:pic>
+      <p:sp>
+        <p:nvSpPr>
+          <p:cNvPr id="8" name="TextBox 7"/>
           <p:cNvSpPr txBox="1"/>
           <p:nvPr/>
         </p:nvSpPr>
         <p:spPr>
           <a:xfrm>
-            <a:off x="2128923" y="2509736"/>
-            <a:ext cx="7369325" cy="584775"/>
+            <a:off x="0" y="3641582"/>
+            <a:ext cx="12191999" cy="1107996"/>
           </a:xfrm>
           <a:prstGeom prst="rect">
             <a:avLst/>
@@ -6971,51 +6976,40 @@
           <a:noFill/>
         </p:spPr>
         <p:txBody>
-          <a:bodyPr wrap="none" rtlCol="0">
+          <a:bodyPr wrap="square" rtlCol="0">
             <a:spAutoFit/>
           </a:bodyPr>
           <a:lstStyle/>
           <a:p>
-            <a:r>
-              <a:rPr lang="en-US" sz="3200" dirty="0">
-                <a:solidFill>
-                  <a:schemeClr val="bg1"/>
-                </a:solidFill>
-                <a:latin typeface="Liberation Sans Narrow" panose="020B0606020202030204" pitchFamily="34" charset="0"/>
-              </a:rPr>
-              <a:t>An overview of the </a:t>
-            </a:r>
-            <a:r>
-              <a:rPr lang="en-US" sz="3200" dirty="0" err="1">
-                <a:solidFill>
-                  <a:schemeClr val="bg1"/>
-                </a:solidFill>
-                <a:latin typeface="Liberation Sans Narrow" panose="020B0606020202030204" pitchFamily="34" charset="0"/>
-              </a:rPr>
-              <a:t>ExtJS</a:t>
-            </a:r>
-            <a:r>
-              <a:rPr lang="en-US" sz="3200" dirty="0">
-                <a:solidFill>
-                  <a:schemeClr val="bg1"/>
-                </a:solidFill>
-                <a:latin typeface="Liberation Sans Narrow" panose="020B0606020202030204" pitchFamily="34" charset="0"/>
-              </a:rPr>
-              <a:t> JavaScript Framework</a:t>
-            </a:r>
-          </a:p>
-        </p:txBody>
-      </p:sp>
-      <p:sp>
-        <p:nvSpPr>
-          <p:cNvPr id="8" name="TextBox 7"/>
+            <a:pPr algn="ctr"/>
+            <a:r>
+              <a:rPr lang="en-US" sz="6600" b="1" dirty="0" smtClean="0">
+                <a:solidFill>
+                  <a:schemeClr val="bg1"/>
+                </a:solidFill>
+                <a:latin typeface="Liberation Sans Narrow"/>
+              </a:rPr>
+              <a:t>Introduction to Ext JS</a:t>
+            </a:r>
+            <a:endParaRPr lang="en-US" sz="6600" b="1" dirty="0">
+              <a:solidFill>
+                <a:schemeClr val="bg1"/>
+              </a:solidFill>
+              <a:latin typeface="Liberation Sans Narrow"/>
+            </a:endParaRPr>
+          </a:p>
+        </p:txBody>
+      </p:sp>
+      <p:sp>
+        <p:nvSpPr>
+          <p:cNvPr id="9" name="TextBox 8"/>
           <p:cNvSpPr txBox="1"/>
           <p:nvPr/>
         </p:nvSpPr>
         <p:spPr>
           <a:xfrm>
-            <a:off x="1679163" y="3514420"/>
-            <a:ext cx="1470274" cy="1785104"/>
+            <a:off x="1" y="4951562"/>
+            <a:ext cx="12192000" cy="1323439"/>
           </a:xfrm>
           <a:prstGeom prst="rect">
             <a:avLst/>
@@ -7023,119 +7017,76 @@
           <a:noFill/>
         </p:spPr>
         <p:txBody>
-          <a:bodyPr wrap="none" rtlCol="0">
+          <a:bodyPr wrap="square" rtlCol="0">
             <a:spAutoFit/>
           </a:bodyPr>
           <a:lstStyle/>
           <a:p>
-            <a:r>
-              <a:rPr lang="en-US" sz="11000" b="1" dirty="0" smtClean="0">
-                <a:solidFill>
-                  <a:srgbClr val="00B0F0"/>
-                </a:solidFill>
-                <a:latin typeface="Liberation Sans Narrow" panose="020B0606020202030204" pitchFamily="34" charset="0"/>
-                <a:ea typeface="Segoe UI" panose="020B0502040204020203" pitchFamily="34" charset="0"/>
-                <a:cs typeface="Segoe UI" panose="020B0502040204020203" pitchFamily="34" charset="0"/>
-              </a:rPr>
-              <a:t>01</a:t>
-            </a:r>
-            <a:endParaRPr lang="en-US" sz="11000" b="1" dirty="0">
-              <a:solidFill>
-                <a:srgbClr val="00B0F0"/>
-              </a:solidFill>
-              <a:latin typeface="Liberation Sans Narrow" panose="020B0606020202030204" pitchFamily="34" charset="0"/>
-              <a:ea typeface="Segoe UI" panose="020B0502040204020203" pitchFamily="34" charset="0"/>
-              <a:cs typeface="Segoe UI" panose="020B0502040204020203" pitchFamily="34" charset="0"/>
-            </a:endParaRPr>
-          </a:p>
-        </p:txBody>
-      </p:sp>
-      <p:sp>
-        <p:nvSpPr>
-          <p:cNvPr id="9" name="TextBox 8"/>
-          <p:cNvSpPr txBox="1"/>
-          <p:nvPr/>
-        </p:nvSpPr>
-        <p:spPr>
-          <a:xfrm>
-            <a:off x="9683180" y="4674741"/>
-            <a:ext cx="1237839" cy="707886"/>
-          </a:xfrm>
-          <a:prstGeom prst="rect">
-            <a:avLst/>
-          </a:prstGeom>
-          <a:noFill/>
-        </p:spPr>
-        <p:txBody>
-          <a:bodyPr wrap="none" rtlCol="0">
-            <a:spAutoFit/>
-          </a:bodyPr>
-          <a:lstStyle/>
-          <a:p>
-            <a:r>
-              <a:rPr lang="en-US" sz="4000" dirty="0" smtClean="0">
-                <a:solidFill>
-                  <a:schemeClr val="bg1"/>
-                </a:solidFill>
-                <a:latin typeface="Liberation Sans Narrow" panose="020B0606020202030204" pitchFamily="34" charset="0"/>
-              </a:rPr>
-              <a:t>18.06</a:t>
-            </a:r>
-            <a:endParaRPr lang="en-US" sz="4000" dirty="0">
+            <a:pPr algn="ctr"/>
+            <a:r>
+              <a:rPr lang="en-US" sz="4000" b="1" dirty="0" smtClean="0">
+                <a:solidFill>
+                  <a:schemeClr val="bg1"/>
+                </a:solidFill>
+                <a:latin typeface="Liberation Sans Narrow"/>
+              </a:rPr>
+              <a:t>An overview of the </a:t>
+            </a:r>
+            <a:r>
+              <a:rPr lang="en-US" sz="4000" b="1" dirty="0" err="1" smtClean="0">
+                <a:solidFill>
+                  <a:schemeClr val="bg1"/>
+                </a:solidFill>
+                <a:latin typeface="Liberation Sans Narrow"/>
+              </a:rPr>
+              <a:t>ExtJS</a:t>
+            </a:r>
+            <a:r>
+              <a:rPr lang="en-US" sz="4000" b="1" dirty="0" smtClean="0">
+                <a:solidFill>
+                  <a:schemeClr val="bg1"/>
+                </a:solidFill>
+                <a:latin typeface="Liberation Sans Narrow"/>
+              </a:rPr>
+              <a:t> </a:t>
+            </a:r>
+            <a:endParaRPr lang="en-US" sz="4000" b="1" dirty="0" smtClean="0">
               <a:solidFill>
                 <a:schemeClr val="bg1"/>
               </a:solidFill>
-              <a:latin typeface="Liberation Sans Narrow" panose="020B0606020202030204" pitchFamily="34" charset="0"/>
+              <a:latin typeface="Liberation Sans Narrow"/>
             </a:endParaRPr>
           </a:p>
-        </p:txBody>
-      </p:sp>
-      <p:sp>
-        <p:nvSpPr>
-          <p:cNvPr id="10" name="TextBox 9"/>
-          <p:cNvSpPr txBox="1"/>
-          <p:nvPr/>
-        </p:nvSpPr>
-        <p:spPr>
-          <a:xfrm>
-            <a:off x="9683180" y="5299524"/>
-            <a:ext cx="1236236" cy="784830"/>
-          </a:xfrm>
-          <a:prstGeom prst="rect">
-            <a:avLst/>
-          </a:prstGeom>
-          <a:noFill/>
-        </p:spPr>
-        <p:txBody>
-          <a:bodyPr wrap="none" rtlCol="0">
-            <a:spAutoFit/>
-          </a:bodyPr>
-          <a:lstStyle/>
-          <a:p>
-            <a:r>
-              <a:rPr lang="en-US" sz="4500" b="1" dirty="0" smtClean="0">
-                <a:solidFill>
-                  <a:schemeClr val="bg1"/>
-                </a:solidFill>
-                <a:latin typeface="Liberation Sans Narrow" panose="020B0606020202030204" pitchFamily="34" charset="0"/>
-              </a:rPr>
-              <a:t>2015</a:t>
-            </a:r>
-            <a:endParaRPr lang="en-US" sz="4500" b="1" dirty="0">
+          <a:p>
+            <a:pPr algn="ctr"/>
+            <a:r>
+              <a:rPr lang="en-US" sz="4000" b="1" dirty="0" smtClean="0">
+                <a:solidFill>
+                  <a:schemeClr val="bg1"/>
+                </a:solidFill>
+                <a:latin typeface="Liberation Sans Narrow"/>
+              </a:rPr>
+              <a:t>JavaScript </a:t>
+            </a:r>
+            <a:r>
+              <a:rPr lang="en-US" sz="4000" b="1" dirty="0" smtClean="0">
+                <a:solidFill>
+                  <a:schemeClr val="bg1"/>
+                </a:solidFill>
+                <a:latin typeface="Liberation Sans Narrow"/>
+              </a:rPr>
+              <a:t>Framework</a:t>
+            </a:r>
+            <a:endParaRPr lang="en-US" sz="4000" b="1" dirty="0">
               <a:solidFill>
                 <a:schemeClr val="bg1"/>
               </a:solidFill>
-              <a:latin typeface="Liberation Sans Narrow" panose="020B0606020202030204" pitchFamily="34" charset="0"/>
+              <a:latin typeface="Liberation Sans Narrow"/>
             </a:endParaRPr>
           </a:p>
         </p:txBody>
       </p:sp>
     </p:spTree>
-    <p:extLst>
-      <p:ext uri="{BB962C8B-B14F-4D97-AF65-F5344CB8AC3E}">
-        <p14:creationId xmlns="" xmlns:p14="http://schemas.microsoft.com/office/powerpoint/2010/main" val="1730129641"/>
-      </p:ext>
-    </p:extLst>
   </p:cSld>
   <p:clrMapOvr>
     <a:masterClrMapping/>
@@ -7182,50 +7133,1243 @@
           <a:bodyPr/>
           <a:lstStyle/>
           <a:p>
-            <a:r>
-              <a:rPr lang="en-US" dirty="0" err="1" smtClean="0"/>
-              <a:t>Extjs</a:t>
-            </a:r>
-            <a:r>
-              <a:rPr lang="en-US" dirty="0" smtClean="0"/>
+            <a:endParaRPr lang="en-US" dirty="0">
+              <a:latin typeface="Liberation Sans Narrow" panose="020B0606020202030204" pitchFamily="34" charset="0"/>
+            </a:endParaRPr>
+          </a:p>
+        </p:txBody>
+      </p:sp>
+      <p:sp>
+        <p:nvSpPr>
+          <p:cNvPr id="5" name="TextBox 4"/>
+          <p:cNvSpPr txBox="1"/>
+          <p:nvPr/>
+        </p:nvSpPr>
+        <p:spPr>
+          <a:xfrm>
+            <a:off x="1366464" y="1186326"/>
+            <a:ext cx="2619910" cy="2246769"/>
+          </a:xfrm>
+          <a:prstGeom prst="rect">
+            <a:avLst/>
+          </a:prstGeom>
+          <a:noFill/>
+        </p:spPr>
+        <p:txBody>
+          <a:bodyPr wrap="square" rtlCol="0">
+            <a:spAutoFit/>
+          </a:bodyPr>
+          <a:lstStyle/>
+          <a:p>
+            <a:r>
+              <a:rPr lang="en-US" sz="3500" b="1" dirty="0" smtClean="0">
+                <a:solidFill>
+                  <a:schemeClr val="bg1"/>
+                </a:solidFill>
+                <a:latin typeface="Liberation Sans Narrow" panose="020B0606020202030204" pitchFamily="34" charset="0"/>
+              </a:rPr>
+              <a:t>2015 Ext JS Growth Statistics</a:t>
+            </a:r>
+          </a:p>
+          <a:p>
+            <a:endParaRPr lang="en-US" sz="3500" b="1" dirty="0">
+              <a:solidFill>
+                <a:schemeClr val="bg1"/>
+              </a:solidFill>
+              <a:latin typeface="Liberation Sans Narrow" panose="020B0606020202030204" pitchFamily="34" charset="0"/>
+            </a:endParaRPr>
+          </a:p>
+        </p:txBody>
+      </p:sp>
+      <p:sp>
+        <p:nvSpPr>
+          <p:cNvPr id="6" name="TextBox 5"/>
+          <p:cNvSpPr txBox="1"/>
+          <p:nvPr/>
+        </p:nvSpPr>
+        <p:spPr>
+          <a:xfrm>
+            <a:off x="4676989" y="986271"/>
+            <a:ext cx="2771775" cy="1323439"/>
+          </a:xfrm>
+          <a:prstGeom prst="rect">
+            <a:avLst/>
+          </a:prstGeom>
+          <a:noFill/>
+        </p:spPr>
+        <p:txBody>
+          <a:bodyPr wrap="square" rtlCol="0">
+            <a:spAutoFit/>
+          </a:bodyPr>
+          <a:lstStyle/>
+          <a:p>
+            <a:pPr algn="ctr"/>
+            <a:r>
+              <a:rPr lang="en-US" sz="8000" b="1" dirty="0" smtClean="0">
+                <a:solidFill>
+                  <a:schemeClr val="bg1"/>
+                </a:solidFill>
+                <a:latin typeface="Liberation Sans Narrow" panose="020B0606020202030204" pitchFamily="34" charset="0"/>
+              </a:rPr>
+              <a:t>10K</a:t>
+            </a:r>
+            <a:endParaRPr lang="en-US" sz="8000" b="1" dirty="0">
+              <a:solidFill>
+                <a:schemeClr val="bg1"/>
+              </a:solidFill>
+              <a:latin typeface="Liberation Sans Narrow" panose="020B0606020202030204" pitchFamily="34" charset="0"/>
+            </a:endParaRPr>
+          </a:p>
+        </p:txBody>
+      </p:sp>
+      <p:sp>
+        <p:nvSpPr>
+          <p:cNvPr id="7" name="TextBox 6"/>
+          <p:cNvSpPr txBox="1"/>
+          <p:nvPr/>
+        </p:nvSpPr>
+        <p:spPr>
+          <a:xfrm>
+            <a:off x="4676989" y="2207175"/>
+            <a:ext cx="2845513" cy="861774"/>
+          </a:xfrm>
+          <a:prstGeom prst="rect">
+            <a:avLst/>
+          </a:prstGeom>
+          <a:noFill/>
+        </p:spPr>
+        <p:txBody>
+          <a:bodyPr wrap="square" rtlCol="0">
+            <a:spAutoFit/>
+          </a:bodyPr>
+          <a:lstStyle/>
+          <a:p>
+            <a:pPr algn="ctr"/>
+            <a:r>
+              <a:rPr lang="en-US" sz="2500" b="1" dirty="0" smtClean="0">
+                <a:solidFill>
+                  <a:schemeClr val="bg1"/>
+                </a:solidFill>
+                <a:latin typeface="Liberation Sans Narrow" panose="020B0606020202030204" pitchFamily="34" charset="0"/>
+              </a:rPr>
+              <a:t>Customers worldwide</a:t>
+            </a:r>
+            <a:endParaRPr lang="en-US" sz="2500" b="1" dirty="0">
+              <a:solidFill>
+                <a:schemeClr val="bg1"/>
+              </a:solidFill>
+              <a:latin typeface="Liberation Sans Narrow" panose="020B0606020202030204" pitchFamily="34" charset="0"/>
+            </a:endParaRPr>
+          </a:p>
+        </p:txBody>
+      </p:sp>
+      <p:sp>
+        <p:nvSpPr>
+          <p:cNvPr id="8" name="TextBox 7"/>
+          <p:cNvSpPr txBox="1"/>
+          <p:nvPr/>
+        </p:nvSpPr>
+        <p:spPr>
+          <a:xfrm>
+            <a:off x="8081884" y="883736"/>
+            <a:ext cx="2764657" cy="1323439"/>
+          </a:xfrm>
+          <a:prstGeom prst="rect">
+            <a:avLst/>
+          </a:prstGeom>
+          <a:noFill/>
+        </p:spPr>
+        <p:txBody>
+          <a:bodyPr wrap="square" rtlCol="0">
+            <a:spAutoFit/>
+          </a:bodyPr>
+          <a:lstStyle/>
+          <a:p>
+            <a:pPr algn="ctr"/>
+            <a:r>
+              <a:rPr lang="en-US" sz="8000" b="1" dirty="0" smtClean="0">
+                <a:solidFill>
+                  <a:schemeClr val="bg1"/>
+                </a:solidFill>
+                <a:latin typeface="Liberation Sans Narrow" panose="020B0606020202030204" pitchFamily="34" charset="0"/>
+              </a:rPr>
+              <a:t>60%</a:t>
+            </a:r>
+            <a:endParaRPr lang="en-US" sz="8000" b="1" dirty="0">
+              <a:solidFill>
+                <a:schemeClr val="bg1"/>
+              </a:solidFill>
+              <a:latin typeface="Liberation Sans Narrow" panose="020B0606020202030204" pitchFamily="34" charset="0"/>
+            </a:endParaRPr>
+          </a:p>
+        </p:txBody>
+      </p:sp>
+      <p:sp>
+        <p:nvSpPr>
+          <p:cNvPr id="9" name="TextBox 8"/>
+          <p:cNvSpPr txBox="1"/>
+          <p:nvPr/>
+        </p:nvSpPr>
+        <p:spPr>
+          <a:xfrm>
+            <a:off x="8064305" y="2277403"/>
+            <a:ext cx="2845513" cy="861774"/>
+          </a:xfrm>
+          <a:prstGeom prst="rect">
+            <a:avLst/>
+          </a:prstGeom>
+          <a:noFill/>
+        </p:spPr>
+        <p:txBody>
+          <a:bodyPr wrap="square" rtlCol="0">
+            <a:spAutoFit/>
+          </a:bodyPr>
+          <a:lstStyle/>
+          <a:p>
+            <a:pPr algn="ctr"/>
+            <a:r>
+              <a:rPr lang="en-US" sz="2500" b="1" dirty="0" smtClean="0">
+                <a:solidFill>
+                  <a:schemeClr val="bg1"/>
+                </a:solidFill>
+                <a:latin typeface="Liberation Sans Narrow" panose="020B0606020202030204" pitchFamily="34" charset="0"/>
+              </a:rPr>
+              <a:t>Of fortune 100 companies</a:t>
+            </a:r>
+            <a:endParaRPr lang="en-US" sz="2500" b="1" dirty="0">
+              <a:solidFill>
+                <a:schemeClr val="bg1"/>
+              </a:solidFill>
+              <a:latin typeface="Liberation Sans Narrow" panose="020B0606020202030204" pitchFamily="34" charset="0"/>
+            </a:endParaRPr>
+          </a:p>
+        </p:txBody>
+      </p:sp>
+      <p:sp>
+        <p:nvSpPr>
+          <p:cNvPr id="10" name="TextBox 9"/>
+          <p:cNvSpPr txBox="1"/>
+          <p:nvPr/>
+        </p:nvSpPr>
+        <p:spPr>
+          <a:xfrm>
+            <a:off x="1140861" y="3736549"/>
+            <a:ext cx="2845513" cy="1323439"/>
+          </a:xfrm>
+          <a:prstGeom prst="rect">
+            <a:avLst/>
+          </a:prstGeom>
+          <a:noFill/>
+        </p:spPr>
+        <p:txBody>
+          <a:bodyPr wrap="square" rtlCol="0">
+            <a:spAutoFit/>
+          </a:bodyPr>
+          <a:lstStyle/>
+          <a:p>
+            <a:pPr algn="ctr"/>
+            <a:r>
+              <a:rPr lang="en-US" sz="8000" b="1" dirty="0" smtClean="0">
+                <a:solidFill>
+                  <a:schemeClr val="bg1"/>
+                </a:solidFill>
+                <a:latin typeface="Liberation Sans Narrow" panose="020B0606020202030204" pitchFamily="34" charset="0"/>
+              </a:rPr>
+              <a:t>2M</a:t>
+            </a:r>
+            <a:endParaRPr lang="en-US" sz="8000" b="1" dirty="0">
+              <a:solidFill>
+                <a:schemeClr val="bg1"/>
+              </a:solidFill>
+              <a:latin typeface="Liberation Sans Narrow" panose="020B0606020202030204" pitchFamily="34" charset="0"/>
+            </a:endParaRPr>
+          </a:p>
+        </p:txBody>
+      </p:sp>
+      <p:sp>
+        <p:nvSpPr>
+          <p:cNvPr id="11" name="TextBox 10"/>
+          <p:cNvSpPr txBox="1"/>
+          <p:nvPr/>
+        </p:nvSpPr>
+        <p:spPr>
+          <a:xfrm>
+            <a:off x="1140861" y="5059988"/>
+            <a:ext cx="2845513" cy="861774"/>
+          </a:xfrm>
+          <a:prstGeom prst="rect">
+            <a:avLst/>
+          </a:prstGeom>
+          <a:noFill/>
+        </p:spPr>
+        <p:txBody>
+          <a:bodyPr wrap="square" rtlCol="0">
+            <a:spAutoFit/>
+          </a:bodyPr>
+          <a:lstStyle/>
+          <a:p>
+            <a:pPr algn="ctr"/>
+            <a:r>
+              <a:rPr lang="en-US" sz="2500" b="1" dirty="0" err="1" smtClean="0">
+                <a:solidFill>
+                  <a:schemeClr val="bg1"/>
+                </a:solidFill>
+                <a:latin typeface="Liberation Sans Narrow" panose="020B0606020202030204" pitchFamily="34" charset="0"/>
+              </a:rPr>
+              <a:t>Sencha</a:t>
+            </a:r>
+            <a:r>
+              <a:rPr lang="en-US" sz="2500" b="1" dirty="0" smtClean="0">
+                <a:solidFill>
+                  <a:schemeClr val="bg1"/>
+                </a:solidFill>
+                <a:latin typeface="Liberation Sans Narrow" panose="020B0606020202030204" pitchFamily="34" charset="0"/>
+              </a:rPr>
               <a:t> </a:t>
             </a:r>
             <a:r>
-              <a:rPr lang="en-US" dirty="0" smtClean="0"/>
-              <a:t>Responsive</a:t>
-            </a:r>
-            <a:endParaRPr lang="en-US" dirty="0"/>
+              <a:rPr lang="en-US" sz="2500" b="1" dirty="0" err="1" smtClean="0">
+                <a:solidFill>
+                  <a:schemeClr val="bg1"/>
+                </a:solidFill>
+                <a:latin typeface="Liberation Sans Narrow" panose="020B0606020202030204" pitchFamily="34" charset="0"/>
+              </a:rPr>
+              <a:t>devs</a:t>
+            </a:r>
+            <a:r>
+              <a:rPr lang="en-US" sz="2500" b="1" dirty="0" smtClean="0">
+                <a:solidFill>
+                  <a:schemeClr val="bg1"/>
+                </a:solidFill>
+                <a:latin typeface="Liberation Sans Narrow" panose="020B0606020202030204" pitchFamily="34" charset="0"/>
+              </a:rPr>
+              <a:t> </a:t>
+            </a:r>
+            <a:r>
+              <a:rPr lang="en-US" sz="2500" b="1" dirty="0" err="1" smtClean="0">
+                <a:solidFill>
+                  <a:schemeClr val="bg1"/>
+                </a:solidFill>
+                <a:latin typeface="Liberation Sans Narrow" panose="020B0606020202030204" pitchFamily="34" charset="0"/>
+              </a:rPr>
+              <a:t>wordwide</a:t>
+            </a:r>
+            <a:endParaRPr lang="en-US" sz="2500" b="1" dirty="0">
+              <a:solidFill>
+                <a:schemeClr val="bg1"/>
+              </a:solidFill>
+              <a:latin typeface="Liberation Sans Narrow" panose="020B0606020202030204" pitchFamily="34" charset="0"/>
+            </a:endParaRPr>
+          </a:p>
+        </p:txBody>
+      </p:sp>
+      <p:sp>
+        <p:nvSpPr>
+          <p:cNvPr id="12" name="TextBox 11"/>
+          <p:cNvSpPr txBox="1"/>
+          <p:nvPr/>
+        </p:nvSpPr>
+        <p:spPr>
+          <a:xfrm>
+            <a:off x="4603251" y="5059988"/>
+            <a:ext cx="2845513" cy="477054"/>
+          </a:xfrm>
+          <a:prstGeom prst="rect">
+            <a:avLst/>
+          </a:prstGeom>
+          <a:noFill/>
+        </p:spPr>
+        <p:txBody>
+          <a:bodyPr wrap="square" rtlCol="0">
+            <a:spAutoFit/>
+          </a:bodyPr>
+          <a:lstStyle/>
+          <a:p>
+            <a:pPr algn="ctr"/>
+            <a:r>
+              <a:rPr lang="en-US" sz="2500" b="1" dirty="0" smtClean="0">
+                <a:solidFill>
+                  <a:schemeClr val="bg1"/>
+                </a:solidFill>
+                <a:latin typeface="Liberation Sans Narrow" panose="020B0606020202030204" pitchFamily="34" charset="0"/>
+              </a:rPr>
+              <a:t>Product download</a:t>
+            </a:r>
+            <a:endParaRPr lang="en-US" sz="2500" b="1" dirty="0">
+              <a:solidFill>
+                <a:schemeClr val="bg1"/>
+              </a:solidFill>
+              <a:latin typeface="Liberation Sans Narrow" panose="020B0606020202030204" pitchFamily="34" charset="0"/>
+            </a:endParaRPr>
+          </a:p>
+        </p:txBody>
+      </p:sp>
+      <p:sp>
+        <p:nvSpPr>
+          <p:cNvPr id="13" name="TextBox 12"/>
+          <p:cNvSpPr txBox="1"/>
+          <p:nvPr/>
+        </p:nvSpPr>
+        <p:spPr>
+          <a:xfrm>
+            <a:off x="4550168" y="3736548"/>
+            <a:ext cx="2845513" cy="1323439"/>
+          </a:xfrm>
+          <a:prstGeom prst="rect">
+            <a:avLst/>
+          </a:prstGeom>
+          <a:noFill/>
+        </p:spPr>
+        <p:txBody>
+          <a:bodyPr wrap="square" rtlCol="0">
+            <a:spAutoFit/>
+          </a:bodyPr>
+          <a:lstStyle/>
+          <a:p>
+            <a:pPr algn="ctr"/>
+            <a:r>
+              <a:rPr lang="en-US" sz="8000" b="1" dirty="0" smtClean="0">
+                <a:solidFill>
+                  <a:schemeClr val="bg1"/>
+                </a:solidFill>
+                <a:latin typeface="Liberation Sans Narrow" panose="020B0606020202030204" pitchFamily="34" charset="0"/>
+              </a:rPr>
+              <a:t>7.2M</a:t>
+            </a:r>
+            <a:endParaRPr lang="en-US" sz="8000" b="1" dirty="0">
+              <a:solidFill>
+                <a:schemeClr val="bg1"/>
+              </a:solidFill>
+              <a:latin typeface="Liberation Sans Narrow" panose="020B0606020202030204" pitchFamily="34" charset="0"/>
+            </a:endParaRPr>
+          </a:p>
+        </p:txBody>
+      </p:sp>
+      <p:sp>
+        <p:nvSpPr>
+          <p:cNvPr id="14" name="TextBox 13"/>
+          <p:cNvSpPr txBox="1"/>
+          <p:nvPr/>
+        </p:nvSpPr>
+        <p:spPr>
+          <a:xfrm>
+            <a:off x="8093629" y="3736548"/>
+            <a:ext cx="2845513" cy="1323439"/>
+          </a:xfrm>
+          <a:prstGeom prst="rect">
+            <a:avLst/>
+          </a:prstGeom>
+          <a:noFill/>
+        </p:spPr>
+        <p:txBody>
+          <a:bodyPr wrap="square" rtlCol="0">
+            <a:spAutoFit/>
+          </a:bodyPr>
+          <a:lstStyle/>
+          <a:p>
+            <a:pPr algn="ctr"/>
+            <a:r>
+              <a:rPr lang="en-US" sz="8000" b="1" dirty="0" smtClean="0">
+                <a:solidFill>
+                  <a:schemeClr val="bg1"/>
+                </a:solidFill>
+                <a:latin typeface="Liberation Sans Narrow" panose="020B0606020202030204" pitchFamily="34" charset="0"/>
+              </a:rPr>
+              <a:t>7.2M</a:t>
+            </a:r>
+            <a:endParaRPr lang="en-US" sz="8000" b="1" dirty="0">
+              <a:solidFill>
+                <a:schemeClr val="bg1"/>
+              </a:solidFill>
+              <a:latin typeface="Liberation Sans Narrow" panose="020B0606020202030204" pitchFamily="34" charset="0"/>
+            </a:endParaRPr>
+          </a:p>
+        </p:txBody>
+      </p:sp>
+      <p:sp>
+        <p:nvSpPr>
+          <p:cNvPr id="15" name="TextBox 14"/>
+          <p:cNvSpPr txBox="1"/>
+          <p:nvPr/>
+        </p:nvSpPr>
+        <p:spPr>
+          <a:xfrm>
+            <a:off x="8064304" y="5059987"/>
+            <a:ext cx="2845513" cy="861774"/>
+          </a:xfrm>
+          <a:prstGeom prst="rect">
+            <a:avLst/>
+          </a:prstGeom>
+          <a:noFill/>
+        </p:spPr>
+        <p:txBody>
+          <a:bodyPr wrap="square" rtlCol="0">
+            <a:spAutoFit/>
+          </a:bodyPr>
+          <a:lstStyle/>
+          <a:p>
+            <a:pPr algn="ctr"/>
+            <a:r>
+              <a:rPr lang="en-US" sz="2500" b="1" dirty="0" smtClean="0">
+                <a:solidFill>
+                  <a:schemeClr val="bg1"/>
+                </a:solidFill>
+                <a:latin typeface="Liberation Sans Narrow" panose="020B0606020202030204" pitchFamily="34" charset="0"/>
+              </a:rPr>
+              <a:t>Active forum members</a:t>
+            </a:r>
+            <a:endParaRPr lang="en-US" sz="2500" b="1" dirty="0">
+              <a:solidFill>
+                <a:schemeClr val="bg1"/>
+              </a:solidFill>
+              <a:latin typeface="Liberation Sans Narrow" panose="020B0606020202030204" pitchFamily="34" charset="0"/>
+            </a:endParaRPr>
           </a:p>
         </p:txBody>
       </p:sp>
       <p:pic>
         <p:nvPicPr>
-          <p:cNvPr id="5" name="Content Placeholder 4" descr="screencapture-dev-sencha-com-ext-5-1-0-examples-responsive-app-index-html-1434601205609.png"/>
+          <p:cNvPr id="3" name="Picture 2"/>
           <p:cNvPicPr>
-            <a:picLocks noGrp="1" noChangeAspect="1"/>
+            <a:picLocks noChangeAspect="1"/>
           </p:cNvPicPr>
-          <p:nvPr>
-            <p:ph idx="1"/>
-          </p:nvPr>
+          <p:nvPr/>
         </p:nvPicPr>
         <p:blipFill>
-          <a:blip r:embed="rId3"/>
+          <a:blip r:embed="rId3">
+            <a:extLst>
+              <a:ext uri="{28A0092B-C50C-407E-A947-70E740481C1C}">
+                <a14:useLocalDpi xmlns:a14="http://schemas.microsoft.com/office/drawing/2010/main" xmlns="" val="0"/>
+              </a:ext>
+            </a:extLst>
+          </a:blip>
           <a:stretch>
             <a:fillRect/>
           </a:stretch>
         </p:blipFill>
         <p:spPr>
           <a:xfrm>
-            <a:off x="4633950" y="1825625"/>
-            <a:ext cx="2924099" cy="4351338"/>
+            <a:off x="0" y="4095"/>
+            <a:ext cx="12192833" cy="6857999"/>
           </a:xfrm>
+          <a:prstGeom prst="rect">
+            <a:avLst/>
+          </a:prstGeom>
         </p:spPr>
       </p:pic>
+      <p:sp>
+        <p:nvSpPr>
+          <p:cNvPr id="17" name="TextBox 16"/>
+          <p:cNvSpPr txBox="1"/>
+          <p:nvPr/>
+        </p:nvSpPr>
+        <p:spPr>
+          <a:xfrm>
+            <a:off x="8636675" y="1295548"/>
+            <a:ext cx="2294507" cy="1938992"/>
+          </a:xfrm>
+          <a:prstGeom prst="rect">
+            <a:avLst/>
+          </a:prstGeom>
+          <a:noFill/>
+        </p:spPr>
+        <p:txBody>
+          <a:bodyPr wrap="square" rtlCol="0">
+            <a:spAutoFit/>
+          </a:bodyPr>
+          <a:lstStyle/>
+          <a:p>
+            <a:r>
+              <a:rPr lang="en-US" sz="4000" b="1" dirty="0">
+                <a:solidFill>
+                  <a:schemeClr val="bg1"/>
+                </a:solidFill>
+                <a:latin typeface="Liberation Sans Narrow" panose="020B0606020202030204" pitchFamily="34" charset="0"/>
+              </a:rPr>
+              <a:t>Other </a:t>
+            </a:r>
+            <a:r>
+              <a:rPr lang="en-US" sz="4000" b="1" dirty="0" err="1">
+                <a:solidFill>
+                  <a:schemeClr val="bg1"/>
+                </a:solidFill>
+                <a:latin typeface="Liberation Sans Narrow" panose="020B0606020202030204" pitchFamily="34" charset="0"/>
+              </a:rPr>
+              <a:t>Sencha</a:t>
+            </a:r>
+            <a:r>
+              <a:rPr lang="en-US" sz="4000" b="1" dirty="0">
+                <a:solidFill>
+                  <a:schemeClr val="bg1"/>
+                </a:solidFill>
+                <a:latin typeface="Liberation Sans Narrow" panose="020B0606020202030204" pitchFamily="34" charset="0"/>
+              </a:rPr>
+              <a:t> Products</a:t>
+            </a:r>
+          </a:p>
+        </p:txBody>
+      </p:sp>
+      <p:sp>
+        <p:nvSpPr>
+          <p:cNvPr id="18" name="TextBox 17"/>
+          <p:cNvSpPr txBox="1"/>
+          <p:nvPr/>
+        </p:nvSpPr>
+        <p:spPr>
+          <a:xfrm>
+            <a:off x="1027417" y="1443225"/>
+            <a:ext cx="2072636" cy="477054"/>
+          </a:xfrm>
+          <a:prstGeom prst="rect">
+            <a:avLst/>
+          </a:prstGeom>
+          <a:noFill/>
+        </p:spPr>
+        <p:txBody>
+          <a:bodyPr wrap="square" rtlCol="0">
+            <a:spAutoFit/>
+          </a:bodyPr>
+          <a:lstStyle/>
+          <a:p>
+            <a:pPr algn="ctr"/>
+            <a:r>
+              <a:rPr lang="en-US" sz="2500" b="1" dirty="0" err="1">
+                <a:solidFill>
+                  <a:schemeClr val="accent4">
+                    <a:lumMod val="75000"/>
+                  </a:schemeClr>
+                </a:solidFill>
+                <a:latin typeface="Liberation Sans Narrow" panose="020B0606020202030204" pitchFamily="34" charset="0"/>
+              </a:rPr>
+              <a:t>Sencha</a:t>
+            </a:r>
+            <a:r>
+              <a:rPr lang="en-US" sz="2500" b="1" dirty="0">
+                <a:solidFill>
+                  <a:schemeClr val="accent4">
+                    <a:lumMod val="75000"/>
+                  </a:schemeClr>
+                </a:solidFill>
+                <a:latin typeface="Liberation Sans Narrow" panose="020B0606020202030204" pitchFamily="34" charset="0"/>
+              </a:rPr>
+              <a:t> Touch</a:t>
+            </a:r>
+          </a:p>
+        </p:txBody>
+      </p:sp>
+      <p:sp>
+        <p:nvSpPr>
+          <p:cNvPr id="19" name="TextBox 18"/>
+          <p:cNvSpPr txBox="1"/>
+          <p:nvPr/>
+        </p:nvSpPr>
+        <p:spPr>
+          <a:xfrm>
+            <a:off x="3340487" y="1295548"/>
+            <a:ext cx="4056623" cy="769441"/>
+          </a:xfrm>
+          <a:prstGeom prst="rect">
+            <a:avLst/>
+          </a:prstGeom>
+          <a:noFill/>
+        </p:spPr>
+        <p:txBody>
+          <a:bodyPr wrap="square" rtlCol="0">
+            <a:spAutoFit/>
+          </a:bodyPr>
+          <a:lstStyle/>
+          <a:p>
+            <a:r>
+              <a:rPr lang="en-US" sz="2200" b="1" dirty="0" smtClean="0">
+                <a:solidFill>
+                  <a:schemeClr val="bg1"/>
+                </a:solidFill>
+                <a:latin typeface="Liberation Sans Narrow" panose="020B0606020202030204" pitchFamily="34" charset="0"/>
+              </a:rPr>
+              <a:t>Framework for building mobile application</a:t>
+            </a:r>
+            <a:endParaRPr lang="en-US" sz="2200" b="1" dirty="0">
+              <a:solidFill>
+                <a:schemeClr val="bg1"/>
+              </a:solidFill>
+              <a:latin typeface="Liberation Sans Narrow" panose="020B0606020202030204" pitchFamily="34" charset="0"/>
+            </a:endParaRPr>
+          </a:p>
+        </p:txBody>
+      </p:sp>
+      <p:sp>
+        <p:nvSpPr>
+          <p:cNvPr id="20" name="TextBox 19"/>
+          <p:cNvSpPr txBox="1"/>
+          <p:nvPr/>
+        </p:nvSpPr>
+        <p:spPr>
+          <a:xfrm>
+            <a:off x="1077077" y="2273720"/>
+            <a:ext cx="2072636" cy="477054"/>
+          </a:xfrm>
+          <a:prstGeom prst="rect">
+            <a:avLst/>
+          </a:prstGeom>
+          <a:noFill/>
+        </p:spPr>
+        <p:txBody>
+          <a:bodyPr wrap="square" rtlCol="0">
+            <a:spAutoFit/>
+          </a:bodyPr>
+          <a:lstStyle/>
+          <a:p>
+            <a:pPr algn="ctr"/>
+            <a:r>
+              <a:rPr lang="en-US" sz="2500" b="1" dirty="0" smtClean="0">
+                <a:solidFill>
+                  <a:schemeClr val="accent4">
+                    <a:lumMod val="75000"/>
+                  </a:schemeClr>
+                </a:solidFill>
+                <a:latin typeface="Liberation Sans Narrow" panose="020B0606020202030204" pitchFamily="34" charset="0"/>
+              </a:rPr>
+              <a:t>Sencha.io</a:t>
+            </a:r>
+            <a:endParaRPr lang="en-US" sz="2500" b="1" dirty="0">
+              <a:solidFill>
+                <a:schemeClr val="accent4">
+                  <a:lumMod val="75000"/>
+                </a:schemeClr>
+              </a:solidFill>
+              <a:latin typeface="Liberation Sans Narrow" panose="020B0606020202030204" pitchFamily="34" charset="0"/>
+            </a:endParaRPr>
+          </a:p>
+        </p:txBody>
+      </p:sp>
+      <p:sp>
+        <p:nvSpPr>
+          <p:cNvPr id="21" name="TextBox 20"/>
+          <p:cNvSpPr txBox="1"/>
+          <p:nvPr/>
+        </p:nvSpPr>
+        <p:spPr>
+          <a:xfrm>
+            <a:off x="3318402" y="2321247"/>
+            <a:ext cx="4056623" cy="430887"/>
+          </a:xfrm>
+          <a:prstGeom prst="rect">
+            <a:avLst/>
+          </a:prstGeom>
+          <a:noFill/>
+        </p:spPr>
+        <p:txBody>
+          <a:bodyPr wrap="square" rtlCol="0">
+            <a:spAutoFit/>
+          </a:bodyPr>
+          <a:lstStyle/>
+          <a:p>
+            <a:r>
+              <a:rPr lang="en-US" sz="2200" b="1" dirty="0">
+                <a:solidFill>
+                  <a:schemeClr val="bg1"/>
+                </a:solidFill>
+                <a:latin typeface="Liberation Sans Narrow" panose="020B0606020202030204" pitchFamily="34" charset="0"/>
+              </a:rPr>
+              <a:t>C</a:t>
+            </a:r>
+            <a:r>
+              <a:rPr lang="en-US" sz="2200" b="1" dirty="0" smtClean="0">
+                <a:solidFill>
+                  <a:schemeClr val="bg1"/>
+                </a:solidFill>
+                <a:latin typeface="Liberation Sans Narrow" panose="020B0606020202030204" pitchFamily="34" charset="0"/>
+              </a:rPr>
+              <a:t>loud services for mobile</a:t>
+            </a:r>
+            <a:endParaRPr lang="en-US" sz="2200" b="1" dirty="0">
+              <a:solidFill>
+                <a:schemeClr val="bg1"/>
+              </a:solidFill>
+              <a:latin typeface="Liberation Sans Narrow" panose="020B0606020202030204" pitchFamily="34" charset="0"/>
+            </a:endParaRPr>
+          </a:p>
+        </p:txBody>
+      </p:sp>
+      <p:sp>
+        <p:nvSpPr>
+          <p:cNvPr id="22" name="TextBox 21"/>
+          <p:cNvSpPr txBox="1"/>
+          <p:nvPr/>
+        </p:nvSpPr>
+        <p:spPr>
+          <a:xfrm>
+            <a:off x="1025707" y="3147019"/>
+            <a:ext cx="2072636" cy="477054"/>
+          </a:xfrm>
+          <a:prstGeom prst="rect">
+            <a:avLst/>
+          </a:prstGeom>
+          <a:noFill/>
+        </p:spPr>
+        <p:txBody>
+          <a:bodyPr wrap="square" rtlCol="0">
+            <a:spAutoFit/>
+          </a:bodyPr>
+          <a:lstStyle/>
+          <a:p>
+            <a:pPr algn="ctr"/>
+            <a:r>
+              <a:rPr lang="en-US" sz="2500" b="1" dirty="0" smtClean="0">
+                <a:solidFill>
+                  <a:schemeClr val="accent4">
+                    <a:lumMod val="75000"/>
+                  </a:schemeClr>
+                </a:solidFill>
+                <a:latin typeface="Liberation Sans Narrow" panose="020B0606020202030204" pitchFamily="34" charset="0"/>
+              </a:rPr>
+              <a:t>Ext Designer</a:t>
+            </a:r>
+            <a:endParaRPr lang="en-US" sz="2500" b="1" dirty="0">
+              <a:solidFill>
+                <a:schemeClr val="accent4">
+                  <a:lumMod val="75000"/>
+                </a:schemeClr>
+              </a:solidFill>
+              <a:latin typeface="Liberation Sans Narrow" panose="020B0606020202030204" pitchFamily="34" charset="0"/>
+            </a:endParaRPr>
+          </a:p>
+        </p:txBody>
+      </p:sp>
+      <p:sp>
+        <p:nvSpPr>
+          <p:cNvPr id="23" name="TextBox 22"/>
+          <p:cNvSpPr txBox="1"/>
+          <p:nvPr/>
+        </p:nvSpPr>
+        <p:spPr>
+          <a:xfrm>
+            <a:off x="3339045" y="3153406"/>
+            <a:ext cx="4056623" cy="430887"/>
+          </a:xfrm>
+          <a:prstGeom prst="rect">
+            <a:avLst/>
+          </a:prstGeom>
+          <a:noFill/>
+        </p:spPr>
+        <p:txBody>
+          <a:bodyPr wrap="square" rtlCol="0">
+            <a:spAutoFit/>
+          </a:bodyPr>
+          <a:lstStyle/>
+          <a:p>
+            <a:r>
+              <a:rPr lang="en-US" sz="2200" b="1" dirty="0" err="1">
+                <a:solidFill>
+                  <a:schemeClr val="bg1"/>
+                </a:solidFill>
+                <a:latin typeface="Liberation Sans Narrow" panose="020B0606020202030204" pitchFamily="34" charset="0"/>
+              </a:rPr>
+              <a:t>W</a:t>
+            </a:r>
+            <a:r>
+              <a:rPr lang="en-US" sz="2200" b="1" dirty="0" err="1" smtClean="0">
+                <a:solidFill>
+                  <a:schemeClr val="bg1"/>
+                </a:solidFill>
+                <a:latin typeface="Liberation Sans Narrow" panose="020B0606020202030204" pitchFamily="34" charset="0"/>
+              </a:rPr>
+              <a:t>ysiwig</a:t>
+            </a:r>
+            <a:r>
+              <a:rPr lang="en-US" sz="2200" b="1" dirty="0" smtClean="0">
+                <a:solidFill>
+                  <a:schemeClr val="bg1"/>
+                </a:solidFill>
+                <a:latin typeface="Liberation Sans Narrow" panose="020B0606020202030204" pitchFamily="34" charset="0"/>
+              </a:rPr>
+              <a:t> tool for </a:t>
+            </a:r>
+            <a:r>
+              <a:rPr lang="en-US" sz="2200" b="1" dirty="0" err="1" smtClean="0">
+                <a:solidFill>
+                  <a:schemeClr val="bg1"/>
+                </a:solidFill>
+                <a:latin typeface="Liberation Sans Narrow" panose="020B0606020202030204" pitchFamily="34" charset="0"/>
+              </a:rPr>
+              <a:t>ExtJS</a:t>
+            </a:r>
+            <a:endParaRPr lang="en-US" sz="2200" b="1" dirty="0">
+              <a:solidFill>
+                <a:schemeClr val="bg1"/>
+              </a:solidFill>
+              <a:latin typeface="Liberation Sans Narrow" panose="020B0606020202030204" pitchFamily="34" charset="0"/>
+            </a:endParaRPr>
+          </a:p>
+        </p:txBody>
+      </p:sp>
+      <p:sp>
+        <p:nvSpPr>
+          <p:cNvPr id="24" name="TextBox 23"/>
+          <p:cNvSpPr txBox="1"/>
+          <p:nvPr/>
+        </p:nvSpPr>
+        <p:spPr>
+          <a:xfrm>
+            <a:off x="1035981" y="4873079"/>
+            <a:ext cx="2072636" cy="477054"/>
+          </a:xfrm>
+          <a:prstGeom prst="rect">
+            <a:avLst/>
+          </a:prstGeom>
+          <a:noFill/>
+        </p:spPr>
+        <p:txBody>
+          <a:bodyPr wrap="square" rtlCol="0">
+            <a:spAutoFit/>
+          </a:bodyPr>
+          <a:lstStyle/>
+          <a:p>
+            <a:pPr algn="ctr"/>
+            <a:r>
+              <a:rPr lang="en-US" sz="2500" b="1" dirty="0" smtClean="0">
+                <a:solidFill>
+                  <a:schemeClr val="accent4">
+                    <a:lumMod val="75000"/>
+                  </a:schemeClr>
+                </a:solidFill>
+                <a:latin typeface="Liberation Sans Narrow" panose="020B0606020202030204" pitchFamily="34" charset="0"/>
+              </a:rPr>
+              <a:t>Ext GWT</a:t>
+            </a:r>
+            <a:endParaRPr lang="en-US" sz="2500" b="1" dirty="0">
+              <a:solidFill>
+                <a:schemeClr val="accent4">
+                  <a:lumMod val="75000"/>
+                </a:schemeClr>
+              </a:solidFill>
+              <a:latin typeface="Liberation Sans Narrow" panose="020B0606020202030204" pitchFamily="34" charset="0"/>
+            </a:endParaRPr>
+          </a:p>
+        </p:txBody>
+      </p:sp>
+      <p:sp>
+        <p:nvSpPr>
+          <p:cNvPr id="25" name="TextBox 24"/>
+          <p:cNvSpPr txBox="1"/>
+          <p:nvPr/>
+        </p:nvSpPr>
+        <p:spPr>
+          <a:xfrm>
+            <a:off x="3349051" y="4725402"/>
+            <a:ext cx="4056623" cy="769441"/>
+          </a:xfrm>
+          <a:prstGeom prst="rect">
+            <a:avLst/>
+          </a:prstGeom>
+          <a:noFill/>
+        </p:spPr>
+        <p:txBody>
+          <a:bodyPr wrap="square" rtlCol="0">
+            <a:spAutoFit/>
+          </a:bodyPr>
+          <a:lstStyle/>
+          <a:p>
+            <a:r>
+              <a:rPr lang="en-US" sz="2200" b="1" dirty="0" smtClean="0">
+                <a:solidFill>
+                  <a:schemeClr val="bg1"/>
+                </a:solidFill>
+                <a:latin typeface="Liberation Sans Narrow" panose="020B0606020202030204" pitchFamily="34" charset="0"/>
+              </a:rPr>
+              <a:t>Ext controls available for Google Web Toolkit</a:t>
+            </a:r>
+            <a:endParaRPr lang="en-US" sz="2200" b="1" dirty="0">
+              <a:solidFill>
+                <a:schemeClr val="bg1"/>
+              </a:solidFill>
+              <a:latin typeface="Liberation Sans Narrow" panose="020B0606020202030204" pitchFamily="34" charset="0"/>
+            </a:endParaRPr>
+          </a:p>
+        </p:txBody>
+      </p:sp>
+      <p:sp>
+        <p:nvSpPr>
+          <p:cNvPr id="26" name="TextBox 25"/>
+          <p:cNvSpPr txBox="1"/>
+          <p:nvPr/>
+        </p:nvSpPr>
+        <p:spPr>
+          <a:xfrm>
+            <a:off x="1023713" y="4011305"/>
+            <a:ext cx="2074630" cy="400110"/>
+          </a:xfrm>
+          <a:prstGeom prst="rect">
+            <a:avLst/>
+          </a:prstGeom>
+          <a:noFill/>
+        </p:spPr>
+        <p:txBody>
+          <a:bodyPr wrap="square" rtlCol="0">
+            <a:spAutoFit/>
+          </a:bodyPr>
+          <a:lstStyle/>
+          <a:p>
+            <a:pPr algn="ctr"/>
+            <a:r>
+              <a:rPr lang="en-US" sz="2000" b="1" dirty="0" err="1" smtClean="0">
+                <a:solidFill>
+                  <a:schemeClr val="accent4">
+                    <a:lumMod val="75000"/>
+                  </a:schemeClr>
+                </a:solidFill>
+                <a:latin typeface="Liberation Sans Narrow" panose="020B0606020202030204" pitchFamily="34" charset="0"/>
+              </a:rPr>
+              <a:t>Sencha</a:t>
+            </a:r>
+            <a:r>
+              <a:rPr lang="en-US" sz="2000" b="1" dirty="0" smtClean="0">
+                <a:solidFill>
+                  <a:schemeClr val="accent4">
+                    <a:lumMod val="75000"/>
+                  </a:schemeClr>
+                </a:solidFill>
+                <a:latin typeface="Liberation Sans Narrow" panose="020B0606020202030204" pitchFamily="34" charset="0"/>
+              </a:rPr>
+              <a:t> Animation</a:t>
+            </a:r>
+            <a:endParaRPr lang="en-US" sz="2000" b="1" dirty="0">
+              <a:solidFill>
+                <a:schemeClr val="accent4">
+                  <a:lumMod val="75000"/>
+                </a:schemeClr>
+              </a:solidFill>
+              <a:latin typeface="Liberation Sans Narrow" panose="020B0606020202030204" pitchFamily="34" charset="0"/>
+            </a:endParaRPr>
+          </a:p>
+        </p:txBody>
+      </p:sp>
+      <p:sp>
+        <p:nvSpPr>
+          <p:cNvPr id="27" name="TextBox 26"/>
+          <p:cNvSpPr txBox="1"/>
+          <p:nvPr/>
+        </p:nvSpPr>
+        <p:spPr>
+          <a:xfrm>
+            <a:off x="3307955" y="3893191"/>
+            <a:ext cx="4056623" cy="769441"/>
+          </a:xfrm>
+          <a:prstGeom prst="rect">
+            <a:avLst/>
+          </a:prstGeom>
+          <a:noFill/>
+        </p:spPr>
+        <p:txBody>
+          <a:bodyPr wrap="square" rtlCol="0">
+            <a:spAutoFit/>
+          </a:bodyPr>
+          <a:lstStyle/>
+          <a:p>
+            <a:r>
+              <a:rPr lang="en-US" sz="2200" b="1" dirty="0">
+                <a:solidFill>
+                  <a:schemeClr val="bg1"/>
+                </a:solidFill>
+                <a:latin typeface="Liberation Sans Narrow" panose="020B0606020202030204" pitchFamily="34" charset="0"/>
+              </a:rPr>
+              <a:t>T</a:t>
+            </a:r>
+            <a:r>
+              <a:rPr lang="en-US" sz="2200" b="1" dirty="0" smtClean="0">
+                <a:solidFill>
+                  <a:schemeClr val="bg1"/>
+                </a:solidFill>
+                <a:latin typeface="Liberation Sans Narrow" panose="020B0606020202030204" pitchFamily="34" charset="0"/>
+              </a:rPr>
+              <a:t>ool for designing CSS3 animations</a:t>
+            </a:r>
+            <a:endParaRPr lang="en-US" sz="2200" b="1" dirty="0">
+              <a:solidFill>
+                <a:schemeClr val="bg1"/>
+              </a:solidFill>
+              <a:latin typeface="Liberation Sans Narrow" panose="020B0606020202030204" pitchFamily="34" charset="0"/>
+            </a:endParaRPr>
+          </a:p>
+        </p:txBody>
+      </p:sp>
+      <p:sp>
+        <p:nvSpPr>
+          <p:cNvPr id="28" name="TextBox 27"/>
+          <p:cNvSpPr txBox="1"/>
+          <p:nvPr/>
+        </p:nvSpPr>
+        <p:spPr>
+          <a:xfrm>
+            <a:off x="8536543" y="3961759"/>
+            <a:ext cx="816249" cy="369332"/>
+          </a:xfrm>
+          <a:prstGeom prst="rect">
+            <a:avLst/>
+          </a:prstGeom>
+          <a:noFill/>
+        </p:spPr>
+        <p:txBody>
+          <a:bodyPr wrap="none" rtlCol="0">
+            <a:spAutoFit/>
+          </a:bodyPr>
+          <a:lstStyle/>
+          <a:p>
+            <a:r>
+              <a:rPr lang="en-US" b="1" dirty="0" smtClean="0">
+                <a:solidFill>
+                  <a:schemeClr val="bg1"/>
+                </a:solidFill>
+                <a:latin typeface="Liberation Sans Narrow" panose="020B0606020202030204" pitchFamily="34" charset="0"/>
+              </a:rPr>
+              <a:t>Design</a:t>
+            </a:r>
+            <a:endParaRPr lang="en-US" b="1" dirty="0">
+              <a:solidFill>
+                <a:schemeClr val="bg1"/>
+              </a:solidFill>
+              <a:latin typeface="Liberation Sans Narrow" panose="020B0606020202030204" pitchFamily="34" charset="0"/>
+            </a:endParaRPr>
+          </a:p>
+        </p:txBody>
+      </p:sp>
+      <p:sp>
+        <p:nvSpPr>
+          <p:cNvPr id="29" name="TextBox 28"/>
+          <p:cNvSpPr txBox="1"/>
+          <p:nvPr/>
+        </p:nvSpPr>
+        <p:spPr>
+          <a:xfrm>
+            <a:off x="9652881" y="4003608"/>
+            <a:ext cx="922047" cy="369332"/>
+          </a:xfrm>
+          <a:prstGeom prst="rect">
+            <a:avLst/>
+          </a:prstGeom>
+          <a:noFill/>
+        </p:spPr>
+        <p:txBody>
+          <a:bodyPr wrap="none" rtlCol="0">
+            <a:spAutoFit/>
+          </a:bodyPr>
+          <a:lstStyle/>
+          <a:p>
+            <a:r>
+              <a:rPr lang="en-US" b="1" dirty="0" smtClean="0">
+                <a:solidFill>
+                  <a:schemeClr val="bg1"/>
+                </a:solidFill>
+                <a:latin typeface="Liberation Sans Narrow" panose="020B0606020202030204" pitchFamily="34" charset="0"/>
+              </a:rPr>
+              <a:t>Develop</a:t>
+            </a:r>
+            <a:endParaRPr lang="en-US" b="1" dirty="0">
+              <a:solidFill>
+                <a:schemeClr val="bg1"/>
+              </a:solidFill>
+              <a:latin typeface="Liberation Sans Narrow" panose="020B0606020202030204" pitchFamily="34" charset="0"/>
+            </a:endParaRPr>
+          </a:p>
+        </p:txBody>
+      </p:sp>
+      <p:sp>
+        <p:nvSpPr>
+          <p:cNvPr id="30" name="TextBox 29"/>
+          <p:cNvSpPr txBox="1"/>
+          <p:nvPr/>
+        </p:nvSpPr>
+        <p:spPr>
+          <a:xfrm>
+            <a:off x="8499673" y="5074116"/>
+            <a:ext cx="889987" cy="369332"/>
+          </a:xfrm>
+          <a:prstGeom prst="rect">
+            <a:avLst/>
+          </a:prstGeom>
+          <a:noFill/>
+        </p:spPr>
+        <p:txBody>
+          <a:bodyPr wrap="none" rtlCol="0">
+            <a:spAutoFit/>
+          </a:bodyPr>
+          <a:lstStyle/>
+          <a:p>
+            <a:r>
+              <a:rPr lang="en-US" b="1" dirty="0" smtClean="0">
+                <a:solidFill>
+                  <a:schemeClr val="bg1"/>
+                </a:solidFill>
+                <a:latin typeface="Liberation Sans Narrow" panose="020B0606020202030204" pitchFamily="34" charset="0"/>
+              </a:rPr>
+              <a:t>Manage</a:t>
+            </a:r>
+            <a:endParaRPr lang="en-US" b="1" dirty="0">
+              <a:solidFill>
+                <a:schemeClr val="bg1"/>
+              </a:solidFill>
+              <a:latin typeface="Liberation Sans Narrow" panose="020B0606020202030204" pitchFamily="34" charset="0"/>
+            </a:endParaRPr>
+          </a:p>
+        </p:txBody>
+      </p:sp>
+      <p:sp>
+        <p:nvSpPr>
+          <p:cNvPr id="31" name="TextBox 30"/>
+          <p:cNvSpPr txBox="1"/>
+          <p:nvPr/>
+        </p:nvSpPr>
+        <p:spPr>
+          <a:xfrm>
+            <a:off x="9568950" y="4957234"/>
+            <a:ext cx="1285437" cy="646331"/>
+          </a:xfrm>
+          <a:prstGeom prst="rect">
+            <a:avLst/>
+          </a:prstGeom>
+          <a:noFill/>
+        </p:spPr>
+        <p:txBody>
+          <a:bodyPr wrap="square" rtlCol="0">
+            <a:spAutoFit/>
+          </a:bodyPr>
+          <a:lstStyle/>
+          <a:p>
+            <a:r>
+              <a:rPr lang="en-US" b="1" dirty="0" smtClean="0">
+                <a:solidFill>
+                  <a:schemeClr val="bg1"/>
+                </a:solidFill>
+                <a:latin typeface="Liberation Sans Narrow" panose="020B0606020202030204" pitchFamily="34" charset="0"/>
+              </a:rPr>
+              <a:t>Plugins &amp; Services</a:t>
+            </a:r>
+            <a:endParaRPr lang="en-US" b="1" dirty="0">
+              <a:solidFill>
+                <a:schemeClr val="bg1"/>
+              </a:solidFill>
+              <a:latin typeface="Liberation Sans Narrow" panose="020B0606020202030204" pitchFamily="34" charset="0"/>
+            </a:endParaRPr>
+          </a:p>
+        </p:txBody>
+      </p:sp>
     </p:spTree>
+    <p:extLst>
+      <p:ext uri="{BB962C8B-B14F-4D97-AF65-F5344CB8AC3E}">
+        <p14:creationId xmlns:p14="http://schemas.microsoft.com/office/powerpoint/2010/main" xmlns="" val="1937000914"/>
+      </p:ext>
+    </p:extLst>
   </p:cSld>
   <p:clrMapOvr>
     <a:masterClrMapping/>
   </p:clrMapOvr>
+  <p:timing>
+    <p:tnLst>
+      <p:par>
+        <p:cTn id="1" dur="indefinite" restart="never" nodeType="tmRoot"/>
+      </p:par>
+    </p:tnLst>
+  </p:timing>
 </p:sld>
 </file>
 
@@ -7261,17 +8405,13 @@
           <a:bodyPr/>
           <a:lstStyle/>
           <a:p>
-            <a:r>
-              <a:rPr lang="en-US" dirty="0" smtClean="0"/>
-              <a:t>Ext JS Themes</a:t>
-            </a:r>
-            <a:endParaRPr lang="en-US" dirty="0"/>
+            <a:endParaRPr lang="en-US"/>
           </a:p>
         </p:txBody>
       </p:sp>
       <p:pic>
         <p:nvPicPr>
-          <p:cNvPr id="6" name="Content Placeholder 5" descr="screencapture-dev-sencha-com-ext-5-1-0-examples-themes-index-html-1434601317990.png"/>
+          <p:cNvPr id="4" name="Content Placeholder 3"/>
           <p:cNvPicPr>
             <a:picLocks noGrp="1" noChangeAspect="1"/>
           </p:cNvPicPr>
@@ -7280,19 +8420,447 @@
           </p:nvPr>
         </p:nvPicPr>
         <p:blipFill>
-          <a:blip r:embed="rId3" cstate="print"/>
+          <a:blip r:embed="rId3">
+            <a:extLst>
+              <a:ext uri="{28A0092B-C50C-407E-A947-70E740481C1C}">
+                <a14:useLocalDpi xmlns:a14="http://schemas.microsoft.com/office/drawing/2010/main" xmlns="" val="0"/>
+              </a:ext>
+            </a:extLst>
+          </a:blip>
           <a:stretch>
             <a:fillRect/>
           </a:stretch>
         </p:blipFill>
         <p:spPr>
           <a:xfrm>
-            <a:off x="4326974" y="1825625"/>
-            <a:ext cx="3538052" cy="4351338"/>
+            <a:off x="0" y="0"/>
+            <a:ext cx="12192000" cy="6858000"/>
           </a:xfrm>
         </p:spPr>
       </p:pic>
+      <p:sp>
+        <p:nvSpPr>
+          <p:cNvPr id="5" name="TextBox 4"/>
+          <p:cNvSpPr txBox="1"/>
+          <p:nvPr/>
+        </p:nvSpPr>
+        <p:spPr>
+          <a:xfrm>
+            <a:off x="3234267" y="1337733"/>
+            <a:ext cx="5965095" cy="861774"/>
+          </a:xfrm>
+          <a:prstGeom prst="rect">
+            <a:avLst/>
+          </a:prstGeom>
+          <a:noFill/>
+        </p:spPr>
+        <p:txBody>
+          <a:bodyPr wrap="none" rtlCol="0">
+            <a:spAutoFit/>
+          </a:bodyPr>
+          <a:lstStyle/>
+          <a:p>
+            <a:r>
+              <a:rPr lang="en-US" sz="5000" b="1" dirty="0" smtClean="0">
+                <a:solidFill>
+                  <a:schemeClr val="bg1"/>
+                </a:solidFill>
+                <a:latin typeface="Liberation Sans Narrow" panose="020B0606020202030204" pitchFamily="34" charset="0"/>
+              </a:rPr>
+              <a:t>Support major browser</a:t>
+            </a:r>
+            <a:endParaRPr lang="en-US" sz="5000" b="1" dirty="0">
+              <a:solidFill>
+                <a:schemeClr val="bg1"/>
+              </a:solidFill>
+              <a:latin typeface="Liberation Sans Narrow" panose="020B0606020202030204" pitchFamily="34" charset="0"/>
+            </a:endParaRPr>
+          </a:p>
+        </p:txBody>
+      </p:sp>
+      <p:pic>
+        <p:nvPicPr>
+          <p:cNvPr id="6" name="Picture 5"/>
+          <p:cNvPicPr>
+            <a:picLocks noChangeAspect="1"/>
+          </p:cNvPicPr>
+          <p:nvPr/>
+        </p:nvPicPr>
+        <p:blipFill>
+          <a:blip r:embed="rId4">
+            <a:extLst>
+              <a:ext uri="{28A0092B-C50C-407E-A947-70E740481C1C}">
+                <a14:useLocalDpi xmlns:a14="http://schemas.microsoft.com/office/drawing/2010/main" xmlns="" val="0"/>
+              </a:ext>
+            </a:extLst>
+          </a:blip>
+          <a:stretch>
+            <a:fillRect/>
+          </a:stretch>
+        </p:blipFill>
+        <p:spPr>
+          <a:xfrm>
+            <a:off x="2142067" y="3461953"/>
+            <a:ext cx="922866" cy="922866"/>
+          </a:xfrm>
+          <a:prstGeom prst="rect">
+            <a:avLst/>
+          </a:prstGeom>
+        </p:spPr>
+      </p:pic>
+      <p:pic>
+        <p:nvPicPr>
+          <p:cNvPr id="7" name="Picture 6"/>
+          <p:cNvPicPr>
+            <a:picLocks noChangeAspect="1"/>
+          </p:cNvPicPr>
+          <p:nvPr/>
+        </p:nvPicPr>
+        <p:blipFill>
+          <a:blip r:embed="rId5">
+            <a:extLst>
+              <a:ext uri="{28A0092B-C50C-407E-A947-70E740481C1C}">
+                <a14:useLocalDpi xmlns:a14="http://schemas.microsoft.com/office/drawing/2010/main" xmlns="" val="0"/>
+              </a:ext>
+            </a:extLst>
+          </a:blip>
+          <a:stretch>
+            <a:fillRect/>
+          </a:stretch>
+        </p:blipFill>
+        <p:spPr>
+          <a:xfrm>
+            <a:off x="4106434" y="3556000"/>
+            <a:ext cx="770467" cy="770467"/>
+          </a:xfrm>
+          <a:prstGeom prst="rect">
+            <a:avLst/>
+          </a:prstGeom>
+        </p:spPr>
+      </p:pic>
+      <p:pic>
+        <p:nvPicPr>
+          <p:cNvPr id="8" name="Picture 7"/>
+          <p:cNvPicPr>
+            <a:picLocks noChangeAspect="1"/>
+          </p:cNvPicPr>
+          <p:nvPr/>
+        </p:nvPicPr>
+        <p:blipFill>
+          <a:blip r:embed="rId6">
+            <a:extLst>
+              <a:ext uri="{28A0092B-C50C-407E-A947-70E740481C1C}">
+                <a14:useLocalDpi xmlns:a14="http://schemas.microsoft.com/office/drawing/2010/main" xmlns="" val="0"/>
+              </a:ext>
+            </a:extLst>
+          </a:blip>
+          <a:stretch>
+            <a:fillRect/>
+          </a:stretch>
+        </p:blipFill>
+        <p:spPr>
+          <a:xfrm>
+            <a:off x="5994501" y="3496730"/>
+            <a:ext cx="804233" cy="804233"/>
+          </a:xfrm>
+          <a:prstGeom prst="rect">
+            <a:avLst/>
+          </a:prstGeom>
+        </p:spPr>
+      </p:pic>
+      <p:pic>
+        <p:nvPicPr>
+          <p:cNvPr id="9" name="Picture 8"/>
+          <p:cNvPicPr>
+            <a:picLocks noChangeAspect="1"/>
+          </p:cNvPicPr>
+          <p:nvPr/>
+        </p:nvPicPr>
+        <p:blipFill>
+          <a:blip r:embed="rId7">
+            <a:extLst>
+              <a:ext uri="{28A0092B-C50C-407E-A947-70E740481C1C}">
+                <a14:useLocalDpi xmlns:a14="http://schemas.microsoft.com/office/drawing/2010/main" xmlns="" val="0"/>
+              </a:ext>
+            </a:extLst>
+          </a:blip>
+          <a:stretch>
+            <a:fillRect/>
+          </a:stretch>
+        </p:blipFill>
+        <p:spPr>
+          <a:xfrm>
+            <a:off x="2908353" y="5113969"/>
+            <a:ext cx="749249" cy="749249"/>
+          </a:xfrm>
+          <a:prstGeom prst="rect">
+            <a:avLst/>
+          </a:prstGeom>
+        </p:spPr>
+      </p:pic>
+      <p:pic>
+        <p:nvPicPr>
+          <p:cNvPr id="10" name="Picture 9"/>
+          <p:cNvPicPr>
+            <a:picLocks noChangeAspect="1"/>
+          </p:cNvPicPr>
+          <p:nvPr/>
+        </p:nvPicPr>
+        <p:blipFill>
+          <a:blip r:embed="rId8">
+            <a:extLst>
+              <a:ext uri="{28A0092B-C50C-407E-A947-70E740481C1C}">
+                <a14:useLocalDpi xmlns:a14="http://schemas.microsoft.com/office/drawing/2010/main" xmlns="" val="0"/>
+              </a:ext>
+            </a:extLst>
+          </a:blip>
+          <a:stretch>
+            <a:fillRect/>
+          </a:stretch>
+        </p:blipFill>
+        <p:spPr>
+          <a:xfrm>
+            <a:off x="5320754" y="5122436"/>
+            <a:ext cx="749845" cy="783465"/>
+          </a:xfrm>
+          <a:prstGeom prst="rect">
+            <a:avLst/>
+          </a:prstGeom>
+        </p:spPr>
+      </p:pic>
+      <p:sp>
+        <p:nvSpPr>
+          <p:cNvPr id="13" name="TextBox 12"/>
+          <p:cNvSpPr txBox="1"/>
+          <p:nvPr/>
+        </p:nvSpPr>
+        <p:spPr>
+          <a:xfrm>
+            <a:off x="6901824" y="3614974"/>
+            <a:ext cx="543739" cy="553998"/>
+          </a:xfrm>
+          <a:prstGeom prst="rect">
+            <a:avLst/>
+          </a:prstGeom>
+          <a:noFill/>
+        </p:spPr>
+        <p:txBody>
+          <a:bodyPr wrap="none" rtlCol="0">
+            <a:spAutoFit/>
+          </a:bodyPr>
+          <a:lstStyle/>
+          <a:p>
+            <a:r>
+              <a:rPr lang="en-US" sz="3000" b="1" dirty="0" smtClean="0">
+                <a:solidFill>
+                  <a:srgbClr val="0070C0"/>
+                </a:solidFill>
+                <a:latin typeface="Liberation Sans Narrow" panose="020B0606020202030204" pitchFamily="34" charset="0"/>
+              </a:rPr>
+              <a:t>6+</a:t>
+            </a:r>
+          </a:p>
+        </p:txBody>
+      </p:sp>
+      <p:sp>
+        <p:nvSpPr>
+          <p:cNvPr id="14" name="TextBox 13"/>
+          <p:cNvSpPr txBox="1"/>
+          <p:nvPr/>
+        </p:nvSpPr>
+        <p:spPr>
+          <a:xfrm>
+            <a:off x="850852" y="5102884"/>
+            <a:ext cx="1848648" cy="861774"/>
+          </a:xfrm>
+          <a:prstGeom prst="rect">
+            <a:avLst/>
+          </a:prstGeom>
+          <a:noFill/>
+        </p:spPr>
+        <p:txBody>
+          <a:bodyPr wrap="none" rtlCol="0">
+            <a:spAutoFit/>
+          </a:bodyPr>
+          <a:lstStyle/>
+          <a:p>
+            <a:pPr algn="r"/>
+            <a:r>
+              <a:rPr lang="en-US" sz="2500" b="1" dirty="0" smtClean="0">
+                <a:solidFill>
+                  <a:schemeClr val="accent4">
+                    <a:lumMod val="75000"/>
+                  </a:schemeClr>
+                </a:solidFill>
+                <a:latin typeface="Liberation Sans Narrow" panose="020B0606020202030204" pitchFamily="34" charset="0"/>
+              </a:rPr>
+              <a:t>Chrome</a:t>
+            </a:r>
+          </a:p>
+          <a:p>
+            <a:pPr algn="r"/>
+            <a:r>
+              <a:rPr lang="en-US" sz="2500" b="1" dirty="0" smtClean="0">
+                <a:solidFill>
+                  <a:schemeClr val="accent4">
+                    <a:lumMod val="75000"/>
+                  </a:schemeClr>
+                </a:solidFill>
+                <a:latin typeface="Liberation Sans Narrow" panose="020B0606020202030204" pitchFamily="34" charset="0"/>
+              </a:rPr>
+              <a:t>Android 4.1+</a:t>
+            </a:r>
+          </a:p>
+        </p:txBody>
+      </p:sp>
+      <p:sp>
+        <p:nvSpPr>
+          <p:cNvPr id="15" name="TextBox 14"/>
+          <p:cNvSpPr txBox="1"/>
+          <p:nvPr/>
+        </p:nvSpPr>
+        <p:spPr>
+          <a:xfrm>
+            <a:off x="6248233" y="5219980"/>
+            <a:ext cx="718466" cy="553998"/>
+          </a:xfrm>
+          <a:prstGeom prst="rect">
+            <a:avLst/>
+          </a:prstGeom>
+          <a:noFill/>
+        </p:spPr>
+        <p:txBody>
+          <a:bodyPr wrap="none" rtlCol="0">
+            <a:spAutoFit/>
+          </a:bodyPr>
+          <a:lstStyle/>
+          <a:p>
+            <a:r>
+              <a:rPr lang="en-US" sz="3000" b="1" dirty="0" smtClean="0">
+                <a:solidFill>
+                  <a:srgbClr val="FF0000"/>
+                </a:solidFill>
+                <a:latin typeface="Liberation Sans Narrow" panose="020B0606020202030204" pitchFamily="34" charset="0"/>
+              </a:rPr>
+              <a:t>12+</a:t>
+            </a:r>
+          </a:p>
+        </p:txBody>
+      </p:sp>
+      <p:sp>
+        <p:nvSpPr>
+          <p:cNvPr id="16" name="TextBox 15"/>
+          <p:cNvSpPr txBox="1"/>
+          <p:nvPr/>
+        </p:nvSpPr>
+        <p:spPr>
+          <a:xfrm>
+            <a:off x="1264315" y="3525070"/>
+            <a:ext cx="806631" cy="477054"/>
+          </a:xfrm>
+          <a:prstGeom prst="rect">
+            <a:avLst/>
+          </a:prstGeom>
+          <a:noFill/>
+        </p:spPr>
+        <p:txBody>
+          <a:bodyPr wrap="none" rtlCol="0">
+            <a:spAutoFit/>
+          </a:bodyPr>
+          <a:lstStyle/>
+          <a:p>
+            <a:r>
+              <a:rPr lang="en-US" sz="2500" baseline="0" dirty="0" smtClean="0">
+                <a:solidFill>
+                  <a:srgbClr val="0070C0"/>
+                </a:solidFill>
+                <a:latin typeface="Liberation Sans Narrow" panose="020B0606020202030204" pitchFamily="34" charset="0"/>
+              </a:rPr>
+              <a:t>IE 8+</a:t>
+            </a:r>
+          </a:p>
+        </p:txBody>
+      </p:sp>
+      <p:sp>
+        <p:nvSpPr>
+          <p:cNvPr id="17" name="TextBox 16"/>
+          <p:cNvSpPr txBox="1"/>
+          <p:nvPr/>
+        </p:nvSpPr>
+        <p:spPr>
+          <a:xfrm>
+            <a:off x="225569" y="3991583"/>
+            <a:ext cx="1845377" cy="477054"/>
+          </a:xfrm>
+          <a:prstGeom prst="rect">
+            <a:avLst/>
+          </a:prstGeom>
+          <a:noFill/>
+        </p:spPr>
+        <p:txBody>
+          <a:bodyPr wrap="none" rtlCol="0">
+            <a:spAutoFit/>
+          </a:bodyPr>
+          <a:lstStyle/>
+          <a:p>
+            <a:r>
+              <a:rPr lang="en-US" sz="2500" baseline="0" dirty="0" smtClean="0">
+                <a:solidFill>
+                  <a:srgbClr val="0070C0"/>
+                </a:solidFill>
+                <a:latin typeface="Liberation Sans Narrow" panose="020B0606020202030204" pitchFamily="34" charset="0"/>
+              </a:rPr>
+              <a:t>IE 10+ / Win 8</a:t>
+            </a:r>
+          </a:p>
+        </p:txBody>
+      </p:sp>
+      <p:sp>
+        <p:nvSpPr>
+          <p:cNvPr id="19" name="TextBox 18"/>
+          <p:cNvSpPr txBox="1"/>
+          <p:nvPr/>
+        </p:nvSpPr>
+        <p:spPr>
+          <a:xfrm>
+            <a:off x="8487784" y="4230110"/>
+            <a:ext cx="2228495" cy="861774"/>
+          </a:xfrm>
+          <a:prstGeom prst="rect">
+            <a:avLst/>
+          </a:prstGeom>
+          <a:noFill/>
+        </p:spPr>
+        <p:txBody>
+          <a:bodyPr wrap="none" rtlCol="0">
+            <a:spAutoFit/>
+          </a:bodyPr>
+          <a:lstStyle/>
+          <a:p>
+            <a:r>
+              <a:rPr lang="en-US" sz="5000" b="1" dirty="0" smtClean="0">
+                <a:solidFill>
+                  <a:schemeClr val="bg1"/>
+                </a:solidFill>
+                <a:latin typeface="Liberation Sans Narrow" panose="020B0606020202030204" pitchFamily="34" charset="0"/>
+              </a:rPr>
+              <a:t>Ext JS 5</a:t>
+            </a:r>
+            <a:endParaRPr lang="en-US" sz="5000" b="1" dirty="0">
+              <a:solidFill>
+                <a:schemeClr val="bg1"/>
+              </a:solidFill>
+              <a:latin typeface="Liberation Sans Narrow" panose="020B0606020202030204" pitchFamily="34" charset="0"/>
+            </a:endParaRPr>
+          </a:p>
+        </p:txBody>
+      </p:sp>
     </p:spTree>
+    <p:extLst>
+      <p:ext uri="{BB962C8B-B14F-4D97-AF65-F5344CB8AC3E}">
+        <p14:creationId xmlns:p14="http://schemas.microsoft.com/office/powerpoint/2010/main" xmlns="" val="917766007"/>
+      </p:ext>
+    </p:extLst>
   </p:cSld>
   <p:clrMapOvr>
     <a:masterClrMapping/>
@@ -7339,13 +8907,17 @@
           <a:bodyPr/>
           <a:lstStyle/>
           <a:p>
+            <a:r>
+              <a:rPr lang="en-US" dirty="0" smtClean="0"/>
+              <a:t>Containers</a:t>
+            </a:r>
             <a:endParaRPr lang="en-US" dirty="0"/>
           </a:p>
         </p:txBody>
       </p:sp>
       <p:pic>
         <p:nvPicPr>
-          <p:cNvPr id="4" name="Content Placeholder 3"/>
+          <p:cNvPr id="4" name="Content Placeholder 3" descr="themes.jpeg"/>
           <p:cNvPicPr>
             <a:picLocks noGrp="1" noChangeAspect="1"/>
           </p:cNvPicPr>
@@ -7354,386 +8926,23 @@
           </p:nvPr>
         </p:nvPicPr>
         <p:blipFill>
-          <a:blip r:embed="rId3">
-            <a:extLst>
-              <a:ext uri="{28A0092B-C50C-407E-A947-70E740481C1C}">
-                <a14:useLocalDpi xmlns="" xmlns:a14="http://schemas.microsoft.com/office/drawing/2010/main" val="0"/>
-              </a:ext>
-            </a:extLst>
-          </a:blip>
+          <a:blip r:embed="rId3"/>
           <a:stretch>
             <a:fillRect/>
           </a:stretch>
         </p:blipFill>
         <p:spPr>
           <a:xfrm>
-            <a:off x="-10273" y="0"/>
-            <a:ext cx="12202274" cy="6858000"/>
+            <a:off x="2865131" y="1825625"/>
+            <a:ext cx="6461737" cy="4351338"/>
           </a:xfrm>
-          <a:noFill/>
         </p:spPr>
       </p:pic>
-      <p:sp>
-        <p:nvSpPr>
-          <p:cNvPr id="5" name="TextBox 4"/>
-          <p:cNvSpPr txBox="1"/>
-          <p:nvPr/>
-        </p:nvSpPr>
-        <p:spPr>
-          <a:xfrm>
-            <a:off x="1407560" y="1259801"/>
-            <a:ext cx="4793300" cy="861774"/>
-          </a:xfrm>
-          <a:prstGeom prst="rect">
-            <a:avLst/>
-          </a:prstGeom>
-          <a:noFill/>
-        </p:spPr>
-        <p:txBody>
-          <a:bodyPr wrap="none" rtlCol="0">
-            <a:spAutoFit/>
-          </a:bodyPr>
-          <a:lstStyle/>
-          <a:p>
-            <a:r>
-              <a:rPr lang="en-US" sz="5000" b="1" dirty="0" smtClean="0">
-                <a:solidFill>
-                  <a:schemeClr val="bg1"/>
-                </a:solidFill>
-                <a:latin typeface="Liberation Sans Narrow" panose="020B0606020202030204" pitchFamily="34" charset="0"/>
-              </a:rPr>
-              <a:t>How do we begin?</a:t>
-            </a:r>
-            <a:endParaRPr lang="en-US" sz="5000" b="1" dirty="0">
-              <a:solidFill>
-                <a:schemeClr val="bg1"/>
-              </a:solidFill>
-              <a:latin typeface="Liberation Sans Narrow" panose="020B0606020202030204" pitchFamily="34" charset="0"/>
-            </a:endParaRPr>
-          </a:p>
-        </p:txBody>
-      </p:sp>
-      <p:sp>
-        <p:nvSpPr>
-          <p:cNvPr id="6" name="TextBox 5"/>
-          <p:cNvSpPr txBox="1"/>
-          <p:nvPr/>
-        </p:nvSpPr>
-        <p:spPr>
-          <a:xfrm>
-            <a:off x="1604601" y="2585364"/>
-            <a:ext cx="8419293" cy="3016210"/>
-          </a:xfrm>
-          <a:prstGeom prst="rect">
-            <a:avLst/>
-          </a:prstGeom>
-          <a:noFill/>
-        </p:spPr>
-        <p:txBody>
-          <a:bodyPr wrap="square" rtlCol="0">
-            <a:spAutoFit/>
-          </a:bodyPr>
-          <a:lstStyle/>
-          <a:p>
-            <a:pPr marL="342900" indent="-342900">
-              <a:buClr>
-                <a:schemeClr val="bg1"/>
-              </a:buClr>
-              <a:buFont typeface="Wingdings 3" panose="05040102010807070707" pitchFamily="18" charset="2"/>
-              <a:buChar char=""/>
-            </a:pPr>
-            <a:r>
-              <a:rPr lang="en-US" sz="2500" dirty="0" smtClean="0">
-                <a:solidFill>
-                  <a:schemeClr val="bg1"/>
-                </a:solidFill>
-                <a:latin typeface="Liberation Sans Narrow" panose="020B0606020202030204" pitchFamily="34" charset="0"/>
-                <a:hlinkClick r:id="rId4"/>
-              </a:rPr>
-              <a:t>Download</a:t>
-            </a:r>
-            <a:r>
-              <a:rPr lang="en-US" sz="2500" dirty="0" smtClean="0">
-                <a:solidFill>
-                  <a:schemeClr val="bg1"/>
-                </a:solidFill>
-                <a:latin typeface="Liberation Sans Narrow" panose="020B0606020202030204" pitchFamily="34" charset="0"/>
-              </a:rPr>
-              <a:t> GPL version of </a:t>
-            </a:r>
-            <a:r>
-              <a:rPr lang="en-US" sz="2500" dirty="0" err="1" smtClean="0">
-                <a:solidFill>
-                  <a:schemeClr val="bg1"/>
-                </a:solidFill>
-                <a:latin typeface="Liberation Sans Narrow" panose="020B0606020202030204" pitchFamily="34" charset="0"/>
-              </a:rPr>
-              <a:t>Sencha</a:t>
-            </a:r>
-            <a:r>
-              <a:rPr lang="en-US" sz="2500" dirty="0" smtClean="0">
-                <a:solidFill>
-                  <a:schemeClr val="bg1"/>
-                </a:solidFill>
-                <a:latin typeface="Liberation Sans Narrow" panose="020B0606020202030204" pitchFamily="34" charset="0"/>
-              </a:rPr>
-              <a:t> Ext JS 5.1 library(Download and Install </a:t>
-            </a:r>
-            <a:r>
-              <a:rPr lang="en-US" sz="2500" dirty="0" err="1" smtClean="0">
-                <a:solidFill>
-                  <a:schemeClr val="bg1"/>
-                </a:solidFill>
-                <a:latin typeface="Liberation Sans Narrow" panose="020B0606020202030204" pitchFamily="34" charset="0"/>
-              </a:rPr>
-              <a:t>Sencha</a:t>
-            </a:r>
-            <a:r>
-              <a:rPr lang="en-US" sz="2500" dirty="0" smtClean="0">
-                <a:solidFill>
-                  <a:schemeClr val="bg1"/>
-                </a:solidFill>
-                <a:latin typeface="Liberation Sans Narrow" panose="020B0606020202030204" pitchFamily="34" charset="0"/>
-              </a:rPr>
-              <a:t> </a:t>
-            </a:r>
-            <a:r>
-              <a:rPr lang="en-US" sz="2500" dirty="0" err="1" smtClean="0">
-                <a:solidFill>
-                  <a:schemeClr val="bg1"/>
-                </a:solidFill>
-                <a:latin typeface="Liberation Sans Narrow" panose="020B0606020202030204" pitchFamily="34" charset="0"/>
-              </a:rPr>
-              <a:t>Cmd</a:t>
-            </a:r>
-            <a:r>
-              <a:rPr lang="en-US" sz="2500" dirty="0" smtClean="0">
-                <a:solidFill>
-                  <a:schemeClr val="bg1"/>
-                </a:solidFill>
-                <a:latin typeface="Liberation Sans Narrow" panose="020B0606020202030204" pitchFamily="34" charset="0"/>
-              </a:rPr>
-              <a:t>)</a:t>
-            </a:r>
-          </a:p>
-          <a:p>
-            <a:pPr marL="342900" indent="-342900">
-              <a:buClr>
-                <a:schemeClr val="bg1"/>
-              </a:buClr>
-              <a:buFont typeface="Wingdings 3" panose="05040102010807070707" pitchFamily="18" charset="2"/>
-              <a:buChar char=""/>
-            </a:pPr>
-            <a:r>
-              <a:rPr lang="en-US" sz="2500" dirty="0" smtClean="0">
-                <a:solidFill>
-                  <a:schemeClr val="bg1"/>
-                </a:solidFill>
-                <a:latin typeface="Liberation Sans Narrow" panose="020B0606020202030204" pitchFamily="34" charset="0"/>
-              </a:rPr>
-              <a:t>Unzip using any file compression utility</a:t>
-            </a:r>
-          </a:p>
-          <a:p>
-            <a:pPr marL="342900" indent="-342900">
-              <a:buClr>
-                <a:schemeClr val="bg1"/>
-              </a:buClr>
-              <a:buFont typeface="Wingdings 3" panose="05040102010807070707" pitchFamily="18" charset="2"/>
-              <a:buChar char=""/>
-            </a:pPr>
-            <a:r>
-              <a:rPr lang="en-US" sz="2500" dirty="0" smtClean="0">
-                <a:solidFill>
-                  <a:schemeClr val="bg1"/>
-                </a:solidFill>
-                <a:latin typeface="Liberation Sans Narrow" panose="020B0606020202030204" pitchFamily="34" charset="0"/>
-              </a:rPr>
-              <a:t>from your </a:t>
-            </a:r>
-            <a:r>
-              <a:rPr lang="en-US" sz="2500" dirty="0" err="1" smtClean="0">
-                <a:solidFill>
-                  <a:schemeClr val="bg1"/>
-                </a:solidFill>
-                <a:latin typeface="Liberation Sans Narrow" panose="020B0606020202030204" pitchFamily="34" charset="0"/>
-              </a:rPr>
-              <a:t>webserver</a:t>
-            </a:r>
-            <a:r>
-              <a:rPr lang="en-US" sz="2500" dirty="0" smtClean="0">
-                <a:solidFill>
-                  <a:schemeClr val="bg1"/>
-                </a:solidFill>
-                <a:latin typeface="Liberation Sans Narrow" panose="020B0606020202030204" pitchFamily="34" charset="0"/>
-              </a:rPr>
-              <a:t> root directory: </a:t>
-            </a:r>
-            <a:br>
-              <a:rPr lang="en-US" sz="2500" dirty="0" smtClean="0">
-                <a:solidFill>
-                  <a:schemeClr val="bg1"/>
-                </a:solidFill>
-                <a:latin typeface="Liberation Sans Narrow" panose="020B0606020202030204" pitchFamily="34" charset="0"/>
-              </a:rPr>
-            </a:br>
-            <a:r>
-              <a:rPr lang="en-US" sz="2000" dirty="0" err="1" smtClean="0">
-                <a:latin typeface="Liberation Sans Narrow"/>
-              </a:rPr>
-              <a:t>sencha</a:t>
-            </a:r>
-            <a:r>
-              <a:rPr lang="en-US" sz="2000" dirty="0" smtClean="0">
-                <a:latin typeface="Liberation Sans Narrow"/>
-              </a:rPr>
-              <a:t> -</a:t>
-            </a:r>
-            <a:r>
-              <a:rPr lang="en-US" sz="2000" dirty="0" err="1" smtClean="0">
-                <a:latin typeface="Liberation Sans Narrow"/>
-              </a:rPr>
-              <a:t>sdk</a:t>
-            </a:r>
-            <a:r>
-              <a:rPr lang="en-US" sz="2000" dirty="0" smtClean="0">
-                <a:latin typeface="Liberation Sans Narrow"/>
-              </a:rPr>
-              <a:t> /path/to/framework generate app </a:t>
-            </a:r>
-            <a:r>
-              <a:rPr lang="en-US" sz="2000" dirty="0" err="1" smtClean="0">
-                <a:latin typeface="Liberation Sans Narrow"/>
-              </a:rPr>
-              <a:t>MyApp</a:t>
-            </a:r>
-            <a:r>
-              <a:rPr lang="en-US" sz="2000" dirty="0" smtClean="0">
-                <a:latin typeface="Liberation Sans Narrow"/>
-              </a:rPr>
-              <a:t> my-app </a:t>
-            </a:r>
-            <a:r>
-              <a:rPr lang="en-US" sz="2000" dirty="0" err="1" smtClean="0">
-                <a:latin typeface="Liberation Sans Narrow"/>
-              </a:rPr>
-              <a:t>cd</a:t>
-            </a:r>
-            <a:r>
-              <a:rPr lang="en-US" sz="2000" dirty="0" smtClean="0">
-                <a:latin typeface="Liberation Sans Narrow"/>
-              </a:rPr>
-              <a:t> app </a:t>
-            </a:r>
-            <a:r>
-              <a:rPr lang="en-US" sz="2000" dirty="0" err="1" smtClean="0">
-                <a:latin typeface="Liberation Sans Narrow"/>
-              </a:rPr>
-              <a:t>sencha</a:t>
-            </a:r>
-            <a:r>
-              <a:rPr lang="en-US" sz="2000" dirty="0" smtClean="0">
-                <a:latin typeface="Liberation Sans Narrow"/>
-              </a:rPr>
-              <a:t> app watch</a:t>
-            </a:r>
-          </a:p>
-          <a:p>
-            <a:pPr marL="342900" indent="-342900">
-              <a:buClr>
-                <a:schemeClr val="bg1"/>
-              </a:buClr>
-              <a:buFont typeface="Wingdings 3" panose="05040102010807070707" pitchFamily="18" charset="2"/>
-              <a:buChar char=""/>
-            </a:pPr>
-            <a:r>
-              <a:rPr lang="en-US" sz="2500" dirty="0" smtClean="0">
-                <a:solidFill>
-                  <a:schemeClr val="bg1"/>
-                </a:solidFill>
-                <a:latin typeface="Liberation Sans Narrow" panose="020B0606020202030204" pitchFamily="34" charset="0"/>
-              </a:rPr>
-              <a:t>Now navigate to http://localhost:1841 or your native </a:t>
-            </a:r>
-            <a:r>
-              <a:rPr lang="en-US" sz="2500" dirty="0" err="1" smtClean="0">
-                <a:solidFill>
-                  <a:schemeClr val="bg1"/>
-                </a:solidFill>
-                <a:latin typeface="Liberation Sans Narrow" panose="020B0606020202030204" pitchFamily="34" charset="0"/>
-              </a:rPr>
-              <a:t>localhost</a:t>
-            </a:r>
-            <a:endParaRPr lang="en-US" sz="2500" dirty="0">
-              <a:solidFill>
-                <a:schemeClr val="bg1"/>
-              </a:solidFill>
-              <a:latin typeface="Liberation Sans Narrow" panose="020B0606020202030204" pitchFamily="34" charset="0"/>
-            </a:endParaRPr>
-          </a:p>
-        </p:txBody>
-      </p:sp>
-      <p:sp>
-        <p:nvSpPr>
-          <p:cNvPr id="7" name="TextBox 6"/>
-          <p:cNvSpPr txBox="1"/>
-          <p:nvPr/>
-        </p:nvSpPr>
-        <p:spPr>
-          <a:xfrm>
-            <a:off x="9292314" y="3867064"/>
-            <a:ext cx="1470274" cy="1785104"/>
-          </a:xfrm>
-          <a:prstGeom prst="rect">
-            <a:avLst/>
-          </a:prstGeom>
-          <a:noFill/>
-        </p:spPr>
-        <p:txBody>
-          <a:bodyPr wrap="none" rtlCol="0">
-            <a:spAutoFit/>
-          </a:bodyPr>
-          <a:lstStyle/>
-          <a:p>
-            <a:r>
-              <a:rPr lang="en-US" sz="11000" b="1" dirty="0" smtClean="0">
-                <a:solidFill>
-                  <a:srgbClr val="00B0F0"/>
-                </a:solidFill>
-                <a:latin typeface="Liberation Sans Narrow" panose="020B0606020202030204" pitchFamily="34" charset="0"/>
-                <a:ea typeface="Segoe UI" panose="020B0502040204020203" pitchFamily="34" charset="0"/>
-                <a:cs typeface="Segoe UI" panose="020B0502040204020203" pitchFamily="34" charset="0"/>
-              </a:rPr>
-              <a:t>01</a:t>
-            </a:r>
-            <a:endParaRPr lang="en-US" sz="11000" b="1" dirty="0">
-              <a:solidFill>
-                <a:srgbClr val="00B0F0"/>
-              </a:solidFill>
-              <a:latin typeface="Liberation Sans Narrow" panose="020B0606020202030204" pitchFamily="34" charset="0"/>
-              <a:ea typeface="Segoe UI" panose="020B0502040204020203" pitchFamily="34" charset="0"/>
-              <a:cs typeface="Segoe UI" panose="020B0502040204020203" pitchFamily="34" charset="0"/>
-            </a:endParaRPr>
-          </a:p>
-        </p:txBody>
-      </p:sp>
     </p:spTree>
-    <p:extLst>
-      <p:ext uri="{BB962C8B-B14F-4D97-AF65-F5344CB8AC3E}">
-        <p14:creationId xmlns="" xmlns:p14="http://schemas.microsoft.com/office/powerpoint/2010/main" val="3383725190"/>
-      </p:ext>
-    </p:extLst>
   </p:cSld>
   <p:clrMapOvr>
     <a:masterClrMapping/>
   </p:clrMapOvr>
-  <p:timing>
-    <p:tnLst>
-      <p:par>
-        <p:cTn id="1" dur="indefinite" restart="never" nodeType="tmRoot"/>
-      </p:par>
-    </p:tnLst>
-  </p:timing>
 </p:sld>
 </file>
 
@@ -7769,13 +8978,21 @@
           <a:bodyPr/>
           <a:lstStyle/>
           <a:p>
+            <a:r>
+              <a:rPr lang="en-US" dirty="0" err="1" smtClean="0"/>
+              <a:t>Extjs</a:t>
+            </a:r>
+            <a:r>
+              <a:rPr lang="en-US" dirty="0" smtClean="0"/>
+              <a:t> Web Desktop</a:t>
+            </a:r>
             <a:endParaRPr lang="en-US" dirty="0"/>
           </a:p>
         </p:txBody>
       </p:sp>
       <p:pic>
         <p:nvPicPr>
-          <p:cNvPr id="4" name="Content Placeholder 3"/>
+          <p:cNvPr id="6" name="Content Placeholder 5" descr="screencapture-dev-sencha-com-ext-5-1-0-examples-desktop-index-html-1434601068664.png"/>
           <p:cNvPicPr>
             <a:picLocks noGrp="1" noChangeAspect="1"/>
           </p:cNvPicPr>
@@ -7784,305 +9001,23 @@
           </p:nvPr>
         </p:nvPicPr>
         <p:blipFill>
-          <a:blip r:embed="rId3">
-            <a:extLst>
-              <a:ext uri="{28A0092B-C50C-407E-A947-70E740481C1C}">
-                <a14:useLocalDpi xmlns="" xmlns:a14="http://schemas.microsoft.com/office/drawing/2010/main" val="0"/>
-              </a:ext>
-            </a:extLst>
-          </a:blip>
+          <a:blip r:embed="rId3"/>
           <a:stretch>
             <a:fillRect/>
           </a:stretch>
         </p:blipFill>
         <p:spPr>
           <a:xfrm>
-            <a:off x="-10273" y="0"/>
-            <a:ext cx="12202274" cy="6858000"/>
+            <a:off x="1544753" y="1825625"/>
+            <a:ext cx="9102493" cy="4351338"/>
           </a:xfrm>
-          <a:noFill/>
         </p:spPr>
       </p:pic>
-      <p:sp>
-        <p:nvSpPr>
-          <p:cNvPr id="5" name="TextBox 4"/>
-          <p:cNvSpPr txBox="1"/>
-          <p:nvPr/>
-        </p:nvSpPr>
-        <p:spPr>
-          <a:xfrm>
-            <a:off x="1407560" y="1259801"/>
-            <a:ext cx="4458272" cy="861774"/>
-          </a:xfrm>
-          <a:prstGeom prst="rect">
-            <a:avLst/>
-          </a:prstGeom>
-          <a:noFill/>
-        </p:spPr>
-        <p:txBody>
-          <a:bodyPr wrap="none" rtlCol="0">
-            <a:spAutoFit/>
-          </a:bodyPr>
-          <a:lstStyle/>
-          <a:p>
-            <a:r>
-              <a:rPr lang="en-US" sz="5000" b="1" dirty="0" smtClean="0">
-                <a:solidFill>
-                  <a:schemeClr val="bg1"/>
-                </a:solidFill>
-                <a:latin typeface="Liberation Sans Narrow" panose="020B0606020202030204" pitchFamily="34" charset="0"/>
-              </a:rPr>
-              <a:t>API Overview </a:t>
-            </a:r>
-            <a:endParaRPr lang="en-US" sz="5000" b="1" dirty="0">
-              <a:solidFill>
-                <a:schemeClr val="bg1"/>
-              </a:solidFill>
-              <a:latin typeface="Liberation Sans Narrow" panose="020B0606020202030204" pitchFamily="34" charset="0"/>
-            </a:endParaRPr>
-          </a:p>
-        </p:txBody>
-      </p:sp>
-      <p:sp>
-        <p:nvSpPr>
-          <p:cNvPr id="6" name="TextBox 5"/>
-          <p:cNvSpPr txBox="1"/>
-          <p:nvPr/>
-        </p:nvSpPr>
-        <p:spPr>
-          <a:xfrm>
-            <a:off x="1604601" y="2585364"/>
-            <a:ext cx="8419293" cy="3170099"/>
-          </a:xfrm>
-          <a:prstGeom prst="rect">
-            <a:avLst/>
-          </a:prstGeom>
-          <a:noFill/>
-        </p:spPr>
-        <p:txBody>
-          <a:bodyPr wrap="square" rtlCol="0">
-            <a:spAutoFit/>
-          </a:bodyPr>
-          <a:lstStyle/>
-          <a:p>
-            <a:pPr marL="342900" indent="-342900">
-              <a:buClr>
-                <a:schemeClr val="bg1"/>
-              </a:buClr>
-              <a:buFont typeface="Wingdings 3" panose="05040102010807070707" pitchFamily="18" charset="2"/>
-              <a:buChar char=""/>
-            </a:pPr>
-            <a:r>
-              <a:rPr lang="en-US" sz="2500" dirty="0" smtClean="0">
-                <a:solidFill>
-                  <a:schemeClr val="bg1"/>
-                </a:solidFill>
-                <a:latin typeface="Liberation Sans Narrow" panose="020B0606020202030204" pitchFamily="34" charset="0"/>
-              </a:rPr>
-              <a:t>Support Libraries</a:t>
-            </a:r>
-          </a:p>
-          <a:p>
-            <a:pPr marL="800100" lvl="1" indent="-342900">
-              <a:buClr>
-                <a:schemeClr val="bg1"/>
-              </a:buClr>
-              <a:buFont typeface="Wingdings 3" panose="05040102010807070707" pitchFamily="18" charset="2"/>
-              <a:buChar char=""/>
-            </a:pPr>
-            <a:r>
-              <a:rPr lang="en-US" sz="2500" dirty="0" smtClean="0">
-                <a:solidFill>
-                  <a:schemeClr val="bg1"/>
-                </a:solidFill>
-                <a:latin typeface="Liberation Sans Narrow" panose="020B0606020202030204" pitchFamily="34" charset="0"/>
-              </a:rPr>
-              <a:t>DOM selection/manipulation</a:t>
-            </a:r>
-          </a:p>
-          <a:p>
-            <a:pPr marL="800100" lvl="1" indent="-342900">
-              <a:buClr>
-                <a:schemeClr val="bg1"/>
-              </a:buClr>
-              <a:buFont typeface="Wingdings 3" panose="05040102010807070707" pitchFamily="18" charset="2"/>
-              <a:buChar char=""/>
-            </a:pPr>
-            <a:r>
-              <a:rPr lang="en-US" sz="2500" dirty="0" smtClean="0">
-                <a:solidFill>
-                  <a:schemeClr val="bg1"/>
-                </a:solidFill>
-                <a:latin typeface="Liberation Sans Narrow" panose="020B0606020202030204" pitchFamily="34" charset="0"/>
-              </a:rPr>
-              <a:t>Events</a:t>
-            </a:r>
-          </a:p>
-          <a:p>
-            <a:pPr marL="800100" lvl="1" indent="-342900">
-              <a:buClr>
-                <a:schemeClr val="bg1"/>
-              </a:buClr>
-              <a:buFont typeface="Wingdings 3" panose="05040102010807070707" pitchFamily="18" charset="2"/>
-              <a:buChar char=""/>
-            </a:pPr>
-            <a:r>
-              <a:rPr lang="en-US" sz="2500" dirty="0" smtClean="0">
-                <a:solidFill>
-                  <a:schemeClr val="bg1"/>
-                </a:solidFill>
-                <a:latin typeface="Liberation Sans Narrow" panose="020B0606020202030204" pitchFamily="34" charset="0"/>
-              </a:rPr>
-              <a:t>Utilities</a:t>
-            </a:r>
-          </a:p>
-          <a:p>
-            <a:pPr marL="800100" lvl="1" indent="-342900">
-              <a:buClr>
-                <a:schemeClr val="bg1"/>
-              </a:buClr>
-              <a:buFont typeface="Wingdings 3" panose="05040102010807070707" pitchFamily="18" charset="2"/>
-              <a:buChar char=""/>
-            </a:pPr>
-            <a:r>
-              <a:rPr lang="en-US" sz="2500" dirty="0" smtClean="0">
-                <a:solidFill>
-                  <a:schemeClr val="bg1"/>
-                </a:solidFill>
-                <a:latin typeface="Liberation Sans Narrow" panose="020B0606020202030204" pitchFamily="34" charset="0"/>
-              </a:rPr>
-              <a:t>AJAX</a:t>
-            </a:r>
-            <a:endParaRPr lang="en-US" sz="2500" dirty="0" smtClean="0">
-              <a:solidFill>
-                <a:schemeClr val="bg1"/>
-              </a:solidFill>
-              <a:latin typeface="Liberation Sans Narrow" panose="020B0606020202030204" pitchFamily="34" charset="0"/>
-            </a:endParaRPr>
-          </a:p>
-          <a:p>
-            <a:pPr marL="342900" indent="-342900">
-              <a:buClr>
-                <a:schemeClr val="bg1"/>
-              </a:buClr>
-              <a:buFont typeface="Wingdings 3" panose="05040102010807070707" pitchFamily="18" charset="2"/>
-              <a:buChar char=""/>
-            </a:pPr>
-            <a:r>
-              <a:rPr lang="en-US" sz="2500" dirty="0" smtClean="0">
-                <a:solidFill>
-                  <a:schemeClr val="bg1"/>
-                </a:solidFill>
-                <a:latin typeface="Liberation Sans Narrow" panose="020B0606020202030204" pitchFamily="34" charset="0"/>
-              </a:rPr>
-              <a:t>Layouts and Containers</a:t>
-            </a:r>
-          </a:p>
-          <a:p>
-            <a:pPr marL="342900" indent="-342900">
-              <a:buClr>
-                <a:schemeClr val="bg1"/>
-              </a:buClr>
-              <a:buFont typeface="Wingdings 3" panose="05040102010807070707" pitchFamily="18" charset="2"/>
-              <a:buChar char=""/>
-            </a:pPr>
-            <a:r>
-              <a:rPr lang="en-US" sz="2500" dirty="0" smtClean="0">
-                <a:solidFill>
-                  <a:schemeClr val="bg1"/>
-                </a:solidFill>
-                <a:latin typeface="Liberation Sans Narrow" panose="020B0606020202030204" pitchFamily="34" charset="0"/>
-              </a:rPr>
-              <a:t>Forms</a:t>
-            </a:r>
-          </a:p>
-          <a:p>
-            <a:pPr marL="342900" indent="-342900">
-              <a:buClr>
-                <a:schemeClr val="bg1"/>
-              </a:buClr>
-              <a:buFont typeface="Wingdings 3" panose="05040102010807070707" pitchFamily="18" charset="2"/>
-              <a:buChar char=""/>
-            </a:pPr>
-            <a:r>
-              <a:rPr lang="en-US" sz="2500" dirty="0" smtClean="0">
-                <a:solidFill>
-                  <a:schemeClr val="bg1"/>
-                </a:solidFill>
-                <a:latin typeface="Liberation Sans Narrow" panose="020B0606020202030204" pitchFamily="34" charset="0"/>
-              </a:rPr>
-              <a:t>Data Stores</a:t>
-            </a:r>
-            <a:endParaRPr lang="en-US" sz="2500" dirty="0">
-              <a:solidFill>
-                <a:schemeClr val="bg1"/>
-              </a:solidFill>
-              <a:latin typeface="Liberation Sans Narrow" panose="020B0606020202030204" pitchFamily="34" charset="0"/>
-            </a:endParaRPr>
-          </a:p>
-        </p:txBody>
-      </p:sp>
-      <p:sp>
-        <p:nvSpPr>
-          <p:cNvPr id="7" name="TextBox 6"/>
-          <p:cNvSpPr txBox="1"/>
-          <p:nvPr/>
-        </p:nvSpPr>
-        <p:spPr>
-          <a:xfrm>
-            <a:off x="9292314" y="3867064"/>
-            <a:ext cx="1470274" cy="1785104"/>
-          </a:xfrm>
-          <a:prstGeom prst="rect">
-            <a:avLst/>
-          </a:prstGeom>
-          <a:noFill/>
-        </p:spPr>
-        <p:txBody>
-          <a:bodyPr wrap="none" rtlCol="0">
-            <a:spAutoFit/>
-          </a:bodyPr>
-          <a:lstStyle/>
-          <a:p>
-            <a:r>
-              <a:rPr lang="en-US" sz="11000" b="1" dirty="0" smtClean="0">
-                <a:solidFill>
-                  <a:srgbClr val="00B0F0"/>
-                </a:solidFill>
-                <a:latin typeface="Liberation Sans Narrow" panose="020B0606020202030204" pitchFamily="34" charset="0"/>
-                <a:ea typeface="Segoe UI" panose="020B0502040204020203" pitchFamily="34" charset="0"/>
-                <a:cs typeface="Segoe UI" panose="020B0502040204020203" pitchFamily="34" charset="0"/>
-              </a:rPr>
-              <a:t>01</a:t>
-            </a:r>
-            <a:endParaRPr lang="en-US" sz="11000" b="1" dirty="0">
-              <a:solidFill>
-                <a:srgbClr val="00B0F0"/>
-              </a:solidFill>
-              <a:latin typeface="Liberation Sans Narrow" panose="020B0606020202030204" pitchFamily="34" charset="0"/>
-              <a:ea typeface="Segoe UI" panose="020B0502040204020203" pitchFamily="34" charset="0"/>
-              <a:cs typeface="Segoe UI" panose="020B0502040204020203" pitchFamily="34" charset="0"/>
-            </a:endParaRPr>
-          </a:p>
-        </p:txBody>
-      </p:sp>
     </p:spTree>
-    <p:extLst>
-      <p:ext uri="{BB962C8B-B14F-4D97-AF65-F5344CB8AC3E}">
-        <p14:creationId xmlns="" xmlns:p14="http://schemas.microsoft.com/office/powerpoint/2010/main" val="3383725190"/>
-      </p:ext>
-    </p:extLst>
   </p:cSld>
   <p:clrMapOvr>
     <a:masterClrMapping/>
   </p:clrMapOvr>
-  <p:timing>
-    <p:tnLst>
-      <p:par>
-        <p:cTn id="1" dur="indefinite" restart="never" nodeType="tmRoot"/>
-      </p:par>
-    </p:tnLst>
-  </p:timing>
 </p:sld>
 </file>
 
@@ -8118,13 +9053,21 @@
           <a:bodyPr/>
           <a:lstStyle/>
           <a:p>
+            <a:r>
+              <a:rPr lang="en-US" dirty="0" err="1" smtClean="0"/>
+              <a:t>Extjs</a:t>
+            </a:r>
+            <a:r>
+              <a:rPr lang="en-US" dirty="0" smtClean="0"/>
+              <a:t> Responsive</a:t>
+            </a:r>
             <a:endParaRPr lang="en-US" dirty="0"/>
           </a:p>
         </p:txBody>
       </p:sp>
       <p:pic>
         <p:nvPicPr>
-          <p:cNvPr id="4" name="Content Placeholder 3"/>
+          <p:cNvPr id="5" name="Content Placeholder 4" descr="screencapture-dev-sencha-com-ext-5-1-0-examples-responsive-app-index-html-1434601205609.png"/>
           <p:cNvPicPr>
             <a:picLocks noGrp="1" noChangeAspect="1"/>
           </p:cNvPicPr>
@@ -8133,226 +9076,23 @@
           </p:nvPr>
         </p:nvPicPr>
         <p:blipFill>
-          <a:blip r:embed="rId3">
-            <a:extLst>
-              <a:ext uri="{28A0092B-C50C-407E-A947-70E740481C1C}">
-                <a14:useLocalDpi xmlns="" xmlns:a14="http://schemas.microsoft.com/office/drawing/2010/main" val="0"/>
-              </a:ext>
-            </a:extLst>
-          </a:blip>
+          <a:blip r:embed="rId3"/>
           <a:stretch>
             <a:fillRect/>
           </a:stretch>
         </p:blipFill>
         <p:spPr>
           <a:xfrm>
-            <a:off x="-10273" y="0"/>
-            <a:ext cx="12202274" cy="6858000"/>
+            <a:off x="4633950" y="1825625"/>
+            <a:ext cx="2924099" cy="4351338"/>
           </a:xfrm>
-          <a:noFill/>
         </p:spPr>
       </p:pic>
-      <p:sp>
-        <p:nvSpPr>
-          <p:cNvPr id="5" name="TextBox 4"/>
-          <p:cNvSpPr txBox="1"/>
-          <p:nvPr/>
-        </p:nvSpPr>
-        <p:spPr>
-          <a:xfrm>
-            <a:off x="1407560" y="1259801"/>
-            <a:ext cx="8797601" cy="861774"/>
-          </a:xfrm>
-          <a:prstGeom prst="rect">
-            <a:avLst/>
-          </a:prstGeom>
-          <a:noFill/>
-        </p:spPr>
-        <p:txBody>
-          <a:bodyPr wrap="none" rtlCol="0">
-            <a:spAutoFit/>
-          </a:bodyPr>
-          <a:lstStyle/>
-          <a:p>
-            <a:r>
-              <a:rPr lang="en-US" sz="5000" b="1" dirty="0" smtClean="0">
-                <a:solidFill>
-                  <a:schemeClr val="bg1"/>
-                </a:solidFill>
-                <a:latin typeface="Liberation Sans Narrow" panose="020B0606020202030204" pitchFamily="34" charset="0"/>
-              </a:rPr>
-              <a:t>Sample – DOM Manipulation</a:t>
-            </a:r>
-            <a:endParaRPr lang="en-US" sz="5000" b="1" dirty="0">
-              <a:solidFill>
-                <a:schemeClr val="bg1"/>
-              </a:solidFill>
-              <a:latin typeface="Liberation Sans Narrow" panose="020B0606020202030204" pitchFamily="34" charset="0"/>
-            </a:endParaRPr>
-          </a:p>
-        </p:txBody>
-      </p:sp>
-      <p:sp>
-        <p:nvSpPr>
-          <p:cNvPr id="6" name="TextBox 5"/>
-          <p:cNvSpPr txBox="1"/>
-          <p:nvPr/>
-        </p:nvSpPr>
-        <p:spPr>
-          <a:xfrm>
-            <a:off x="1557708" y="2585365"/>
-            <a:ext cx="8419293" cy="3108543"/>
-          </a:xfrm>
-          <a:prstGeom prst="rect">
-            <a:avLst/>
-          </a:prstGeom>
-          <a:noFill/>
-        </p:spPr>
-        <p:txBody>
-          <a:bodyPr wrap="square" rtlCol="0">
-            <a:spAutoFit/>
-          </a:bodyPr>
-          <a:lstStyle/>
-          <a:p>
-            <a:r>
-              <a:rPr lang="en-US" sz="2800" b="1" dirty="0" smtClean="0">
-                <a:solidFill>
-                  <a:schemeClr val="bg1"/>
-                </a:solidFill>
-                <a:latin typeface="Liberation Sans Narrow" panose="020B0606020202030204" pitchFamily="34" charset="0"/>
-              </a:rPr>
-              <a:t>DOM </a:t>
-            </a:r>
-            <a:r>
-              <a:rPr lang="en-US" sz="2800" b="1" dirty="0" smtClean="0">
-                <a:solidFill>
-                  <a:schemeClr val="bg1"/>
-                </a:solidFill>
-                <a:latin typeface="Liberation Sans Narrow" panose="020B0606020202030204" pitchFamily="34" charset="0"/>
-              </a:rPr>
-              <a:t>Manipulation</a:t>
-            </a:r>
-          </a:p>
-          <a:p>
-            <a:r>
-              <a:rPr lang="en-US" sz="2800" b="1" dirty="0" smtClean="0">
-                <a:solidFill>
-                  <a:schemeClr val="bg1"/>
-                </a:solidFill>
-                <a:latin typeface="Liberation Sans Narrow" panose="020B0606020202030204" pitchFamily="34" charset="0"/>
-              </a:rPr>
-              <a:t>Event</a:t>
-            </a:r>
-          </a:p>
-          <a:p>
-            <a:r>
-              <a:rPr lang="en-US" sz="2800" b="1" dirty="0" smtClean="0">
-                <a:solidFill>
-                  <a:schemeClr val="bg1"/>
-                </a:solidFill>
-                <a:latin typeface="Liberation Sans Narrow" panose="020B0606020202030204" pitchFamily="34" charset="0"/>
-              </a:rPr>
-              <a:t>AJAX</a:t>
-            </a:r>
-          </a:p>
-          <a:p>
-            <a:r>
-              <a:rPr lang="en-US" sz="2800" b="1" dirty="0" smtClean="0">
-                <a:solidFill>
-                  <a:schemeClr val="bg1"/>
-                </a:solidFill>
-                <a:latin typeface="Liberation Sans Narrow" panose="020B0606020202030204" pitchFamily="34" charset="0"/>
-              </a:rPr>
-              <a:t>Inheritance</a:t>
-            </a:r>
-          </a:p>
-          <a:p>
-            <a:endParaRPr lang="en-US" sz="2800" b="1" dirty="0" smtClean="0">
-              <a:solidFill>
-                <a:schemeClr val="bg1"/>
-              </a:solidFill>
-              <a:latin typeface="Liberation Sans Narrow" panose="020B0606020202030204" pitchFamily="34" charset="0"/>
-            </a:endParaRPr>
-          </a:p>
-          <a:p>
-            <a:endParaRPr lang="en-US" sz="2800" b="1" dirty="0" smtClean="0">
-              <a:solidFill>
-                <a:schemeClr val="bg1"/>
-              </a:solidFill>
-              <a:latin typeface="Liberation Sans Narrow" panose="020B0606020202030204" pitchFamily="34" charset="0"/>
-            </a:endParaRPr>
-          </a:p>
-          <a:p>
-            <a:endParaRPr lang="en-US" sz="2800" b="1" dirty="0">
-              <a:solidFill>
-                <a:schemeClr val="bg1"/>
-              </a:solidFill>
-              <a:latin typeface="Liberation Sans Narrow" panose="020B0606020202030204" pitchFamily="34" charset="0"/>
-            </a:endParaRPr>
-          </a:p>
-        </p:txBody>
-      </p:sp>
-      <p:sp>
-        <p:nvSpPr>
-          <p:cNvPr id="7" name="TextBox 6"/>
-          <p:cNvSpPr txBox="1"/>
-          <p:nvPr/>
-        </p:nvSpPr>
-        <p:spPr>
-          <a:xfrm>
-            <a:off x="9292314" y="3867064"/>
-            <a:ext cx="1470274" cy="1785104"/>
-          </a:xfrm>
-          <a:prstGeom prst="rect">
-            <a:avLst/>
-          </a:prstGeom>
-          <a:noFill/>
-        </p:spPr>
-        <p:txBody>
-          <a:bodyPr wrap="none" rtlCol="0">
-            <a:spAutoFit/>
-          </a:bodyPr>
-          <a:lstStyle/>
-          <a:p>
-            <a:r>
-              <a:rPr lang="en-US" sz="11000" b="1" dirty="0" smtClean="0">
-                <a:solidFill>
-                  <a:srgbClr val="00B0F0"/>
-                </a:solidFill>
-                <a:latin typeface="Liberation Sans Narrow" panose="020B0606020202030204" pitchFamily="34" charset="0"/>
-                <a:ea typeface="Segoe UI" panose="020B0502040204020203" pitchFamily="34" charset="0"/>
-                <a:cs typeface="Segoe UI" panose="020B0502040204020203" pitchFamily="34" charset="0"/>
-              </a:rPr>
-              <a:t>01</a:t>
-            </a:r>
-            <a:endParaRPr lang="en-US" sz="11000" b="1" dirty="0">
-              <a:solidFill>
-                <a:srgbClr val="00B0F0"/>
-              </a:solidFill>
-              <a:latin typeface="Liberation Sans Narrow" panose="020B0606020202030204" pitchFamily="34" charset="0"/>
-              <a:ea typeface="Segoe UI" panose="020B0502040204020203" pitchFamily="34" charset="0"/>
-              <a:cs typeface="Segoe UI" panose="020B0502040204020203" pitchFamily="34" charset="0"/>
-            </a:endParaRPr>
-          </a:p>
-        </p:txBody>
-      </p:sp>
     </p:spTree>
-    <p:extLst>
-      <p:ext uri="{BB962C8B-B14F-4D97-AF65-F5344CB8AC3E}">
-        <p14:creationId xmlns="" xmlns:p14="http://schemas.microsoft.com/office/powerpoint/2010/main" val="3383725190"/>
-      </p:ext>
-    </p:extLst>
   </p:cSld>
   <p:clrMapOvr>
     <a:masterClrMapping/>
   </p:clrMapOvr>
-  <p:timing>
-    <p:tnLst>
-      <p:par>
-        <p:cTn id="1" dur="indefinite" restart="never" nodeType="tmRoot"/>
-      </p:par>
-    </p:tnLst>
-  </p:timing>
 </p:sld>
 </file>
 
@@ -8388,6 +9128,84 @@
           <a:bodyPr/>
           <a:lstStyle/>
           <a:p>
+            <a:r>
+              <a:rPr lang="en-US" dirty="0" smtClean="0"/>
+              <a:t>Ext JS Themes</a:t>
+            </a:r>
+            <a:endParaRPr lang="en-US" dirty="0"/>
+          </a:p>
+        </p:txBody>
+      </p:sp>
+      <p:pic>
+        <p:nvPicPr>
+          <p:cNvPr id="6" name="Content Placeholder 5" descr="screencapture-dev-sencha-com-ext-5-1-0-examples-themes-index-html-1434601317990.png"/>
+          <p:cNvPicPr>
+            <a:picLocks noGrp="1" noChangeAspect="1"/>
+          </p:cNvPicPr>
+          <p:nvPr>
+            <p:ph idx="1"/>
+          </p:nvPr>
+        </p:nvPicPr>
+        <p:blipFill>
+          <a:blip r:embed="rId3" cstate="print"/>
+          <a:stretch>
+            <a:fillRect/>
+          </a:stretch>
+        </p:blipFill>
+        <p:spPr>
+          <a:xfrm>
+            <a:off x="4326974" y="1825625"/>
+            <a:ext cx="3538052" cy="4351338"/>
+          </a:xfrm>
+        </p:spPr>
+      </p:pic>
+    </p:spTree>
+  </p:cSld>
+  <p:clrMapOvr>
+    <a:masterClrMapping/>
+  </p:clrMapOvr>
+  <p:timing>
+    <p:tnLst>
+      <p:par>
+        <p:cTn id="1" dur="indefinite" restart="never" nodeType="tmRoot"/>
+      </p:par>
+    </p:tnLst>
+  </p:timing>
+</p:sld>
+</file>
+
+<file path=ppt/slides/slide16.xml><?xml version="1.0" encoding="utf-8"?>
+<p:sld xmlns:a="http://schemas.openxmlformats.org/drawingml/2006/main" xmlns:r="http://schemas.openxmlformats.org/officeDocument/2006/relationships" xmlns:p="http://schemas.openxmlformats.org/presentationml/2006/main">
+  <p:cSld>
+    <p:spTree>
+      <p:nvGrpSpPr>
+        <p:cNvPr id="1" name=""/>
+        <p:cNvGrpSpPr/>
+        <p:nvPr/>
+      </p:nvGrpSpPr>
+      <p:grpSpPr>
+        <a:xfrm>
+          <a:off x="0" y="0"/>
+          <a:ext cx="0" cy="0"/>
+          <a:chOff x="0" y="0"/>
+          <a:chExt cx="0" cy="0"/>
+        </a:xfrm>
+      </p:grpSpPr>
+      <p:sp>
+        <p:nvSpPr>
+          <p:cNvPr id="2" name="Title 1"/>
+          <p:cNvSpPr>
+            <a:spLocks noGrp="1"/>
+          </p:cNvSpPr>
+          <p:nvPr>
+            <p:ph type="title"/>
+          </p:nvPr>
+        </p:nvSpPr>
+        <p:spPr/>
+        <p:txBody>
+          <a:bodyPr/>
+          <a:lstStyle/>
+          <a:p>
             <a:endParaRPr lang="en-US" dirty="0"/>
           </a:p>
         </p:txBody>
@@ -8406,7 +9224,7 @@
           <a:blip r:embed="rId3">
             <a:extLst>
               <a:ext uri="{28A0092B-C50C-407E-A947-70E740481C1C}">
-                <a14:useLocalDpi xmlns="" xmlns:a14="http://schemas.microsoft.com/office/drawing/2010/main" val="0"/>
+                <a14:useLocalDpi xmlns:a14="http://schemas.microsoft.com/office/drawing/2010/main" xmlns="" val="0"/>
               </a:ext>
             </a:extLst>
           </a:blip>
@@ -8431,6 +9249,1040 @@
         <p:spPr>
           <a:xfrm>
             <a:off x="1407560" y="1259801"/>
+            <a:ext cx="4793300" cy="861774"/>
+          </a:xfrm>
+          <a:prstGeom prst="rect">
+            <a:avLst/>
+          </a:prstGeom>
+          <a:noFill/>
+        </p:spPr>
+        <p:txBody>
+          <a:bodyPr wrap="none" rtlCol="0">
+            <a:spAutoFit/>
+          </a:bodyPr>
+          <a:lstStyle/>
+          <a:p>
+            <a:r>
+              <a:rPr lang="en-US" sz="5000" b="1" dirty="0" smtClean="0">
+                <a:solidFill>
+                  <a:schemeClr val="bg1"/>
+                </a:solidFill>
+                <a:latin typeface="Liberation Sans Narrow" panose="020B0606020202030204" pitchFamily="34" charset="0"/>
+              </a:rPr>
+              <a:t>How do we begin?</a:t>
+            </a:r>
+            <a:endParaRPr lang="en-US" sz="5000" b="1" dirty="0">
+              <a:solidFill>
+                <a:schemeClr val="bg1"/>
+              </a:solidFill>
+              <a:latin typeface="Liberation Sans Narrow" panose="020B0606020202030204" pitchFamily="34" charset="0"/>
+            </a:endParaRPr>
+          </a:p>
+        </p:txBody>
+      </p:sp>
+      <p:sp>
+        <p:nvSpPr>
+          <p:cNvPr id="6" name="TextBox 5"/>
+          <p:cNvSpPr txBox="1"/>
+          <p:nvPr/>
+        </p:nvSpPr>
+        <p:spPr>
+          <a:xfrm>
+            <a:off x="1604601" y="2585364"/>
+            <a:ext cx="8419293" cy="3016210"/>
+          </a:xfrm>
+          <a:prstGeom prst="rect">
+            <a:avLst/>
+          </a:prstGeom>
+          <a:noFill/>
+        </p:spPr>
+        <p:txBody>
+          <a:bodyPr wrap="square" rtlCol="0">
+            <a:spAutoFit/>
+          </a:bodyPr>
+          <a:lstStyle/>
+          <a:p>
+            <a:pPr marL="342900" indent="-342900">
+              <a:buClr>
+                <a:schemeClr val="bg1"/>
+              </a:buClr>
+              <a:buFont typeface="Wingdings 3" panose="05040102010807070707" pitchFamily="18" charset="2"/>
+              <a:buChar char=""/>
+            </a:pPr>
+            <a:r>
+              <a:rPr lang="en-US" sz="2500" dirty="0" smtClean="0">
+                <a:solidFill>
+                  <a:schemeClr val="bg1"/>
+                </a:solidFill>
+                <a:latin typeface="Liberation Sans Narrow" panose="020B0606020202030204" pitchFamily="34" charset="0"/>
+                <a:hlinkClick r:id="rId4"/>
+              </a:rPr>
+              <a:t>Download</a:t>
+            </a:r>
+            <a:r>
+              <a:rPr lang="en-US" sz="2500" dirty="0" smtClean="0">
+                <a:solidFill>
+                  <a:schemeClr val="bg1"/>
+                </a:solidFill>
+                <a:latin typeface="Liberation Sans Narrow" panose="020B0606020202030204" pitchFamily="34" charset="0"/>
+              </a:rPr>
+              <a:t> GPL version of </a:t>
+            </a:r>
+            <a:r>
+              <a:rPr lang="en-US" sz="2500" dirty="0" err="1" smtClean="0">
+                <a:solidFill>
+                  <a:schemeClr val="bg1"/>
+                </a:solidFill>
+                <a:latin typeface="Liberation Sans Narrow" panose="020B0606020202030204" pitchFamily="34" charset="0"/>
+              </a:rPr>
+              <a:t>Sencha</a:t>
+            </a:r>
+            <a:r>
+              <a:rPr lang="en-US" sz="2500" dirty="0" smtClean="0">
+                <a:solidFill>
+                  <a:schemeClr val="bg1"/>
+                </a:solidFill>
+                <a:latin typeface="Liberation Sans Narrow" panose="020B0606020202030204" pitchFamily="34" charset="0"/>
+              </a:rPr>
+              <a:t> Ext JS 5.1 library(Download and Install </a:t>
+            </a:r>
+            <a:r>
+              <a:rPr lang="en-US" sz="2500" dirty="0" err="1" smtClean="0">
+                <a:solidFill>
+                  <a:schemeClr val="bg1"/>
+                </a:solidFill>
+                <a:latin typeface="Liberation Sans Narrow" panose="020B0606020202030204" pitchFamily="34" charset="0"/>
+              </a:rPr>
+              <a:t>Sencha</a:t>
+            </a:r>
+            <a:r>
+              <a:rPr lang="en-US" sz="2500" dirty="0" smtClean="0">
+                <a:solidFill>
+                  <a:schemeClr val="bg1"/>
+                </a:solidFill>
+                <a:latin typeface="Liberation Sans Narrow" panose="020B0606020202030204" pitchFamily="34" charset="0"/>
+              </a:rPr>
+              <a:t> </a:t>
+            </a:r>
+            <a:r>
+              <a:rPr lang="en-US" sz="2500" dirty="0" err="1" smtClean="0">
+                <a:solidFill>
+                  <a:schemeClr val="bg1"/>
+                </a:solidFill>
+                <a:latin typeface="Liberation Sans Narrow" panose="020B0606020202030204" pitchFamily="34" charset="0"/>
+              </a:rPr>
+              <a:t>Cmd</a:t>
+            </a:r>
+            <a:r>
+              <a:rPr lang="en-US" sz="2500" dirty="0" smtClean="0">
+                <a:solidFill>
+                  <a:schemeClr val="bg1"/>
+                </a:solidFill>
+                <a:latin typeface="Liberation Sans Narrow" panose="020B0606020202030204" pitchFamily="34" charset="0"/>
+              </a:rPr>
+              <a:t>)</a:t>
+            </a:r>
+          </a:p>
+          <a:p>
+            <a:pPr marL="342900" indent="-342900">
+              <a:buClr>
+                <a:schemeClr val="bg1"/>
+              </a:buClr>
+              <a:buFont typeface="Wingdings 3" panose="05040102010807070707" pitchFamily="18" charset="2"/>
+              <a:buChar char=""/>
+            </a:pPr>
+            <a:r>
+              <a:rPr lang="en-US" sz="2500" dirty="0" smtClean="0">
+                <a:solidFill>
+                  <a:schemeClr val="bg1"/>
+                </a:solidFill>
+                <a:latin typeface="Liberation Sans Narrow" panose="020B0606020202030204" pitchFamily="34" charset="0"/>
+              </a:rPr>
+              <a:t>Unzip using any file compression utility</a:t>
+            </a:r>
+          </a:p>
+          <a:p>
+            <a:pPr marL="342900" indent="-342900">
+              <a:buClr>
+                <a:schemeClr val="bg1"/>
+              </a:buClr>
+              <a:buFont typeface="Wingdings 3" panose="05040102010807070707" pitchFamily="18" charset="2"/>
+              <a:buChar char=""/>
+            </a:pPr>
+            <a:r>
+              <a:rPr lang="en-US" sz="2500" dirty="0" smtClean="0">
+                <a:solidFill>
+                  <a:schemeClr val="bg1"/>
+                </a:solidFill>
+                <a:latin typeface="Liberation Sans Narrow" panose="020B0606020202030204" pitchFamily="34" charset="0"/>
+              </a:rPr>
+              <a:t>from your </a:t>
+            </a:r>
+            <a:r>
+              <a:rPr lang="en-US" sz="2500" dirty="0" err="1" smtClean="0">
+                <a:solidFill>
+                  <a:schemeClr val="bg1"/>
+                </a:solidFill>
+                <a:latin typeface="Liberation Sans Narrow" panose="020B0606020202030204" pitchFamily="34" charset="0"/>
+              </a:rPr>
+              <a:t>webserver</a:t>
+            </a:r>
+            <a:r>
+              <a:rPr lang="en-US" sz="2500" dirty="0" smtClean="0">
+                <a:solidFill>
+                  <a:schemeClr val="bg1"/>
+                </a:solidFill>
+                <a:latin typeface="Liberation Sans Narrow" panose="020B0606020202030204" pitchFamily="34" charset="0"/>
+              </a:rPr>
+              <a:t> root directory: </a:t>
+            </a:r>
+            <a:br>
+              <a:rPr lang="en-US" sz="2500" dirty="0" smtClean="0">
+                <a:solidFill>
+                  <a:schemeClr val="bg1"/>
+                </a:solidFill>
+                <a:latin typeface="Liberation Sans Narrow" panose="020B0606020202030204" pitchFamily="34" charset="0"/>
+              </a:rPr>
+            </a:br>
+            <a:r>
+              <a:rPr lang="en-US" sz="2000" dirty="0" err="1" smtClean="0">
+                <a:latin typeface="Liberation Sans Narrow"/>
+              </a:rPr>
+              <a:t>sencha</a:t>
+            </a:r>
+            <a:r>
+              <a:rPr lang="en-US" sz="2000" dirty="0" smtClean="0">
+                <a:latin typeface="Liberation Sans Narrow"/>
+              </a:rPr>
+              <a:t> -</a:t>
+            </a:r>
+            <a:r>
+              <a:rPr lang="en-US" sz="2000" dirty="0" err="1" smtClean="0">
+                <a:latin typeface="Liberation Sans Narrow"/>
+              </a:rPr>
+              <a:t>sdk</a:t>
+            </a:r>
+            <a:r>
+              <a:rPr lang="en-US" sz="2000" dirty="0" smtClean="0">
+                <a:latin typeface="Liberation Sans Narrow"/>
+              </a:rPr>
+              <a:t> /path/to/framework generate app </a:t>
+            </a:r>
+            <a:r>
+              <a:rPr lang="en-US" sz="2000" dirty="0" err="1" smtClean="0">
+                <a:latin typeface="Liberation Sans Narrow"/>
+              </a:rPr>
+              <a:t>MyApp</a:t>
+            </a:r>
+            <a:r>
+              <a:rPr lang="en-US" sz="2000" dirty="0" smtClean="0">
+                <a:latin typeface="Liberation Sans Narrow"/>
+              </a:rPr>
+              <a:t> my-app </a:t>
+            </a:r>
+            <a:r>
+              <a:rPr lang="en-US" sz="2000" dirty="0" err="1" smtClean="0">
+                <a:latin typeface="Liberation Sans Narrow"/>
+              </a:rPr>
+              <a:t>cd</a:t>
+            </a:r>
+            <a:r>
+              <a:rPr lang="en-US" sz="2000" dirty="0" smtClean="0">
+                <a:latin typeface="Liberation Sans Narrow"/>
+              </a:rPr>
+              <a:t> app </a:t>
+            </a:r>
+            <a:r>
+              <a:rPr lang="en-US" sz="2000" dirty="0" err="1" smtClean="0">
+                <a:latin typeface="Liberation Sans Narrow"/>
+              </a:rPr>
+              <a:t>sencha</a:t>
+            </a:r>
+            <a:r>
+              <a:rPr lang="en-US" sz="2000" dirty="0" smtClean="0">
+                <a:latin typeface="Liberation Sans Narrow"/>
+              </a:rPr>
+              <a:t> app watch</a:t>
+            </a:r>
+          </a:p>
+          <a:p>
+            <a:pPr marL="342900" indent="-342900">
+              <a:buClr>
+                <a:schemeClr val="bg1"/>
+              </a:buClr>
+              <a:buFont typeface="Wingdings 3" panose="05040102010807070707" pitchFamily="18" charset="2"/>
+              <a:buChar char=""/>
+            </a:pPr>
+            <a:r>
+              <a:rPr lang="en-US" sz="2500" dirty="0" smtClean="0">
+                <a:solidFill>
+                  <a:schemeClr val="bg1"/>
+                </a:solidFill>
+                <a:latin typeface="Liberation Sans Narrow" panose="020B0606020202030204" pitchFamily="34" charset="0"/>
+              </a:rPr>
+              <a:t>Now navigate to http://localhost:1841 or your native </a:t>
+            </a:r>
+            <a:r>
+              <a:rPr lang="en-US" sz="2500" dirty="0" err="1" smtClean="0">
+                <a:solidFill>
+                  <a:schemeClr val="bg1"/>
+                </a:solidFill>
+                <a:latin typeface="Liberation Sans Narrow" panose="020B0606020202030204" pitchFamily="34" charset="0"/>
+              </a:rPr>
+              <a:t>localhost</a:t>
+            </a:r>
+            <a:endParaRPr lang="en-US" sz="2500" dirty="0">
+              <a:solidFill>
+                <a:schemeClr val="bg1"/>
+              </a:solidFill>
+              <a:latin typeface="Liberation Sans Narrow" panose="020B0606020202030204" pitchFamily="34" charset="0"/>
+            </a:endParaRPr>
+          </a:p>
+        </p:txBody>
+      </p:sp>
+      <p:sp>
+        <p:nvSpPr>
+          <p:cNvPr id="7" name="TextBox 6"/>
+          <p:cNvSpPr txBox="1"/>
+          <p:nvPr/>
+        </p:nvSpPr>
+        <p:spPr>
+          <a:xfrm>
+            <a:off x="9292314" y="3867064"/>
+            <a:ext cx="1470274" cy="1785104"/>
+          </a:xfrm>
+          <a:prstGeom prst="rect">
+            <a:avLst/>
+          </a:prstGeom>
+          <a:noFill/>
+        </p:spPr>
+        <p:txBody>
+          <a:bodyPr wrap="none" rtlCol="0">
+            <a:spAutoFit/>
+          </a:bodyPr>
+          <a:lstStyle/>
+          <a:p>
+            <a:r>
+              <a:rPr lang="en-US" sz="11000" b="1" dirty="0" smtClean="0">
+                <a:solidFill>
+                  <a:srgbClr val="00B0F0"/>
+                </a:solidFill>
+                <a:latin typeface="Liberation Sans Narrow" panose="020B0606020202030204" pitchFamily="34" charset="0"/>
+                <a:ea typeface="Segoe UI" panose="020B0502040204020203" pitchFamily="34" charset="0"/>
+                <a:cs typeface="Segoe UI" panose="020B0502040204020203" pitchFamily="34" charset="0"/>
+              </a:rPr>
+              <a:t>01</a:t>
+            </a:r>
+            <a:endParaRPr lang="en-US" sz="11000" b="1" dirty="0">
+              <a:solidFill>
+                <a:srgbClr val="00B0F0"/>
+              </a:solidFill>
+              <a:latin typeface="Liberation Sans Narrow" panose="020B0606020202030204" pitchFamily="34" charset="0"/>
+              <a:ea typeface="Segoe UI" panose="020B0502040204020203" pitchFamily="34" charset="0"/>
+              <a:cs typeface="Segoe UI" panose="020B0502040204020203" pitchFamily="34" charset="0"/>
+            </a:endParaRPr>
+          </a:p>
+        </p:txBody>
+      </p:sp>
+    </p:spTree>
+    <p:extLst>
+      <p:ext uri="{BB962C8B-B14F-4D97-AF65-F5344CB8AC3E}">
+        <p14:creationId xmlns:p14="http://schemas.microsoft.com/office/powerpoint/2010/main" xmlns="" val="3383725190"/>
+      </p:ext>
+    </p:extLst>
+  </p:cSld>
+  <p:clrMapOvr>
+    <a:masterClrMapping/>
+  </p:clrMapOvr>
+  <p:timing>
+    <p:tnLst>
+      <p:par>
+        <p:cTn id="1" dur="indefinite" restart="never" nodeType="tmRoot"/>
+      </p:par>
+    </p:tnLst>
+  </p:timing>
+</p:sld>
+</file>
+
+<file path=ppt/slides/slide17.xml><?xml version="1.0" encoding="utf-8"?>
+<p:sld xmlns:a="http://schemas.openxmlformats.org/drawingml/2006/main" xmlns:r="http://schemas.openxmlformats.org/officeDocument/2006/relationships" xmlns:p="http://schemas.openxmlformats.org/presentationml/2006/main">
+  <p:cSld>
+    <p:spTree>
+      <p:nvGrpSpPr>
+        <p:cNvPr id="1" name=""/>
+        <p:cNvGrpSpPr/>
+        <p:nvPr/>
+      </p:nvGrpSpPr>
+      <p:grpSpPr>
+        <a:xfrm>
+          <a:off x="0" y="0"/>
+          <a:ext cx="0" cy="0"/>
+          <a:chOff x="0" y="0"/>
+          <a:chExt cx="0" cy="0"/>
+        </a:xfrm>
+      </p:grpSpPr>
+      <p:sp>
+        <p:nvSpPr>
+          <p:cNvPr id="2" name="Title 1"/>
+          <p:cNvSpPr>
+            <a:spLocks noGrp="1"/>
+          </p:cNvSpPr>
+          <p:nvPr>
+            <p:ph type="title"/>
+          </p:nvPr>
+        </p:nvSpPr>
+        <p:spPr/>
+        <p:txBody>
+          <a:bodyPr/>
+          <a:lstStyle/>
+          <a:p>
+            <a:endParaRPr lang="en-US" dirty="0"/>
+          </a:p>
+        </p:txBody>
+      </p:sp>
+      <p:pic>
+        <p:nvPicPr>
+          <p:cNvPr id="4" name="Content Placeholder 3"/>
+          <p:cNvPicPr>
+            <a:picLocks noGrp="1" noChangeAspect="1"/>
+          </p:cNvPicPr>
+          <p:nvPr>
+            <p:ph idx="1"/>
+          </p:nvPr>
+        </p:nvPicPr>
+        <p:blipFill>
+          <a:blip r:embed="rId3">
+            <a:extLst>
+              <a:ext uri="{28A0092B-C50C-407E-A947-70E740481C1C}">
+                <a14:useLocalDpi xmlns:a14="http://schemas.microsoft.com/office/drawing/2010/main" xmlns="" val="0"/>
+              </a:ext>
+            </a:extLst>
+          </a:blip>
+          <a:stretch>
+            <a:fillRect/>
+          </a:stretch>
+        </p:blipFill>
+        <p:spPr>
+          <a:xfrm>
+            <a:off x="-10273" y="0"/>
+            <a:ext cx="12202274" cy="6858000"/>
+          </a:xfrm>
+          <a:noFill/>
+        </p:spPr>
+      </p:pic>
+      <p:sp>
+        <p:nvSpPr>
+          <p:cNvPr id="5" name="TextBox 4"/>
+          <p:cNvSpPr txBox="1"/>
+          <p:nvPr/>
+        </p:nvSpPr>
+        <p:spPr>
+          <a:xfrm>
+            <a:off x="1407560" y="1259801"/>
+            <a:ext cx="4458272" cy="861774"/>
+          </a:xfrm>
+          <a:prstGeom prst="rect">
+            <a:avLst/>
+          </a:prstGeom>
+          <a:noFill/>
+        </p:spPr>
+        <p:txBody>
+          <a:bodyPr wrap="none" rtlCol="0">
+            <a:spAutoFit/>
+          </a:bodyPr>
+          <a:lstStyle/>
+          <a:p>
+            <a:r>
+              <a:rPr lang="en-US" sz="5000" b="1" dirty="0" smtClean="0">
+                <a:solidFill>
+                  <a:schemeClr val="bg1"/>
+                </a:solidFill>
+                <a:latin typeface="Liberation Sans Narrow" panose="020B0606020202030204" pitchFamily="34" charset="0"/>
+              </a:rPr>
+              <a:t>API Overview </a:t>
+            </a:r>
+            <a:endParaRPr lang="en-US" sz="5000" b="1" dirty="0">
+              <a:solidFill>
+                <a:schemeClr val="bg1"/>
+              </a:solidFill>
+              <a:latin typeface="Liberation Sans Narrow" panose="020B0606020202030204" pitchFamily="34" charset="0"/>
+            </a:endParaRPr>
+          </a:p>
+        </p:txBody>
+      </p:sp>
+      <p:sp>
+        <p:nvSpPr>
+          <p:cNvPr id="6" name="TextBox 5"/>
+          <p:cNvSpPr txBox="1"/>
+          <p:nvPr/>
+        </p:nvSpPr>
+        <p:spPr>
+          <a:xfrm>
+            <a:off x="1604601" y="2585364"/>
+            <a:ext cx="8419293" cy="3170099"/>
+          </a:xfrm>
+          <a:prstGeom prst="rect">
+            <a:avLst/>
+          </a:prstGeom>
+          <a:noFill/>
+        </p:spPr>
+        <p:txBody>
+          <a:bodyPr wrap="square" rtlCol="0">
+            <a:spAutoFit/>
+          </a:bodyPr>
+          <a:lstStyle/>
+          <a:p>
+            <a:pPr marL="342900" indent="-342900">
+              <a:buClr>
+                <a:schemeClr val="bg1"/>
+              </a:buClr>
+              <a:buFont typeface="Wingdings 3" panose="05040102010807070707" pitchFamily="18" charset="2"/>
+              <a:buChar char=""/>
+            </a:pPr>
+            <a:r>
+              <a:rPr lang="en-US" sz="2500" dirty="0" smtClean="0">
+                <a:solidFill>
+                  <a:schemeClr val="bg1"/>
+                </a:solidFill>
+                <a:latin typeface="Liberation Sans Narrow" panose="020B0606020202030204" pitchFamily="34" charset="0"/>
+              </a:rPr>
+              <a:t>Support Libraries</a:t>
+            </a:r>
+          </a:p>
+          <a:p>
+            <a:pPr marL="800100" lvl="1" indent="-342900">
+              <a:buClr>
+                <a:schemeClr val="bg1"/>
+              </a:buClr>
+              <a:buFont typeface="Wingdings 3" panose="05040102010807070707" pitchFamily="18" charset="2"/>
+              <a:buChar char=""/>
+            </a:pPr>
+            <a:r>
+              <a:rPr lang="en-US" sz="2500" dirty="0" smtClean="0">
+                <a:solidFill>
+                  <a:schemeClr val="bg1"/>
+                </a:solidFill>
+                <a:latin typeface="Liberation Sans Narrow" panose="020B0606020202030204" pitchFamily="34" charset="0"/>
+              </a:rPr>
+              <a:t>DOM selection/manipulation</a:t>
+            </a:r>
+          </a:p>
+          <a:p>
+            <a:pPr marL="800100" lvl="1" indent="-342900">
+              <a:buClr>
+                <a:schemeClr val="bg1"/>
+              </a:buClr>
+              <a:buFont typeface="Wingdings 3" panose="05040102010807070707" pitchFamily="18" charset="2"/>
+              <a:buChar char=""/>
+            </a:pPr>
+            <a:r>
+              <a:rPr lang="en-US" sz="2500" dirty="0" smtClean="0">
+                <a:solidFill>
+                  <a:schemeClr val="bg1"/>
+                </a:solidFill>
+                <a:latin typeface="Liberation Sans Narrow" panose="020B0606020202030204" pitchFamily="34" charset="0"/>
+              </a:rPr>
+              <a:t>Events</a:t>
+            </a:r>
+          </a:p>
+          <a:p>
+            <a:pPr marL="800100" lvl="1" indent="-342900">
+              <a:buClr>
+                <a:schemeClr val="bg1"/>
+              </a:buClr>
+              <a:buFont typeface="Wingdings 3" panose="05040102010807070707" pitchFamily="18" charset="2"/>
+              <a:buChar char=""/>
+            </a:pPr>
+            <a:r>
+              <a:rPr lang="en-US" sz="2500" dirty="0" smtClean="0">
+                <a:solidFill>
+                  <a:schemeClr val="bg1"/>
+                </a:solidFill>
+                <a:latin typeface="Liberation Sans Narrow" panose="020B0606020202030204" pitchFamily="34" charset="0"/>
+              </a:rPr>
+              <a:t>Utilities</a:t>
+            </a:r>
+          </a:p>
+          <a:p>
+            <a:pPr marL="800100" lvl="1" indent="-342900">
+              <a:buClr>
+                <a:schemeClr val="bg1"/>
+              </a:buClr>
+              <a:buFont typeface="Wingdings 3" panose="05040102010807070707" pitchFamily="18" charset="2"/>
+              <a:buChar char=""/>
+            </a:pPr>
+            <a:r>
+              <a:rPr lang="en-US" sz="2500" dirty="0" smtClean="0">
+                <a:solidFill>
+                  <a:schemeClr val="bg1"/>
+                </a:solidFill>
+                <a:latin typeface="Liberation Sans Narrow" panose="020B0606020202030204" pitchFamily="34" charset="0"/>
+              </a:rPr>
+              <a:t>AJAX</a:t>
+            </a:r>
+          </a:p>
+          <a:p>
+            <a:pPr marL="342900" indent="-342900">
+              <a:buClr>
+                <a:schemeClr val="bg1"/>
+              </a:buClr>
+              <a:buFont typeface="Wingdings 3" panose="05040102010807070707" pitchFamily="18" charset="2"/>
+              <a:buChar char=""/>
+            </a:pPr>
+            <a:r>
+              <a:rPr lang="en-US" sz="2500" dirty="0" smtClean="0">
+                <a:solidFill>
+                  <a:schemeClr val="bg1"/>
+                </a:solidFill>
+                <a:latin typeface="Liberation Sans Narrow" panose="020B0606020202030204" pitchFamily="34" charset="0"/>
+              </a:rPr>
+              <a:t>Layouts and Containers</a:t>
+            </a:r>
+          </a:p>
+          <a:p>
+            <a:pPr marL="342900" indent="-342900">
+              <a:buClr>
+                <a:schemeClr val="bg1"/>
+              </a:buClr>
+              <a:buFont typeface="Wingdings 3" panose="05040102010807070707" pitchFamily="18" charset="2"/>
+              <a:buChar char=""/>
+            </a:pPr>
+            <a:r>
+              <a:rPr lang="en-US" sz="2500" dirty="0" smtClean="0">
+                <a:solidFill>
+                  <a:schemeClr val="bg1"/>
+                </a:solidFill>
+                <a:latin typeface="Liberation Sans Narrow" panose="020B0606020202030204" pitchFamily="34" charset="0"/>
+              </a:rPr>
+              <a:t>Forms</a:t>
+            </a:r>
+          </a:p>
+          <a:p>
+            <a:pPr marL="342900" indent="-342900">
+              <a:buClr>
+                <a:schemeClr val="bg1"/>
+              </a:buClr>
+              <a:buFont typeface="Wingdings 3" panose="05040102010807070707" pitchFamily="18" charset="2"/>
+              <a:buChar char=""/>
+            </a:pPr>
+            <a:r>
+              <a:rPr lang="en-US" sz="2500" dirty="0" smtClean="0">
+                <a:solidFill>
+                  <a:schemeClr val="bg1"/>
+                </a:solidFill>
+                <a:latin typeface="Liberation Sans Narrow" panose="020B0606020202030204" pitchFamily="34" charset="0"/>
+              </a:rPr>
+              <a:t>Data Stores</a:t>
+            </a:r>
+            <a:endParaRPr lang="en-US" sz="2500" dirty="0">
+              <a:solidFill>
+                <a:schemeClr val="bg1"/>
+              </a:solidFill>
+              <a:latin typeface="Liberation Sans Narrow" panose="020B0606020202030204" pitchFamily="34" charset="0"/>
+            </a:endParaRPr>
+          </a:p>
+        </p:txBody>
+      </p:sp>
+      <p:sp>
+        <p:nvSpPr>
+          <p:cNvPr id="7" name="TextBox 6"/>
+          <p:cNvSpPr txBox="1"/>
+          <p:nvPr/>
+        </p:nvSpPr>
+        <p:spPr>
+          <a:xfrm>
+            <a:off x="9292314" y="3867064"/>
+            <a:ext cx="1470274" cy="1785104"/>
+          </a:xfrm>
+          <a:prstGeom prst="rect">
+            <a:avLst/>
+          </a:prstGeom>
+          <a:noFill/>
+        </p:spPr>
+        <p:txBody>
+          <a:bodyPr wrap="none" rtlCol="0">
+            <a:spAutoFit/>
+          </a:bodyPr>
+          <a:lstStyle/>
+          <a:p>
+            <a:r>
+              <a:rPr lang="en-US" sz="11000" b="1" dirty="0" smtClean="0">
+                <a:solidFill>
+                  <a:srgbClr val="00B0F0"/>
+                </a:solidFill>
+                <a:latin typeface="Liberation Sans Narrow" panose="020B0606020202030204" pitchFamily="34" charset="0"/>
+                <a:ea typeface="Segoe UI" panose="020B0502040204020203" pitchFamily="34" charset="0"/>
+                <a:cs typeface="Segoe UI" panose="020B0502040204020203" pitchFamily="34" charset="0"/>
+              </a:rPr>
+              <a:t>01</a:t>
+            </a:r>
+            <a:endParaRPr lang="en-US" sz="11000" b="1" dirty="0">
+              <a:solidFill>
+                <a:srgbClr val="00B0F0"/>
+              </a:solidFill>
+              <a:latin typeface="Liberation Sans Narrow" panose="020B0606020202030204" pitchFamily="34" charset="0"/>
+              <a:ea typeface="Segoe UI" panose="020B0502040204020203" pitchFamily="34" charset="0"/>
+              <a:cs typeface="Segoe UI" panose="020B0502040204020203" pitchFamily="34" charset="0"/>
+            </a:endParaRPr>
+          </a:p>
+        </p:txBody>
+      </p:sp>
+    </p:spTree>
+    <p:extLst>
+      <p:ext uri="{BB962C8B-B14F-4D97-AF65-F5344CB8AC3E}">
+        <p14:creationId xmlns:p14="http://schemas.microsoft.com/office/powerpoint/2010/main" xmlns="" val="3383725190"/>
+      </p:ext>
+    </p:extLst>
+  </p:cSld>
+  <p:clrMapOvr>
+    <a:masterClrMapping/>
+  </p:clrMapOvr>
+  <p:timing>
+    <p:tnLst>
+      <p:par>
+        <p:cTn id="1" dur="indefinite" restart="never" nodeType="tmRoot"/>
+      </p:par>
+    </p:tnLst>
+  </p:timing>
+</p:sld>
+</file>
+
+<file path=ppt/slides/slide18.xml><?xml version="1.0" encoding="utf-8"?>
+<p:sld xmlns:a="http://schemas.openxmlformats.org/drawingml/2006/main" xmlns:r="http://schemas.openxmlformats.org/officeDocument/2006/relationships" xmlns:p="http://schemas.openxmlformats.org/presentationml/2006/main">
+  <p:cSld>
+    <p:spTree>
+      <p:nvGrpSpPr>
+        <p:cNvPr id="1" name=""/>
+        <p:cNvGrpSpPr/>
+        <p:nvPr/>
+      </p:nvGrpSpPr>
+      <p:grpSpPr>
+        <a:xfrm>
+          <a:off x="0" y="0"/>
+          <a:ext cx="0" cy="0"/>
+          <a:chOff x="0" y="0"/>
+          <a:chExt cx="0" cy="0"/>
+        </a:xfrm>
+      </p:grpSpPr>
+      <p:sp>
+        <p:nvSpPr>
+          <p:cNvPr id="2" name="Title 1"/>
+          <p:cNvSpPr>
+            <a:spLocks noGrp="1"/>
+          </p:cNvSpPr>
+          <p:nvPr>
+            <p:ph type="title"/>
+          </p:nvPr>
+        </p:nvSpPr>
+        <p:spPr/>
+        <p:txBody>
+          <a:bodyPr/>
+          <a:lstStyle/>
+          <a:p>
+            <a:endParaRPr lang="en-US" dirty="0"/>
+          </a:p>
+        </p:txBody>
+      </p:sp>
+      <p:pic>
+        <p:nvPicPr>
+          <p:cNvPr id="4" name="Content Placeholder 3"/>
+          <p:cNvPicPr>
+            <a:picLocks noGrp="1" noChangeAspect="1"/>
+          </p:cNvPicPr>
+          <p:nvPr>
+            <p:ph idx="1"/>
+          </p:nvPr>
+        </p:nvPicPr>
+        <p:blipFill>
+          <a:blip r:embed="rId3">
+            <a:extLst>
+              <a:ext uri="{28A0092B-C50C-407E-A947-70E740481C1C}">
+                <a14:useLocalDpi xmlns:a14="http://schemas.microsoft.com/office/drawing/2010/main" xmlns="" val="0"/>
+              </a:ext>
+            </a:extLst>
+          </a:blip>
+          <a:stretch>
+            <a:fillRect/>
+          </a:stretch>
+        </p:blipFill>
+        <p:spPr>
+          <a:xfrm>
+            <a:off x="-10273" y="0"/>
+            <a:ext cx="12202274" cy="6858000"/>
+          </a:xfrm>
+          <a:noFill/>
+        </p:spPr>
+      </p:pic>
+      <p:sp>
+        <p:nvSpPr>
+          <p:cNvPr id="5" name="TextBox 4"/>
+          <p:cNvSpPr txBox="1"/>
+          <p:nvPr/>
+        </p:nvSpPr>
+        <p:spPr>
+          <a:xfrm>
+            <a:off x="1407560" y="1259801"/>
+            <a:ext cx="8797601" cy="861774"/>
+          </a:xfrm>
+          <a:prstGeom prst="rect">
+            <a:avLst/>
+          </a:prstGeom>
+          <a:noFill/>
+        </p:spPr>
+        <p:txBody>
+          <a:bodyPr wrap="none" rtlCol="0">
+            <a:spAutoFit/>
+          </a:bodyPr>
+          <a:lstStyle/>
+          <a:p>
+            <a:r>
+              <a:rPr lang="en-US" sz="5000" b="1" dirty="0" smtClean="0">
+                <a:solidFill>
+                  <a:schemeClr val="bg1"/>
+                </a:solidFill>
+                <a:latin typeface="Liberation Sans Narrow" panose="020B0606020202030204" pitchFamily="34" charset="0"/>
+              </a:rPr>
+              <a:t>Sample – DOM Manipulation</a:t>
+            </a:r>
+            <a:endParaRPr lang="en-US" sz="5000" b="1" dirty="0">
+              <a:solidFill>
+                <a:schemeClr val="bg1"/>
+              </a:solidFill>
+              <a:latin typeface="Liberation Sans Narrow" panose="020B0606020202030204" pitchFamily="34" charset="0"/>
+            </a:endParaRPr>
+          </a:p>
+        </p:txBody>
+      </p:sp>
+      <p:sp>
+        <p:nvSpPr>
+          <p:cNvPr id="6" name="TextBox 5"/>
+          <p:cNvSpPr txBox="1"/>
+          <p:nvPr/>
+        </p:nvSpPr>
+        <p:spPr>
+          <a:xfrm>
+            <a:off x="1557708" y="2585365"/>
+            <a:ext cx="8419293" cy="3108543"/>
+          </a:xfrm>
+          <a:prstGeom prst="rect">
+            <a:avLst/>
+          </a:prstGeom>
+          <a:noFill/>
+        </p:spPr>
+        <p:txBody>
+          <a:bodyPr wrap="square" rtlCol="0">
+            <a:spAutoFit/>
+          </a:bodyPr>
+          <a:lstStyle/>
+          <a:p>
+            <a:r>
+              <a:rPr lang="en-US" sz="2800" b="1" dirty="0" smtClean="0">
+                <a:solidFill>
+                  <a:schemeClr val="bg1"/>
+                </a:solidFill>
+                <a:latin typeface="Liberation Sans Narrow" panose="020B0606020202030204" pitchFamily="34" charset="0"/>
+              </a:rPr>
+              <a:t>DOM Manipulation</a:t>
+            </a:r>
+          </a:p>
+          <a:p>
+            <a:r>
+              <a:rPr lang="en-US" sz="2800" b="1" dirty="0" smtClean="0">
+                <a:solidFill>
+                  <a:schemeClr val="bg1"/>
+                </a:solidFill>
+                <a:latin typeface="Liberation Sans Narrow" panose="020B0606020202030204" pitchFamily="34" charset="0"/>
+              </a:rPr>
+              <a:t>Event</a:t>
+            </a:r>
+          </a:p>
+          <a:p>
+            <a:r>
+              <a:rPr lang="en-US" sz="2800" b="1" dirty="0" smtClean="0">
+                <a:solidFill>
+                  <a:schemeClr val="bg1"/>
+                </a:solidFill>
+                <a:latin typeface="Liberation Sans Narrow" panose="020B0606020202030204" pitchFamily="34" charset="0"/>
+              </a:rPr>
+              <a:t>AJAX</a:t>
+            </a:r>
+          </a:p>
+          <a:p>
+            <a:r>
+              <a:rPr lang="en-US" sz="2800" b="1" dirty="0" smtClean="0">
+                <a:solidFill>
+                  <a:schemeClr val="bg1"/>
+                </a:solidFill>
+                <a:latin typeface="Liberation Sans Narrow" panose="020B0606020202030204" pitchFamily="34" charset="0"/>
+              </a:rPr>
+              <a:t>Inheritance</a:t>
+            </a:r>
+          </a:p>
+          <a:p>
+            <a:endParaRPr lang="en-US" sz="2800" b="1" dirty="0" smtClean="0">
+              <a:solidFill>
+                <a:schemeClr val="bg1"/>
+              </a:solidFill>
+              <a:latin typeface="Liberation Sans Narrow" panose="020B0606020202030204" pitchFamily="34" charset="0"/>
+            </a:endParaRPr>
+          </a:p>
+          <a:p>
+            <a:endParaRPr lang="en-US" sz="2800" b="1" dirty="0" smtClean="0">
+              <a:solidFill>
+                <a:schemeClr val="bg1"/>
+              </a:solidFill>
+              <a:latin typeface="Liberation Sans Narrow" panose="020B0606020202030204" pitchFamily="34" charset="0"/>
+            </a:endParaRPr>
+          </a:p>
+          <a:p>
+            <a:endParaRPr lang="en-US" sz="2800" b="1" dirty="0">
+              <a:solidFill>
+                <a:schemeClr val="bg1"/>
+              </a:solidFill>
+              <a:latin typeface="Liberation Sans Narrow" panose="020B0606020202030204" pitchFamily="34" charset="0"/>
+            </a:endParaRPr>
+          </a:p>
+        </p:txBody>
+      </p:sp>
+      <p:sp>
+        <p:nvSpPr>
+          <p:cNvPr id="7" name="TextBox 6"/>
+          <p:cNvSpPr txBox="1"/>
+          <p:nvPr/>
+        </p:nvSpPr>
+        <p:spPr>
+          <a:xfrm>
+            <a:off x="9292314" y="3867064"/>
+            <a:ext cx="1470274" cy="1785104"/>
+          </a:xfrm>
+          <a:prstGeom prst="rect">
+            <a:avLst/>
+          </a:prstGeom>
+          <a:noFill/>
+        </p:spPr>
+        <p:txBody>
+          <a:bodyPr wrap="none" rtlCol="0">
+            <a:spAutoFit/>
+          </a:bodyPr>
+          <a:lstStyle/>
+          <a:p>
+            <a:r>
+              <a:rPr lang="en-US" sz="11000" b="1" dirty="0" smtClean="0">
+                <a:solidFill>
+                  <a:srgbClr val="00B0F0"/>
+                </a:solidFill>
+                <a:latin typeface="Liberation Sans Narrow" panose="020B0606020202030204" pitchFamily="34" charset="0"/>
+                <a:ea typeface="Segoe UI" panose="020B0502040204020203" pitchFamily="34" charset="0"/>
+                <a:cs typeface="Segoe UI" panose="020B0502040204020203" pitchFamily="34" charset="0"/>
+              </a:rPr>
+              <a:t>01</a:t>
+            </a:r>
+            <a:endParaRPr lang="en-US" sz="11000" b="1" dirty="0">
+              <a:solidFill>
+                <a:srgbClr val="00B0F0"/>
+              </a:solidFill>
+              <a:latin typeface="Liberation Sans Narrow" panose="020B0606020202030204" pitchFamily="34" charset="0"/>
+              <a:ea typeface="Segoe UI" panose="020B0502040204020203" pitchFamily="34" charset="0"/>
+              <a:cs typeface="Segoe UI" panose="020B0502040204020203" pitchFamily="34" charset="0"/>
+            </a:endParaRPr>
+          </a:p>
+        </p:txBody>
+      </p:sp>
+    </p:spTree>
+    <p:extLst>
+      <p:ext uri="{BB962C8B-B14F-4D97-AF65-F5344CB8AC3E}">
+        <p14:creationId xmlns:p14="http://schemas.microsoft.com/office/powerpoint/2010/main" xmlns="" val="3383725190"/>
+      </p:ext>
+    </p:extLst>
+  </p:cSld>
+  <p:clrMapOvr>
+    <a:masterClrMapping/>
+  </p:clrMapOvr>
+  <p:timing>
+    <p:tnLst>
+      <p:par>
+        <p:cTn id="1" dur="indefinite" restart="never" nodeType="tmRoot"/>
+      </p:par>
+    </p:tnLst>
+  </p:timing>
+</p:sld>
+</file>
+
+<file path=ppt/slides/slide19.xml><?xml version="1.0" encoding="utf-8"?>
+<p:sld xmlns:a="http://schemas.openxmlformats.org/drawingml/2006/main" xmlns:r="http://schemas.openxmlformats.org/officeDocument/2006/relationships" xmlns:p="http://schemas.openxmlformats.org/presentationml/2006/main">
+  <p:cSld>
+    <p:spTree>
+      <p:nvGrpSpPr>
+        <p:cNvPr id="1" name=""/>
+        <p:cNvGrpSpPr/>
+        <p:nvPr/>
+      </p:nvGrpSpPr>
+      <p:grpSpPr>
+        <a:xfrm>
+          <a:off x="0" y="0"/>
+          <a:ext cx="0" cy="0"/>
+          <a:chOff x="0" y="0"/>
+          <a:chExt cx="0" cy="0"/>
+        </a:xfrm>
+      </p:grpSpPr>
+      <p:sp>
+        <p:nvSpPr>
+          <p:cNvPr id="2" name="Title 1"/>
+          <p:cNvSpPr>
+            <a:spLocks noGrp="1"/>
+          </p:cNvSpPr>
+          <p:nvPr>
+            <p:ph type="title"/>
+          </p:nvPr>
+        </p:nvSpPr>
+        <p:spPr/>
+        <p:txBody>
+          <a:bodyPr/>
+          <a:lstStyle/>
+          <a:p>
+            <a:endParaRPr lang="en-US" dirty="0"/>
+          </a:p>
+        </p:txBody>
+      </p:sp>
+      <p:pic>
+        <p:nvPicPr>
+          <p:cNvPr id="4" name="Content Placeholder 3"/>
+          <p:cNvPicPr>
+            <a:picLocks noGrp="1" noChangeAspect="1"/>
+          </p:cNvPicPr>
+          <p:nvPr>
+            <p:ph idx="1"/>
+          </p:nvPr>
+        </p:nvPicPr>
+        <p:blipFill>
+          <a:blip r:embed="rId3">
+            <a:extLst>
+              <a:ext uri="{28A0092B-C50C-407E-A947-70E740481C1C}">
+                <a14:useLocalDpi xmlns:a14="http://schemas.microsoft.com/office/drawing/2010/main" xmlns="" val="0"/>
+              </a:ext>
+            </a:extLst>
+          </a:blip>
+          <a:stretch>
+            <a:fillRect/>
+          </a:stretch>
+        </p:blipFill>
+        <p:spPr>
+          <a:xfrm>
+            <a:off x="-10273" y="0"/>
+            <a:ext cx="12202274" cy="6858000"/>
+          </a:xfrm>
+          <a:noFill/>
+        </p:spPr>
+      </p:pic>
+      <p:sp>
+        <p:nvSpPr>
+          <p:cNvPr id="5" name="TextBox 4"/>
+          <p:cNvSpPr txBox="1"/>
+          <p:nvPr/>
+        </p:nvSpPr>
+        <p:spPr>
+          <a:xfrm>
+            <a:off x="1407560" y="1259801"/>
             <a:ext cx="3983398" cy="861774"/>
           </a:xfrm>
           <a:prstGeom prst="rect">
@@ -8548,7 +10400,7 @@
     </p:spTree>
     <p:extLst>
       <p:ext uri="{BB962C8B-B14F-4D97-AF65-F5344CB8AC3E}">
-        <p14:creationId xmlns="" xmlns:p14="http://schemas.microsoft.com/office/powerpoint/2010/main" val="3383725190"/>
+        <p14:creationId xmlns:p14="http://schemas.microsoft.com/office/powerpoint/2010/main" xmlns="" val="3383725190"/>
       </p:ext>
     </p:extLst>
   </p:cSld>
@@ -8603,22 +10455,14 @@
       </p:sp>
       <p:pic>
         <p:nvPicPr>
-          <p:cNvPr id="8" name="Content Placeholder 7"/>
+          <p:cNvPr id="7" name="Picture 6" descr="3.png"/>
           <p:cNvPicPr>
-            <a:picLocks noGrp="1" noChangeAspect="1"/>
+            <a:picLocks noChangeAspect="1"/>
           </p:cNvPicPr>
-          <p:nvPr>
-            <p:ph idx="1"/>
-          </p:nvPr>
+          <p:nvPr/>
         </p:nvPicPr>
         <p:blipFill>
-          <a:blip r:embed="rId3">
-            <a:extLst>
-              <a:ext uri="{28A0092B-C50C-407E-A947-70E740481C1C}">
-                <a14:useLocalDpi xmlns="" xmlns:a14="http://schemas.microsoft.com/office/drawing/2010/main" val="0"/>
-              </a:ext>
-            </a:extLst>
-          </a:blip>
+          <a:blip r:embed="rId2"/>
           <a:stretch>
             <a:fillRect/>
           </a:stretch>
@@ -8626,129 +10470,37 @@
         <p:spPr>
           <a:xfrm>
             <a:off x="0" y="0"/>
-            <a:ext cx="12192000" cy="6858000"/>
+            <a:ext cx="12192000" cy="6857999"/>
           </a:xfrm>
+          <a:prstGeom prst="rect">
+            <a:avLst/>
+          </a:prstGeom>
         </p:spPr>
       </p:pic>
       <p:pic>
         <p:nvPicPr>
-          <p:cNvPr id="10" name="Picture 9"/>
+          <p:cNvPr id="6" name="Content Placeholder 5" descr="2.png"/>
           <p:cNvPicPr>
-            <a:picLocks noChangeAspect="1"/>
+            <a:picLocks noGrp="1" noChangeAspect="1"/>
           </p:cNvPicPr>
-          <p:nvPr/>
+          <p:nvPr>
+            <p:ph idx="1"/>
+          </p:nvPr>
         </p:nvPicPr>
         <p:blipFill>
-          <a:blip r:embed="rId4">
-            <a:extLst>
-              <a:ext uri="{28A0092B-C50C-407E-A947-70E740481C1C}">
-                <a14:useLocalDpi xmlns="" xmlns:a14="http://schemas.microsoft.com/office/drawing/2010/main" val="0"/>
-              </a:ext>
-            </a:extLst>
-          </a:blip>
+          <a:blip r:embed="rId3"/>
           <a:stretch>
             <a:fillRect/>
           </a:stretch>
         </p:blipFill>
         <p:spPr>
           <a:xfrm>
-            <a:off x="3161444" y="1027906"/>
-            <a:ext cx="6239410" cy="3456970"/>
+            <a:off x="0" y="3248527"/>
+            <a:ext cx="12192000" cy="3609474"/>
           </a:xfrm>
-          <a:prstGeom prst="rect">
-            <a:avLst/>
-          </a:prstGeom>
         </p:spPr>
       </p:pic>
-      <p:sp>
-        <p:nvSpPr>
-          <p:cNvPr id="11" name="TextBox 10"/>
-          <p:cNvSpPr txBox="1"/>
-          <p:nvPr/>
-        </p:nvSpPr>
-        <p:spPr>
-          <a:xfrm>
-            <a:off x="1715784" y="4505424"/>
-            <a:ext cx="3082895" cy="707886"/>
-          </a:xfrm>
-          <a:prstGeom prst="rect">
-            <a:avLst/>
-          </a:prstGeom>
-          <a:noFill/>
-        </p:spPr>
-        <p:txBody>
-          <a:bodyPr wrap="none" rtlCol="0">
-            <a:spAutoFit/>
-          </a:bodyPr>
-          <a:lstStyle/>
-          <a:p>
-            <a:r>
-              <a:rPr lang="en-US" sz="4000" b="1" dirty="0" err="1">
-                <a:solidFill>
-                  <a:schemeClr val="bg1"/>
-                </a:solidFill>
-                <a:latin typeface="Liberation Sans Narrow" panose="020B0606020202030204" pitchFamily="34" charset="0"/>
-              </a:rPr>
-              <a:t>Sencha</a:t>
-            </a:r>
-            <a:r>
-              <a:rPr lang="en-US" sz="4000" b="1" dirty="0">
-                <a:solidFill>
-                  <a:schemeClr val="bg1"/>
-                </a:solidFill>
-                <a:latin typeface="Liberation Sans Narrow" panose="020B0606020202030204" pitchFamily="34" charset="0"/>
-              </a:rPr>
-              <a:t> Ext JS</a:t>
-            </a:r>
-          </a:p>
-        </p:txBody>
-      </p:sp>
-      <p:sp>
-        <p:nvSpPr>
-          <p:cNvPr id="12" name="TextBox 11"/>
-          <p:cNvSpPr txBox="1"/>
-          <p:nvPr/>
-        </p:nvSpPr>
-        <p:spPr>
-          <a:xfrm>
-            <a:off x="1705510" y="5178479"/>
-            <a:ext cx="8332730" cy="477054"/>
-          </a:xfrm>
-          <a:prstGeom prst="rect">
-            <a:avLst/>
-          </a:prstGeom>
-          <a:noFill/>
-        </p:spPr>
-        <p:txBody>
-          <a:bodyPr wrap="none" rtlCol="0">
-            <a:spAutoFit/>
-          </a:bodyPr>
-          <a:lstStyle/>
-          <a:p>
-            <a:r>
-              <a:rPr lang="en-US" sz="2500" dirty="0" smtClean="0">
-                <a:solidFill>
-                  <a:schemeClr val="bg1"/>
-                </a:solidFill>
-                <a:latin typeface="Liberation Sans Narrow" panose="020B0606020202030204" pitchFamily="34" charset="0"/>
-              </a:rPr>
-              <a:t>Rapidly design, develop, and manage cross-platform web applications</a:t>
-            </a:r>
-            <a:endParaRPr lang="en-US" sz="2500" dirty="0">
-              <a:solidFill>
-                <a:schemeClr val="bg1"/>
-              </a:solidFill>
-              <a:latin typeface="Liberation Sans Narrow" panose="020B0606020202030204" pitchFamily="34" charset="0"/>
-            </a:endParaRPr>
-          </a:p>
-        </p:txBody>
-      </p:sp>
     </p:spTree>
-    <p:extLst>
-      <p:ext uri="{BB962C8B-B14F-4D97-AF65-F5344CB8AC3E}">
-        <p14:creationId xmlns="" xmlns:p14="http://schemas.microsoft.com/office/powerpoint/2010/main" val="754140818"/>
-      </p:ext>
-    </p:extLst>
   </p:cSld>
   <p:clrMapOvr>
     <a:masterClrMapping/>
@@ -8795,50 +10547,67 @@
           <a:bodyPr/>
           <a:lstStyle/>
           <a:p>
-            <a:endParaRPr lang="en-US" dirty="0"/>
+            <a:endParaRPr lang="en-US"/>
           </a:p>
         </p:txBody>
       </p:sp>
       <p:pic>
         <p:nvPicPr>
-          <p:cNvPr id="4" name="Content Placeholder 3"/>
+          <p:cNvPr id="7" name="Picture 6" descr="3.png"/>
           <p:cNvPicPr>
-            <a:picLocks noGrp="1" noChangeAspect="1"/>
+            <a:picLocks noChangeAspect="1"/>
           </p:cNvPicPr>
-          <p:nvPr>
-            <p:ph idx="1"/>
-          </p:nvPr>
+          <p:nvPr/>
         </p:nvPicPr>
         <p:blipFill>
-          <a:blip r:embed="rId3">
-            <a:extLst>
-              <a:ext uri="{28A0092B-C50C-407E-A947-70E740481C1C}">
-                <a14:useLocalDpi xmlns="" xmlns:a14="http://schemas.microsoft.com/office/drawing/2010/main" val="0"/>
-              </a:ext>
-            </a:extLst>
-          </a:blip>
+          <a:blip r:embed="rId2"/>
           <a:stretch>
             <a:fillRect/>
           </a:stretch>
         </p:blipFill>
         <p:spPr>
           <a:xfrm>
-            <a:off x="-10273" y="0"/>
-            <a:ext cx="12202274" cy="6858000"/>
+            <a:off x="0" y="0"/>
+            <a:ext cx="12192000" cy="6858000"/>
           </a:xfrm>
-          <a:noFill/>
+          <a:prstGeom prst="rect">
+            <a:avLst/>
+          </a:prstGeom>
         </p:spPr>
       </p:pic>
-      <p:sp>
-        <p:nvSpPr>
-          <p:cNvPr id="5" name="TextBox 4"/>
+      <p:pic>
+        <p:nvPicPr>
+          <p:cNvPr id="6" name="Content Placeholder 5" descr="2.png"/>
+          <p:cNvPicPr>
+            <a:picLocks noGrp="1" noChangeAspect="1"/>
+          </p:cNvPicPr>
+          <p:nvPr>
+            <p:ph idx="1"/>
+          </p:nvPr>
+        </p:nvPicPr>
+        <p:blipFill>
+          <a:blip r:embed="rId3"/>
+          <a:stretch>
+            <a:fillRect/>
+          </a:stretch>
+        </p:blipFill>
+        <p:spPr>
+          <a:xfrm>
+            <a:off x="0" y="0"/>
+            <a:ext cx="12192000" cy="1251284"/>
+          </a:xfrm>
+        </p:spPr>
+      </p:pic>
+      <p:sp>
+        <p:nvSpPr>
+          <p:cNvPr id="8" name="TextBox 7"/>
           <p:cNvSpPr txBox="1"/>
           <p:nvPr/>
         </p:nvSpPr>
         <p:spPr>
           <a:xfrm>
-            <a:off x="1407560" y="1259801"/>
-            <a:ext cx="4124847" cy="861774"/>
+            <a:off x="505327" y="336884"/>
+            <a:ext cx="3647152" cy="646331"/>
           </a:xfrm>
           <a:prstGeom prst="rect">
             <a:avLst/>
@@ -8852,7 +10621,7 @@
           <a:lstStyle/>
           <a:p>
             <a:r>
-              <a:rPr lang="en-US" sz="5000" b="1" dirty="0">
+              <a:rPr lang="en-US" sz="3600" b="1" dirty="0" smtClean="0">
                 <a:solidFill>
                   <a:schemeClr val="bg1"/>
                 </a:solidFill>
@@ -8860,19 +10629,25 @@
               </a:rPr>
               <a:t>What is Ext JS?</a:t>
             </a:r>
-          </a:p>
-        </p:txBody>
-      </p:sp>
-      <p:sp>
-        <p:nvSpPr>
-          <p:cNvPr id="6" name="TextBox 5"/>
+            <a:endParaRPr lang="en-US" sz="3600" b="1" dirty="0">
+              <a:solidFill>
+                <a:schemeClr val="bg1"/>
+              </a:solidFill>
+              <a:latin typeface="Liberation Sans Narrow" panose="020B0606020202030204" pitchFamily="34" charset="0"/>
+            </a:endParaRPr>
+          </a:p>
+        </p:txBody>
+      </p:sp>
+      <p:sp>
+        <p:nvSpPr>
+          <p:cNvPr id="9" name="TextBox 8"/>
           <p:cNvSpPr txBox="1"/>
           <p:nvPr/>
         </p:nvSpPr>
         <p:spPr>
           <a:xfrm>
-            <a:off x="1604602" y="2815120"/>
-            <a:ext cx="8392154" cy="2400657"/>
+            <a:off x="534926" y="1486652"/>
+            <a:ext cx="11231504" cy="2400657"/>
           </a:xfrm>
           <a:prstGeom prst="rect">
             <a:avLst/>
@@ -9036,56 +10811,7 @@
           </a:p>
         </p:txBody>
       </p:sp>
-      <p:sp>
-        <p:nvSpPr>
-          <p:cNvPr id="7" name="TextBox 6"/>
-          <p:cNvSpPr txBox="1"/>
-          <p:nvPr/>
-        </p:nvSpPr>
-        <p:spPr>
-          <a:xfrm>
-            <a:off x="9292314" y="3867064"/>
-            <a:ext cx="1470274" cy="1785104"/>
-          </a:xfrm>
-          <a:prstGeom prst="rect">
-            <a:avLst/>
-          </a:prstGeom>
-          <a:noFill/>
-        </p:spPr>
-        <p:txBody>
-          <a:bodyPr wrap="none" rtlCol="0">
-            <a:spAutoFit/>
-          </a:bodyPr>
-          <a:lstStyle/>
-          <a:p>
-            <a:r>
-              <a:rPr lang="en-US" sz="11000" b="1" dirty="0" smtClean="0">
-                <a:solidFill>
-                  <a:srgbClr val="00B0F0"/>
-                </a:solidFill>
-                <a:latin typeface="Liberation Sans Narrow" panose="020B0606020202030204" pitchFamily="34" charset="0"/>
-                <a:ea typeface="Segoe UI" panose="020B0502040204020203" pitchFamily="34" charset="0"/>
-                <a:cs typeface="Segoe UI" panose="020B0502040204020203" pitchFamily="34" charset="0"/>
-              </a:rPr>
-              <a:t>01</a:t>
-            </a:r>
-            <a:endParaRPr lang="en-US" sz="11000" b="1" dirty="0">
-              <a:solidFill>
-                <a:srgbClr val="00B0F0"/>
-              </a:solidFill>
-              <a:latin typeface="Liberation Sans Narrow" panose="020B0606020202030204" pitchFamily="34" charset="0"/>
-              <a:ea typeface="Segoe UI" panose="020B0502040204020203" pitchFamily="34" charset="0"/>
-              <a:cs typeface="Segoe UI" panose="020B0502040204020203" pitchFamily="34" charset="0"/>
-            </a:endParaRPr>
-          </a:p>
-        </p:txBody>
-      </p:sp>
     </p:spTree>
-    <p:extLst>
-      <p:ext uri="{BB962C8B-B14F-4D97-AF65-F5344CB8AC3E}">
-        <p14:creationId xmlns="" xmlns:p14="http://schemas.microsoft.com/office/powerpoint/2010/main" val="1767963522"/>
-      </p:ext>
-    </p:extLst>
   </p:cSld>
   <p:clrMapOvr>
     <a:masterClrMapping/>
@@ -9132,50 +10858,67 @@
           <a:bodyPr/>
           <a:lstStyle/>
           <a:p>
-            <a:endParaRPr lang="en-US" dirty="0"/>
+            <a:endParaRPr lang="en-US"/>
           </a:p>
         </p:txBody>
       </p:sp>
       <p:pic>
         <p:nvPicPr>
-          <p:cNvPr id="4" name="Content Placeholder 3"/>
+          <p:cNvPr id="7" name="Picture 6" descr="3.png"/>
           <p:cNvPicPr>
-            <a:picLocks noGrp="1" noChangeAspect="1"/>
+            <a:picLocks noChangeAspect="1"/>
           </p:cNvPicPr>
-          <p:nvPr>
-            <p:ph idx="1"/>
-          </p:nvPr>
+          <p:nvPr/>
         </p:nvPicPr>
         <p:blipFill>
-          <a:blip r:embed="rId3">
-            <a:extLst>
-              <a:ext uri="{28A0092B-C50C-407E-A947-70E740481C1C}">
-                <a14:useLocalDpi xmlns="" xmlns:a14="http://schemas.microsoft.com/office/drawing/2010/main" val="0"/>
-              </a:ext>
-            </a:extLst>
-          </a:blip>
+          <a:blip r:embed="rId2"/>
           <a:stretch>
             <a:fillRect/>
           </a:stretch>
         </p:blipFill>
         <p:spPr>
           <a:xfrm>
-            <a:off x="-10273" y="0"/>
-            <a:ext cx="12202274" cy="6858000"/>
+            <a:off x="0" y="0"/>
+            <a:ext cx="12192000" cy="6858000"/>
           </a:xfrm>
-          <a:noFill/>
+          <a:prstGeom prst="rect">
+            <a:avLst/>
+          </a:prstGeom>
         </p:spPr>
       </p:pic>
-      <p:sp>
-        <p:nvSpPr>
-          <p:cNvPr id="5" name="TextBox 4"/>
+      <p:pic>
+        <p:nvPicPr>
+          <p:cNvPr id="6" name="Content Placeholder 5" descr="2.png"/>
+          <p:cNvPicPr>
+            <a:picLocks noGrp="1" noChangeAspect="1"/>
+          </p:cNvPicPr>
+          <p:nvPr>
+            <p:ph idx="1"/>
+          </p:nvPr>
+        </p:nvPicPr>
+        <p:blipFill>
+          <a:blip r:embed="rId3"/>
+          <a:stretch>
+            <a:fillRect/>
+          </a:stretch>
+        </p:blipFill>
+        <p:spPr>
+          <a:xfrm>
+            <a:off x="0" y="0"/>
+            <a:ext cx="12192000" cy="1251284"/>
+          </a:xfrm>
+        </p:spPr>
+      </p:pic>
+      <p:sp>
+        <p:nvSpPr>
+          <p:cNvPr id="8" name="TextBox 7"/>
           <p:cNvSpPr txBox="1"/>
           <p:nvPr/>
         </p:nvSpPr>
         <p:spPr>
           <a:xfrm>
-            <a:off x="1407560" y="1259801"/>
-            <a:ext cx="3366627" cy="861774"/>
+            <a:off x="505327" y="336884"/>
+            <a:ext cx="2980303" cy="646331"/>
           </a:xfrm>
           <a:prstGeom prst="rect">
             <a:avLst/>
@@ -9189,7 +10932,7 @@
           <a:lstStyle/>
           <a:p>
             <a:r>
-              <a:rPr lang="en-US" sz="5000" b="1" dirty="0" smtClean="0">
+              <a:rPr lang="en-US" sz="3600" b="1" dirty="0" smtClean="0">
                 <a:solidFill>
                   <a:schemeClr val="bg1"/>
                 </a:solidFill>
@@ -9197,7 +10940,7 @@
               </a:rPr>
               <a:t>Why Ext JS?</a:t>
             </a:r>
-            <a:endParaRPr lang="en-US" sz="5000" b="1" dirty="0">
+            <a:endParaRPr lang="en-US" sz="3600" b="1" dirty="0">
               <a:solidFill>
                 <a:schemeClr val="bg1"/>
               </a:solidFill>
@@ -9208,14 +10951,14 @@
       </p:sp>
       <p:sp>
         <p:nvSpPr>
-          <p:cNvPr id="6" name="TextBox 5"/>
+          <p:cNvPr id="10" name="TextBox 9"/>
           <p:cNvSpPr txBox="1"/>
           <p:nvPr/>
         </p:nvSpPr>
         <p:spPr>
           <a:xfrm>
-            <a:off x="1604601" y="2585364"/>
-            <a:ext cx="8571577" cy="3170099"/>
+            <a:off x="379562" y="1604513"/>
+            <a:ext cx="11812438" cy="3170099"/>
           </a:xfrm>
           <a:prstGeom prst="rect">
             <a:avLst/>
@@ -9223,7 +10966,7 @@
           <a:noFill/>
         </p:spPr>
         <p:txBody>
-          <a:bodyPr wrap="none" rtlCol="0">
+          <a:bodyPr wrap="square" rtlCol="0">
             <a:spAutoFit/>
           </a:bodyPr>
           <a:lstStyle/>
@@ -9429,56 +11172,7 @@
           </a:p>
         </p:txBody>
       </p:sp>
-      <p:sp>
-        <p:nvSpPr>
-          <p:cNvPr id="7" name="TextBox 6"/>
-          <p:cNvSpPr txBox="1"/>
-          <p:nvPr/>
-        </p:nvSpPr>
-        <p:spPr>
-          <a:xfrm>
-            <a:off x="9292314" y="3867064"/>
-            <a:ext cx="1470274" cy="1785104"/>
-          </a:xfrm>
-          <a:prstGeom prst="rect">
-            <a:avLst/>
-          </a:prstGeom>
-          <a:noFill/>
-        </p:spPr>
-        <p:txBody>
-          <a:bodyPr wrap="none" rtlCol="0">
-            <a:spAutoFit/>
-          </a:bodyPr>
-          <a:lstStyle/>
-          <a:p>
-            <a:r>
-              <a:rPr lang="en-US" sz="11000" b="1" dirty="0" smtClean="0">
-                <a:solidFill>
-                  <a:srgbClr val="00B0F0"/>
-                </a:solidFill>
-                <a:latin typeface="Liberation Sans Narrow" panose="020B0606020202030204" pitchFamily="34" charset="0"/>
-                <a:ea typeface="Segoe UI" panose="020B0502040204020203" pitchFamily="34" charset="0"/>
-                <a:cs typeface="Segoe UI" panose="020B0502040204020203" pitchFamily="34" charset="0"/>
-              </a:rPr>
-              <a:t>01</a:t>
-            </a:r>
-            <a:endParaRPr lang="en-US" sz="11000" b="1" dirty="0">
-              <a:solidFill>
-                <a:srgbClr val="00B0F0"/>
-              </a:solidFill>
-              <a:latin typeface="Liberation Sans Narrow" panose="020B0606020202030204" pitchFamily="34" charset="0"/>
-              <a:ea typeface="Segoe UI" panose="020B0502040204020203" pitchFamily="34" charset="0"/>
-              <a:cs typeface="Segoe UI" panose="020B0502040204020203" pitchFamily="34" charset="0"/>
-            </a:endParaRPr>
-          </a:p>
-        </p:txBody>
-      </p:sp>
     </p:spTree>
-    <p:extLst>
-      <p:ext uri="{BB962C8B-B14F-4D97-AF65-F5344CB8AC3E}">
-        <p14:creationId xmlns="" xmlns:p14="http://schemas.microsoft.com/office/powerpoint/2010/main" val="3173657290"/>
-      </p:ext>
-    </p:extLst>
   </p:cSld>
   <p:clrMapOvr>
     <a:masterClrMapping/>
@@ -9510,40 +11204,19 @@
           <a:chExt cx="0" cy="0"/>
         </a:xfrm>
       </p:grpSpPr>
-      <p:sp>
-        <p:nvSpPr>
-          <p:cNvPr id="2" name="Title 1"/>
-          <p:cNvSpPr>
-            <a:spLocks noGrp="1"/>
-          </p:cNvSpPr>
-          <p:nvPr>
-            <p:ph type="title"/>
-          </p:nvPr>
-        </p:nvSpPr>
-        <p:spPr/>
-        <p:txBody>
-          <a:bodyPr/>
-          <a:lstStyle/>
-          <a:p>
-            <a:endParaRPr lang="en-US" dirty="0"/>
-          </a:p>
-        </p:txBody>
-      </p:sp>
       <p:pic>
         <p:nvPicPr>
-          <p:cNvPr id="4" name="Content Placeholder 3"/>
+          <p:cNvPr id="5" name="Picture 4"/>
           <p:cNvPicPr>
-            <a:picLocks noGrp="1" noChangeAspect="1"/>
+            <a:picLocks noChangeAspect="1"/>
           </p:cNvPicPr>
-          <p:nvPr>
-            <p:ph idx="1"/>
-          </p:nvPr>
+          <p:nvPr/>
         </p:nvPicPr>
         <p:blipFill>
-          <a:blip r:embed="rId2">
+          <a:blip r:embed="rId3">
             <a:extLst>
               <a:ext uri="{28A0092B-C50C-407E-A947-70E740481C1C}">
-                <a14:useLocalDpi xmlns="" xmlns:a14="http://schemas.microsoft.com/office/drawing/2010/main" val="0"/>
+                <a14:useLocalDpi xmlns:a14="http://schemas.microsoft.com/office/drawing/2010/main" xmlns="" val="0"/>
               </a:ext>
             </a:extLst>
           </a:blip>
@@ -9553,21 +11226,69 @@
         </p:blipFill>
         <p:spPr>
           <a:xfrm>
-            <a:off x="0" y="-20547"/>
-            <a:ext cx="12192000" cy="6907284"/>
+            <a:off x="-38141" y="-71919"/>
+            <a:ext cx="12230141" cy="6858000"/>
+          </a:xfrm>
+          <a:prstGeom prst="rect">
+            <a:avLst/>
+          </a:prstGeom>
+        </p:spPr>
+      </p:pic>
+      <p:sp>
+        <p:nvSpPr>
+          <p:cNvPr id="6" name="Title 5"/>
+          <p:cNvSpPr>
+            <a:spLocks noGrp="1"/>
+          </p:cNvSpPr>
+          <p:nvPr>
+            <p:ph type="ctrTitle"/>
+          </p:nvPr>
+        </p:nvSpPr>
+        <p:spPr>
+          <a:xfrm>
+            <a:off x="2128923" y="1682885"/>
+            <a:ext cx="7026613" cy="826851"/>
           </a:xfrm>
         </p:spPr>
-      </p:pic>
-      <p:sp>
-        <p:nvSpPr>
-          <p:cNvPr id="5" name="TextBox 4"/>
+        <p:txBody>
+          <a:bodyPr>
+            <a:normAutofit/>
+          </a:bodyPr>
+          <a:lstStyle/>
+          <a:p>
+            <a:pPr algn="l"/>
+            <a:r>
+              <a:rPr lang="en-US" sz="4400" b="1" dirty="0" smtClean="0">
+                <a:solidFill>
+                  <a:schemeClr val="bg1"/>
+                </a:solidFill>
+                <a:latin typeface="Liberation Sans Narrow" panose="020B0606020202030204" pitchFamily="34" charset="0"/>
+                <a:ea typeface="Segoe UI" panose="020B0502040204020203" pitchFamily="34" charset="0"/>
+                <a:cs typeface="Segoe UI" panose="020B0502040204020203" pitchFamily="34" charset="0"/>
+              </a:rPr>
+              <a:t>Introduction to Ext JS</a:t>
+            </a:r>
+            <a:endParaRPr lang="en-US" sz="4400" b="1" dirty="0">
+              <a:solidFill>
+                <a:schemeClr val="bg1"/>
+              </a:solidFill>
+              <a:latin typeface="Liberation Sans Narrow" panose="020B0606020202030204" pitchFamily="34" charset="0"/>
+              <a:ea typeface="Segoe UI" panose="020B0502040204020203" pitchFamily="34" charset="0"/>
+              <a:cs typeface="Segoe UI" panose="020B0502040204020203" pitchFamily="34" charset="0"/>
+            </a:endParaRPr>
+          </a:p>
+        </p:txBody>
+      </p:sp>
+      <p:sp>
+        <p:nvSpPr>
+          <p:cNvPr id="7" name="TextBox 6"/>
           <p:cNvSpPr txBox="1"/>
           <p:nvPr/>
         </p:nvSpPr>
         <p:spPr>
           <a:xfrm>
-            <a:off x="1366464" y="1186326"/>
-            <a:ext cx="2619910" cy="2246769"/>
+            <a:off x="2128923" y="2509736"/>
+            <a:ext cx="7369325" cy="584775"/>
           </a:xfrm>
           <a:prstGeom prst="rect">
             <a:avLst/>
@@ -9575,41 +11296,51 @@
           <a:noFill/>
         </p:spPr>
         <p:txBody>
-          <a:bodyPr wrap="square" rtlCol="0">
+          <a:bodyPr wrap="none" rtlCol="0">
             <a:spAutoFit/>
           </a:bodyPr>
           <a:lstStyle/>
           <a:p>
             <a:r>
-              <a:rPr lang="en-US" sz="3500" b="1" dirty="0" smtClean="0">
-                <a:solidFill>
-                  <a:schemeClr val="bg1"/>
-                </a:solidFill>
-                <a:latin typeface="Liberation Sans Narrow" panose="020B0606020202030204" pitchFamily="34" charset="0"/>
-              </a:rPr>
-              <a:t>2015 Ext JS Growth Statistics</a:t>
-            </a:r>
-          </a:p>
-          <a:p>
-            <a:endParaRPr lang="en-US" sz="3500" b="1" dirty="0">
-              <a:solidFill>
-                <a:schemeClr val="bg1"/>
-              </a:solidFill>
-              <a:latin typeface="Liberation Sans Narrow" panose="020B0606020202030204" pitchFamily="34" charset="0"/>
-            </a:endParaRPr>
-          </a:p>
-        </p:txBody>
-      </p:sp>
-      <p:sp>
-        <p:nvSpPr>
-          <p:cNvPr id="6" name="TextBox 5"/>
+              <a:rPr lang="en-US" sz="3200" dirty="0">
+                <a:solidFill>
+                  <a:schemeClr val="bg1"/>
+                </a:solidFill>
+                <a:latin typeface="Liberation Sans Narrow" panose="020B0606020202030204" pitchFamily="34" charset="0"/>
+              </a:rPr>
+              <a:t>An overview of the </a:t>
+            </a:r>
+            <a:r>
+              <a:rPr lang="en-US" sz="3200" dirty="0" err="1">
+                <a:solidFill>
+                  <a:schemeClr val="bg1"/>
+                </a:solidFill>
+                <a:latin typeface="Liberation Sans Narrow" panose="020B0606020202030204" pitchFamily="34" charset="0"/>
+              </a:rPr>
+              <a:t>ExtJS</a:t>
+            </a:r>
+            <a:r>
+              <a:rPr lang="en-US" sz="3200" dirty="0">
+                <a:solidFill>
+                  <a:schemeClr val="bg1"/>
+                </a:solidFill>
+                <a:latin typeface="Liberation Sans Narrow" panose="020B0606020202030204" pitchFamily="34" charset="0"/>
+              </a:rPr>
+              <a:t> JavaScript Framework</a:t>
+            </a:r>
+          </a:p>
+        </p:txBody>
+      </p:sp>
+      <p:sp>
+        <p:nvSpPr>
+          <p:cNvPr id="8" name="TextBox 7"/>
           <p:cNvSpPr txBox="1"/>
           <p:nvPr/>
         </p:nvSpPr>
         <p:spPr>
           <a:xfrm>
-            <a:off x="4676989" y="986271"/>
-            <a:ext cx="2771775" cy="1323439"/>
+            <a:off x="1679163" y="3514420"/>
+            <a:ext cx="1470274" cy="1785104"/>
           </a:xfrm>
           <a:prstGeom prst="rect">
             <a:avLst/>
@@ -9617,40 +11348,43 @@
           <a:noFill/>
         </p:spPr>
         <p:txBody>
-          <a:bodyPr wrap="square" rtlCol="0">
+          <a:bodyPr wrap="none" rtlCol="0">
             <a:spAutoFit/>
           </a:bodyPr>
           <a:lstStyle/>
           <a:p>
-            <a:pPr algn="ctr"/>
-            <a:r>
-              <a:rPr lang="en-US" sz="8000" b="1" dirty="0" smtClean="0">
-                <a:solidFill>
-                  <a:schemeClr val="bg1"/>
-                </a:solidFill>
-                <a:latin typeface="Liberation Sans Narrow" panose="020B0606020202030204" pitchFamily="34" charset="0"/>
-              </a:rPr>
-              <a:t>10K</a:t>
-            </a:r>
-            <a:endParaRPr lang="en-US" sz="8000" b="1" dirty="0">
+            <a:r>
+              <a:rPr lang="en-US" sz="11000" b="1" dirty="0" smtClean="0">
+                <a:solidFill>
+                  <a:srgbClr val="00B0F0"/>
+                </a:solidFill>
+                <a:latin typeface="Liberation Sans Narrow" panose="020B0606020202030204" pitchFamily="34" charset="0"/>
+                <a:ea typeface="Segoe UI" panose="020B0502040204020203" pitchFamily="34" charset="0"/>
+                <a:cs typeface="Segoe UI" panose="020B0502040204020203" pitchFamily="34" charset="0"/>
+              </a:rPr>
+              <a:t>01</a:t>
+            </a:r>
+            <a:endParaRPr lang="en-US" sz="11000" b="1" dirty="0">
               <a:solidFill>
-                <a:schemeClr val="bg1"/>
+                <a:srgbClr val="00B0F0"/>
               </a:solidFill>
               <a:latin typeface="Liberation Sans Narrow" panose="020B0606020202030204" pitchFamily="34" charset="0"/>
+              <a:ea typeface="Segoe UI" panose="020B0502040204020203" pitchFamily="34" charset="0"/>
+              <a:cs typeface="Segoe UI" panose="020B0502040204020203" pitchFamily="34" charset="0"/>
             </a:endParaRPr>
           </a:p>
         </p:txBody>
       </p:sp>
       <p:sp>
         <p:nvSpPr>
-          <p:cNvPr id="7" name="TextBox 6"/>
+          <p:cNvPr id="9" name="TextBox 8"/>
           <p:cNvSpPr txBox="1"/>
           <p:nvPr/>
         </p:nvSpPr>
         <p:spPr>
           <a:xfrm>
-            <a:off x="4676989" y="2207175"/>
-            <a:ext cx="2845513" cy="861774"/>
+            <a:off x="9683180" y="4674741"/>
+            <a:ext cx="1237839" cy="707886"/>
           </a:xfrm>
           <a:prstGeom prst="rect">
             <a:avLst/>
@@ -9658,22 +11392,21 @@
           <a:noFill/>
         </p:spPr>
         <p:txBody>
-          <a:bodyPr wrap="square" rtlCol="0">
+          <a:bodyPr wrap="none" rtlCol="0">
             <a:spAutoFit/>
           </a:bodyPr>
           <a:lstStyle/>
           <a:p>
-            <a:pPr algn="ctr"/>
-            <a:r>
-              <a:rPr lang="en-US" sz="2500" b="1" dirty="0" smtClean="0">
-                <a:solidFill>
-                  <a:schemeClr val="bg1"/>
-                </a:solidFill>
-                <a:latin typeface="Liberation Sans Narrow" panose="020B0606020202030204" pitchFamily="34" charset="0"/>
-              </a:rPr>
-              <a:t>Customers worldwide</a:t>
-            </a:r>
-            <a:endParaRPr lang="en-US" sz="2500" b="1" dirty="0">
+            <a:r>
+              <a:rPr lang="en-US" sz="4000" dirty="0" smtClean="0">
+                <a:solidFill>
+                  <a:schemeClr val="bg1"/>
+                </a:solidFill>
+                <a:latin typeface="Liberation Sans Narrow" panose="020B0606020202030204" pitchFamily="34" charset="0"/>
+              </a:rPr>
+              <a:t>18.06</a:t>
+            </a:r>
+            <a:endParaRPr lang="en-US" sz="4000" dirty="0">
               <a:solidFill>
                 <a:schemeClr val="bg1"/>
               </a:solidFill>
@@ -9684,14 +11417,14 @@
       </p:sp>
       <p:sp>
         <p:nvSpPr>
-          <p:cNvPr id="8" name="TextBox 7"/>
+          <p:cNvPr id="10" name="TextBox 9"/>
           <p:cNvSpPr txBox="1"/>
           <p:nvPr/>
         </p:nvSpPr>
         <p:spPr>
           <a:xfrm>
-            <a:off x="8081884" y="883736"/>
-            <a:ext cx="2764657" cy="1323439"/>
+            <a:off x="9683180" y="5299524"/>
+            <a:ext cx="1236236" cy="784830"/>
           </a:xfrm>
           <a:prstGeom prst="rect">
             <a:avLst/>
@@ -9699,22 +11432,21 @@
           <a:noFill/>
         </p:spPr>
         <p:txBody>
-          <a:bodyPr wrap="square" rtlCol="0">
+          <a:bodyPr wrap="none" rtlCol="0">
             <a:spAutoFit/>
           </a:bodyPr>
           <a:lstStyle/>
           <a:p>
-            <a:pPr algn="ctr"/>
-            <a:r>
-              <a:rPr lang="en-US" sz="8000" b="1" dirty="0" smtClean="0">
-                <a:solidFill>
-                  <a:schemeClr val="bg1"/>
-                </a:solidFill>
-                <a:latin typeface="Liberation Sans Narrow" panose="020B0606020202030204" pitchFamily="34" charset="0"/>
-              </a:rPr>
-              <a:t>60%</a:t>
-            </a:r>
-            <a:endParaRPr lang="en-US" sz="8000" b="1" dirty="0">
+            <a:r>
+              <a:rPr lang="en-US" sz="4500" b="1" dirty="0" smtClean="0">
+                <a:solidFill>
+                  <a:schemeClr val="bg1"/>
+                </a:solidFill>
+                <a:latin typeface="Liberation Sans Narrow" panose="020B0606020202030204" pitchFamily="34" charset="0"/>
+              </a:rPr>
+              <a:t>2015</a:t>
+            </a:r>
+            <a:endParaRPr lang="en-US" sz="4500" b="1" dirty="0">
               <a:solidFill>
                 <a:schemeClr val="bg1"/>
               </a:solidFill>
@@ -9723,333 +11455,10 @@
           </a:p>
         </p:txBody>
       </p:sp>
-      <p:sp>
-        <p:nvSpPr>
-          <p:cNvPr id="9" name="TextBox 8"/>
-          <p:cNvSpPr txBox="1"/>
-          <p:nvPr/>
-        </p:nvSpPr>
-        <p:spPr>
-          <a:xfrm>
-            <a:off x="8064305" y="2277403"/>
-            <a:ext cx="2845513" cy="861774"/>
-          </a:xfrm>
-          <a:prstGeom prst="rect">
-            <a:avLst/>
-          </a:prstGeom>
-          <a:noFill/>
-        </p:spPr>
-        <p:txBody>
-          <a:bodyPr wrap="square" rtlCol="0">
-            <a:spAutoFit/>
-          </a:bodyPr>
-          <a:lstStyle/>
-          <a:p>
-            <a:pPr algn="ctr"/>
-            <a:r>
-              <a:rPr lang="en-US" sz="2500" b="1" dirty="0" smtClean="0">
-                <a:solidFill>
-                  <a:schemeClr val="bg1"/>
-                </a:solidFill>
-                <a:latin typeface="Liberation Sans Narrow" panose="020B0606020202030204" pitchFamily="34" charset="0"/>
-              </a:rPr>
-              <a:t>Of fortune 100 companies</a:t>
-            </a:r>
-            <a:endParaRPr lang="en-US" sz="2500" b="1" dirty="0">
-              <a:solidFill>
-                <a:schemeClr val="bg1"/>
-              </a:solidFill>
-              <a:latin typeface="Liberation Sans Narrow" panose="020B0606020202030204" pitchFamily="34" charset="0"/>
-            </a:endParaRPr>
-          </a:p>
-        </p:txBody>
-      </p:sp>
-      <p:sp>
-        <p:nvSpPr>
-          <p:cNvPr id="10" name="TextBox 9"/>
-          <p:cNvSpPr txBox="1"/>
-          <p:nvPr/>
-        </p:nvSpPr>
-        <p:spPr>
-          <a:xfrm>
-            <a:off x="1140861" y="3736549"/>
-            <a:ext cx="2845513" cy="1323439"/>
-          </a:xfrm>
-          <a:prstGeom prst="rect">
-            <a:avLst/>
-          </a:prstGeom>
-          <a:noFill/>
-        </p:spPr>
-        <p:txBody>
-          <a:bodyPr wrap="square" rtlCol="0">
-            <a:spAutoFit/>
-          </a:bodyPr>
-          <a:lstStyle/>
-          <a:p>
-            <a:pPr algn="ctr"/>
-            <a:r>
-              <a:rPr lang="en-US" sz="8000" b="1" dirty="0" smtClean="0">
-                <a:solidFill>
-                  <a:schemeClr val="bg1"/>
-                </a:solidFill>
-                <a:latin typeface="Liberation Sans Narrow" panose="020B0606020202030204" pitchFamily="34" charset="0"/>
-              </a:rPr>
-              <a:t>2M</a:t>
-            </a:r>
-            <a:endParaRPr lang="en-US" sz="8000" b="1" dirty="0">
-              <a:solidFill>
-                <a:schemeClr val="bg1"/>
-              </a:solidFill>
-              <a:latin typeface="Liberation Sans Narrow" panose="020B0606020202030204" pitchFamily="34" charset="0"/>
-            </a:endParaRPr>
-          </a:p>
-        </p:txBody>
-      </p:sp>
-      <p:sp>
-        <p:nvSpPr>
-          <p:cNvPr id="11" name="TextBox 10"/>
-          <p:cNvSpPr txBox="1"/>
-          <p:nvPr/>
-        </p:nvSpPr>
-        <p:spPr>
-          <a:xfrm>
-            <a:off x="1140861" y="5059988"/>
-            <a:ext cx="2845513" cy="861774"/>
-          </a:xfrm>
-          <a:prstGeom prst="rect">
-            <a:avLst/>
-          </a:prstGeom>
-          <a:noFill/>
-        </p:spPr>
-        <p:txBody>
-          <a:bodyPr wrap="square" rtlCol="0">
-            <a:spAutoFit/>
-          </a:bodyPr>
-          <a:lstStyle/>
-          <a:p>
-            <a:pPr algn="ctr"/>
-            <a:r>
-              <a:rPr lang="en-US" sz="2500" b="1" dirty="0" err="1" smtClean="0">
-                <a:solidFill>
-                  <a:schemeClr val="bg1"/>
-                </a:solidFill>
-                <a:latin typeface="Liberation Sans Narrow" panose="020B0606020202030204" pitchFamily="34" charset="0"/>
-              </a:rPr>
-              <a:t>Sencha</a:t>
-            </a:r>
-            <a:r>
-              <a:rPr lang="en-US" sz="2500" b="1" dirty="0" smtClean="0">
-                <a:solidFill>
-                  <a:schemeClr val="bg1"/>
-                </a:solidFill>
-                <a:latin typeface="Liberation Sans Narrow" panose="020B0606020202030204" pitchFamily="34" charset="0"/>
-              </a:rPr>
-              <a:t> </a:t>
-            </a:r>
-            <a:r>
-              <a:rPr lang="en-US" sz="2500" b="1" dirty="0" err="1" smtClean="0">
-                <a:solidFill>
-                  <a:schemeClr val="bg1"/>
-                </a:solidFill>
-                <a:latin typeface="Liberation Sans Narrow" panose="020B0606020202030204" pitchFamily="34" charset="0"/>
-              </a:rPr>
-              <a:t>devs</a:t>
-            </a:r>
-            <a:r>
-              <a:rPr lang="en-US" sz="2500" b="1" dirty="0" smtClean="0">
-                <a:solidFill>
-                  <a:schemeClr val="bg1"/>
-                </a:solidFill>
-                <a:latin typeface="Liberation Sans Narrow" panose="020B0606020202030204" pitchFamily="34" charset="0"/>
-              </a:rPr>
-              <a:t> </a:t>
-            </a:r>
-            <a:r>
-              <a:rPr lang="en-US" sz="2500" b="1" dirty="0" err="1" smtClean="0">
-                <a:solidFill>
-                  <a:schemeClr val="bg1"/>
-                </a:solidFill>
-                <a:latin typeface="Liberation Sans Narrow" panose="020B0606020202030204" pitchFamily="34" charset="0"/>
-              </a:rPr>
-              <a:t>wordwide</a:t>
-            </a:r>
-            <a:endParaRPr lang="en-US" sz="2500" b="1" dirty="0">
-              <a:solidFill>
-                <a:schemeClr val="bg1"/>
-              </a:solidFill>
-              <a:latin typeface="Liberation Sans Narrow" panose="020B0606020202030204" pitchFamily="34" charset="0"/>
-            </a:endParaRPr>
-          </a:p>
-        </p:txBody>
-      </p:sp>
-      <p:sp>
-        <p:nvSpPr>
-          <p:cNvPr id="12" name="TextBox 11"/>
-          <p:cNvSpPr txBox="1"/>
-          <p:nvPr/>
-        </p:nvSpPr>
-        <p:spPr>
-          <a:xfrm>
-            <a:off x="4603251" y="5059988"/>
-            <a:ext cx="2845513" cy="477054"/>
-          </a:xfrm>
-          <a:prstGeom prst="rect">
-            <a:avLst/>
-          </a:prstGeom>
-          <a:noFill/>
-        </p:spPr>
-        <p:txBody>
-          <a:bodyPr wrap="square" rtlCol="0">
-            <a:spAutoFit/>
-          </a:bodyPr>
-          <a:lstStyle/>
-          <a:p>
-            <a:pPr algn="ctr"/>
-            <a:r>
-              <a:rPr lang="en-US" sz="2500" b="1" dirty="0" smtClean="0">
-                <a:solidFill>
-                  <a:schemeClr val="bg1"/>
-                </a:solidFill>
-                <a:latin typeface="Liberation Sans Narrow" panose="020B0606020202030204" pitchFamily="34" charset="0"/>
-              </a:rPr>
-              <a:t>Product download</a:t>
-            </a:r>
-            <a:endParaRPr lang="en-US" sz="2500" b="1" dirty="0">
-              <a:solidFill>
-                <a:schemeClr val="bg1"/>
-              </a:solidFill>
-              <a:latin typeface="Liberation Sans Narrow" panose="020B0606020202030204" pitchFamily="34" charset="0"/>
-            </a:endParaRPr>
-          </a:p>
-        </p:txBody>
-      </p:sp>
-      <p:sp>
-        <p:nvSpPr>
-          <p:cNvPr id="13" name="TextBox 12"/>
-          <p:cNvSpPr txBox="1"/>
-          <p:nvPr/>
-        </p:nvSpPr>
-        <p:spPr>
-          <a:xfrm>
-            <a:off x="4550168" y="3736548"/>
-            <a:ext cx="2845513" cy="1323439"/>
-          </a:xfrm>
-          <a:prstGeom prst="rect">
-            <a:avLst/>
-          </a:prstGeom>
-          <a:noFill/>
-        </p:spPr>
-        <p:txBody>
-          <a:bodyPr wrap="square" rtlCol="0">
-            <a:spAutoFit/>
-          </a:bodyPr>
-          <a:lstStyle/>
-          <a:p>
-            <a:pPr algn="ctr"/>
-            <a:r>
-              <a:rPr lang="en-US" sz="8000" b="1" dirty="0" smtClean="0">
-                <a:solidFill>
-                  <a:schemeClr val="bg1"/>
-                </a:solidFill>
-                <a:latin typeface="Liberation Sans Narrow" panose="020B0606020202030204" pitchFamily="34" charset="0"/>
-              </a:rPr>
-              <a:t>7.2M</a:t>
-            </a:r>
-            <a:endParaRPr lang="en-US" sz="8000" b="1" dirty="0">
-              <a:solidFill>
-                <a:schemeClr val="bg1"/>
-              </a:solidFill>
-              <a:latin typeface="Liberation Sans Narrow" panose="020B0606020202030204" pitchFamily="34" charset="0"/>
-            </a:endParaRPr>
-          </a:p>
-        </p:txBody>
-      </p:sp>
-      <p:sp>
-        <p:nvSpPr>
-          <p:cNvPr id="14" name="TextBox 13"/>
-          <p:cNvSpPr txBox="1"/>
-          <p:nvPr/>
-        </p:nvSpPr>
-        <p:spPr>
-          <a:xfrm>
-            <a:off x="8093629" y="3736548"/>
-            <a:ext cx="2845513" cy="1323439"/>
-          </a:xfrm>
-          <a:prstGeom prst="rect">
-            <a:avLst/>
-          </a:prstGeom>
-          <a:noFill/>
-        </p:spPr>
-        <p:txBody>
-          <a:bodyPr wrap="square" rtlCol="0">
-            <a:spAutoFit/>
-          </a:bodyPr>
-          <a:lstStyle/>
-          <a:p>
-            <a:pPr algn="ctr"/>
-            <a:r>
-              <a:rPr lang="en-US" sz="8000" b="1" dirty="0" smtClean="0">
-                <a:solidFill>
-                  <a:schemeClr val="bg1"/>
-                </a:solidFill>
-                <a:latin typeface="Liberation Sans Narrow" panose="020B0606020202030204" pitchFamily="34" charset="0"/>
-              </a:rPr>
-              <a:t>7.2M</a:t>
-            </a:r>
-            <a:endParaRPr lang="en-US" sz="8000" b="1" dirty="0">
-              <a:solidFill>
-                <a:schemeClr val="bg1"/>
-              </a:solidFill>
-              <a:latin typeface="Liberation Sans Narrow" panose="020B0606020202030204" pitchFamily="34" charset="0"/>
-            </a:endParaRPr>
-          </a:p>
-        </p:txBody>
-      </p:sp>
-      <p:sp>
-        <p:nvSpPr>
-          <p:cNvPr id="15" name="TextBox 14"/>
-          <p:cNvSpPr txBox="1"/>
-          <p:nvPr/>
-        </p:nvSpPr>
-        <p:spPr>
-          <a:xfrm>
-            <a:off x="8064304" y="5059987"/>
-            <a:ext cx="2845513" cy="861774"/>
-          </a:xfrm>
-          <a:prstGeom prst="rect">
-            <a:avLst/>
-          </a:prstGeom>
-          <a:noFill/>
-        </p:spPr>
-        <p:txBody>
-          <a:bodyPr wrap="square" rtlCol="0">
-            <a:spAutoFit/>
-          </a:bodyPr>
-          <a:lstStyle/>
-          <a:p>
-            <a:pPr algn="ctr"/>
-            <a:r>
-              <a:rPr lang="en-US" sz="2500" b="1" dirty="0" smtClean="0">
-                <a:solidFill>
-                  <a:schemeClr val="bg1"/>
-                </a:solidFill>
-                <a:latin typeface="Liberation Sans Narrow" panose="020B0606020202030204" pitchFamily="34" charset="0"/>
-              </a:rPr>
-              <a:t>Active forum members</a:t>
-            </a:r>
-            <a:endParaRPr lang="en-US" sz="2500" b="1" dirty="0">
-              <a:solidFill>
-                <a:schemeClr val="bg1"/>
-              </a:solidFill>
-              <a:latin typeface="Liberation Sans Narrow" panose="020B0606020202030204" pitchFamily="34" charset="0"/>
-            </a:endParaRPr>
-          </a:p>
-        </p:txBody>
-      </p:sp>
     </p:spTree>
     <p:extLst>
       <p:ext uri="{BB962C8B-B14F-4D97-AF65-F5344CB8AC3E}">
-        <p14:creationId xmlns="" xmlns:p14="http://schemas.microsoft.com/office/powerpoint/2010/main" val="2041513877"/>
+        <p14:creationId xmlns:p14="http://schemas.microsoft.com/office/powerpoint/2010/main" xmlns="" val="1730129641"/>
       </p:ext>
     </p:extLst>
   </p:cSld>
@@ -10098,513 +11507,25 @@
           <a:bodyPr/>
           <a:lstStyle/>
           <a:p>
-            <a:endParaRPr lang="en-US" dirty="0">
-              <a:latin typeface="Liberation Sans Narrow" panose="020B0606020202030204" pitchFamily="34" charset="0"/>
-            </a:endParaRPr>
-          </a:p>
-        </p:txBody>
-      </p:sp>
-      <p:sp>
-        <p:nvSpPr>
-          <p:cNvPr id="5" name="TextBox 4"/>
-          <p:cNvSpPr txBox="1"/>
-          <p:nvPr/>
-        </p:nvSpPr>
-        <p:spPr>
-          <a:xfrm>
-            <a:off x="1366464" y="1186326"/>
-            <a:ext cx="2619910" cy="2246769"/>
-          </a:xfrm>
-          <a:prstGeom prst="rect">
-            <a:avLst/>
-          </a:prstGeom>
-          <a:noFill/>
-        </p:spPr>
-        <p:txBody>
-          <a:bodyPr wrap="square" rtlCol="0">
-            <a:spAutoFit/>
-          </a:bodyPr>
-          <a:lstStyle/>
-          <a:p>
-            <a:r>
-              <a:rPr lang="en-US" sz="3500" b="1" dirty="0" smtClean="0">
-                <a:solidFill>
-                  <a:schemeClr val="bg1"/>
-                </a:solidFill>
-                <a:latin typeface="Liberation Sans Narrow" panose="020B0606020202030204" pitchFamily="34" charset="0"/>
-              </a:rPr>
-              <a:t>2015 Ext JS Growth Statistics</a:t>
-            </a:r>
-          </a:p>
-          <a:p>
-            <a:endParaRPr lang="en-US" sz="3500" b="1" dirty="0">
-              <a:solidFill>
-                <a:schemeClr val="bg1"/>
-              </a:solidFill>
-              <a:latin typeface="Liberation Sans Narrow" panose="020B0606020202030204" pitchFamily="34" charset="0"/>
-            </a:endParaRPr>
-          </a:p>
-        </p:txBody>
-      </p:sp>
-      <p:sp>
-        <p:nvSpPr>
-          <p:cNvPr id="6" name="TextBox 5"/>
-          <p:cNvSpPr txBox="1"/>
-          <p:nvPr/>
-        </p:nvSpPr>
-        <p:spPr>
-          <a:xfrm>
-            <a:off x="4676989" y="986271"/>
-            <a:ext cx="2771775" cy="1323439"/>
-          </a:xfrm>
-          <a:prstGeom prst="rect">
-            <a:avLst/>
-          </a:prstGeom>
-          <a:noFill/>
-        </p:spPr>
-        <p:txBody>
-          <a:bodyPr wrap="square" rtlCol="0">
-            <a:spAutoFit/>
-          </a:bodyPr>
-          <a:lstStyle/>
-          <a:p>
-            <a:pPr algn="ctr"/>
-            <a:r>
-              <a:rPr lang="en-US" sz="8000" b="1" dirty="0" smtClean="0">
-                <a:solidFill>
-                  <a:schemeClr val="bg1"/>
-                </a:solidFill>
-                <a:latin typeface="Liberation Sans Narrow" panose="020B0606020202030204" pitchFamily="34" charset="0"/>
-              </a:rPr>
-              <a:t>10K</a:t>
-            </a:r>
-            <a:endParaRPr lang="en-US" sz="8000" b="1" dirty="0">
-              <a:solidFill>
-                <a:schemeClr val="bg1"/>
-              </a:solidFill>
-              <a:latin typeface="Liberation Sans Narrow" panose="020B0606020202030204" pitchFamily="34" charset="0"/>
-            </a:endParaRPr>
-          </a:p>
-        </p:txBody>
-      </p:sp>
-      <p:sp>
-        <p:nvSpPr>
-          <p:cNvPr id="7" name="TextBox 6"/>
-          <p:cNvSpPr txBox="1"/>
-          <p:nvPr/>
-        </p:nvSpPr>
-        <p:spPr>
-          <a:xfrm>
-            <a:off x="4676989" y="2207175"/>
-            <a:ext cx="2845513" cy="861774"/>
-          </a:xfrm>
-          <a:prstGeom prst="rect">
-            <a:avLst/>
-          </a:prstGeom>
-          <a:noFill/>
-        </p:spPr>
-        <p:txBody>
-          <a:bodyPr wrap="square" rtlCol="0">
-            <a:spAutoFit/>
-          </a:bodyPr>
-          <a:lstStyle/>
-          <a:p>
-            <a:pPr algn="ctr"/>
-            <a:r>
-              <a:rPr lang="en-US" sz="2500" b="1" dirty="0" smtClean="0">
-                <a:solidFill>
-                  <a:schemeClr val="bg1"/>
-                </a:solidFill>
-                <a:latin typeface="Liberation Sans Narrow" panose="020B0606020202030204" pitchFamily="34" charset="0"/>
-              </a:rPr>
-              <a:t>Customers worldwide</a:t>
-            </a:r>
-            <a:endParaRPr lang="en-US" sz="2500" b="1" dirty="0">
-              <a:solidFill>
-                <a:schemeClr val="bg1"/>
-              </a:solidFill>
-              <a:latin typeface="Liberation Sans Narrow" panose="020B0606020202030204" pitchFamily="34" charset="0"/>
-            </a:endParaRPr>
-          </a:p>
-        </p:txBody>
-      </p:sp>
-      <p:sp>
-        <p:nvSpPr>
-          <p:cNvPr id="8" name="TextBox 7"/>
-          <p:cNvSpPr txBox="1"/>
-          <p:nvPr/>
-        </p:nvSpPr>
-        <p:spPr>
-          <a:xfrm>
-            <a:off x="8081884" y="883736"/>
-            <a:ext cx="2764657" cy="1323439"/>
-          </a:xfrm>
-          <a:prstGeom prst="rect">
-            <a:avLst/>
-          </a:prstGeom>
-          <a:noFill/>
-        </p:spPr>
-        <p:txBody>
-          <a:bodyPr wrap="square" rtlCol="0">
-            <a:spAutoFit/>
-          </a:bodyPr>
-          <a:lstStyle/>
-          <a:p>
-            <a:pPr algn="ctr"/>
-            <a:r>
-              <a:rPr lang="en-US" sz="8000" b="1" dirty="0" smtClean="0">
-                <a:solidFill>
-                  <a:schemeClr val="bg1"/>
-                </a:solidFill>
-                <a:latin typeface="Liberation Sans Narrow" panose="020B0606020202030204" pitchFamily="34" charset="0"/>
-              </a:rPr>
-              <a:t>60%</a:t>
-            </a:r>
-            <a:endParaRPr lang="en-US" sz="8000" b="1" dirty="0">
-              <a:solidFill>
-                <a:schemeClr val="bg1"/>
-              </a:solidFill>
-              <a:latin typeface="Liberation Sans Narrow" panose="020B0606020202030204" pitchFamily="34" charset="0"/>
-            </a:endParaRPr>
-          </a:p>
-        </p:txBody>
-      </p:sp>
-      <p:sp>
-        <p:nvSpPr>
-          <p:cNvPr id="9" name="TextBox 8"/>
-          <p:cNvSpPr txBox="1"/>
-          <p:nvPr/>
-        </p:nvSpPr>
-        <p:spPr>
-          <a:xfrm>
-            <a:off x="8064305" y="2277403"/>
-            <a:ext cx="2845513" cy="861774"/>
-          </a:xfrm>
-          <a:prstGeom prst="rect">
-            <a:avLst/>
-          </a:prstGeom>
-          <a:noFill/>
-        </p:spPr>
-        <p:txBody>
-          <a:bodyPr wrap="square" rtlCol="0">
-            <a:spAutoFit/>
-          </a:bodyPr>
-          <a:lstStyle/>
-          <a:p>
-            <a:pPr algn="ctr"/>
-            <a:r>
-              <a:rPr lang="en-US" sz="2500" b="1" dirty="0" smtClean="0">
-                <a:solidFill>
-                  <a:schemeClr val="bg1"/>
-                </a:solidFill>
-                <a:latin typeface="Liberation Sans Narrow" panose="020B0606020202030204" pitchFamily="34" charset="0"/>
-              </a:rPr>
-              <a:t>Of fortune 100 companies</a:t>
-            </a:r>
-            <a:endParaRPr lang="en-US" sz="2500" b="1" dirty="0">
-              <a:solidFill>
-                <a:schemeClr val="bg1"/>
-              </a:solidFill>
-              <a:latin typeface="Liberation Sans Narrow" panose="020B0606020202030204" pitchFamily="34" charset="0"/>
-            </a:endParaRPr>
-          </a:p>
-        </p:txBody>
-      </p:sp>
-      <p:sp>
-        <p:nvSpPr>
-          <p:cNvPr id="10" name="TextBox 9"/>
-          <p:cNvSpPr txBox="1"/>
-          <p:nvPr/>
-        </p:nvSpPr>
-        <p:spPr>
-          <a:xfrm>
-            <a:off x="1140861" y="3736549"/>
-            <a:ext cx="2845513" cy="1323439"/>
-          </a:xfrm>
-          <a:prstGeom prst="rect">
-            <a:avLst/>
-          </a:prstGeom>
-          <a:noFill/>
-        </p:spPr>
-        <p:txBody>
-          <a:bodyPr wrap="square" rtlCol="0">
-            <a:spAutoFit/>
-          </a:bodyPr>
-          <a:lstStyle/>
-          <a:p>
-            <a:pPr algn="ctr"/>
-            <a:r>
-              <a:rPr lang="en-US" sz="8000" b="1" dirty="0" smtClean="0">
-                <a:solidFill>
-                  <a:schemeClr val="bg1"/>
-                </a:solidFill>
-                <a:latin typeface="Liberation Sans Narrow" panose="020B0606020202030204" pitchFamily="34" charset="0"/>
-              </a:rPr>
-              <a:t>2M</a:t>
-            </a:r>
-            <a:endParaRPr lang="en-US" sz="8000" b="1" dirty="0">
-              <a:solidFill>
-                <a:schemeClr val="bg1"/>
-              </a:solidFill>
-              <a:latin typeface="Liberation Sans Narrow" panose="020B0606020202030204" pitchFamily="34" charset="0"/>
-            </a:endParaRPr>
-          </a:p>
-        </p:txBody>
-      </p:sp>
-      <p:sp>
-        <p:nvSpPr>
-          <p:cNvPr id="11" name="TextBox 10"/>
-          <p:cNvSpPr txBox="1"/>
-          <p:nvPr/>
-        </p:nvSpPr>
-        <p:spPr>
-          <a:xfrm>
-            <a:off x="1140861" y="5059988"/>
-            <a:ext cx="2845513" cy="861774"/>
-          </a:xfrm>
-          <a:prstGeom prst="rect">
-            <a:avLst/>
-          </a:prstGeom>
-          <a:noFill/>
-        </p:spPr>
-        <p:txBody>
-          <a:bodyPr wrap="square" rtlCol="0">
-            <a:spAutoFit/>
-          </a:bodyPr>
-          <a:lstStyle/>
-          <a:p>
-            <a:pPr algn="ctr"/>
-            <a:r>
-              <a:rPr lang="en-US" sz="2500" b="1" dirty="0" err="1" smtClean="0">
-                <a:solidFill>
-                  <a:schemeClr val="bg1"/>
-                </a:solidFill>
-                <a:latin typeface="Liberation Sans Narrow" panose="020B0606020202030204" pitchFamily="34" charset="0"/>
-              </a:rPr>
-              <a:t>Sencha</a:t>
-            </a:r>
-            <a:r>
-              <a:rPr lang="en-US" sz="2500" b="1" dirty="0" smtClean="0">
-                <a:solidFill>
-                  <a:schemeClr val="bg1"/>
-                </a:solidFill>
-                <a:latin typeface="Liberation Sans Narrow" panose="020B0606020202030204" pitchFamily="34" charset="0"/>
-              </a:rPr>
-              <a:t> </a:t>
-            </a:r>
-            <a:r>
-              <a:rPr lang="en-US" sz="2500" b="1" dirty="0" err="1" smtClean="0">
-                <a:solidFill>
-                  <a:schemeClr val="bg1"/>
-                </a:solidFill>
-                <a:latin typeface="Liberation Sans Narrow" panose="020B0606020202030204" pitchFamily="34" charset="0"/>
-              </a:rPr>
-              <a:t>devs</a:t>
-            </a:r>
-            <a:r>
-              <a:rPr lang="en-US" sz="2500" b="1" dirty="0" smtClean="0">
-                <a:solidFill>
-                  <a:schemeClr val="bg1"/>
-                </a:solidFill>
-                <a:latin typeface="Liberation Sans Narrow" panose="020B0606020202030204" pitchFamily="34" charset="0"/>
-              </a:rPr>
-              <a:t> </a:t>
-            </a:r>
-            <a:r>
-              <a:rPr lang="en-US" sz="2500" b="1" dirty="0" err="1" smtClean="0">
-                <a:solidFill>
-                  <a:schemeClr val="bg1"/>
-                </a:solidFill>
-                <a:latin typeface="Liberation Sans Narrow" panose="020B0606020202030204" pitchFamily="34" charset="0"/>
-              </a:rPr>
-              <a:t>wordwide</a:t>
-            </a:r>
-            <a:endParaRPr lang="en-US" sz="2500" b="1" dirty="0">
-              <a:solidFill>
-                <a:schemeClr val="bg1"/>
-              </a:solidFill>
-              <a:latin typeface="Liberation Sans Narrow" panose="020B0606020202030204" pitchFamily="34" charset="0"/>
-            </a:endParaRPr>
-          </a:p>
-        </p:txBody>
-      </p:sp>
-      <p:sp>
-        <p:nvSpPr>
-          <p:cNvPr id="12" name="TextBox 11"/>
-          <p:cNvSpPr txBox="1"/>
-          <p:nvPr/>
-        </p:nvSpPr>
-        <p:spPr>
-          <a:xfrm>
-            <a:off x="4603251" y="5059988"/>
-            <a:ext cx="2845513" cy="477054"/>
-          </a:xfrm>
-          <a:prstGeom prst="rect">
-            <a:avLst/>
-          </a:prstGeom>
-          <a:noFill/>
-        </p:spPr>
-        <p:txBody>
-          <a:bodyPr wrap="square" rtlCol="0">
-            <a:spAutoFit/>
-          </a:bodyPr>
-          <a:lstStyle/>
-          <a:p>
-            <a:pPr algn="ctr"/>
-            <a:r>
-              <a:rPr lang="en-US" sz="2500" b="1" dirty="0" smtClean="0">
-                <a:solidFill>
-                  <a:schemeClr val="bg1"/>
-                </a:solidFill>
-                <a:latin typeface="Liberation Sans Narrow" panose="020B0606020202030204" pitchFamily="34" charset="0"/>
-              </a:rPr>
-              <a:t>Product download</a:t>
-            </a:r>
-            <a:endParaRPr lang="en-US" sz="2500" b="1" dirty="0">
-              <a:solidFill>
-                <a:schemeClr val="bg1"/>
-              </a:solidFill>
-              <a:latin typeface="Liberation Sans Narrow" panose="020B0606020202030204" pitchFamily="34" charset="0"/>
-            </a:endParaRPr>
-          </a:p>
-        </p:txBody>
-      </p:sp>
-      <p:sp>
-        <p:nvSpPr>
-          <p:cNvPr id="13" name="TextBox 12"/>
-          <p:cNvSpPr txBox="1"/>
-          <p:nvPr/>
-        </p:nvSpPr>
-        <p:spPr>
-          <a:xfrm>
-            <a:off x="4550168" y="3736548"/>
-            <a:ext cx="2845513" cy="1323439"/>
-          </a:xfrm>
-          <a:prstGeom prst="rect">
-            <a:avLst/>
-          </a:prstGeom>
-          <a:noFill/>
-        </p:spPr>
-        <p:txBody>
-          <a:bodyPr wrap="square" rtlCol="0">
-            <a:spAutoFit/>
-          </a:bodyPr>
-          <a:lstStyle/>
-          <a:p>
-            <a:pPr algn="ctr"/>
-            <a:r>
-              <a:rPr lang="en-US" sz="8000" b="1" dirty="0" smtClean="0">
-                <a:solidFill>
-                  <a:schemeClr val="bg1"/>
-                </a:solidFill>
-                <a:latin typeface="Liberation Sans Narrow" panose="020B0606020202030204" pitchFamily="34" charset="0"/>
-              </a:rPr>
-              <a:t>7.2M</a:t>
-            </a:r>
-            <a:endParaRPr lang="en-US" sz="8000" b="1" dirty="0">
-              <a:solidFill>
-                <a:schemeClr val="bg1"/>
-              </a:solidFill>
-              <a:latin typeface="Liberation Sans Narrow" panose="020B0606020202030204" pitchFamily="34" charset="0"/>
-            </a:endParaRPr>
-          </a:p>
-        </p:txBody>
-      </p:sp>
-      <p:sp>
-        <p:nvSpPr>
-          <p:cNvPr id="14" name="TextBox 13"/>
-          <p:cNvSpPr txBox="1"/>
-          <p:nvPr/>
-        </p:nvSpPr>
-        <p:spPr>
-          <a:xfrm>
-            <a:off x="8093629" y="3736548"/>
-            <a:ext cx="2845513" cy="1323439"/>
-          </a:xfrm>
-          <a:prstGeom prst="rect">
-            <a:avLst/>
-          </a:prstGeom>
-          <a:noFill/>
-        </p:spPr>
-        <p:txBody>
-          <a:bodyPr wrap="square" rtlCol="0">
-            <a:spAutoFit/>
-          </a:bodyPr>
-          <a:lstStyle/>
-          <a:p>
-            <a:pPr algn="ctr"/>
-            <a:r>
-              <a:rPr lang="en-US" sz="8000" b="1" dirty="0" smtClean="0">
-                <a:solidFill>
-                  <a:schemeClr val="bg1"/>
-                </a:solidFill>
-                <a:latin typeface="Liberation Sans Narrow" panose="020B0606020202030204" pitchFamily="34" charset="0"/>
-              </a:rPr>
-              <a:t>7.2M</a:t>
-            </a:r>
-            <a:endParaRPr lang="en-US" sz="8000" b="1" dirty="0">
-              <a:solidFill>
-                <a:schemeClr val="bg1"/>
-              </a:solidFill>
-              <a:latin typeface="Liberation Sans Narrow" panose="020B0606020202030204" pitchFamily="34" charset="0"/>
-            </a:endParaRPr>
-          </a:p>
-        </p:txBody>
-      </p:sp>
-      <p:sp>
-        <p:nvSpPr>
-          <p:cNvPr id="15" name="TextBox 14"/>
-          <p:cNvSpPr txBox="1"/>
-          <p:nvPr/>
-        </p:nvSpPr>
-        <p:spPr>
-          <a:xfrm>
-            <a:off x="8064304" y="5059987"/>
-            <a:ext cx="2845513" cy="861774"/>
-          </a:xfrm>
-          <a:prstGeom prst="rect">
-            <a:avLst/>
-          </a:prstGeom>
-          <a:noFill/>
-        </p:spPr>
-        <p:txBody>
-          <a:bodyPr wrap="square" rtlCol="0">
-            <a:spAutoFit/>
-          </a:bodyPr>
-          <a:lstStyle/>
-          <a:p>
-            <a:pPr algn="ctr"/>
-            <a:r>
-              <a:rPr lang="en-US" sz="2500" b="1" dirty="0" smtClean="0">
-                <a:solidFill>
-                  <a:schemeClr val="bg1"/>
-                </a:solidFill>
-                <a:latin typeface="Liberation Sans Narrow" panose="020B0606020202030204" pitchFamily="34" charset="0"/>
-              </a:rPr>
-              <a:t>Active forum members</a:t>
-            </a:r>
-            <a:endParaRPr lang="en-US" sz="2500" b="1" dirty="0">
-              <a:solidFill>
-                <a:schemeClr val="bg1"/>
-              </a:solidFill>
-              <a:latin typeface="Liberation Sans Narrow" panose="020B0606020202030204" pitchFamily="34" charset="0"/>
-            </a:endParaRPr>
+            <a:endParaRPr lang="en-US" dirty="0"/>
           </a:p>
         </p:txBody>
       </p:sp>
       <p:pic>
         <p:nvPicPr>
-          <p:cNvPr id="3" name="Picture 2"/>
+          <p:cNvPr id="8" name="Content Placeholder 7"/>
           <p:cNvPicPr>
-            <a:picLocks noChangeAspect="1"/>
+            <a:picLocks noGrp="1" noChangeAspect="1"/>
           </p:cNvPicPr>
-          <p:nvPr/>
+          <p:nvPr>
+            <p:ph idx="1"/>
+          </p:nvPr>
         </p:nvPicPr>
         <p:blipFill>
           <a:blip r:embed="rId3">
             <a:extLst>
               <a:ext uri="{28A0092B-C50C-407E-A947-70E740481C1C}">
-                <a14:useLocalDpi xmlns="" xmlns:a14="http://schemas.microsoft.com/office/drawing/2010/main" val="0"/>
+                <a14:useLocalDpi xmlns:a14="http://schemas.microsoft.com/office/drawing/2010/main" xmlns="" val="0"/>
               </a:ext>
             </a:extLst>
           </a:blip>
@@ -10614,8 +11535,35 @@
         </p:blipFill>
         <p:spPr>
           <a:xfrm>
-            <a:off x="0" y="4095"/>
-            <a:ext cx="12192833" cy="6857999"/>
+            <a:off x="0" y="0"/>
+            <a:ext cx="12192000" cy="6858000"/>
+          </a:xfrm>
+        </p:spPr>
+      </p:pic>
+      <p:pic>
+        <p:nvPicPr>
+          <p:cNvPr id="10" name="Picture 9"/>
+          <p:cNvPicPr>
+            <a:picLocks noChangeAspect="1"/>
+          </p:cNvPicPr>
+          <p:nvPr/>
+        </p:nvPicPr>
+        <p:blipFill>
+          <a:blip r:embed="rId4">
+            <a:extLst>
+              <a:ext uri="{28A0092B-C50C-407E-A947-70E740481C1C}">
+                <a14:useLocalDpi xmlns:a14="http://schemas.microsoft.com/office/drawing/2010/main" xmlns="" val="0"/>
+              </a:ext>
+            </a:extLst>
+          </a:blip>
+          <a:stretch>
+            <a:fillRect/>
+          </a:stretch>
+        </p:blipFill>
+        <p:spPr>
+          <a:xfrm>
+            <a:off x="3161444" y="1027906"/>
+            <a:ext cx="6239410" cy="3456970"/>
           </a:xfrm>
           <a:prstGeom prst="rect">
             <a:avLst/>
@@ -10624,14 +11572,14 @@
       </p:pic>
       <p:sp>
         <p:nvSpPr>
-          <p:cNvPr id="17" name="TextBox 16"/>
+          <p:cNvPr id="11" name="TextBox 10"/>
           <p:cNvSpPr txBox="1"/>
           <p:nvPr/>
         </p:nvSpPr>
         <p:spPr>
           <a:xfrm>
-            <a:off x="8636675" y="1295548"/>
-            <a:ext cx="2294507" cy="1938992"/>
+            <a:off x="1715784" y="4505424"/>
+            <a:ext cx="3082895" cy="707886"/>
           </a:xfrm>
           <a:prstGeom prst="rect">
             <a:avLst/>
@@ -10639,51 +11587,42 @@
           <a:noFill/>
         </p:spPr>
         <p:txBody>
-          <a:bodyPr wrap="square" rtlCol="0">
+          <a:bodyPr wrap="none" rtlCol="0">
             <a:spAutoFit/>
           </a:bodyPr>
           <a:lstStyle/>
           <a:p>
             <a:r>
+              <a:rPr lang="en-US" sz="4000" b="1" dirty="0" err="1">
+                <a:solidFill>
+                  <a:schemeClr val="bg1"/>
+                </a:solidFill>
+                <a:latin typeface="Liberation Sans Narrow" panose="020B0606020202030204" pitchFamily="34" charset="0"/>
+              </a:rPr>
+              <a:t>Sencha</a:t>
+            </a:r>
+            <a:r>
               <a:rPr lang="en-US" sz="4000" b="1" dirty="0">
                 <a:solidFill>
                   <a:schemeClr val="bg1"/>
                 </a:solidFill>
                 <a:latin typeface="Liberation Sans Narrow" panose="020B0606020202030204" pitchFamily="34" charset="0"/>
               </a:rPr>
-              <a:t>Other </a:t>
-            </a:r>
-            <a:r>
-              <a:rPr lang="en-US" sz="4000" b="1" dirty="0" err="1">
-                <a:solidFill>
-                  <a:schemeClr val="bg1"/>
-                </a:solidFill>
-                <a:latin typeface="Liberation Sans Narrow" panose="020B0606020202030204" pitchFamily="34" charset="0"/>
-              </a:rPr>
-              <a:t>Sencha</a:t>
-            </a:r>
-            <a:r>
-              <a:rPr lang="en-US" sz="4000" b="1" dirty="0">
-                <a:solidFill>
-                  <a:schemeClr val="bg1"/>
-                </a:solidFill>
-                <a:latin typeface="Liberation Sans Narrow" panose="020B0606020202030204" pitchFamily="34" charset="0"/>
-              </a:rPr>
-              <a:t> Products</a:t>
-            </a:r>
-          </a:p>
-        </p:txBody>
-      </p:sp>
-      <p:sp>
-        <p:nvSpPr>
-          <p:cNvPr id="18" name="TextBox 17"/>
+              <a:t> Ext JS</a:t>
+            </a:r>
+          </a:p>
+        </p:txBody>
+      </p:sp>
+      <p:sp>
+        <p:nvSpPr>
+          <p:cNvPr id="12" name="TextBox 11"/>
           <p:cNvSpPr txBox="1"/>
           <p:nvPr/>
         </p:nvSpPr>
         <p:spPr>
           <a:xfrm>
-            <a:off x="1027417" y="1443225"/>
-            <a:ext cx="2072636" cy="477054"/>
+            <a:off x="1705510" y="5178479"/>
+            <a:ext cx="8332730" cy="477054"/>
           </a:xfrm>
           <a:prstGeom prst="rect">
             <a:avLst/>
@@ -10691,69 +11630,21 @@
           <a:noFill/>
         </p:spPr>
         <p:txBody>
-          <a:bodyPr wrap="square" rtlCol="0">
+          <a:bodyPr wrap="none" rtlCol="0">
             <a:spAutoFit/>
           </a:bodyPr>
           <a:lstStyle/>
           <a:p>
-            <a:pPr algn="ctr"/>
-            <a:r>
-              <a:rPr lang="en-US" sz="2500" b="1" dirty="0" err="1">
-                <a:solidFill>
-                  <a:schemeClr val="accent4">
-                    <a:lumMod val="75000"/>
-                  </a:schemeClr>
-                </a:solidFill>
-                <a:latin typeface="Liberation Sans Narrow" panose="020B0606020202030204" pitchFamily="34" charset="0"/>
-              </a:rPr>
-              <a:t>Sencha</a:t>
-            </a:r>
-            <a:r>
-              <a:rPr lang="en-US" sz="2500" b="1" dirty="0">
-                <a:solidFill>
-                  <a:schemeClr val="accent4">
-                    <a:lumMod val="75000"/>
-                  </a:schemeClr>
-                </a:solidFill>
-                <a:latin typeface="Liberation Sans Narrow" panose="020B0606020202030204" pitchFamily="34" charset="0"/>
-              </a:rPr>
-              <a:t> Touch</a:t>
-            </a:r>
-          </a:p>
-        </p:txBody>
-      </p:sp>
-      <p:sp>
-        <p:nvSpPr>
-          <p:cNvPr id="19" name="TextBox 18"/>
-          <p:cNvSpPr txBox="1"/>
-          <p:nvPr/>
-        </p:nvSpPr>
-        <p:spPr>
-          <a:xfrm>
-            <a:off x="3340487" y="1295548"/>
-            <a:ext cx="4056623" cy="769441"/>
-          </a:xfrm>
-          <a:prstGeom prst="rect">
-            <a:avLst/>
-          </a:prstGeom>
-          <a:noFill/>
-        </p:spPr>
-        <p:txBody>
-          <a:bodyPr wrap="square" rtlCol="0">
-            <a:spAutoFit/>
-          </a:bodyPr>
-          <a:lstStyle/>
-          <a:p>
-            <a:r>
-              <a:rPr lang="en-US" sz="2200" b="1" dirty="0" smtClean="0">
-                <a:solidFill>
-                  <a:schemeClr val="bg1"/>
-                </a:solidFill>
-                <a:latin typeface="Liberation Sans Narrow" panose="020B0606020202030204" pitchFamily="34" charset="0"/>
-              </a:rPr>
-              <a:t>Framework for building mobile application</a:t>
-            </a:r>
-            <a:endParaRPr lang="en-US" sz="2200" b="1" dirty="0">
+            <a:r>
+              <a:rPr lang="en-US" sz="2500" dirty="0" smtClean="0">
+                <a:solidFill>
+                  <a:schemeClr val="bg1"/>
+                </a:solidFill>
+                <a:latin typeface="Liberation Sans Narrow" panose="020B0606020202030204" pitchFamily="34" charset="0"/>
+              </a:rPr>
+              <a:t>Rapidly design, develop, and manage cross-platform web applications</a:t>
+            </a:r>
+            <a:endParaRPr lang="en-US" sz="2500" dirty="0">
               <a:solidFill>
                 <a:schemeClr val="bg1"/>
               </a:solidFill>
@@ -10762,566 +11653,10 @@
           </a:p>
         </p:txBody>
       </p:sp>
-      <p:sp>
-        <p:nvSpPr>
-          <p:cNvPr id="20" name="TextBox 19"/>
-          <p:cNvSpPr txBox="1"/>
-          <p:nvPr/>
-        </p:nvSpPr>
-        <p:spPr>
-          <a:xfrm>
-            <a:off x="1077077" y="2273720"/>
-            <a:ext cx="2072636" cy="477054"/>
-          </a:xfrm>
-          <a:prstGeom prst="rect">
-            <a:avLst/>
-          </a:prstGeom>
-          <a:noFill/>
-        </p:spPr>
-        <p:txBody>
-          <a:bodyPr wrap="square" rtlCol="0">
-            <a:spAutoFit/>
-          </a:bodyPr>
-          <a:lstStyle/>
-          <a:p>
-            <a:pPr algn="ctr"/>
-            <a:r>
-              <a:rPr lang="en-US" sz="2500" b="1" dirty="0" smtClean="0">
-                <a:solidFill>
-                  <a:schemeClr val="accent4">
-                    <a:lumMod val="75000"/>
-                  </a:schemeClr>
-                </a:solidFill>
-                <a:latin typeface="Liberation Sans Narrow" panose="020B0606020202030204" pitchFamily="34" charset="0"/>
-              </a:rPr>
-              <a:t>Sencha.io</a:t>
-            </a:r>
-            <a:endParaRPr lang="en-US" sz="2500" b="1" dirty="0">
-              <a:solidFill>
-                <a:schemeClr val="accent4">
-                  <a:lumMod val="75000"/>
-                </a:schemeClr>
-              </a:solidFill>
-              <a:latin typeface="Liberation Sans Narrow" panose="020B0606020202030204" pitchFamily="34" charset="0"/>
-            </a:endParaRPr>
-          </a:p>
-        </p:txBody>
-      </p:sp>
-      <p:sp>
-        <p:nvSpPr>
-          <p:cNvPr id="21" name="TextBox 20"/>
-          <p:cNvSpPr txBox="1"/>
-          <p:nvPr/>
-        </p:nvSpPr>
-        <p:spPr>
-          <a:xfrm>
-            <a:off x="3318402" y="2321247"/>
-            <a:ext cx="4056623" cy="430887"/>
-          </a:xfrm>
-          <a:prstGeom prst="rect">
-            <a:avLst/>
-          </a:prstGeom>
-          <a:noFill/>
-        </p:spPr>
-        <p:txBody>
-          <a:bodyPr wrap="square" rtlCol="0">
-            <a:spAutoFit/>
-          </a:bodyPr>
-          <a:lstStyle/>
-          <a:p>
-            <a:r>
-              <a:rPr lang="en-US" sz="2200" b="1" dirty="0">
-                <a:solidFill>
-                  <a:schemeClr val="bg1"/>
-                </a:solidFill>
-                <a:latin typeface="Liberation Sans Narrow" panose="020B0606020202030204" pitchFamily="34" charset="0"/>
-              </a:rPr>
-              <a:t>C</a:t>
-            </a:r>
-            <a:r>
-              <a:rPr lang="en-US" sz="2200" b="1" dirty="0" smtClean="0">
-                <a:solidFill>
-                  <a:schemeClr val="bg1"/>
-                </a:solidFill>
-                <a:latin typeface="Liberation Sans Narrow" panose="020B0606020202030204" pitchFamily="34" charset="0"/>
-              </a:rPr>
-              <a:t>loud services for mobile</a:t>
-            </a:r>
-            <a:endParaRPr lang="en-US" sz="2200" b="1" dirty="0">
-              <a:solidFill>
-                <a:schemeClr val="bg1"/>
-              </a:solidFill>
-              <a:latin typeface="Liberation Sans Narrow" panose="020B0606020202030204" pitchFamily="34" charset="0"/>
-            </a:endParaRPr>
-          </a:p>
-        </p:txBody>
-      </p:sp>
-      <p:sp>
-        <p:nvSpPr>
-          <p:cNvPr id="22" name="TextBox 21"/>
-          <p:cNvSpPr txBox="1"/>
-          <p:nvPr/>
-        </p:nvSpPr>
-        <p:spPr>
-          <a:xfrm>
-            <a:off x="1025707" y="3147019"/>
-            <a:ext cx="2072636" cy="477054"/>
-          </a:xfrm>
-          <a:prstGeom prst="rect">
-            <a:avLst/>
-          </a:prstGeom>
-          <a:noFill/>
-        </p:spPr>
-        <p:txBody>
-          <a:bodyPr wrap="square" rtlCol="0">
-            <a:spAutoFit/>
-          </a:bodyPr>
-          <a:lstStyle/>
-          <a:p>
-            <a:pPr algn="ctr"/>
-            <a:r>
-              <a:rPr lang="en-US" sz="2500" b="1" dirty="0" smtClean="0">
-                <a:solidFill>
-                  <a:schemeClr val="accent4">
-                    <a:lumMod val="75000"/>
-                  </a:schemeClr>
-                </a:solidFill>
-                <a:latin typeface="Liberation Sans Narrow" panose="020B0606020202030204" pitchFamily="34" charset="0"/>
-              </a:rPr>
-              <a:t>Ext Designer</a:t>
-            </a:r>
-            <a:endParaRPr lang="en-US" sz="2500" b="1" dirty="0">
-              <a:solidFill>
-                <a:schemeClr val="accent4">
-                  <a:lumMod val="75000"/>
-                </a:schemeClr>
-              </a:solidFill>
-              <a:latin typeface="Liberation Sans Narrow" panose="020B0606020202030204" pitchFamily="34" charset="0"/>
-            </a:endParaRPr>
-          </a:p>
-        </p:txBody>
-      </p:sp>
-      <p:sp>
-        <p:nvSpPr>
-          <p:cNvPr id="23" name="TextBox 22"/>
-          <p:cNvSpPr txBox="1"/>
-          <p:nvPr/>
-        </p:nvSpPr>
-        <p:spPr>
-          <a:xfrm>
-            <a:off x="3339045" y="3153406"/>
-            <a:ext cx="4056623" cy="430887"/>
-          </a:xfrm>
-          <a:prstGeom prst="rect">
-            <a:avLst/>
-          </a:prstGeom>
-          <a:noFill/>
-        </p:spPr>
-        <p:txBody>
-          <a:bodyPr wrap="square" rtlCol="0">
-            <a:spAutoFit/>
-          </a:bodyPr>
-          <a:lstStyle/>
-          <a:p>
-            <a:r>
-              <a:rPr lang="en-US" sz="2200" b="1" dirty="0" err="1">
-                <a:solidFill>
-                  <a:schemeClr val="bg1"/>
-                </a:solidFill>
-                <a:latin typeface="Liberation Sans Narrow" panose="020B0606020202030204" pitchFamily="34" charset="0"/>
-              </a:rPr>
-              <a:t>W</a:t>
-            </a:r>
-            <a:r>
-              <a:rPr lang="en-US" sz="2200" b="1" dirty="0" err="1" smtClean="0">
-                <a:solidFill>
-                  <a:schemeClr val="bg1"/>
-                </a:solidFill>
-                <a:latin typeface="Liberation Sans Narrow" panose="020B0606020202030204" pitchFamily="34" charset="0"/>
-              </a:rPr>
-              <a:t>ysiwig</a:t>
-            </a:r>
-            <a:r>
-              <a:rPr lang="en-US" sz="2200" b="1" dirty="0" smtClean="0">
-                <a:solidFill>
-                  <a:schemeClr val="bg1"/>
-                </a:solidFill>
-                <a:latin typeface="Liberation Sans Narrow" panose="020B0606020202030204" pitchFamily="34" charset="0"/>
-              </a:rPr>
-              <a:t> tool for </a:t>
-            </a:r>
-            <a:r>
-              <a:rPr lang="en-US" sz="2200" b="1" dirty="0" err="1" smtClean="0">
-                <a:solidFill>
-                  <a:schemeClr val="bg1"/>
-                </a:solidFill>
-                <a:latin typeface="Liberation Sans Narrow" panose="020B0606020202030204" pitchFamily="34" charset="0"/>
-              </a:rPr>
-              <a:t>ExtJS</a:t>
-            </a:r>
-            <a:endParaRPr lang="en-US" sz="2200" b="1" dirty="0">
-              <a:solidFill>
-                <a:schemeClr val="bg1"/>
-              </a:solidFill>
-              <a:latin typeface="Liberation Sans Narrow" panose="020B0606020202030204" pitchFamily="34" charset="0"/>
-            </a:endParaRPr>
-          </a:p>
-        </p:txBody>
-      </p:sp>
-      <p:sp>
-        <p:nvSpPr>
-          <p:cNvPr id="24" name="TextBox 23"/>
-          <p:cNvSpPr txBox="1"/>
-          <p:nvPr/>
-        </p:nvSpPr>
-        <p:spPr>
-          <a:xfrm>
-            <a:off x="1035981" y="4873079"/>
-            <a:ext cx="2072636" cy="477054"/>
-          </a:xfrm>
-          <a:prstGeom prst="rect">
-            <a:avLst/>
-          </a:prstGeom>
-          <a:noFill/>
-        </p:spPr>
-        <p:txBody>
-          <a:bodyPr wrap="square" rtlCol="0">
-            <a:spAutoFit/>
-          </a:bodyPr>
-          <a:lstStyle/>
-          <a:p>
-            <a:pPr algn="ctr"/>
-            <a:r>
-              <a:rPr lang="en-US" sz="2500" b="1" dirty="0" smtClean="0">
-                <a:solidFill>
-                  <a:schemeClr val="accent4">
-                    <a:lumMod val="75000"/>
-                  </a:schemeClr>
-                </a:solidFill>
-                <a:latin typeface="Liberation Sans Narrow" panose="020B0606020202030204" pitchFamily="34" charset="0"/>
-              </a:rPr>
-              <a:t>Ext GWT</a:t>
-            </a:r>
-            <a:endParaRPr lang="en-US" sz="2500" b="1" dirty="0">
-              <a:solidFill>
-                <a:schemeClr val="accent4">
-                  <a:lumMod val="75000"/>
-                </a:schemeClr>
-              </a:solidFill>
-              <a:latin typeface="Liberation Sans Narrow" panose="020B0606020202030204" pitchFamily="34" charset="0"/>
-            </a:endParaRPr>
-          </a:p>
-        </p:txBody>
-      </p:sp>
-      <p:sp>
-        <p:nvSpPr>
-          <p:cNvPr id="25" name="TextBox 24"/>
-          <p:cNvSpPr txBox="1"/>
-          <p:nvPr/>
-        </p:nvSpPr>
-        <p:spPr>
-          <a:xfrm>
-            <a:off x="3349051" y="4725402"/>
-            <a:ext cx="4056623" cy="769441"/>
-          </a:xfrm>
-          <a:prstGeom prst="rect">
-            <a:avLst/>
-          </a:prstGeom>
-          <a:noFill/>
-        </p:spPr>
-        <p:txBody>
-          <a:bodyPr wrap="square" rtlCol="0">
-            <a:spAutoFit/>
-          </a:bodyPr>
-          <a:lstStyle/>
-          <a:p>
-            <a:r>
-              <a:rPr lang="en-US" sz="2200" b="1" dirty="0" smtClean="0">
-                <a:solidFill>
-                  <a:schemeClr val="bg1"/>
-                </a:solidFill>
-                <a:latin typeface="Liberation Sans Narrow" panose="020B0606020202030204" pitchFamily="34" charset="0"/>
-              </a:rPr>
-              <a:t>Ext controls available for Google Web Toolkit</a:t>
-            </a:r>
-            <a:endParaRPr lang="en-US" sz="2200" b="1" dirty="0">
-              <a:solidFill>
-                <a:schemeClr val="bg1"/>
-              </a:solidFill>
-              <a:latin typeface="Liberation Sans Narrow" panose="020B0606020202030204" pitchFamily="34" charset="0"/>
-            </a:endParaRPr>
-          </a:p>
-        </p:txBody>
-      </p:sp>
-      <p:sp>
-        <p:nvSpPr>
-          <p:cNvPr id="26" name="TextBox 25"/>
-          <p:cNvSpPr txBox="1"/>
-          <p:nvPr/>
-        </p:nvSpPr>
-        <p:spPr>
-          <a:xfrm>
-            <a:off x="1023713" y="4011305"/>
-            <a:ext cx="2074630" cy="400110"/>
-          </a:xfrm>
-          <a:prstGeom prst="rect">
-            <a:avLst/>
-          </a:prstGeom>
-          <a:noFill/>
-        </p:spPr>
-        <p:txBody>
-          <a:bodyPr wrap="square" rtlCol="0">
-            <a:spAutoFit/>
-          </a:bodyPr>
-          <a:lstStyle/>
-          <a:p>
-            <a:pPr algn="ctr"/>
-            <a:r>
-              <a:rPr lang="en-US" sz="2000" b="1" dirty="0" err="1" smtClean="0">
-                <a:solidFill>
-                  <a:schemeClr val="accent4">
-                    <a:lumMod val="75000"/>
-                  </a:schemeClr>
-                </a:solidFill>
-                <a:latin typeface="Liberation Sans Narrow" panose="020B0606020202030204" pitchFamily="34" charset="0"/>
-              </a:rPr>
-              <a:t>Sencha</a:t>
-            </a:r>
-            <a:r>
-              <a:rPr lang="en-US" sz="2000" b="1" dirty="0" smtClean="0">
-                <a:solidFill>
-                  <a:schemeClr val="accent4">
-                    <a:lumMod val="75000"/>
-                  </a:schemeClr>
-                </a:solidFill>
-                <a:latin typeface="Liberation Sans Narrow" panose="020B0606020202030204" pitchFamily="34" charset="0"/>
-              </a:rPr>
-              <a:t> Animation</a:t>
-            </a:r>
-            <a:endParaRPr lang="en-US" sz="2000" b="1" dirty="0">
-              <a:solidFill>
-                <a:schemeClr val="accent4">
-                  <a:lumMod val="75000"/>
-                </a:schemeClr>
-              </a:solidFill>
-              <a:latin typeface="Liberation Sans Narrow" panose="020B0606020202030204" pitchFamily="34" charset="0"/>
-            </a:endParaRPr>
-          </a:p>
-        </p:txBody>
-      </p:sp>
-      <p:sp>
-        <p:nvSpPr>
-          <p:cNvPr id="27" name="TextBox 26"/>
-          <p:cNvSpPr txBox="1"/>
-          <p:nvPr/>
-        </p:nvSpPr>
-        <p:spPr>
-          <a:xfrm>
-            <a:off x="3307955" y="3893191"/>
-            <a:ext cx="4056623" cy="769441"/>
-          </a:xfrm>
-          <a:prstGeom prst="rect">
-            <a:avLst/>
-          </a:prstGeom>
-          <a:noFill/>
-        </p:spPr>
-        <p:txBody>
-          <a:bodyPr wrap="square" rtlCol="0">
-            <a:spAutoFit/>
-          </a:bodyPr>
-          <a:lstStyle/>
-          <a:p>
-            <a:r>
-              <a:rPr lang="en-US" sz="2200" b="1" dirty="0">
-                <a:solidFill>
-                  <a:schemeClr val="bg1"/>
-                </a:solidFill>
-                <a:latin typeface="Liberation Sans Narrow" panose="020B0606020202030204" pitchFamily="34" charset="0"/>
-              </a:rPr>
-              <a:t>T</a:t>
-            </a:r>
-            <a:r>
-              <a:rPr lang="en-US" sz="2200" b="1" dirty="0" smtClean="0">
-                <a:solidFill>
-                  <a:schemeClr val="bg1"/>
-                </a:solidFill>
-                <a:latin typeface="Liberation Sans Narrow" panose="020B0606020202030204" pitchFamily="34" charset="0"/>
-              </a:rPr>
-              <a:t>ool for designing CSS3 animations</a:t>
-            </a:r>
-            <a:endParaRPr lang="en-US" sz="2200" b="1" dirty="0">
-              <a:solidFill>
-                <a:schemeClr val="bg1"/>
-              </a:solidFill>
-              <a:latin typeface="Liberation Sans Narrow" panose="020B0606020202030204" pitchFamily="34" charset="0"/>
-            </a:endParaRPr>
-          </a:p>
-        </p:txBody>
-      </p:sp>
-      <p:sp>
-        <p:nvSpPr>
-          <p:cNvPr id="28" name="TextBox 27"/>
-          <p:cNvSpPr txBox="1"/>
-          <p:nvPr/>
-        </p:nvSpPr>
-        <p:spPr>
-          <a:xfrm>
-            <a:off x="8536543" y="3961759"/>
-            <a:ext cx="816249" cy="369332"/>
-          </a:xfrm>
-          <a:prstGeom prst="rect">
-            <a:avLst/>
-          </a:prstGeom>
-          <a:noFill/>
-        </p:spPr>
-        <p:txBody>
-          <a:bodyPr wrap="none" rtlCol="0">
-            <a:spAutoFit/>
-          </a:bodyPr>
-          <a:lstStyle/>
-          <a:p>
-            <a:r>
-              <a:rPr lang="en-US" b="1" dirty="0" smtClean="0">
-                <a:solidFill>
-                  <a:schemeClr val="bg1"/>
-                </a:solidFill>
-                <a:latin typeface="Liberation Sans Narrow" panose="020B0606020202030204" pitchFamily="34" charset="0"/>
-              </a:rPr>
-              <a:t>Design</a:t>
-            </a:r>
-            <a:endParaRPr lang="en-US" b="1" dirty="0">
-              <a:solidFill>
-                <a:schemeClr val="bg1"/>
-              </a:solidFill>
-              <a:latin typeface="Liberation Sans Narrow" panose="020B0606020202030204" pitchFamily="34" charset="0"/>
-            </a:endParaRPr>
-          </a:p>
-        </p:txBody>
-      </p:sp>
-      <p:sp>
-        <p:nvSpPr>
-          <p:cNvPr id="29" name="TextBox 28"/>
-          <p:cNvSpPr txBox="1"/>
-          <p:nvPr/>
-        </p:nvSpPr>
-        <p:spPr>
-          <a:xfrm>
-            <a:off x="9652881" y="4003608"/>
-            <a:ext cx="922047" cy="369332"/>
-          </a:xfrm>
-          <a:prstGeom prst="rect">
-            <a:avLst/>
-          </a:prstGeom>
-          <a:noFill/>
-        </p:spPr>
-        <p:txBody>
-          <a:bodyPr wrap="none" rtlCol="0">
-            <a:spAutoFit/>
-          </a:bodyPr>
-          <a:lstStyle/>
-          <a:p>
-            <a:r>
-              <a:rPr lang="en-US" b="1" dirty="0" smtClean="0">
-                <a:solidFill>
-                  <a:schemeClr val="bg1"/>
-                </a:solidFill>
-                <a:latin typeface="Liberation Sans Narrow" panose="020B0606020202030204" pitchFamily="34" charset="0"/>
-              </a:rPr>
-              <a:t>Develop</a:t>
-            </a:r>
-            <a:endParaRPr lang="en-US" b="1" dirty="0">
-              <a:solidFill>
-                <a:schemeClr val="bg1"/>
-              </a:solidFill>
-              <a:latin typeface="Liberation Sans Narrow" panose="020B0606020202030204" pitchFamily="34" charset="0"/>
-            </a:endParaRPr>
-          </a:p>
-        </p:txBody>
-      </p:sp>
-      <p:sp>
-        <p:nvSpPr>
-          <p:cNvPr id="30" name="TextBox 29"/>
-          <p:cNvSpPr txBox="1"/>
-          <p:nvPr/>
-        </p:nvSpPr>
-        <p:spPr>
-          <a:xfrm>
-            <a:off x="8499673" y="5074116"/>
-            <a:ext cx="889987" cy="369332"/>
-          </a:xfrm>
-          <a:prstGeom prst="rect">
-            <a:avLst/>
-          </a:prstGeom>
-          <a:noFill/>
-        </p:spPr>
-        <p:txBody>
-          <a:bodyPr wrap="none" rtlCol="0">
-            <a:spAutoFit/>
-          </a:bodyPr>
-          <a:lstStyle/>
-          <a:p>
-            <a:r>
-              <a:rPr lang="en-US" b="1" dirty="0" smtClean="0">
-                <a:solidFill>
-                  <a:schemeClr val="bg1"/>
-                </a:solidFill>
-                <a:latin typeface="Liberation Sans Narrow" panose="020B0606020202030204" pitchFamily="34" charset="0"/>
-              </a:rPr>
-              <a:t>Manage</a:t>
-            </a:r>
-            <a:endParaRPr lang="en-US" b="1" dirty="0">
-              <a:solidFill>
-                <a:schemeClr val="bg1"/>
-              </a:solidFill>
-              <a:latin typeface="Liberation Sans Narrow" panose="020B0606020202030204" pitchFamily="34" charset="0"/>
-            </a:endParaRPr>
-          </a:p>
-        </p:txBody>
-      </p:sp>
-      <p:sp>
-        <p:nvSpPr>
-          <p:cNvPr id="31" name="TextBox 30"/>
-          <p:cNvSpPr txBox="1"/>
-          <p:nvPr/>
-        </p:nvSpPr>
-        <p:spPr>
-          <a:xfrm>
-            <a:off x="9568950" y="4957234"/>
-            <a:ext cx="1285437" cy="646331"/>
-          </a:xfrm>
-          <a:prstGeom prst="rect">
-            <a:avLst/>
-          </a:prstGeom>
-          <a:noFill/>
-        </p:spPr>
-        <p:txBody>
-          <a:bodyPr wrap="square" rtlCol="0">
-            <a:spAutoFit/>
-          </a:bodyPr>
-          <a:lstStyle/>
-          <a:p>
-            <a:r>
-              <a:rPr lang="en-US" b="1" dirty="0" smtClean="0">
-                <a:solidFill>
-                  <a:schemeClr val="bg1"/>
-                </a:solidFill>
-                <a:latin typeface="Liberation Sans Narrow" panose="020B0606020202030204" pitchFamily="34" charset="0"/>
-              </a:rPr>
-              <a:t>Plugins &amp; Services</a:t>
-            </a:r>
-            <a:endParaRPr lang="en-US" b="1" dirty="0">
-              <a:solidFill>
-                <a:schemeClr val="bg1"/>
-              </a:solidFill>
-              <a:latin typeface="Liberation Sans Narrow" panose="020B0606020202030204" pitchFamily="34" charset="0"/>
-            </a:endParaRPr>
-          </a:p>
-        </p:txBody>
-      </p:sp>
     </p:spTree>
     <p:extLst>
       <p:ext uri="{BB962C8B-B14F-4D97-AF65-F5344CB8AC3E}">
-        <p14:creationId xmlns="" xmlns:p14="http://schemas.microsoft.com/office/powerpoint/2010/main" val="1937000914"/>
+        <p14:creationId xmlns:p14="http://schemas.microsoft.com/office/powerpoint/2010/main" xmlns="" val="754140818"/>
       </p:ext>
     </p:extLst>
   </p:cSld>
@@ -11370,7 +11705,7 @@
           <a:bodyPr/>
           <a:lstStyle/>
           <a:p>
-            <a:endParaRPr lang="en-US"/>
+            <a:endParaRPr lang="en-US" dirty="0"/>
           </a:p>
         </p:txBody>
       </p:sp>
@@ -11388,7 +11723,7 @@
           <a:blip r:embed="rId3">
             <a:extLst>
               <a:ext uri="{28A0092B-C50C-407E-A947-70E740481C1C}">
-                <a14:useLocalDpi xmlns="" xmlns:a14="http://schemas.microsoft.com/office/drawing/2010/main" val="0"/>
+                <a14:useLocalDpi xmlns:a14="http://schemas.microsoft.com/office/drawing/2010/main" xmlns="" val="0"/>
               </a:ext>
             </a:extLst>
           </a:blip>
@@ -11398,9 +11733,10 @@
         </p:blipFill>
         <p:spPr>
           <a:xfrm>
-            <a:off x="0" y="0"/>
-            <a:ext cx="12192000" cy="6858000"/>
+            <a:off x="-10273" y="0"/>
+            <a:ext cx="12202274" cy="6858000"/>
           </a:xfrm>
+          <a:noFill/>
         </p:spPr>
       </p:pic>
       <p:sp>
@@ -11411,8 +11747,8 @@
         </p:nvSpPr>
         <p:spPr>
           <a:xfrm>
-            <a:off x="3234267" y="1337733"/>
-            <a:ext cx="5965095" cy="861774"/>
+            <a:off x="1407560" y="1259801"/>
+            <a:ext cx="4124847" cy="861774"/>
           </a:xfrm>
           <a:prstGeom prst="rect">
             <a:avLst/>
@@ -11432,7 +11768,7 @@
                 </a:solidFill>
                 <a:latin typeface="Liberation Sans Narrow" panose="020B0606020202030204" pitchFamily="34" charset="0"/>
               </a:rPr>
-              <a:t>Support major browser</a:t>
+              <a:t>What is Ext JS?</a:t>
             </a:r>
             <a:endParaRPr lang="en-US" sz="5000" b="1" dirty="0">
               <a:solidFill>
@@ -11443,166 +11779,16 @@
           </a:p>
         </p:txBody>
       </p:sp>
-      <p:pic>
-        <p:nvPicPr>
-          <p:cNvPr id="6" name="Picture 5"/>
-          <p:cNvPicPr>
-            <a:picLocks noChangeAspect="1"/>
-          </p:cNvPicPr>
+      <p:sp>
+        <p:nvSpPr>
+          <p:cNvPr id="6" name="TextBox 5"/>
+          <p:cNvSpPr txBox="1"/>
           <p:nvPr/>
-        </p:nvPicPr>
-        <p:blipFill>
-          <a:blip r:embed="rId4">
-            <a:extLst>
-              <a:ext uri="{28A0092B-C50C-407E-A947-70E740481C1C}">
-                <a14:useLocalDpi xmlns="" xmlns:a14="http://schemas.microsoft.com/office/drawing/2010/main" val="0"/>
-              </a:ext>
-            </a:extLst>
-          </a:blip>
-          <a:stretch>
-            <a:fillRect/>
-          </a:stretch>
-        </p:blipFill>
+        </p:nvSpPr>
         <p:spPr>
           <a:xfrm>
-            <a:off x="2142067" y="3461953"/>
-            <a:ext cx="922866" cy="922866"/>
-          </a:xfrm>
-          <a:prstGeom prst="rect">
-            <a:avLst/>
-          </a:prstGeom>
-        </p:spPr>
-      </p:pic>
-      <p:pic>
-        <p:nvPicPr>
-          <p:cNvPr id="7" name="Picture 6"/>
-          <p:cNvPicPr>
-            <a:picLocks noChangeAspect="1"/>
-          </p:cNvPicPr>
-          <p:nvPr/>
-        </p:nvPicPr>
-        <p:blipFill>
-          <a:blip r:embed="rId5">
-            <a:extLst>
-              <a:ext uri="{28A0092B-C50C-407E-A947-70E740481C1C}">
-                <a14:useLocalDpi xmlns="" xmlns:a14="http://schemas.microsoft.com/office/drawing/2010/main" val="0"/>
-              </a:ext>
-            </a:extLst>
-          </a:blip>
-          <a:stretch>
-            <a:fillRect/>
-          </a:stretch>
-        </p:blipFill>
-        <p:spPr>
-          <a:xfrm>
-            <a:off x="4106434" y="3556000"/>
-            <a:ext cx="770467" cy="770467"/>
-          </a:xfrm>
-          <a:prstGeom prst="rect">
-            <a:avLst/>
-          </a:prstGeom>
-        </p:spPr>
-      </p:pic>
-      <p:pic>
-        <p:nvPicPr>
-          <p:cNvPr id="8" name="Picture 7"/>
-          <p:cNvPicPr>
-            <a:picLocks noChangeAspect="1"/>
-          </p:cNvPicPr>
-          <p:nvPr/>
-        </p:nvPicPr>
-        <p:blipFill>
-          <a:blip r:embed="rId6">
-            <a:extLst>
-              <a:ext uri="{28A0092B-C50C-407E-A947-70E740481C1C}">
-                <a14:useLocalDpi xmlns="" xmlns:a14="http://schemas.microsoft.com/office/drawing/2010/main" val="0"/>
-              </a:ext>
-            </a:extLst>
-          </a:blip>
-          <a:stretch>
-            <a:fillRect/>
-          </a:stretch>
-        </p:blipFill>
-        <p:spPr>
-          <a:xfrm>
-            <a:off x="5994501" y="3496730"/>
-            <a:ext cx="804233" cy="804233"/>
-          </a:xfrm>
-          <a:prstGeom prst="rect">
-            <a:avLst/>
-          </a:prstGeom>
-        </p:spPr>
-      </p:pic>
-      <p:pic>
-        <p:nvPicPr>
-          <p:cNvPr id="9" name="Picture 8"/>
-          <p:cNvPicPr>
-            <a:picLocks noChangeAspect="1"/>
-          </p:cNvPicPr>
-          <p:nvPr/>
-        </p:nvPicPr>
-        <p:blipFill>
-          <a:blip r:embed="rId7">
-            <a:extLst>
-              <a:ext uri="{28A0092B-C50C-407E-A947-70E740481C1C}">
-                <a14:useLocalDpi xmlns="" xmlns:a14="http://schemas.microsoft.com/office/drawing/2010/main" val="0"/>
-              </a:ext>
-            </a:extLst>
-          </a:blip>
-          <a:stretch>
-            <a:fillRect/>
-          </a:stretch>
-        </p:blipFill>
-        <p:spPr>
-          <a:xfrm>
-            <a:off x="2908353" y="5113969"/>
-            <a:ext cx="749249" cy="749249"/>
-          </a:xfrm>
-          <a:prstGeom prst="rect">
-            <a:avLst/>
-          </a:prstGeom>
-        </p:spPr>
-      </p:pic>
-      <p:pic>
-        <p:nvPicPr>
-          <p:cNvPr id="10" name="Picture 9"/>
-          <p:cNvPicPr>
-            <a:picLocks noChangeAspect="1"/>
-          </p:cNvPicPr>
-          <p:nvPr/>
-        </p:nvPicPr>
-        <p:blipFill>
-          <a:blip r:embed="rId8">
-            <a:extLst>
-              <a:ext uri="{28A0092B-C50C-407E-A947-70E740481C1C}">
-                <a14:useLocalDpi xmlns="" xmlns:a14="http://schemas.microsoft.com/office/drawing/2010/main" val="0"/>
-              </a:ext>
-            </a:extLst>
-          </a:blip>
-          <a:stretch>
-            <a:fillRect/>
-          </a:stretch>
-        </p:blipFill>
-        <p:spPr>
-          <a:xfrm>
-            <a:off x="5320754" y="5122436"/>
-            <a:ext cx="749845" cy="783465"/>
-          </a:xfrm>
-          <a:prstGeom prst="rect">
-            <a:avLst/>
-          </a:prstGeom>
-        </p:spPr>
-      </p:pic>
-      <p:sp>
-        <p:nvSpPr>
-          <p:cNvPr id="13" name="TextBox 12"/>
-          <p:cNvSpPr txBox="1"/>
-          <p:nvPr/>
-        </p:nvSpPr>
-        <p:spPr>
-          <a:xfrm>
-            <a:off x="6901824" y="3614974"/>
-            <a:ext cx="543739" cy="553998"/>
+            <a:off x="1604602" y="2815120"/>
+            <a:ext cx="8392154" cy="2400657"/>
           </a:xfrm>
           <a:prstGeom prst="rect">
             <a:avLst/>
@@ -11610,33 +11796,172 @@
           <a:noFill/>
         </p:spPr>
         <p:txBody>
-          <a:bodyPr wrap="none" rtlCol="0">
+          <a:bodyPr wrap="square" rtlCol="0">
             <a:spAutoFit/>
           </a:bodyPr>
           <a:lstStyle/>
           <a:p>
-            <a:r>
-              <a:rPr lang="en-US" sz="3000" b="1" dirty="0" smtClean="0">
-                <a:solidFill>
-                  <a:srgbClr val="0070C0"/>
-                </a:solidFill>
-                <a:latin typeface="Liberation Sans Narrow" panose="020B0606020202030204" pitchFamily="34" charset="0"/>
-              </a:rPr>
-              <a:t>6+</a:t>
-            </a:r>
-          </a:p>
-        </p:txBody>
-      </p:sp>
-      <p:sp>
-        <p:nvSpPr>
-          <p:cNvPr id="14" name="TextBox 13"/>
+            <a:pPr marL="342900" indent="-342900">
+              <a:buClr>
+                <a:schemeClr val="bg1"/>
+              </a:buClr>
+              <a:buFont typeface="Wingdings 3" panose="05040102010807070707" pitchFamily="18" charset="2"/>
+              <a:buChar char=""/>
+            </a:pPr>
+            <a:r>
+              <a:rPr lang="en-US" sz="2500" dirty="0">
+                <a:solidFill>
+                  <a:schemeClr val="bg1"/>
+                </a:solidFill>
+                <a:latin typeface="Liberation Sans Narrow" panose="020B0606020202030204" pitchFamily="34" charset="0"/>
+              </a:rPr>
+              <a:t>A pure JavaScript application Framework for building interactive web applications</a:t>
+            </a:r>
+            <a:r>
+              <a:rPr lang="en-US" sz="2500" dirty="0" smtClean="0">
+                <a:solidFill>
+                  <a:schemeClr val="bg1"/>
+                </a:solidFill>
+                <a:latin typeface="Liberation Sans Narrow" panose="020B0606020202030204" pitchFamily="34" charset="0"/>
+              </a:rPr>
+              <a:t>.</a:t>
+            </a:r>
+            <a:endParaRPr lang="en-US" sz="2500" dirty="0">
+              <a:solidFill>
+                <a:schemeClr val="bg1"/>
+              </a:solidFill>
+              <a:latin typeface="Liberation Sans Narrow" panose="020B0606020202030204" pitchFamily="34" charset="0"/>
+            </a:endParaRPr>
+          </a:p>
+          <a:p>
+            <a:pPr marL="342900" indent="-342900">
+              <a:buClr>
+                <a:schemeClr val="bg1"/>
+              </a:buClr>
+              <a:buFont typeface="Wingdings 3" panose="05040102010807070707" pitchFamily="18" charset="2"/>
+              <a:buChar char=""/>
+            </a:pPr>
+            <a:r>
+              <a:rPr lang="en-US" sz="2500" dirty="0">
+                <a:solidFill>
+                  <a:schemeClr val="bg1"/>
+                </a:solidFill>
+                <a:latin typeface="Liberation Sans Narrow" panose="020B0606020202030204" pitchFamily="34" charset="0"/>
+              </a:rPr>
+              <a:t>Developed and Supported </a:t>
+            </a:r>
+            <a:r>
+              <a:rPr lang="en-US" sz="2500" dirty="0" err="1">
+                <a:solidFill>
+                  <a:schemeClr val="bg1"/>
+                </a:solidFill>
+                <a:latin typeface="Liberation Sans Narrow" panose="020B0606020202030204" pitchFamily="34" charset="0"/>
+              </a:rPr>
+              <a:t>Sencha</a:t>
+            </a:r>
+            <a:r>
+              <a:rPr lang="en-US" sz="2500" dirty="0">
+                <a:solidFill>
+                  <a:schemeClr val="bg1"/>
+                </a:solidFill>
+                <a:latin typeface="Liberation Sans Narrow" panose="020B0606020202030204" pitchFamily="34" charset="0"/>
+              </a:rPr>
+              <a:t> </a:t>
+            </a:r>
+            <a:r>
+              <a:rPr lang="en-US" sz="2500" dirty="0" err="1">
+                <a:solidFill>
+                  <a:schemeClr val="bg1"/>
+                </a:solidFill>
+                <a:latin typeface="Liberation Sans Narrow" panose="020B0606020202030204" pitchFamily="34" charset="0"/>
+              </a:rPr>
+              <a:t>Inc</a:t>
+            </a:r>
+            <a:endParaRPr lang="en-US" sz="2500" dirty="0">
+              <a:solidFill>
+                <a:schemeClr val="bg1"/>
+              </a:solidFill>
+              <a:latin typeface="Liberation Sans Narrow" panose="020B0606020202030204" pitchFamily="34" charset="0"/>
+            </a:endParaRPr>
+          </a:p>
+          <a:p>
+            <a:pPr marL="342900" indent="-342900">
+              <a:buClr>
+                <a:schemeClr val="bg1"/>
+              </a:buClr>
+              <a:buFont typeface="Wingdings 3" panose="05040102010807070707" pitchFamily="18" charset="2"/>
+              <a:buChar char=""/>
+            </a:pPr>
+            <a:r>
+              <a:rPr lang="en-US" sz="2500" dirty="0">
+                <a:solidFill>
+                  <a:schemeClr val="bg1"/>
+                </a:solidFill>
+                <a:latin typeface="Liberation Sans Narrow" panose="020B0606020202030204" pitchFamily="34" charset="0"/>
+              </a:rPr>
+              <a:t>Using techniques such as Ajax, DHTML and DOM </a:t>
+            </a:r>
+            <a:r>
+              <a:rPr lang="en-US" sz="2500" dirty="0" err="1" smtClean="0">
+                <a:solidFill>
+                  <a:schemeClr val="bg1"/>
+                </a:solidFill>
+                <a:latin typeface="Liberation Sans Narrow" panose="020B0606020202030204" pitchFamily="34" charset="0"/>
+              </a:rPr>
+              <a:t>scriptong</a:t>
+            </a:r>
+            <a:endParaRPr lang="en-US" sz="2500" dirty="0">
+              <a:solidFill>
+                <a:schemeClr val="bg1"/>
+              </a:solidFill>
+              <a:latin typeface="Liberation Sans Narrow" panose="020B0606020202030204" pitchFamily="34" charset="0"/>
+            </a:endParaRPr>
+          </a:p>
+          <a:p>
+            <a:pPr marL="342900" indent="-342900">
+              <a:buClr>
+                <a:schemeClr val="bg1"/>
+              </a:buClr>
+              <a:buFont typeface="Wingdings 3" panose="05040102010807070707" pitchFamily="18" charset="2"/>
+              <a:buChar char=""/>
+            </a:pPr>
+            <a:r>
+              <a:rPr lang="en-US" sz="2500" dirty="0">
+                <a:solidFill>
+                  <a:schemeClr val="bg1"/>
+                </a:solidFill>
+                <a:latin typeface="Liberation Sans Narrow" panose="020B0606020202030204" pitchFamily="34" charset="0"/>
+              </a:rPr>
+              <a:t>Started as extension to Yahoo's YUI</a:t>
+            </a:r>
+          </a:p>
+          <a:p>
+            <a:pPr marL="342900" indent="-342900">
+              <a:buClr>
+                <a:schemeClr val="bg1"/>
+              </a:buClr>
+              <a:buFont typeface="Wingdings 3" panose="05040102010807070707" pitchFamily="18" charset="2"/>
+              <a:buChar char=""/>
+            </a:pPr>
+            <a:endParaRPr lang="en-US" sz="2500" dirty="0">
+              <a:solidFill>
+                <a:schemeClr val="bg1"/>
+              </a:solidFill>
+              <a:latin typeface="Liberation Sans Narrow" panose="020B0606020202030204" pitchFamily="34" charset="0"/>
+            </a:endParaRPr>
+          </a:p>
+        </p:txBody>
+      </p:sp>
+      <p:sp>
+        <p:nvSpPr>
+          <p:cNvPr id="7" name="TextBox 6"/>
           <p:cNvSpPr txBox="1"/>
           <p:nvPr/>
         </p:nvSpPr>
         <p:spPr>
           <a:xfrm>
-            <a:off x="850852" y="5102884"/>
-            <a:ext cx="1848648" cy="861774"/>
+            <a:off x="9292314" y="3867064"/>
+            <a:ext cx="1470274" cy="1785104"/>
           </a:xfrm>
           <a:prstGeom prst="rect">
             <a:avLst/>
@@ -11649,173 +11974,24 @@
           </a:bodyPr>
           <a:lstStyle/>
           <a:p>
-            <a:pPr algn="r"/>
-            <a:r>
-              <a:rPr lang="en-US" sz="2500" b="1" dirty="0" smtClean="0">
-                <a:solidFill>
-                  <a:schemeClr val="accent4">
-                    <a:lumMod val="75000"/>
-                  </a:schemeClr>
-                </a:solidFill>
-                <a:latin typeface="Liberation Sans Narrow" panose="020B0606020202030204" pitchFamily="34" charset="0"/>
-              </a:rPr>
-              <a:t>Chrome</a:t>
-            </a:r>
-          </a:p>
-          <a:p>
-            <a:pPr algn="r"/>
-            <a:r>
-              <a:rPr lang="en-US" sz="2500" b="1" dirty="0" smtClean="0">
-                <a:solidFill>
-                  <a:schemeClr val="accent4">
-                    <a:lumMod val="75000"/>
-                  </a:schemeClr>
-                </a:solidFill>
-                <a:latin typeface="Liberation Sans Narrow" panose="020B0606020202030204" pitchFamily="34" charset="0"/>
-              </a:rPr>
-              <a:t>Android 4.1+</a:t>
-            </a:r>
-          </a:p>
-        </p:txBody>
-      </p:sp>
-      <p:sp>
-        <p:nvSpPr>
-          <p:cNvPr id="15" name="TextBox 14"/>
-          <p:cNvSpPr txBox="1"/>
-          <p:nvPr/>
-        </p:nvSpPr>
-        <p:spPr>
-          <a:xfrm>
-            <a:off x="6248233" y="5219980"/>
-            <a:ext cx="718466" cy="553998"/>
-          </a:xfrm>
-          <a:prstGeom prst="rect">
-            <a:avLst/>
-          </a:prstGeom>
-          <a:noFill/>
-        </p:spPr>
-        <p:txBody>
-          <a:bodyPr wrap="none" rtlCol="0">
-            <a:spAutoFit/>
-          </a:bodyPr>
-          <a:lstStyle/>
-          <a:p>
-            <a:r>
-              <a:rPr lang="en-US" sz="3000" b="1" dirty="0" smtClean="0">
-                <a:solidFill>
-                  <a:srgbClr val="FF0000"/>
-                </a:solidFill>
-                <a:latin typeface="Liberation Sans Narrow" panose="020B0606020202030204" pitchFamily="34" charset="0"/>
-              </a:rPr>
-              <a:t>12+</a:t>
-            </a:r>
-          </a:p>
-        </p:txBody>
-      </p:sp>
-      <p:sp>
-        <p:nvSpPr>
-          <p:cNvPr id="16" name="TextBox 15"/>
-          <p:cNvSpPr txBox="1"/>
-          <p:nvPr/>
-        </p:nvSpPr>
-        <p:spPr>
-          <a:xfrm>
-            <a:off x="1264315" y="3525070"/>
-            <a:ext cx="806631" cy="477054"/>
-          </a:xfrm>
-          <a:prstGeom prst="rect">
-            <a:avLst/>
-          </a:prstGeom>
-          <a:noFill/>
-        </p:spPr>
-        <p:txBody>
-          <a:bodyPr wrap="none" rtlCol="0">
-            <a:spAutoFit/>
-          </a:bodyPr>
-          <a:lstStyle/>
-          <a:p>
-            <a:r>
-              <a:rPr lang="en-US" sz="2500" baseline="0" dirty="0" smtClean="0">
-                <a:solidFill>
-                  <a:srgbClr val="0070C0"/>
-                </a:solidFill>
-                <a:latin typeface="Liberation Sans Narrow" panose="020B0606020202030204" pitchFamily="34" charset="0"/>
-              </a:rPr>
-              <a:t>IE 8+</a:t>
-            </a:r>
-          </a:p>
-        </p:txBody>
-      </p:sp>
-      <p:sp>
-        <p:nvSpPr>
-          <p:cNvPr id="17" name="TextBox 16"/>
-          <p:cNvSpPr txBox="1"/>
-          <p:nvPr/>
-        </p:nvSpPr>
-        <p:spPr>
-          <a:xfrm>
-            <a:off x="225569" y="3991583"/>
-            <a:ext cx="1845377" cy="477054"/>
-          </a:xfrm>
-          <a:prstGeom prst="rect">
-            <a:avLst/>
-          </a:prstGeom>
-          <a:noFill/>
-        </p:spPr>
-        <p:txBody>
-          <a:bodyPr wrap="none" rtlCol="0">
-            <a:spAutoFit/>
-          </a:bodyPr>
-          <a:lstStyle/>
-          <a:p>
-            <a:r>
-              <a:rPr lang="en-US" sz="2500" baseline="0" dirty="0" smtClean="0">
-                <a:solidFill>
-                  <a:srgbClr val="0070C0"/>
-                </a:solidFill>
-                <a:latin typeface="Liberation Sans Narrow" panose="020B0606020202030204" pitchFamily="34" charset="0"/>
-              </a:rPr>
-              <a:t>IE 10+ / Win 8</a:t>
-            </a:r>
-          </a:p>
-        </p:txBody>
-      </p:sp>
-      <p:sp>
-        <p:nvSpPr>
-          <p:cNvPr id="19" name="TextBox 18"/>
-          <p:cNvSpPr txBox="1"/>
-          <p:nvPr/>
-        </p:nvSpPr>
-        <p:spPr>
-          <a:xfrm>
-            <a:off x="8487784" y="4230110"/>
-            <a:ext cx="2228495" cy="861774"/>
-          </a:xfrm>
-          <a:prstGeom prst="rect">
-            <a:avLst/>
-          </a:prstGeom>
-          <a:noFill/>
-        </p:spPr>
-        <p:txBody>
-          <a:bodyPr wrap="none" rtlCol="0">
-            <a:spAutoFit/>
-          </a:bodyPr>
-          <a:lstStyle/>
-          <a:p>
-            <a:r>
-              <a:rPr lang="en-US" sz="5000" b="1" dirty="0" smtClean="0">
-                <a:solidFill>
-                  <a:schemeClr val="bg1"/>
-                </a:solidFill>
-                <a:latin typeface="Liberation Sans Narrow" panose="020B0606020202030204" pitchFamily="34" charset="0"/>
-              </a:rPr>
-              <a:t>Ext JS 5</a:t>
-            </a:r>
-            <a:endParaRPr lang="en-US" sz="5000" b="1" dirty="0">
+            <a:r>
+              <a:rPr lang="en-US" sz="11000" b="1" dirty="0" smtClean="0">
+                <a:solidFill>
+                  <a:srgbClr val="00B0F0"/>
+                </a:solidFill>
+                <a:latin typeface="Liberation Sans Narrow" panose="020B0606020202030204" pitchFamily="34" charset="0"/>
+                <a:ea typeface="Segoe UI" panose="020B0502040204020203" pitchFamily="34" charset="0"/>
+                <a:cs typeface="Segoe UI" panose="020B0502040204020203" pitchFamily="34" charset="0"/>
+              </a:rPr>
+              <a:t>01</a:t>
+            </a:r>
+            <a:endParaRPr lang="en-US" sz="11000" b="1" dirty="0">
               <a:solidFill>
-                <a:schemeClr val="bg1"/>
+                <a:srgbClr val="00B0F0"/>
               </a:solidFill>
               <a:latin typeface="Liberation Sans Narrow" panose="020B0606020202030204" pitchFamily="34" charset="0"/>
+              <a:ea typeface="Segoe UI" panose="020B0502040204020203" pitchFamily="34" charset="0"/>
+              <a:cs typeface="Segoe UI" panose="020B0502040204020203" pitchFamily="34" charset="0"/>
             </a:endParaRPr>
           </a:p>
         </p:txBody>
@@ -11823,7 +11999,7 @@
     </p:spTree>
     <p:extLst>
       <p:ext uri="{BB962C8B-B14F-4D97-AF65-F5344CB8AC3E}">
-        <p14:creationId xmlns="" xmlns:p14="http://schemas.microsoft.com/office/powerpoint/2010/main" val="917766007"/>
+        <p14:creationId xmlns:p14="http://schemas.microsoft.com/office/powerpoint/2010/main" xmlns="" val="1767963522"/>
       </p:ext>
     </p:extLst>
   </p:cSld>
@@ -11872,17 +12048,13 @@
           <a:bodyPr/>
           <a:lstStyle/>
           <a:p>
-            <a:r>
-              <a:rPr lang="en-US" dirty="0" smtClean="0"/>
-              <a:t>Containers</a:t>
-            </a:r>
             <a:endParaRPr lang="en-US" dirty="0"/>
           </a:p>
         </p:txBody>
       </p:sp>
       <p:pic>
         <p:nvPicPr>
-          <p:cNvPr id="4" name="Content Placeholder 3" descr="themes.jpeg"/>
+          <p:cNvPr id="4" name="Content Placeholder 3"/>
           <p:cNvPicPr>
             <a:picLocks noGrp="1" noChangeAspect="1"/>
           </p:cNvPicPr>
@@ -11891,23 +12063,349 @@
           </p:nvPr>
         </p:nvPicPr>
         <p:blipFill>
-          <a:blip r:embed="rId3"/>
+          <a:blip r:embed="rId3">
+            <a:extLst>
+              <a:ext uri="{28A0092B-C50C-407E-A947-70E740481C1C}">
+                <a14:useLocalDpi xmlns:a14="http://schemas.microsoft.com/office/drawing/2010/main" xmlns="" val="0"/>
+              </a:ext>
+            </a:extLst>
+          </a:blip>
           <a:stretch>
             <a:fillRect/>
           </a:stretch>
         </p:blipFill>
         <p:spPr>
           <a:xfrm>
-            <a:off x="2865131" y="1825625"/>
-            <a:ext cx="6461737" cy="4351338"/>
+            <a:off x="-10273" y="0"/>
+            <a:ext cx="12202274" cy="6858000"/>
           </a:xfrm>
+          <a:noFill/>
         </p:spPr>
       </p:pic>
+      <p:sp>
+        <p:nvSpPr>
+          <p:cNvPr id="5" name="TextBox 4"/>
+          <p:cNvSpPr txBox="1"/>
+          <p:nvPr/>
+        </p:nvSpPr>
+        <p:spPr>
+          <a:xfrm>
+            <a:off x="1407560" y="1259801"/>
+            <a:ext cx="3366627" cy="861774"/>
+          </a:xfrm>
+          <a:prstGeom prst="rect">
+            <a:avLst/>
+          </a:prstGeom>
+          <a:noFill/>
+        </p:spPr>
+        <p:txBody>
+          <a:bodyPr wrap="none" rtlCol="0">
+            <a:spAutoFit/>
+          </a:bodyPr>
+          <a:lstStyle/>
+          <a:p>
+            <a:r>
+              <a:rPr lang="en-US" sz="5000" b="1" dirty="0" smtClean="0">
+                <a:solidFill>
+                  <a:schemeClr val="bg1"/>
+                </a:solidFill>
+                <a:latin typeface="Liberation Sans Narrow" panose="020B0606020202030204" pitchFamily="34" charset="0"/>
+              </a:rPr>
+              <a:t>Why Ext JS?</a:t>
+            </a:r>
+            <a:endParaRPr lang="en-US" sz="5000" b="1" dirty="0">
+              <a:solidFill>
+                <a:schemeClr val="bg1"/>
+              </a:solidFill>
+              <a:latin typeface="Liberation Sans Narrow" panose="020B0606020202030204" pitchFamily="34" charset="0"/>
+            </a:endParaRPr>
+          </a:p>
+        </p:txBody>
+      </p:sp>
+      <p:sp>
+        <p:nvSpPr>
+          <p:cNvPr id="6" name="TextBox 5"/>
+          <p:cNvSpPr txBox="1"/>
+          <p:nvPr/>
+        </p:nvSpPr>
+        <p:spPr>
+          <a:xfrm>
+            <a:off x="1604601" y="2585364"/>
+            <a:ext cx="8571577" cy="3170099"/>
+          </a:xfrm>
+          <a:prstGeom prst="rect">
+            <a:avLst/>
+          </a:prstGeom>
+          <a:noFill/>
+        </p:spPr>
+        <p:txBody>
+          <a:bodyPr wrap="none" rtlCol="0">
+            <a:spAutoFit/>
+          </a:bodyPr>
+          <a:lstStyle/>
+          <a:p>
+            <a:pPr marL="342900" indent="-342900">
+              <a:buClr>
+                <a:schemeClr val="bg1"/>
+              </a:buClr>
+              <a:buFont typeface="Wingdings 3" panose="05040102010807070707" pitchFamily="18" charset="2"/>
+              <a:buChar char=""/>
+            </a:pPr>
+            <a:r>
+              <a:rPr lang="en-US" sz="2500" dirty="0">
+                <a:solidFill>
+                  <a:schemeClr val="bg1"/>
+                </a:solidFill>
+                <a:latin typeface="Liberation Sans Narrow" panose="020B0606020202030204" pitchFamily="34" charset="0"/>
+              </a:rPr>
+              <a:t>Rich, Modern UI Widgets (more than 150 user interface components</a:t>
+            </a:r>
+            <a:r>
+              <a:rPr lang="en-US" sz="2500" dirty="0" smtClean="0">
+                <a:solidFill>
+                  <a:schemeClr val="bg1"/>
+                </a:solidFill>
+                <a:latin typeface="Liberation Sans Narrow" panose="020B0606020202030204" pitchFamily="34" charset="0"/>
+              </a:rPr>
+              <a:t>)</a:t>
+            </a:r>
+            <a:endParaRPr lang="en-US" sz="2500" dirty="0">
+              <a:solidFill>
+                <a:schemeClr val="bg1"/>
+              </a:solidFill>
+              <a:latin typeface="Liberation Sans Narrow" panose="020B0606020202030204" pitchFamily="34" charset="0"/>
+            </a:endParaRPr>
+          </a:p>
+          <a:p>
+            <a:pPr marL="342900" indent="-342900">
+              <a:buClr>
+                <a:schemeClr val="bg1"/>
+              </a:buClr>
+              <a:buFont typeface="Wingdings 3" panose="05040102010807070707" pitchFamily="18" charset="2"/>
+              <a:buChar char=""/>
+            </a:pPr>
+            <a:r>
+              <a:rPr lang="en-US" sz="2500" dirty="0">
+                <a:solidFill>
+                  <a:schemeClr val="bg1"/>
+                </a:solidFill>
+                <a:latin typeface="Liberation Sans Narrow" panose="020B0606020202030204" pitchFamily="34" charset="0"/>
+              </a:rPr>
+              <a:t>Fast to develop</a:t>
+            </a:r>
+          </a:p>
+          <a:p>
+            <a:pPr marL="342900" indent="-342900">
+              <a:buClr>
+                <a:schemeClr val="bg1"/>
+              </a:buClr>
+              <a:buFont typeface="Wingdings 3" panose="05040102010807070707" pitchFamily="18" charset="2"/>
+              <a:buChar char=""/>
+            </a:pPr>
+            <a:r>
+              <a:rPr lang="en-US" sz="2500" dirty="0">
+                <a:solidFill>
+                  <a:schemeClr val="bg1"/>
+                </a:solidFill>
+                <a:latin typeface="Liberation Sans Narrow" panose="020B0606020202030204" pitchFamily="34" charset="0"/>
+              </a:rPr>
+              <a:t>Mature library </a:t>
+            </a:r>
+          </a:p>
+          <a:p>
+            <a:pPr marL="342900" indent="-342900">
+              <a:buClr>
+                <a:schemeClr val="bg1"/>
+              </a:buClr>
+              <a:buFont typeface="Wingdings 3" panose="05040102010807070707" pitchFamily="18" charset="2"/>
+              <a:buChar char=""/>
+            </a:pPr>
+            <a:r>
+              <a:rPr lang="en-US" sz="2500" dirty="0">
+                <a:solidFill>
+                  <a:schemeClr val="bg1"/>
+                </a:solidFill>
+                <a:latin typeface="Liberation Sans Narrow" panose="020B0606020202030204" pitchFamily="34" charset="0"/>
+              </a:rPr>
+              <a:t>Extensible, object-oriented </a:t>
+            </a:r>
+            <a:r>
+              <a:rPr lang="en-US" sz="2500" dirty="0" smtClean="0">
+                <a:solidFill>
+                  <a:schemeClr val="bg1"/>
+                </a:solidFill>
+                <a:latin typeface="Liberation Sans Narrow" panose="020B0606020202030204" pitchFamily="34" charset="0"/>
+              </a:rPr>
+              <a:t>architecture</a:t>
+            </a:r>
+          </a:p>
+          <a:p>
+            <a:pPr marL="342900" indent="-342900">
+              <a:buClr>
+                <a:schemeClr val="bg1"/>
+              </a:buClr>
+              <a:buFont typeface="Wingdings 3" panose="05040102010807070707" pitchFamily="18" charset="2"/>
+              <a:buChar char=""/>
+            </a:pPr>
+            <a:r>
+              <a:rPr lang="en-US" sz="2500" dirty="0" smtClean="0">
+                <a:solidFill>
+                  <a:schemeClr val="bg1"/>
+                </a:solidFill>
+                <a:latin typeface="Liberation Sans Narrow" panose="020B0606020202030204" pitchFamily="34" charset="0"/>
+              </a:rPr>
+              <a:t>MVC</a:t>
+            </a:r>
+            <a:r>
+              <a:rPr lang="en-US" sz="2500" dirty="0">
+                <a:solidFill>
+                  <a:schemeClr val="bg1"/>
+                </a:solidFill>
+                <a:latin typeface="Liberation Sans Narrow" panose="020B0606020202030204" pitchFamily="34" charset="0"/>
+              </a:rPr>
+              <a:t>, MVVM support</a:t>
+            </a:r>
+          </a:p>
+          <a:p>
+            <a:pPr marL="342900" indent="-342900">
+              <a:buClr>
+                <a:schemeClr val="bg1"/>
+              </a:buClr>
+              <a:buFont typeface="Wingdings 3" panose="05040102010807070707" pitchFamily="18" charset="2"/>
+              <a:buChar char=""/>
+            </a:pPr>
+            <a:r>
+              <a:rPr lang="en-US" sz="2500" dirty="0">
+                <a:solidFill>
+                  <a:schemeClr val="bg1"/>
+                </a:solidFill>
+                <a:latin typeface="Liberation Sans Narrow" panose="020B0606020202030204" pitchFamily="34" charset="0"/>
+              </a:rPr>
+              <a:t>Good documentation and community support </a:t>
+            </a:r>
+            <a:br>
+              <a:rPr lang="en-US" sz="2500" dirty="0">
+                <a:solidFill>
+                  <a:schemeClr val="bg1"/>
+                </a:solidFill>
+                <a:latin typeface="Liberation Sans Narrow" panose="020B0606020202030204" pitchFamily="34" charset="0"/>
+              </a:rPr>
+            </a:br>
+            <a:r>
+              <a:rPr lang="en-US" sz="2500" dirty="0" smtClean="0">
+                <a:solidFill>
+                  <a:schemeClr val="bg1"/>
+                </a:solidFill>
+                <a:latin typeface="Liberation Sans Narrow" panose="020B0606020202030204" pitchFamily="34" charset="0"/>
+              </a:rPr>
+              <a:t>(</a:t>
+            </a:r>
+            <a:r>
+              <a:rPr lang="en-US" sz="2500" dirty="0">
+                <a:solidFill>
+                  <a:schemeClr val="bg1"/>
+                </a:solidFill>
+                <a:latin typeface="Liberation Sans Narrow" panose="020B0606020202030204" pitchFamily="34" charset="0"/>
+              </a:rPr>
+              <a:t>over 1000 docs APIs)</a:t>
+            </a:r>
+          </a:p>
+          <a:p>
+            <a:pPr marL="342900" indent="-342900">
+              <a:buClr>
+                <a:schemeClr val="bg1"/>
+              </a:buClr>
+              <a:buFont typeface="Wingdings 3" panose="05040102010807070707" pitchFamily="18" charset="2"/>
+              <a:buChar char=""/>
+            </a:pPr>
+            <a:r>
+              <a:rPr lang="en-US" sz="2500" dirty="0">
+                <a:solidFill>
+                  <a:schemeClr val="bg1"/>
+                </a:solidFill>
+                <a:latin typeface="Liberation Sans Narrow" panose="020B0606020202030204" pitchFamily="34" charset="0"/>
+              </a:rPr>
+              <a:t>Cross Browser </a:t>
+            </a:r>
+            <a:r>
+              <a:rPr lang="en-US" sz="2500" dirty="0" smtClean="0">
+                <a:solidFill>
+                  <a:schemeClr val="bg1"/>
+                </a:solidFill>
+                <a:latin typeface="Liberation Sans Narrow" panose="020B0606020202030204" pitchFamily="34" charset="0"/>
+              </a:rPr>
+              <a:t>Support</a:t>
+            </a:r>
+            <a:endParaRPr lang="en-US" sz="2500" dirty="0">
+              <a:solidFill>
+                <a:schemeClr val="bg1"/>
+              </a:solidFill>
+              <a:latin typeface="Liberation Sans Narrow" panose="020B0606020202030204" pitchFamily="34" charset="0"/>
+            </a:endParaRPr>
+          </a:p>
+        </p:txBody>
+      </p:sp>
+      <p:sp>
+        <p:nvSpPr>
+          <p:cNvPr id="7" name="TextBox 6"/>
+          <p:cNvSpPr txBox="1"/>
+          <p:nvPr/>
+        </p:nvSpPr>
+        <p:spPr>
+          <a:xfrm>
+            <a:off x="9292314" y="3867064"/>
+            <a:ext cx="1470274" cy="1785104"/>
+          </a:xfrm>
+          <a:prstGeom prst="rect">
+            <a:avLst/>
+          </a:prstGeom>
+          <a:noFill/>
+        </p:spPr>
+        <p:txBody>
+          <a:bodyPr wrap="none" rtlCol="0">
+            <a:spAutoFit/>
+          </a:bodyPr>
+          <a:lstStyle/>
+          <a:p>
+            <a:r>
+              <a:rPr lang="en-US" sz="11000" b="1" dirty="0" smtClean="0">
+                <a:solidFill>
+                  <a:srgbClr val="00B0F0"/>
+                </a:solidFill>
+                <a:latin typeface="Liberation Sans Narrow" panose="020B0606020202030204" pitchFamily="34" charset="0"/>
+                <a:ea typeface="Segoe UI" panose="020B0502040204020203" pitchFamily="34" charset="0"/>
+                <a:cs typeface="Segoe UI" panose="020B0502040204020203" pitchFamily="34" charset="0"/>
+              </a:rPr>
+              <a:t>01</a:t>
+            </a:r>
+            <a:endParaRPr lang="en-US" sz="11000" b="1" dirty="0">
+              <a:solidFill>
+                <a:srgbClr val="00B0F0"/>
+              </a:solidFill>
+              <a:latin typeface="Liberation Sans Narrow" panose="020B0606020202030204" pitchFamily="34" charset="0"/>
+              <a:ea typeface="Segoe UI" panose="020B0502040204020203" pitchFamily="34" charset="0"/>
+              <a:cs typeface="Segoe UI" panose="020B0502040204020203" pitchFamily="34" charset="0"/>
+            </a:endParaRPr>
+          </a:p>
+        </p:txBody>
+      </p:sp>
     </p:spTree>
+    <p:extLst>
+      <p:ext uri="{BB962C8B-B14F-4D97-AF65-F5344CB8AC3E}">
+        <p14:creationId xmlns:p14="http://schemas.microsoft.com/office/powerpoint/2010/main" xmlns="" val="3173657290"/>
+      </p:ext>
+    </p:extLst>
   </p:cSld>
   <p:clrMapOvr>
     <a:masterClrMapping/>
   </p:clrMapOvr>
+  <p:timing>
+    <p:tnLst>
+      <p:par>
+        <p:cTn id="1" dur="indefinite" restart="never" nodeType="tmRoot"/>
+      </p:par>
+    </p:tnLst>
+  </p:timing>
 </p:sld>
 </file>
 
@@ -11943,25 +12441,13 @@
           <a:bodyPr/>
           <a:lstStyle/>
           <a:p>
-            <a:r>
-              <a:rPr lang="en-US" dirty="0" err="1" smtClean="0"/>
-              <a:t>Extjs</a:t>
-            </a:r>
-            <a:r>
-              <a:rPr lang="en-US" dirty="0" smtClean="0"/>
-              <a:t> </a:t>
-            </a:r>
-            <a:r>
-              <a:rPr lang="en-US" dirty="0" smtClean="0"/>
-              <a:t>Web Desktop</a:t>
-            </a:r>
             <a:endParaRPr lang="en-US" dirty="0"/>
           </a:p>
         </p:txBody>
       </p:sp>
       <p:pic>
         <p:nvPicPr>
-          <p:cNvPr id="6" name="Content Placeholder 5" descr="screencapture-dev-sencha-com-ext-5-1-0-examples-desktop-index-html-1434601068664.png"/>
+          <p:cNvPr id="4" name="Content Placeholder 3"/>
           <p:cNvPicPr>
             <a:picLocks noGrp="1" noChangeAspect="1"/>
           </p:cNvPicPr>
@@ -11970,23 +12456,529 @@
           </p:nvPr>
         </p:nvPicPr>
         <p:blipFill>
-          <a:blip r:embed="rId3"/>
+          <a:blip r:embed="rId2">
+            <a:extLst>
+              <a:ext uri="{28A0092B-C50C-407E-A947-70E740481C1C}">
+                <a14:useLocalDpi xmlns:a14="http://schemas.microsoft.com/office/drawing/2010/main" xmlns="" val="0"/>
+              </a:ext>
+            </a:extLst>
+          </a:blip>
           <a:stretch>
             <a:fillRect/>
           </a:stretch>
         </p:blipFill>
         <p:spPr>
           <a:xfrm>
-            <a:off x="1544753" y="1825625"/>
-            <a:ext cx="9102493" cy="4351338"/>
+            <a:off x="0" y="-20547"/>
+            <a:ext cx="12192000" cy="6907284"/>
           </a:xfrm>
         </p:spPr>
       </p:pic>
+      <p:sp>
+        <p:nvSpPr>
+          <p:cNvPr id="5" name="TextBox 4"/>
+          <p:cNvSpPr txBox="1"/>
+          <p:nvPr/>
+        </p:nvSpPr>
+        <p:spPr>
+          <a:xfrm>
+            <a:off x="1366464" y="1186326"/>
+            <a:ext cx="2619910" cy="2246769"/>
+          </a:xfrm>
+          <a:prstGeom prst="rect">
+            <a:avLst/>
+          </a:prstGeom>
+          <a:noFill/>
+        </p:spPr>
+        <p:txBody>
+          <a:bodyPr wrap="square" rtlCol="0">
+            <a:spAutoFit/>
+          </a:bodyPr>
+          <a:lstStyle/>
+          <a:p>
+            <a:r>
+              <a:rPr lang="en-US" sz="3500" b="1" dirty="0" smtClean="0">
+                <a:solidFill>
+                  <a:schemeClr val="bg1"/>
+                </a:solidFill>
+                <a:latin typeface="Liberation Sans Narrow" panose="020B0606020202030204" pitchFamily="34" charset="0"/>
+              </a:rPr>
+              <a:t>2015 Ext JS Growth Statistics</a:t>
+            </a:r>
+          </a:p>
+          <a:p>
+            <a:endParaRPr lang="en-US" sz="3500" b="1" dirty="0">
+              <a:solidFill>
+                <a:schemeClr val="bg1"/>
+              </a:solidFill>
+              <a:latin typeface="Liberation Sans Narrow" panose="020B0606020202030204" pitchFamily="34" charset="0"/>
+            </a:endParaRPr>
+          </a:p>
+        </p:txBody>
+      </p:sp>
+      <p:sp>
+        <p:nvSpPr>
+          <p:cNvPr id="6" name="TextBox 5"/>
+          <p:cNvSpPr txBox="1"/>
+          <p:nvPr/>
+        </p:nvSpPr>
+        <p:spPr>
+          <a:xfrm>
+            <a:off x="4676989" y="986271"/>
+            <a:ext cx="2771775" cy="1323439"/>
+          </a:xfrm>
+          <a:prstGeom prst="rect">
+            <a:avLst/>
+          </a:prstGeom>
+          <a:noFill/>
+        </p:spPr>
+        <p:txBody>
+          <a:bodyPr wrap="square" rtlCol="0">
+            <a:spAutoFit/>
+          </a:bodyPr>
+          <a:lstStyle/>
+          <a:p>
+            <a:pPr algn="ctr"/>
+            <a:r>
+              <a:rPr lang="en-US" sz="8000" b="1" dirty="0" smtClean="0">
+                <a:solidFill>
+                  <a:schemeClr val="bg1"/>
+                </a:solidFill>
+                <a:latin typeface="Liberation Sans Narrow" panose="020B0606020202030204" pitchFamily="34" charset="0"/>
+              </a:rPr>
+              <a:t>10K</a:t>
+            </a:r>
+            <a:endParaRPr lang="en-US" sz="8000" b="1" dirty="0">
+              <a:solidFill>
+                <a:schemeClr val="bg1"/>
+              </a:solidFill>
+              <a:latin typeface="Liberation Sans Narrow" panose="020B0606020202030204" pitchFamily="34" charset="0"/>
+            </a:endParaRPr>
+          </a:p>
+        </p:txBody>
+      </p:sp>
+      <p:sp>
+        <p:nvSpPr>
+          <p:cNvPr id="7" name="TextBox 6"/>
+          <p:cNvSpPr txBox="1"/>
+          <p:nvPr/>
+        </p:nvSpPr>
+        <p:spPr>
+          <a:xfrm>
+            <a:off x="4676989" y="2207175"/>
+            <a:ext cx="2845513" cy="861774"/>
+          </a:xfrm>
+          <a:prstGeom prst="rect">
+            <a:avLst/>
+          </a:prstGeom>
+          <a:noFill/>
+        </p:spPr>
+        <p:txBody>
+          <a:bodyPr wrap="square" rtlCol="0">
+            <a:spAutoFit/>
+          </a:bodyPr>
+          <a:lstStyle/>
+          <a:p>
+            <a:pPr algn="ctr"/>
+            <a:r>
+              <a:rPr lang="en-US" sz="2500" b="1" dirty="0" smtClean="0">
+                <a:solidFill>
+                  <a:schemeClr val="bg1"/>
+                </a:solidFill>
+                <a:latin typeface="Liberation Sans Narrow" panose="020B0606020202030204" pitchFamily="34" charset="0"/>
+              </a:rPr>
+              <a:t>Customers worldwide</a:t>
+            </a:r>
+            <a:endParaRPr lang="en-US" sz="2500" b="1" dirty="0">
+              <a:solidFill>
+                <a:schemeClr val="bg1"/>
+              </a:solidFill>
+              <a:latin typeface="Liberation Sans Narrow" panose="020B0606020202030204" pitchFamily="34" charset="0"/>
+            </a:endParaRPr>
+          </a:p>
+        </p:txBody>
+      </p:sp>
+      <p:sp>
+        <p:nvSpPr>
+          <p:cNvPr id="8" name="TextBox 7"/>
+          <p:cNvSpPr txBox="1"/>
+          <p:nvPr/>
+        </p:nvSpPr>
+        <p:spPr>
+          <a:xfrm>
+            <a:off x="8081884" y="883736"/>
+            <a:ext cx="2764657" cy="1323439"/>
+          </a:xfrm>
+          <a:prstGeom prst="rect">
+            <a:avLst/>
+          </a:prstGeom>
+          <a:noFill/>
+        </p:spPr>
+        <p:txBody>
+          <a:bodyPr wrap="square" rtlCol="0">
+            <a:spAutoFit/>
+          </a:bodyPr>
+          <a:lstStyle/>
+          <a:p>
+            <a:pPr algn="ctr"/>
+            <a:r>
+              <a:rPr lang="en-US" sz="8000" b="1" dirty="0" smtClean="0">
+                <a:solidFill>
+                  <a:schemeClr val="bg1"/>
+                </a:solidFill>
+                <a:latin typeface="Liberation Sans Narrow" panose="020B0606020202030204" pitchFamily="34" charset="0"/>
+              </a:rPr>
+              <a:t>60%</a:t>
+            </a:r>
+            <a:endParaRPr lang="en-US" sz="8000" b="1" dirty="0">
+              <a:solidFill>
+                <a:schemeClr val="bg1"/>
+              </a:solidFill>
+              <a:latin typeface="Liberation Sans Narrow" panose="020B0606020202030204" pitchFamily="34" charset="0"/>
+            </a:endParaRPr>
+          </a:p>
+        </p:txBody>
+      </p:sp>
+      <p:sp>
+        <p:nvSpPr>
+          <p:cNvPr id="9" name="TextBox 8"/>
+          <p:cNvSpPr txBox="1"/>
+          <p:nvPr/>
+        </p:nvSpPr>
+        <p:spPr>
+          <a:xfrm>
+            <a:off x="8064305" y="2277403"/>
+            <a:ext cx="2845513" cy="861774"/>
+          </a:xfrm>
+          <a:prstGeom prst="rect">
+            <a:avLst/>
+          </a:prstGeom>
+          <a:noFill/>
+        </p:spPr>
+        <p:txBody>
+          <a:bodyPr wrap="square" rtlCol="0">
+            <a:spAutoFit/>
+          </a:bodyPr>
+          <a:lstStyle/>
+          <a:p>
+            <a:pPr algn="ctr"/>
+            <a:r>
+              <a:rPr lang="en-US" sz="2500" b="1" dirty="0" smtClean="0">
+                <a:solidFill>
+                  <a:schemeClr val="bg1"/>
+                </a:solidFill>
+                <a:latin typeface="Liberation Sans Narrow" panose="020B0606020202030204" pitchFamily="34" charset="0"/>
+              </a:rPr>
+              <a:t>Of fortune 100 companies</a:t>
+            </a:r>
+            <a:endParaRPr lang="en-US" sz="2500" b="1" dirty="0">
+              <a:solidFill>
+                <a:schemeClr val="bg1"/>
+              </a:solidFill>
+              <a:latin typeface="Liberation Sans Narrow" panose="020B0606020202030204" pitchFamily="34" charset="0"/>
+            </a:endParaRPr>
+          </a:p>
+        </p:txBody>
+      </p:sp>
+      <p:sp>
+        <p:nvSpPr>
+          <p:cNvPr id="10" name="TextBox 9"/>
+          <p:cNvSpPr txBox="1"/>
+          <p:nvPr/>
+        </p:nvSpPr>
+        <p:spPr>
+          <a:xfrm>
+            <a:off x="1140861" y="3736549"/>
+            <a:ext cx="2845513" cy="1323439"/>
+          </a:xfrm>
+          <a:prstGeom prst="rect">
+            <a:avLst/>
+          </a:prstGeom>
+          <a:noFill/>
+        </p:spPr>
+        <p:txBody>
+          <a:bodyPr wrap="square" rtlCol="0">
+            <a:spAutoFit/>
+          </a:bodyPr>
+          <a:lstStyle/>
+          <a:p>
+            <a:pPr algn="ctr"/>
+            <a:r>
+              <a:rPr lang="en-US" sz="8000" b="1" dirty="0" smtClean="0">
+                <a:solidFill>
+                  <a:schemeClr val="bg1"/>
+                </a:solidFill>
+                <a:latin typeface="Liberation Sans Narrow" panose="020B0606020202030204" pitchFamily="34" charset="0"/>
+              </a:rPr>
+              <a:t>2M</a:t>
+            </a:r>
+            <a:endParaRPr lang="en-US" sz="8000" b="1" dirty="0">
+              <a:solidFill>
+                <a:schemeClr val="bg1"/>
+              </a:solidFill>
+              <a:latin typeface="Liberation Sans Narrow" panose="020B0606020202030204" pitchFamily="34" charset="0"/>
+            </a:endParaRPr>
+          </a:p>
+        </p:txBody>
+      </p:sp>
+      <p:sp>
+        <p:nvSpPr>
+          <p:cNvPr id="11" name="TextBox 10"/>
+          <p:cNvSpPr txBox="1"/>
+          <p:nvPr/>
+        </p:nvSpPr>
+        <p:spPr>
+          <a:xfrm>
+            <a:off x="1140861" y="5059988"/>
+            <a:ext cx="2845513" cy="861774"/>
+          </a:xfrm>
+          <a:prstGeom prst="rect">
+            <a:avLst/>
+          </a:prstGeom>
+          <a:noFill/>
+        </p:spPr>
+        <p:txBody>
+          <a:bodyPr wrap="square" rtlCol="0">
+            <a:spAutoFit/>
+          </a:bodyPr>
+          <a:lstStyle/>
+          <a:p>
+            <a:pPr algn="ctr"/>
+            <a:r>
+              <a:rPr lang="en-US" sz="2500" b="1" dirty="0" err="1" smtClean="0">
+                <a:solidFill>
+                  <a:schemeClr val="bg1"/>
+                </a:solidFill>
+                <a:latin typeface="Liberation Sans Narrow" panose="020B0606020202030204" pitchFamily="34" charset="0"/>
+              </a:rPr>
+              <a:t>Sencha</a:t>
+            </a:r>
+            <a:r>
+              <a:rPr lang="en-US" sz="2500" b="1" dirty="0" smtClean="0">
+                <a:solidFill>
+                  <a:schemeClr val="bg1"/>
+                </a:solidFill>
+                <a:latin typeface="Liberation Sans Narrow" panose="020B0606020202030204" pitchFamily="34" charset="0"/>
+              </a:rPr>
+              <a:t> </a:t>
+            </a:r>
+            <a:r>
+              <a:rPr lang="en-US" sz="2500" b="1" dirty="0" err="1" smtClean="0">
+                <a:solidFill>
+                  <a:schemeClr val="bg1"/>
+                </a:solidFill>
+                <a:latin typeface="Liberation Sans Narrow" panose="020B0606020202030204" pitchFamily="34" charset="0"/>
+              </a:rPr>
+              <a:t>devs</a:t>
+            </a:r>
+            <a:r>
+              <a:rPr lang="en-US" sz="2500" b="1" dirty="0" smtClean="0">
+                <a:solidFill>
+                  <a:schemeClr val="bg1"/>
+                </a:solidFill>
+                <a:latin typeface="Liberation Sans Narrow" panose="020B0606020202030204" pitchFamily="34" charset="0"/>
+              </a:rPr>
+              <a:t> </a:t>
+            </a:r>
+            <a:r>
+              <a:rPr lang="en-US" sz="2500" b="1" dirty="0" err="1" smtClean="0">
+                <a:solidFill>
+                  <a:schemeClr val="bg1"/>
+                </a:solidFill>
+                <a:latin typeface="Liberation Sans Narrow" panose="020B0606020202030204" pitchFamily="34" charset="0"/>
+              </a:rPr>
+              <a:t>wordwide</a:t>
+            </a:r>
+            <a:endParaRPr lang="en-US" sz="2500" b="1" dirty="0">
+              <a:solidFill>
+                <a:schemeClr val="bg1"/>
+              </a:solidFill>
+              <a:latin typeface="Liberation Sans Narrow" panose="020B0606020202030204" pitchFamily="34" charset="0"/>
+            </a:endParaRPr>
+          </a:p>
+        </p:txBody>
+      </p:sp>
+      <p:sp>
+        <p:nvSpPr>
+          <p:cNvPr id="12" name="TextBox 11"/>
+          <p:cNvSpPr txBox="1"/>
+          <p:nvPr/>
+        </p:nvSpPr>
+        <p:spPr>
+          <a:xfrm>
+            <a:off x="4603251" y="5059988"/>
+            <a:ext cx="2845513" cy="477054"/>
+          </a:xfrm>
+          <a:prstGeom prst="rect">
+            <a:avLst/>
+          </a:prstGeom>
+          <a:noFill/>
+        </p:spPr>
+        <p:txBody>
+          <a:bodyPr wrap="square" rtlCol="0">
+            <a:spAutoFit/>
+          </a:bodyPr>
+          <a:lstStyle/>
+          <a:p>
+            <a:pPr algn="ctr"/>
+            <a:r>
+              <a:rPr lang="en-US" sz="2500" b="1" dirty="0" smtClean="0">
+                <a:solidFill>
+                  <a:schemeClr val="bg1"/>
+                </a:solidFill>
+                <a:latin typeface="Liberation Sans Narrow" panose="020B0606020202030204" pitchFamily="34" charset="0"/>
+              </a:rPr>
+              <a:t>Product download</a:t>
+            </a:r>
+            <a:endParaRPr lang="en-US" sz="2500" b="1" dirty="0">
+              <a:solidFill>
+                <a:schemeClr val="bg1"/>
+              </a:solidFill>
+              <a:latin typeface="Liberation Sans Narrow" panose="020B0606020202030204" pitchFamily="34" charset="0"/>
+            </a:endParaRPr>
+          </a:p>
+        </p:txBody>
+      </p:sp>
+      <p:sp>
+        <p:nvSpPr>
+          <p:cNvPr id="13" name="TextBox 12"/>
+          <p:cNvSpPr txBox="1"/>
+          <p:nvPr/>
+        </p:nvSpPr>
+        <p:spPr>
+          <a:xfrm>
+            <a:off x="4550168" y="3736548"/>
+            <a:ext cx="2845513" cy="1323439"/>
+          </a:xfrm>
+          <a:prstGeom prst="rect">
+            <a:avLst/>
+          </a:prstGeom>
+          <a:noFill/>
+        </p:spPr>
+        <p:txBody>
+          <a:bodyPr wrap="square" rtlCol="0">
+            <a:spAutoFit/>
+          </a:bodyPr>
+          <a:lstStyle/>
+          <a:p>
+            <a:pPr algn="ctr"/>
+            <a:r>
+              <a:rPr lang="en-US" sz="8000" b="1" dirty="0" smtClean="0">
+                <a:solidFill>
+                  <a:schemeClr val="bg1"/>
+                </a:solidFill>
+                <a:latin typeface="Liberation Sans Narrow" panose="020B0606020202030204" pitchFamily="34" charset="0"/>
+              </a:rPr>
+              <a:t>7.2M</a:t>
+            </a:r>
+            <a:endParaRPr lang="en-US" sz="8000" b="1" dirty="0">
+              <a:solidFill>
+                <a:schemeClr val="bg1"/>
+              </a:solidFill>
+              <a:latin typeface="Liberation Sans Narrow" panose="020B0606020202030204" pitchFamily="34" charset="0"/>
+            </a:endParaRPr>
+          </a:p>
+        </p:txBody>
+      </p:sp>
+      <p:sp>
+        <p:nvSpPr>
+          <p:cNvPr id="14" name="TextBox 13"/>
+          <p:cNvSpPr txBox="1"/>
+          <p:nvPr/>
+        </p:nvSpPr>
+        <p:spPr>
+          <a:xfrm>
+            <a:off x="8093629" y="3736548"/>
+            <a:ext cx="2845513" cy="1323439"/>
+          </a:xfrm>
+          <a:prstGeom prst="rect">
+            <a:avLst/>
+          </a:prstGeom>
+          <a:noFill/>
+        </p:spPr>
+        <p:txBody>
+          <a:bodyPr wrap="square" rtlCol="0">
+            <a:spAutoFit/>
+          </a:bodyPr>
+          <a:lstStyle/>
+          <a:p>
+            <a:pPr algn="ctr"/>
+            <a:r>
+              <a:rPr lang="en-US" sz="8000" b="1" dirty="0" smtClean="0">
+                <a:solidFill>
+                  <a:schemeClr val="bg1"/>
+                </a:solidFill>
+                <a:latin typeface="Liberation Sans Narrow" panose="020B0606020202030204" pitchFamily="34" charset="0"/>
+              </a:rPr>
+              <a:t>7.2M</a:t>
+            </a:r>
+            <a:endParaRPr lang="en-US" sz="8000" b="1" dirty="0">
+              <a:solidFill>
+                <a:schemeClr val="bg1"/>
+              </a:solidFill>
+              <a:latin typeface="Liberation Sans Narrow" panose="020B0606020202030204" pitchFamily="34" charset="0"/>
+            </a:endParaRPr>
+          </a:p>
+        </p:txBody>
+      </p:sp>
+      <p:sp>
+        <p:nvSpPr>
+          <p:cNvPr id="15" name="TextBox 14"/>
+          <p:cNvSpPr txBox="1"/>
+          <p:nvPr/>
+        </p:nvSpPr>
+        <p:spPr>
+          <a:xfrm>
+            <a:off x="8064304" y="5059987"/>
+            <a:ext cx="2845513" cy="861774"/>
+          </a:xfrm>
+          <a:prstGeom prst="rect">
+            <a:avLst/>
+          </a:prstGeom>
+          <a:noFill/>
+        </p:spPr>
+        <p:txBody>
+          <a:bodyPr wrap="square" rtlCol="0">
+            <a:spAutoFit/>
+          </a:bodyPr>
+          <a:lstStyle/>
+          <a:p>
+            <a:pPr algn="ctr"/>
+            <a:r>
+              <a:rPr lang="en-US" sz="2500" b="1" dirty="0" smtClean="0">
+                <a:solidFill>
+                  <a:schemeClr val="bg1"/>
+                </a:solidFill>
+                <a:latin typeface="Liberation Sans Narrow" panose="020B0606020202030204" pitchFamily="34" charset="0"/>
+              </a:rPr>
+              <a:t>Active forum members</a:t>
+            </a:r>
+            <a:endParaRPr lang="en-US" sz="2500" b="1" dirty="0">
+              <a:solidFill>
+                <a:schemeClr val="bg1"/>
+              </a:solidFill>
+              <a:latin typeface="Liberation Sans Narrow" panose="020B0606020202030204" pitchFamily="34" charset="0"/>
+            </a:endParaRPr>
+          </a:p>
+        </p:txBody>
+      </p:sp>
     </p:spTree>
+    <p:extLst>
+      <p:ext uri="{BB962C8B-B14F-4D97-AF65-F5344CB8AC3E}">
+        <p14:creationId xmlns:p14="http://schemas.microsoft.com/office/powerpoint/2010/main" xmlns="" val="2041513877"/>
+      </p:ext>
+    </p:extLst>
   </p:cSld>
   <p:clrMapOvr>
     <a:masterClrMapping/>
   </p:clrMapOvr>
+  <p:timing>
+    <p:tnLst>
+      <p:par>
+        <p:cTn id="1" dur="indefinite" restart="never" nodeType="tmRoot"/>
+      </p:par>
+    </p:tnLst>
+  </p:timing>
 </p:sld>
 </file>
 
@@ -12245,7 +13237,7 @@
   <a:extraClrSchemeLst/>
   <a:extLst>
     <a:ext uri="{05A4C25C-085E-4340-85A3-A5531E510DB2}">
-      <thm15:themeFamily xmlns="" xmlns:thm15="http://schemas.microsoft.com/office/thememl/2012/main" name="Office Theme" id="{62F939B6-93AF-4DB8-9C6B-D6C7DFDC589F}" vid="{4A3C46E8-61CC-4603-A589-7422A47A8E4A}"/>
+      <thm15:themeFamily xmlns:thm15="http://schemas.microsoft.com/office/thememl/2012/main" xmlns="" name="Office Theme" id="{62F939B6-93AF-4DB8-9C6B-D6C7DFDC589F}" vid="{4A3C46E8-61CC-4603-A589-7422A47A8E4A}"/>
     </a:ext>
   </a:extLst>
 </a:theme>
@@ -12506,7 +13498,7 @@
   <a:extraClrSchemeLst/>
   <a:extLst>
     <a:ext uri="{05A4C25C-085E-4340-85A3-A5531E510DB2}">
-      <thm15:themeFamily xmlns="" xmlns:thm15="http://schemas.microsoft.com/office/thememl/2012/main" name="Office Theme" id="{62F939B6-93AF-4DB8-9C6B-D6C7DFDC589F}" vid="{4A3C46E8-61CC-4603-A589-7422A47A8E4A}"/>
+      <thm15:themeFamily xmlns:thm15="http://schemas.microsoft.com/office/thememl/2012/main" xmlns="" name="Office Theme" id="{62F939B6-93AF-4DB8-9C6B-D6C7DFDC589F}" vid="{4A3C46E8-61CC-4603-A589-7422A47A8E4A}"/>
     </a:ext>
   </a:extLst>
 </a:theme>
